--- a/Presentation/Mid_Presentation.pptx
+++ b/Presentation/Mid_Presentation.pptx
@@ -5,7 +5,7 @@
     <p:sldMasterId id="2147483684" r:id="rId1"/>
   </p:sldMasterIdLst>
   <p:notesMasterIdLst>
-    <p:notesMasterId r:id="rId17"/>
+    <p:notesMasterId r:id="rId16"/>
   </p:notesMasterIdLst>
   <p:sldIdLst>
     <p:sldId id="256" r:id="rId2"/>
@@ -22,7 +22,6 @@
     <p:sldId id="281" r:id="rId13"/>
     <p:sldId id="292" r:id="rId14"/>
     <p:sldId id="294" r:id="rId15"/>
-    <p:sldId id="282" r:id="rId16"/>
   </p:sldIdLst>
   <p:sldSz cx="9144000" cy="6858000" type="screen4x3"/>
   <p:notesSz cx="6858000" cy="9144000"/>
@@ -207,7 +206,7 @@
             <a:fld id="{CE9DB683-BA92-4AFD-AD8C-DE649E26BEE1}" type="datetimeFigureOut">
               <a:rPr lang="he-IL" smtClean="0"/>
               <a:pPr/>
-              <a:t>כ"ז/טבת/תשע"ב</a:t>
+              <a:t>כ"ט/טבת/תשע"ב</a:t>
             </a:fld>
             <a:endParaRPr lang="he-IL"/>
           </a:p>
@@ -630,88 +629,6 @@
               <a:rPr lang="he-IL" smtClean="0"/>
               <a:pPr/>
               <a:t>13</a:t>
-            </a:fld>
-            <a:endParaRPr lang="he-IL"/>
-          </a:p>
-        </p:txBody>
-      </p:sp>
-    </p:spTree>
-  </p:cSld>
-  <p:clrMapOvr>
-    <a:masterClrMapping/>
-  </p:clrMapOvr>
-</p:notes>
-</file>
-
-<file path=ppt/notesSlides/notesSlide11.xml><?xml version="1.0" encoding="utf-8"?>
-<p:notes xmlns:a="http://schemas.openxmlformats.org/drawingml/2006/main" xmlns:r="http://schemas.openxmlformats.org/officeDocument/2006/relationships" xmlns:p="http://schemas.openxmlformats.org/presentationml/2006/main">
-  <p:cSld>
-    <p:spTree>
-      <p:nvGrpSpPr>
-        <p:cNvPr id="1" name=""/>
-        <p:cNvGrpSpPr/>
-        <p:nvPr/>
-      </p:nvGrpSpPr>
-      <p:grpSpPr>
-        <a:xfrm>
-          <a:off x="0" y="0"/>
-          <a:ext cx="0" cy="0"/>
-          <a:chOff x="0" y="0"/>
-          <a:chExt cx="0" cy="0"/>
-        </a:xfrm>
-      </p:grpSpPr>
-      <p:sp>
-        <p:nvSpPr>
-          <p:cNvPr id="2" name="Slide Image Placeholder 1"/>
-          <p:cNvSpPr>
-            <a:spLocks noGrp="1" noRot="1" noChangeAspect="1"/>
-          </p:cNvSpPr>
-          <p:nvPr>
-            <p:ph type="sldImg"/>
-          </p:nvPr>
-        </p:nvSpPr>
-        <p:spPr/>
-      </p:sp>
-      <p:sp>
-        <p:nvSpPr>
-          <p:cNvPr id="3" name="Notes Placeholder 2"/>
-          <p:cNvSpPr>
-            <a:spLocks noGrp="1"/>
-          </p:cNvSpPr>
-          <p:nvPr>
-            <p:ph type="body" idx="1"/>
-          </p:nvPr>
-        </p:nvSpPr>
-        <p:spPr/>
-        <p:txBody>
-          <a:bodyPr>
-            <a:normAutofit/>
-          </a:bodyPr>
-          <a:lstStyle/>
-          <a:p>
-            <a:endParaRPr lang="he-IL" dirty="0"/>
-          </a:p>
-        </p:txBody>
-      </p:sp>
-      <p:sp>
-        <p:nvSpPr>
-          <p:cNvPr id="4" name="Slide Number Placeholder 3"/>
-          <p:cNvSpPr>
-            <a:spLocks noGrp="1"/>
-          </p:cNvSpPr>
-          <p:nvPr>
-            <p:ph type="sldNum" sz="quarter" idx="10"/>
-          </p:nvPr>
-        </p:nvSpPr>
-        <p:spPr/>
-        <p:txBody>
-          <a:bodyPr/>
-          <a:lstStyle/>
-          <a:p>
-            <a:fld id="{2C03A9CB-966F-4A57-B2C3-5A442A549DBA}" type="slidenum">
-              <a:rPr lang="he-IL" smtClean="0"/>
-              <a:pPr/>
-              <a:t>15</a:t>
             </a:fld>
             <a:endParaRPr lang="he-IL"/>
           </a:p>
@@ -2211,7 +2128,7 @@
             <a:fld id="{1D8BD707-D9CF-40AE-B4C6-C98DA3205C09}" type="datetimeFigureOut">
               <a:rPr lang="en-US" smtClean="0"/>
               <a:pPr/>
-              <a:t>1/22/2012</a:t>
+              <a:t>1/24/2012</a:t>
             </a:fld>
             <a:endParaRPr lang="en-US"/>
           </a:p>
@@ -2409,7 +2326,7 @@
             <a:fld id="{1D8BD707-D9CF-40AE-B4C6-C98DA3205C09}" type="datetimeFigureOut">
               <a:rPr lang="en-US" smtClean="0"/>
               <a:pPr/>
-              <a:t>1/22/2012</a:t>
+              <a:t>1/24/2012</a:t>
             </a:fld>
             <a:endParaRPr lang="en-US"/>
           </a:p>
@@ -2596,7 +2513,7 @@
             <a:fld id="{1D8BD707-D9CF-40AE-B4C6-C98DA3205C09}" type="datetimeFigureOut">
               <a:rPr lang="en-US" smtClean="0"/>
               <a:pPr/>
-              <a:t>1/22/2012</a:t>
+              <a:t>1/24/2012</a:t>
             </a:fld>
             <a:endParaRPr lang="en-US"/>
           </a:p>
@@ -2748,7 +2665,7 @@
             <a:fld id="{1D8BD707-D9CF-40AE-B4C6-C98DA3205C09}" type="datetimeFigureOut">
               <a:rPr lang="en-US" smtClean="0"/>
               <a:pPr/>
-              <a:t>1/22/2012</a:t>
+              <a:t>1/24/2012</a:t>
             </a:fld>
             <a:endParaRPr lang="en-US"/>
           </a:p>
@@ -3005,7 +2922,7 @@
             <a:fld id="{1D8BD707-D9CF-40AE-B4C6-C98DA3205C09}" type="datetimeFigureOut">
               <a:rPr lang="en-US" smtClean="0"/>
               <a:pPr/>
-              <a:t>1/22/2012</a:t>
+              <a:t>1/24/2012</a:t>
             </a:fld>
             <a:endParaRPr lang="en-US"/>
           </a:p>
@@ -3416,7 +3333,7 @@
             <a:fld id="{1D8BD707-D9CF-40AE-B4C6-C98DA3205C09}" type="datetimeFigureOut">
               <a:rPr lang="en-US" smtClean="0"/>
               <a:pPr/>
-              <a:t>1/22/2012</a:t>
+              <a:t>1/24/2012</a:t>
             </a:fld>
             <a:endParaRPr lang="en-US"/>
           </a:p>
@@ -3864,7 +3781,7 @@
             <a:fld id="{1D8BD707-D9CF-40AE-B4C6-C98DA3205C09}" type="datetimeFigureOut">
               <a:rPr lang="en-US" smtClean="0"/>
               <a:pPr/>
-              <a:t>1/22/2012</a:t>
+              <a:t>1/24/2012</a:t>
             </a:fld>
             <a:endParaRPr lang="en-US"/>
           </a:p>
@@ -3967,7 +3884,7 @@
             <a:fld id="{1D8BD707-D9CF-40AE-B4C6-C98DA3205C09}" type="datetimeFigureOut">
               <a:rPr lang="en-US" smtClean="0"/>
               <a:pPr/>
-              <a:t>1/22/2012</a:t>
+              <a:t>1/24/2012</a:t>
             </a:fld>
             <a:endParaRPr lang="en-US"/>
           </a:p>
@@ -4090,7 +4007,7 @@
             <a:fld id="{1D8BD707-D9CF-40AE-B4C6-C98DA3205C09}" type="datetimeFigureOut">
               <a:rPr lang="en-US" smtClean="0"/>
               <a:pPr/>
-              <a:t>1/22/2012</a:t>
+              <a:t>1/24/2012</a:t>
             </a:fld>
             <a:endParaRPr lang="en-US"/>
           </a:p>
@@ -4366,7 +4283,7 @@
             <a:fld id="{1D8BD707-D9CF-40AE-B4C6-C98DA3205C09}" type="datetimeFigureOut">
               <a:rPr lang="en-US" smtClean="0"/>
               <a:pPr/>
-              <a:t>1/22/2012</a:t>
+              <a:t>1/24/2012</a:t>
             </a:fld>
             <a:endParaRPr lang="en-US"/>
           </a:p>
@@ -4573,7 +4490,7 @@
             <a:fld id="{1D8BD707-D9CF-40AE-B4C6-C98DA3205C09}" type="datetimeFigureOut">
               <a:rPr lang="en-US" smtClean="0"/>
               <a:pPr/>
-              <a:t>1/22/2012</a:t>
+              <a:t>1/24/2012</a:t>
             </a:fld>
             <a:endParaRPr lang="en-US"/>
           </a:p>
@@ -5684,7 +5601,7 @@
             <a:fld id="{1D8BD707-D9CF-40AE-B4C6-C98DA3205C09}" type="datetimeFigureOut">
               <a:rPr lang="en-US" smtClean="0"/>
               <a:pPr/>
-              <a:t>1/22/2012</a:t>
+              <a:t>1/24/2012</a:t>
             </a:fld>
             <a:endParaRPr lang="en-US"/>
           </a:p>
@@ -7759,7 +7676,7 @@
             <a:pPr rtl="0"/>
             <a:r>
               <a:rPr lang="en-US" dirty="0" smtClean="0"/>
-              <a:t>Problems</a:t>
+              <a:t>Problems during the process</a:t>
             </a:r>
             <a:endParaRPr lang="he-IL" dirty="0"/>
           </a:p>
@@ -7790,15 +7707,7 @@
             </a:pPr>
             <a:r>
               <a:rPr lang="en-US" dirty="0" smtClean="0"/>
-              <a:t>Making </a:t>
-            </a:r>
-            <a:r>
-              <a:rPr lang="en-US" dirty="0" smtClean="0"/>
-              <a:t>the system support low </a:t>
-            </a:r>
-            <a:r>
-              <a:rPr lang="en-US" dirty="0" smtClean="0"/>
-              <a:t>resolutions:</a:t>
+              <a:t>Making the system support low resolutions:</a:t>
             </a:r>
           </a:p>
           <a:p>
@@ -7820,7 +7729,6 @@
               <a:rPr lang="en-US" dirty="0" smtClean="0"/>
               <a:t>Changing generics in code</a:t>
             </a:r>
-            <a:endParaRPr lang="en-US" dirty="0" smtClean="0"/>
           </a:p>
           <a:p>
             <a:pPr marL="624078" indent="-514350" algn="l" rtl="0">
@@ -7828,15 +7736,7 @@
             </a:pPr>
             <a:r>
               <a:rPr lang="en-US" dirty="0" smtClean="0"/>
-              <a:t>Making </a:t>
-            </a:r>
-            <a:r>
-              <a:rPr lang="en-US" dirty="0" smtClean="0"/>
-              <a:t>the system support non compressed </a:t>
-            </a:r>
-            <a:r>
-              <a:rPr lang="en-US" dirty="0" smtClean="0"/>
-              <a:t>image</a:t>
+              <a:t>Making the system support non compressed image</a:t>
             </a:r>
           </a:p>
           <a:p>
@@ -7991,2005 +7891,6 @@
 </p:sld>
 </file>
 
-<file path=ppt/slides/slide15.xml><?xml version="1.0" encoding="utf-8"?>
-<p:sld xmlns:a="http://schemas.openxmlformats.org/drawingml/2006/main" xmlns:r="http://schemas.openxmlformats.org/officeDocument/2006/relationships" xmlns:p="http://schemas.openxmlformats.org/presentationml/2006/main">
-  <p:cSld>
-    <p:spTree>
-      <p:nvGrpSpPr>
-        <p:cNvPr id="1" name=""/>
-        <p:cNvGrpSpPr/>
-        <p:nvPr/>
-      </p:nvGrpSpPr>
-      <p:grpSpPr>
-        <a:xfrm>
-          <a:off x="0" y="0"/>
-          <a:ext cx="0" cy="0"/>
-          <a:chOff x="0" y="0"/>
-          <a:chExt cx="0" cy="0"/>
-        </a:xfrm>
-      </p:grpSpPr>
-      <p:sp>
-        <p:nvSpPr>
-          <p:cNvPr id="8" name="TextBox 7"/>
-          <p:cNvSpPr txBox="1"/>
-          <p:nvPr/>
-        </p:nvSpPr>
-        <p:spPr>
-          <a:xfrm rot="16200000">
-            <a:off x="1750950" y="3884277"/>
-            <a:ext cx="735129" cy="352667"/>
-          </a:xfrm>
-          <a:prstGeom prst="rect">
-            <a:avLst/>
-          </a:prstGeom>
-          <a:noFill/>
-        </p:spPr>
-        <p:txBody>
-          <a:bodyPr wrap="none" rtlCol="1">
-            <a:spAutoFit/>
-          </a:bodyPr>
-          <a:lstStyle/>
-          <a:p>
-            <a:r>
-              <a:rPr lang="en-US" sz="1000" dirty="0" smtClean="0"/>
-              <a:t>Flush</a:t>
-            </a:r>
-            <a:endParaRPr lang="he-IL" sz="1000" dirty="0"/>
-          </a:p>
-        </p:txBody>
-      </p:sp>
-      <p:sp>
-        <p:nvSpPr>
-          <p:cNvPr id="9" name="Rectangle 8"/>
-          <p:cNvSpPr/>
-          <p:nvPr/>
-        </p:nvSpPr>
-        <p:spPr>
-          <a:xfrm>
-            <a:off x="1225926" y="1855112"/>
-            <a:ext cx="5730081" cy="3905607"/>
-          </a:xfrm>
-          <a:prstGeom prst="rect">
-            <a:avLst/>
-          </a:prstGeom>
-          <a:solidFill>
-            <a:schemeClr val="accent1">
-              <a:alpha val="19000"/>
-            </a:schemeClr>
-          </a:solidFill>
-        </p:spPr>
-        <p:style>
-          <a:lnRef idx="2">
-            <a:schemeClr val="accent1">
-              <a:shade val="50000"/>
-            </a:schemeClr>
-          </a:lnRef>
-          <a:fillRef idx="1">
-            <a:schemeClr val="accent1"/>
-          </a:fillRef>
-          <a:effectRef idx="0">
-            <a:schemeClr val="accent1"/>
-          </a:effectRef>
-          <a:fontRef idx="minor">
-            <a:schemeClr val="lt1"/>
-          </a:fontRef>
-        </p:style>
-        <p:txBody>
-          <a:bodyPr rtlCol="1" anchor="ctr"/>
-          <a:lstStyle/>
-          <a:p>
-            <a:pPr algn="ctr"/>
-            <a:endParaRPr lang="he-IL"/>
-          </a:p>
-        </p:txBody>
-      </p:sp>
-      <p:sp>
-        <p:nvSpPr>
-          <p:cNvPr id="11" name="TextBox 10"/>
-          <p:cNvSpPr txBox="1"/>
-          <p:nvPr/>
-        </p:nvSpPr>
-        <p:spPr>
-          <a:xfrm>
-            <a:off x="1919993" y="3348431"/>
-            <a:ext cx="1227865" cy="445409"/>
-          </a:xfrm>
-          <a:prstGeom prst="rect">
-            <a:avLst/>
-          </a:prstGeom>
-        </p:spPr>
-        <p:style>
-          <a:lnRef idx="1">
-            <a:schemeClr val="accent4"/>
-          </a:lnRef>
-          <a:fillRef idx="2">
-            <a:schemeClr val="accent4"/>
-          </a:fillRef>
-          <a:effectRef idx="1">
-            <a:schemeClr val="accent4"/>
-          </a:effectRef>
-          <a:fontRef idx="minor">
-            <a:schemeClr val="dk1"/>
-          </a:fontRef>
-        </p:style>
-        <p:txBody>
-          <a:bodyPr wrap="square" rtlCol="1">
-            <a:spAutoFit/>
-          </a:bodyPr>
-          <a:lstStyle/>
-          <a:p>
-            <a:pPr algn="ctr"/>
-            <a:r>
-              <a:rPr lang="en-US" sz="1200" dirty="0" smtClean="0"/>
-              <a:t>FIFO</a:t>
-            </a:r>
-            <a:endParaRPr lang="he-IL" sz="1200" dirty="0"/>
-          </a:p>
-        </p:txBody>
-      </p:sp>
-      <p:sp>
-        <p:nvSpPr>
-          <p:cNvPr id="12" name="TextBox 11"/>
-          <p:cNvSpPr txBox="1"/>
-          <p:nvPr/>
-        </p:nvSpPr>
-        <p:spPr>
-          <a:xfrm>
-            <a:off x="5728097" y="4037657"/>
-            <a:ext cx="1023221" cy="841327"/>
-          </a:xfrm>
-          <a:prstGeom prst="rect">
-            <a:avLst/>
-          </a:prstGeom>
-        </p:spPr>
-        <p:style>
-          <a:lnRef idx="1">
-            <a:schemeClr val="accent4"/>
-          </a:lnRef>
-          <a:fillRef idx="2">
-            <a:schemeClr val="accent4"/>
-          </a:fillRef>
-          <a:effectRef idx="1">
-            <a:schemeClr val="accent4"/>
-          </a:effectRef>
-          <a:fontRef idx="minor">
-            <a:schemeClr val="dk1"/>
-          </a:fontRef>
-        </p:style>
-        <p:txBody>
-          <a:bodyPr wrap="square" rtlCol="1">
-            <a:spAutoFit/>
-          </a:bodyPr>
-          <a:lstStyle/>
-          <a:p>
-            <a:pPr algn="ctr"/>
-            <a:r>
-              <a:rPr lang="en-US" sz="1400" dirty="0" smtClean="0"/>
-              <a:t>VESA</a:t>
-            </a:r>
-          </a:p>
-          <a:p>
-            <a:pPr algn="ctr"/>
-            <a:r>
-              <a:rPr lang="en-US" sz="1400" dirty="0" smtClean="0"/>
-              <a:t>Ctrl.</a:t>
-            </a:r>
-            <a:endParaRPr lang="he-IL" sz="1400" dirty="0"/>
-          </a:p>
-        </p:txBody>
-      </p:sp>
-      <p:sp>
-        <p:nvSpPr>
-          <p:cNvPr id="13" name="TextBox 12"/>
-          <p:cNvSpPr txBox="1"/>
-          <p:nvPr/>
-        </p:nvSpPr>
-        <p:spPr>
-          <a:xfrm>
-            <a:off x="4261542" y="1916858"/>
-            <a:ext cx="1602525" cy="742348"/>
-          </a:xfrm>
-          <a:prstGeom prst="rect">
-            <a:avLst/>
-          </a:prstGeom>
-          <a:noFill/>
-        </p:spPr>
-        <p:txBody>
-          <a:bodyPr wrap="none" rtlCol="1">
-            <a:spAutoFit/>
-          </a:bodyPr>
-          <a:lstStyle/>
-          <a:p>
-            <a:pPr algn="ctr"/>
-            <a:r>
-              <a:rPr lang="en-US" sz="1200" dirty="0" err="1" smtClean="0"/>
-              <a:t>req_ln_trig</a:t>
-            </a:r>
-            <a:endParaRPr lang="en-US" sz="1200" dirty="0" smtClean="0"/>
-          </a:p>
-          <a:p>
-            <a:pPr algn="ctr"/>
-            <a:r>
-              <a:rPr lang="en-US" sz="1200" dirty="0" smtClean="0"/>
-              <a:t>&amp; Pixels, </a:t>
-            </a:r>
-            <a:r>
-              <a:rPr lang="en-US" sz="1200" dirty="0" err="1" smtClean="0"/>
-              <a:t>VSync</a:t>
-            </a:r>
-            <a:endParaRPr lang="he-IL" sz="1200" dirty="0"/>
-          </a:p>
-        </p:txBody>
-      </p:sp>
-      <p:cxnSp>
-        <p:nvCxnSpPr>
-          <p:cNvPr id="14" name="Elbow Connector 13"/>
-          <p:cNvCxnSpPr>
-            <a:stCxn id="11" idx="2"/>
-            <a:endCxn id="28" idx="0"/>
-          </p:cNvCxnSpPr>
-          <p:nvPr/>
-        </p:nvCxnSpPr>
-        <p:spPr>
-          <a:xfrm rot="16200000" flipH="1">
-            <a:off x="1848757" y="4479008"/>
-            <a:ext cx="1392525" cy="22187"/>
-          </a:xfrm>
-          <a:prstGeom prst="bentConnector3">
-            <a:avLst>
-              <a:gd name="adj1" fmla="val 52736"/>
-            </a:avLst>
-          </a:prstGeom>
-          <a:ln>
-            <a:tailEnd type="arrow"/>
-          </a:ln>
-        </p:spPr>
-        <p:style>
-          <a:lnRef idx="2">
-            <a:schemeClr val="accent4"/>
-          </a:lnRef>
-          <a:fillRef idx="0">
-            <a:schemeClr val="accent4"/>
-          </a:fillRef>
-          <a:effectRef idx="1">
-            <a:schemeClr val="accent4"/>
-          </a:effectRef>
-          <a:fontRef idx="minor">
-            <a:schemeClr val="tx1"/>
-          </a:fontRef>
-        </p:style>
-      </p:cxnSp>
-      <p:sp>
-        <p:nvSpPr>
-          <p:cNvPr id="15" name="TextBox 14"/>
-          <p:cNvSpPr txBox="1"/>
-          <p:nvPr/>
-        </p:nvSpPr>
-        <p:spPr>
-          <a:xfrm>
-            <a:off x="1737537" y="1969983"/>
-            <a:ext cx="1841797" cy="742348"/>
-          </a:xfrm>
-          <a:prstGeom prst="rect">
-            <a:avLst/>
-          </a:prstGeom>
-        </p:spPr>
-        <p:style>
-          <a:lnRef idx="1">
-            <a:schemeClr val="accent4"/>
-          </a:lnRef>
-          <a:fillRef idx="2">
-            <a:schemeClr val="accent4"/>
-          </a:fillRef>
-          <a:effectRef idx="1">
-            <a:schemeClr val="accent4"/>
-          </a:effectRef>
-          <a:fontRef idx="minor">
-            <a:schemeClr val="dk1"/>
-          </a:fontRef>
-        </p:style>
-        <p:txBody>
-          <a:bodyPr wrap="square" rtlCol="1">
-            <a:spAutoFit/>
-          </a:bodyPr>
-          <a:lstStyle/>
-          <a:p>
-            <a:pPr algn="ctr"/>
-            <a:r>
-              <a:rPr lang="en-US" sz="1200" dirty="0" smtClean="0"/>
-              <a:t> Pixel Manager</a:t>
-            </a:r>
-            <a:endParaRPr lang="he-IL" sz="1200" dirty="0" smtClean="0"/>
-          </a:p>
-          <a:p>
-            <a:pPr algn="ctr"/>
-            <a:r>
-              <a:rPr lang="en-US" sz="1200" dirty="0" smtClean="0"/>
-              <a:t>(</a:t>
-            </a:r>
-            <a:r>
-              <a:rPr lang="en-US" sz="1200" dirty="0" err="1" smtClean="0"/>
-              <a:t>Req</a:t>
-            </a:r>
-            <a:r>
-              <a:rPr lang="en-US" sz="1200" dirty="0" smtClean="0"/>
-              <a:t> for Data)</a:t>
-            </a:r>
-          </a:p>
-        </p:txBody>
-      </p:sp>
-      <p:cxnSp>
-        <p:nvCxnSpPr>
-          <p:cNvPr id="16" name="Shape 100"/>
-          <p:cNvCxnSpPr>
-            <a:stCxn id="12" idx="0"/>
-            <a:endCxn id="15" idx="3"/>
-          </p:cNvCxnSpPr>
-          <p:nvPr/>
-        </p:nvCxnSpPr>
-        <p:spPr>
-          <a:xfrm rot="16200000" flipV="1">
-            <a:off x="4061271" y="1859221"/>
-            <a:ext cx="1696500" cy="2660373"/>
-          </a:xfrm>
-          <a:prstGeom prst="bentConnector2">
-            <a:avLst/>
-          </a:prstGeom>
-          <a:ln>
-            <a:tailEnd type="arrow"/>
-          </a:ln>
-        </p:spPr>
-        <p:style>
-          <a:lnRef idx="2">
-            <a:schemeClr val="accent4"/>
-          </a:lnRef>
-          <a:fillRef idx="0">
-            <a:schemeClr val="accent4"/>
-          </a:fillRef>
-          <a:effectRef idx="1">
-            <a:schemeClr val="accent4"/>
-          </a:effectRef>
-          <a:fontRef idx="minor">
-            <a:schemeClr val="tx1"/>
-          </a:fontRef>
-        </p:style>
-      </p:cxnSp>
-      <p:sp>
-        <p:nvSpPr>
-          <p:cNvPr id="17" name="TextBox 16"/>
-          <p:cNvSpPr txBox="1"/>
-          <p:nvPr/>
-        </p:nvSpPr>
-        <p:spPr>
-          <a:xfrm rot="16200000">
-            <a:off x="392718" y="3185449"/>
-            <a:ext cx="1493320" cy="440835"/>
-          </a:xfrm>
-          <a:prstGeom prst="rect">
-            <a:avLst/>
-          </a:prstGeom>
-        </p:spPr>
-        <p:style>
-          <a:lnRef idx="0">
-            <a:schemeClr val="dk1"/>
-          </a:lnRef>
-          <a:fillRef idx="3">
-            <a:schemeClr val="dk1"/>
-          </a:fillRef>
-          <a:effectRef idx="3">
-            <a:schemeClr val="dk1"/>
-          </a:effectRef>
-          <a:fontRef idx="minor">
-            <a:schemeClr val="lt1"/>
-          </a:fontRef>
-        </p:style>
-        <p:txBody>
-          <a:bodyPr wrap="square" rtlCol="1">
-            <a:spAutoFit/>
-          </a:bodyPr>
-          <a:lstStyle/>
-          <a:p>
-            <a:pPr algn="ctr"/>
-            <a:r>
-              <a:rPr lang="en-US" sz="1400" b="1" dirty="0" smtClean="0"/>
-              <a:t>WBM</a:t>
-            </a:r>
-            <a:endParaRPr lang="he-IL" sz="1400" b="1" dirty="0"/>
-          </a:p>
-        </p:txBody>
-      </p:sp>
-      <p:cxnSp>
-        <p:nvCxnSpPr>
-          <p:cNvPr id="18" name="Shape 165"/>
-          <p:cNvCxnSpPr>
-            <a:stCxn id="15" idx="1"/>
-            <a:endCxn id="17" idx="2"/>
-          </p:cNvCxnSpPr>
-          <p:nvPr/>
-        </p:nvCxnSpPr>
-        <p:spPr>
-          <a:xfrm rot="10800000" flipV="1">
-            <a:off x="1359797" y="2341157"/>
-            <a:ext cx="377740" cy="1064710"/>
-          </a:xfrm>
-          <a:prstGeom prst="bentConnector5">
-            <a:avLst>
-              <a:gd name="adj1" fmla="val 29945"/>
-              <a:gd name="adj2" fmla="val 16797"/>
-              <a:gd name="adj3" fmla="val 28264"/>
-            </a:avLst>
-          </a:prstGeom>
-          <a:ln>
-            <a:tailEnd type="arrow"/>
-          </a:ln>
-        </p:spPr>
-        <p:style>
-          <a:lnRef idx="2">
-            <a:schemeClr val="accent4"/>
-          </a:lnRef>
-          <a:fillRef idx="0">
-            <a:schemeClr val="accent4"/>
-          </a:fillRef>
-          <a:effectRef idx="1">
-            <a:schemeClr val="accent4"/>
-          </a:effectRef>
-          <a:fontRef idx="minor">
-            <a:schemeClr val="tx1"/>
-          </a:fontRef>
-        </p:style>
-      </p:cxnSp>
-      <p:sp>
-        <p:nvSpPr>
-          <p:cNvPr id="19" name="Snip Same Side Corner Rectangle 18"/>
-          <p:cNvSpPr/>
-          <p:nvPr/>
-        </p:nvSpPr>
-        <p:spPr>
-          <a:xfrm rot="5400000">
-            <a:off x="4380051" y="4017868"/>
-            <a:ext cx="1263579" cy="613932"/>
-          </a:xfrm>
-          <a:prstGeom prst="snip2SameRect">
-            <a:avLst>
-              <a:gd name="adj1" fmla="val 32828"/>
-              <a:gd name="adj2" fmla="val 0"/>
-            </a:avLst>
-          </a:prstGeom>
-        </p:spPr>
-        <p:style>
-          <a:lnRef idx="1">
-            <a:schemeClr val="accent3"/>
-          </a:lnRef>
-          <a:fillRef idx="3">
-            <a:schemeClr val="accent3"/>
-          </a:fillRef>
-          <a:effectRef idx="2">
-            <a:schemeClr val="accent3"/>
-          </a:effectRef>
-          <a:fontRef idx="minor">
-            <a:schemeClr val="lt1"/>
-          </a:fontRef>
-        </p:style>
-        <p:txBody>
-          <a:bodyPr rtlCol="1" anchor="ctr"/>
-          <a:lstStyle/>
-          <a:p>
-            <a:pPr algn="ctr"/>
-            <a:r>
-              <a:rPr lang="en-US" dirty="0" smtClean="0"/>
-              <a:t>MUX</a:t>
-            </a:r>
-            <a:endParaRPr lang="he-IL" dirty="0"/>
-          </a:p>
-        </p:txBody>
-      </p:sp>
-      <p:sp>
-        <p:nvSpPr>
-          <p:cNvPr id="20" name="TextBox 19"/>
-          <p:cNvSpPr txBox="1"/>
-          <p:nvPr/>
-        </p:nvSpPr>
-        <p:spPr>
-          <a:xfrm>
-            <a:off x="3886300" y="2774078"/>
-            <a:ext cx="1432509" cy="742348"/>
-          </a:xfrm>
-          <a:prstGeom prst="rect">
-            <a:avLst/>
-          </a:prstGeom>
-        </p:spPr>
-        <p:style>
-          <a:lnRef idx="1">
-            <a:schemeClr val="accent4"/>
-          </a:lnRef>
-          <a:fillRef idx="2">
-            <a:schemeClr val="accent4"/>
-          </a:fillRef>
-          <a:effectRef idx="1">
-            <a:schemeClr val="accent4"/>
-          </a:effectRef>
-          <a:fontRef idx="minor">
-            <a:schemeClr val="dk1"/>
-          </a:fontRef>
-        </p:style>
-        <p:txBody>
-          <a:bodyPr wrap="square" rtlCol="1">
-            <a:spAutoFit/>
-          </a:bodyPr>
-          <a:lstStyle/>
-          <a:p>
-            <a:pPr algn="ctr" rtl="0"/>
-            <a:r>
-              <a:rPr lang="en-US" sz="1200" dirty="0" smtClean="0"/>
-              <a:t>Synthetic </a:t>
-            </a:r>
-          </a:p>
-          <a:p>
-            <a:pPr algn="ctr" rtl="0"/>
-            <a:r>
-              <a:rPr lang="en-US" sz="1200" dirty="0" err="1" smtClean="0"/>
-              <a:t>Pic</a:t>
-            </a:r>
-            <a:r>
-              <a:rPr lang="en-US" sz="1200" dirty="0" smtClean="0"/>
-              <a:t>. Gen</a:t>
-            </a:r>
-            <a:endParaRPr lang="he-IL" sz="1200" dirty="0"/>
-          </a:p>
-        </p:txBody>
-      </p:sp>
-      <p:cxnSp>
-        <p:nvCxnSpPr>
-          <p:cNvPr id="21" name="Shape 192"/>
-          <p:cNvCxnSpPr>
-            <a:stCxn id="20" idx="2"/>
-            <a:endCxn id="19" idx="1"/>
-          </p:cNvCxnSpPr>
-          <p:nvPr/>
-        </p:nvCxnSpPr>
-        <p:spPr>
-          <a:xfrm rot="16200000" flipH="1">
-            <a:off x="4249509" y="3869469"/>
-            <a:ext cx="808408" cy="102321"/>
-          </a:xfrm>
-          <a:prstGeom prst="bentConnector4">
-            <a:avLst>
-              <a:gd name="adj1" fmla="val 28686"/>
-              <a:gd name="adj2" fmla="val -220002"/>
-            </a:avLst>
-          </a:prstGeom>
-          <a:ln>
-            <a:tailEnd type="arrow"/>
-          </a:ln>
-        </p:spPr>
-        <p:style>
-          <a:lnRef idx="2">
-            <a:schemeClr val="accent4"/>
-          </a:lnRef>
-          <a:fillRef idx="0">
-            <a:schemeClr val="accent4"/>
-          </a:fillRef>
-          <a:effectRef idx="1">
-            <a:schemeClr val="accent4"/>
-          </a:effectRef>
-          <a:fontRef idx="minor">
-            <a:schemeClr val="tx1"/>
-          </a:fontRef>
-        </p:style>
-      </p:cxnSp>
-      <p:cxnSp>
-        <p:nvCxnSpPr>
-          <p:cNvPr id="22" name="Elbow Connector 21"/>
-          <p:cNvCxnSpPr>
-            <a:stCxn id="28" idx="3"/>
-          </p:cNvCxnSpPr>
-          <p:nvPr/>
-        </p:nvCxnSpPr>
-        <p:spPr>
-          <a:xfrm flipV="1">
-            <a:off x="3477011" y="4612016"/>
-            <a:ext cx="1227865" cy="797054"/>
-          </a:xfrm>
-          <a:prstGeom prst="bentConnector3">
-            <a:avLst>
-              <a:gd name="adj1" fmla="val 50000"/>
-            </a:avLst>
-          </a:prstGeom>
-          <a:ln>
-            <a:tailEnd type="arrow"/>
-          </a:ln>
-        </p:spPr>
-        <p:style>
-          <a:lnRef idx="2">
-            <a:schemeClr val="accent4"/>
-          </a:lnRef>
-          <a:fillRef idx="0">
-            <a:schemeClr val="accent4"/>
-          </a:fillRef>
-          <a:effectRef idx="1">
-            <a:schemeClr val="accent4"/>
-          </a:effectRef>
-          <a:fontRef idx="minor">
-            <a:schemeClr val="tx1"/>
-          </a:fontRef>
-        </p:style>
-      </p:cxnSp>
-      <p:cxnSp>
-        <p:nvCxnSpPr>
-          <p:cNvPr id="23" name="Elbow Connector 22"/>
-          <p:cNvCxnSpPr>
-            <a:stCxn id="19" idx="3"/>
-            <a:endCxn id="12" idx="1"/>
-          </p:cNvCxnSpPr>
-          <p:nvPr/>
-        </p:nvCxnSpPr>
-        <p:spPr>
-          <a:xfrm>
-            <a:off x="5318807" y="4324834"/>
-            <a:ext cx="409290" cy="133486"/>
-          </a:xfrm>
-          <a:prstGeom prst="bentConnector3">
-            <a:avLst>
-              <a:gd name="adj1" fmla="val 26171"/>
-            </a:avLst>
-          </a:prstGeom>
-          <a:ln>
-            <a:tailEnd type="arrow"/>
-          </a:ln>
-        </p:spPr>
-        <p:style>
-          <a:lnRef idx="2">
-            <a:schemeClr val="accent4"/>
-          </a:lnRef>
-          <a:fillRef idx="0">
-            <a:schemeClr val="accent4"/>
-          </a:fillRef>
-          <a:effectRef idx="1">
-            <a:schemeClr val="accent4"/>
-          </a:effectRef>
-          <a:fontRef idx="minor">
-            <a:schemeClr val="tx1"/>
-          </a:fontRef>
-        </p:style>
-      </p:cxnSp>
-      <p:cxnSp>
-        <p:nvCxnSpPr>
-          <p:cNvPr id="24" name="Elbow Connector 23"/>
-          <p:cNvCxnSpPr>
-            <a:stCxn id="11" idx="1"/>
-          </p:cNvCxnSpPr>
-          <p:nvPr/>
-        </p:nvCxnSpPr>
-        <p:spPr>
-          <a:xfrm rot="10800000" flipV="1">
-            <a:off x="1359797" y="3571136"/>
-            <a:ext cx="560197" cy="121908"/>
-          </a:xfrm>
-          <a:prstGeom prst="bentConnector3">
-            <a:avLst>
-              <a:gd name="adj1" fmla="val 50000"/>
-            </a:avLst>
-          </a:prstGeom>
-          <a:ln>
-            <a:headEnd type="arrow"/>
-            <a:tailEnd type="arrow"/>
-          </a:ln>
-        </p:spPr>
-        <p:style>
-          <a:lnRef idx="2">
-            <a:schemeClr val="accent4"/>
-          </a:lnRef>
-          <a:fillRef idx="0">
-            <a:schemeClr val="accent4"/>
-          </a:fillRef>
-          <a:effectRef idx="1">
-            <a:schemeClr val="accent4"/>
-          </a:effectRef>
-          <a:fontRef idx="minor">
-            <a:schemeClr val="tx1"/>
-          </a:fontRef>
-        </p:style>
-      </p:cxnSp>
-      <p:sp>
-        <p:nvSpPr>
-          <p:cNvPr id="25" name="Oval 24"/>
-          <p:cNvSpPr/>
-          <p:nvPr/>
-        </p:nvSpPr>
-        <p:spPr>
-          <a:xfrm>
-            <a:off x="714316" y="3922786"/>
-            <a:ext cx="306966" cy="344612"/>
-          </a:xfrm>
-          <a:prstGeom prst="ellipse">
-            <a:avLst/>
-          </a:prstGeom>
-          <a:effectLst>
-            <a:outerShdw blurRad="40000" dist="23000" dir="5400000" rotWithShape="0">
-              <a:srgbClr val="000000">
-                <a:alpha val="35000"/>
-              </a:srgbClr>
-            </a:outerShdw>
-            <a:reflection blurRad="6350" stA="50000" endA="275" endPos="40000" dist="101600" dir="5400000" sy="-100000" algn="bl" rotWithShape="0"/>
-          </a:effectLst>
-          <a:scene3d>
-            <a:camera prst="orthographicFront">
-              <a:rot lat="0" lon="0" rev="0"/>
-            </a:camera>
-            <a:lightRig rig="threePt" dir="t">
-              <a:rot lat="0" lon="0" rev="1200000"/>
-            </a:lightRig>
-          </a:scene3d>
-          <a:sp3d>
-            <a:bevelT w="63500" h="25400" prst="coolSlant"/>
-          </a:sp3d>
-        </p:spPr>
-        <p:style>
-          <a:lnRef idx="0">
-            <a:schemeClr val="accent2"/>
-          </a:lnRef>
-          <a:fillRef idx="3">
-            <a:schemeClr val="accent2"/>
-          </a:fillRef>
-          <a:effectRef idx="3">
-            <a:schemeClr val="accent2"/>
-          </a:effectRef>
-          <a:fontRef idx="minor">
-            <a:schemeClr val="lt1"/>
-          </a:fontRef>
-        </p:style>
-        <p:txBody>
-          <a:bodyPr rtlCol="1" anchor="ctr"/>
-          <a:lstStyle/>
-          <a:p>
-            <a:pPr algn="l"/>
-            <a:r>
-              <a:rPr lang="en-US" sz="1200" dirty="0" smtClean="0"/>
-              <a:t>E</a:t>
-            </a:r>
-            <a:endParaRPr lang="he-IL" sz="1200" dirty="0"/>
-          </a:p>
-        </p:txBody>
-      </p:sp>
-      <p:cxnSp>
-        <p:nvCxnSpPr>
-          <p:cNvPr id="26" name="Elbow Connector 25"/>
-          <p:cNvCxnSpPr>
-            <a:stCxn id="15" idx="2"/>
-            <a:endCxn id="11" idx="0"/>
-          </p:cNvCxnSpPr>
-          <p:nvPr/>
-        </p:nvCxnSpPr>
-        <p:spPr>
-          <a:xfrm rot="5400000">
-            <a:off x="2278131" y="2968126"/>
-            <a:ext cx="636100" cy="124510"/>
-          </a:xfrm>
-          <a:prstGeom prst="bentConnector3">
-            <a:avLst>
-              <a:gd name="adj1" fmla="val 50000"/>
-            </a:avLst>
-          </a:prstGeom>
-          <a:ln>
-            <a:tailEnd type="arrow"/>
-          </a:ln>
-        </p:spPr>
-        <p:style>
-          <a:lnRef idx="2">
-            <a:schemeClr val="accent2"/>
-          </a:lnRef>
-          <a:fillRef idx="0">
-            <a:schemeClr val="accent2"/>
-          </a:fillRef>
-          <a:effectRef idx="1">
-            <a:schemeClr val="accent2"/>
-          </a:effectRef>
-          <a:fontRef idx="minor">
-            <a:schemeClr val="tx1"/>
-          </a:fontRef>
-        </p:style>
-      </p:cxnSp>
-      <p:sp>
-        <p:nvSpPr>
-          <p:cNvPr id="27" name="TextBox 26"/>
-          <p:cNvSpPr txBox="1"/>
-          <p:nvPr/>
-        </p:nvSpPr>
-        <p:spPr>
-          <a:xfrm rot="16200000">
-            <a:off x="2467205" y="2850438"/>
-            <a:ext cx="735129" cy="352667"/>
-          </a:xfrm>
-          <a:prstGeom prst="rect">
-            <a:avLst/>
-          </a:prstGeom>
-          <a:noFill/>
-        </p:spPr>
-        <p:txBody>
-          <a:bodyPr wrap="none" rtlCol="1">
-            <a:spAutoFit/>
-          </a:bodyPr>
-          <a:lstStyle/>
-          <a:p>
-            <a:r>
-              <a:rPr lang="en-US" sz="1000" dirty="0" smtClean="0"/>
-              <a:t>Flush</a:t>
-            </a:r>
-            <a:endParaRPr lang="he-IL" sz="1000" dirty="0"/>
-          </a:p>
-        </p:txBody>
-      </p:sp>
-      <p:sp>
-        <p:nvSpPr>
-          <p:cNvPr id="28" name="TextBox 27"/>
-          <p:cNvSpPr txBox="1"/>
-          <p:nvPr/>
-        </p:nvSpPr>
-        <p:spPr>
-          <a:xfrm>
-            <a:off x="1635214" y="5186365"/>
-            <a:ext cx="1841797" cy="445409"/>
-          </a:xfrm>
-          <a:prstGeom prst="rect">
-            <a:avLst/>
-          </a:prstGeom>
-        </p:spPr>
-        <p:style>
-          <a:lnRef idx="1">
-            <a:schemeClr val="accent4"/>
-          </a:lnRef>
-          <a:fillRef idx="2">
-            <a:schemeClr val="accent4"/>
-          </a:fillRef>
-          <a:effectRef idx="1">
-            <a:schemeClr val="accent4"/>
-          </a:effectRef>
-          <a:fontRef idx="minor">
-            <a:schemeClr val="dk1"/>
-          </a:fontRef>
-        </p:style>
-        <p:txBody>
-          <a:bodyPr wrap="square" rtlCol="1">
-            <a:spAutoFit/>
-          </a:bodyPr>
-          <a:lstStyle/>
-          <a:p>
-            <a:pPr algn="ctr"/>
-            <a:r>
-              <a:rPr lang="en-US" sz="1200" dirty="0" smtClean="0"/>
-              <a:t>Dual </a:t>
-            </a:r>
-            <a:r>
-              <a:rPr lang="en-US" sz="1200" dirty="0" err="1" smtClean="0"/>
-              <a:t>Clk</a:t>
-            </a:r>
-            <a:r>
-              <a:rPr lang="en-US" sz="1200" dirty="0" smtClean="0"/>
-              <a:t> FIFO</a:t>
-            </a:r>
-            <a:endParaRPr lang="he-IL" sz="1200" dirty="0"/>
-          </a:p>
-        </p:txBody>
-      </p:sp>
-      <p:cxnSp>
-        <p:nvCxnSpPr>
-          <p:cNvPr id="30" name="Elbow Connector 29"/>
-          <p:cNvCxnSpPr/>
-          <p:nvPr/>
-        </p:nvCxnSpPr>
-        <p:spPr>
-          <a:xfrm rot="5400000">
-            <a:off x="1345018" y="3577952"/>
-            <a:ext cx="2504519" cy="773281"/>
-          </a:xfrm>
-          <a:prstGeom prst="bentConnector3">
-            <a:avLst>
-              <a:gd name="adj1" fmla="val 50000"/>
-            </a:avLst>
-          </a:prstGeom>
-          <a:ln>
-            <a:tailEnd type="arrow"/>
-          </a:ln>
-        </p:spPr>
-        <p:style>
-          <a:lnRef idx="2">
-            <a:schemeClr val="accent2"/>
-          </a:lnRef>
-          <a:fillRef idx="0">
-            <a:schemeClr val="accent2"/>
-          </a:fillRef>
-          <a:effectRef idx="1">
-            <a:schemeClr val="accent2"/>
-          </a:effectRef>
-          <a:fontRef idx="minor">
-            <a:schemeClr val="tx1"/>
-          </a:fontRef>
-        </p:style>
-      </p:cxnSp>
-      <p:sp>
-        <p:nvSpPr>
-          <p:cNvPr id="31" name="TextBox 30"/>
-          <p:cNvSpPr txBox="1"/>
-          <p:nvPr/>
-        </p:nvSpPr>
-        <p:spPr>
-          <a:xfrm>
-            <a:off x="2344512" y="4039474"/>
-            <a:ext cx="599718" cy="395918"/>
-          </a:xfrm>
-          <a:prstGeom prst="rect">
-            <a:avLst/>
-          </a:prstGeom>
-          <a:noFill/>
-        </p:spPr>
-        <p:txBody>
-          <a:bodyPr wrap="none" rtlCol="1">
-            <a:spAutoFit/>
-          </a:bodyPr>
-          <a:lstStyle/>
-          <a:p>
-            <a:pPr algn="r" rtl="0"/>
-            <a:r>
-              <a:rPr lang="en-US" sz="1000" dirty="0" smtClean="0"/>
-              <a:t>8 bit</a:t>
-            </a:r>
-          </a:p>
-        </p:txBody>
-      </p:sp>
-      <p:cxnSp>
-        <p:nvCxnSpPr>
-          <p:cNvPr id="33" name="Straight Arrow Connector 32"/>
-          <p:cNvCxnSpPr>
-            <a:endCxn id="20" idx="3"/>
-          </p:cNvCxnSpPr>
-          <p:nvPr/>
-        </p:nvCxnSpPr>
-        <p:spPr>
-          <a:xfrm rot="10800000" flipV="1">
-            <a:off x="5318808" y="3118689"/>
-            <a:ext cx="920898" cy="26562"/>
-          </a:xfrm>
-          <a:prstGeom prst="straightConnector1">
-            <a:avLst/>
-          </a:prstGeom>
-          <a:ln>
-            <a:tailEnd type="arrow"/>
-          </a:ln>
-        </p:spPr>
-        <p:style>
-          <a:lnRef idx="2">
-            <a:schemeClr val="accent4"/>
-          </a:lnRef>
-          <a:fillRef idx="0">
-            <a:schemeClr val="accent4"/>
-          </a:fillRef>
-          <a:effectRef idx="1">
-            <a:schemeClr val="accent4"/>
-          </a:effectRef>
-          <a:fontRef idx="minor">
-            <a:schemeClr val="tx1"/>
-          </a:fontRef>
-        </p:style>
-      </p:cxnSp>
-      <p:sp>
-        <p:nvSpPr>
-          <p:cNvPr id="34" name="TextBox 33"/>
-          <p:cNvSpPr txBox="1"/>
-          <p:nvPr/>
-        </p:nvSpPr>
-        <p:spPr>
-          <a:xfrm>
-            <a:off x="5523452" y="2750968"/>
-            <a:ext cx="753552" cy="643368"/>
-          </a:xfrm>
-          <a:prstGeom prst="rect">
-            <a:avLst/>
-          </a:prstGeom>
-          <a:noFill/>
-        </p:spPr>
-        <p:txBody>
-          <a:bodyPr wrap="none" rtlCol="1">
-            <a:spAutoFit/>
-          </a:bodyPr>
-          <a:lstStyle/>
-          <a:p>
-            <a:pPr algn="l" rtl="0"/>
-            <a:r>
-              <a:rPr lang="en-US" sz="1000" dirty="0" err="1" smtClean="0"/>
-              <a:t>Hsync</a:t>
-            </a:r>
-            <a:r>
-              <a:rPr lang="en-US" sz="1000" dirty="0" smtClean="0"/>
-              <a:t>,</a:t>
-            </a:r>
-          </a:p>
-          <a:p>
-            <a:pPr algn="l" rtl="0"/>
-            <a:r>
-              <a:rPr lang="en-US" sz="1000" dirty="0" err="1" smtClean="0"/>
-              <a:t>VSync</a:t>
-            </a:r>
-            <a:endParaRPr lang="en-US" sz="1000" dirty="0" smtClean="0"/>
-          </a:p>
-        </p:txBody>
-      </p:sp>
-      <p:sp>
-        <p:nvSpPr>
-          <p:cNvPr id="35" name="Rounded Rectangle 34"/>
-          <p:cNvSpPr/>
-          <p:nvPr/>
-        </p:nvSpPr>
-        <p:spPr>
-          <a:xfrm>
-            <a:off x="4295588" y="1280758"/>
-            <a:ext cx="2762650" cy="666240"/>
-          </a:xfrm>
-          <a:prstGeom prst="roundRect">
-            <a:avLst/>
-          </a:prstGeom>
-        </p:spPr>
-        <p:style>
-          <a:lnRef idx="0">
-            <a:schemeClr val="accent2"/>
-          </a:lnRef>
-          <a:fillRef idx="3">
-            <a:schemeClr val="accent2"/>
-          </a:fillRef>
-          <a:effectRef idx="3">
-            <a:schemeClr val="accent2"/>
-          </a:effectRef>
-          <a:fontRef idx="minor">
-            <a:schemeClr val="lt1"/>
-          </a:fontRef>
-        </p:style>
-        <p:txBody>
-          <a:bodyPr rtlCol="1" anchor="ctr"/>
-          <a:lstStyle/>
-          <a:p>
-            <a:pPr algn="ctr"/>
-            <a:r>
-              <a:rPr lang="en-US" dirty="0" smtClean="0"/>
-              <a:t>Display Controller</a:t>
-            </a:r>
-            <a:endParaRPr lang="he-IL" dirty="0"/>
-          </a:p>
-        </p:txBody>
-      </p:sp>
-      <p:sp>
-        <p:nvSpPr>
-          <p:cNvPr id="36" name="TextBox 35"/>
-          <p:cNvSpPr txBox="1"/>
-          <p:nvPr/>
-        </p:nvSpPr>
-        <p:spPr>
-          <a:xfrm>
-            <a:off x="2351469" y="1360213"/>
-            <a:ext cx="1330187" cy="494899"/>
-          </a:xfrm>
-          <a:prstGeom prst="rect">
-            <a:avLst/>
-          </a:prstGeom>
-          <a:ln/>
-        </p:spPr>
-        <p:style>
-          <a:lnRef idx="0">
-            <a:schemeClr val="accent1"/>
-          </a:lnRef>
-          <a:fillRef idx="3">
-            <a:schemeClr val="accent1"/>
-          </a:fillRef>
-          <a:effectRef idx="3">
-            <a:schemeClr val="accent1"/>
-          </a:effectRef>
-          <a:fontRef idx="minor">
-            <a:schemeClr val="lt1"/>
-          </a:fontRef>
-        </p:style>
-        <p:txBody>
-          <a:bodyPr wrap="square" rtlCol="1">
-            <a:spAutoFit/>
-          </a:bodyPr>
-          <a:lstStyle/>
-          <a:p>
-            <a:pPr algn="ctr"/>
-            <a:r>
-              <a:rPr lang="en-US" sz="1400" dirty="0" smtClean="0"/>
-              <a:t>WBS</a:t>
-            </a:r>
-            <a:endParaRPr lang="he-IL" sz="1400" dirty="0"/>
-          </a:p>
-        </p:txBody>
-      </p:sp>
-      <p:sp>
-        <p:nvSpPr>
-          <p:cNvPr id="37" name="Oval 36"/>
-          <p:cNvSpPr/>
-          <p:nvPr/>
-        </p:nvSpPr>
-        <p:spPr>
-          <a:xfrm>
-            <a:off x="2249147" y="1165887"/>
-            <a:ext cx="306966" cy="344612"/>
-          </a:xfrm>
-          <a:prstGeom prst="ellipse">
-            <a:avLst/>
-          </a:prstGeom>
-          <a:effectLst>
-            <a:outerShdw blurRad="40000" dist="23000" dir="5400000" rotWithShape="0">
-              <a:srgbClr val="000000">
-                <a:alpha val="35000"/>
-              </a:srgbClr>
-            </a:outerShdw>
-            <a:reflection blurRad="6350" stA="50000" endA="275" endPos="40000" dist="101600" dir="5400000" sy="-100000" algn="bl" rotWithShape="0"/>
-          </a:effectLst>
-          <a:scene3d>
-            <a:camera prst="orthographicFront">
-              <a:rot lat="0" lon="0" rev="0"/>
-            </a:camera>
-            <a:lightRig rig="threePt" dir="t">
-              <a:rot lat="0" lon="0" rev="1200000"/>
-            </a:lightRig>
-          </a:scene3d>
-          <a:sp3d>
-            <a:bevelT w="63500" h="25400" prst="coolSlant"/>
-          </a:sp3d>
-        </p:spPr>
-        <p:style>
-          <a:lnRef idx="0">
-            <a:schemeClr val="accent2"/>
-          </a:lnRef>
-          <a:fillRef idx="3">
-            <a:schemeClr val="accent2"/>
-          </a:fillRef>
-          <a:effectRef idx="3">
-            <a:schemeClr val="accent2"/>
-          </a:effectRef>
-          <a:fontRef idx="minor">
-            <a:schemeClr val="lt1"/>
-          </a:fontRef>
-        </p:style>
-        <p:txBody>
-          <a:bodyPr rtlCol="1" anchor="ctr"/>
-          <a:lstStyle/>
-          <a:p>
-            <a:pPr algn="l"/>
-            <a:r>
-              <a:rPr lang="he-IL" sz="1200" dirty="0" smtClean="0"/>
-              <a:t>4</a:t>
-            </a:r>
-            <a:endParaRPr lang="he-IL" sz="1200" dirty="0"/>
-          </a:p>
-        </p:txBody>
-      </p:sp>
-      <p:sp>
-        <p:nvSpPr>
-          <p:cNvPr id="39" name="TextBox 38"/>
-          <p:cNvSpPr txBox="1"/>
-          <p:nvPr/>
-        </p:nvSpPr>
-        <p:spPr>
-          <a:xfrm>
-            <a:off x="4500232" y="5186365"/>
-            <a:ext cx="873112" cy="346429"/>
-          </a:xfrm>
-          <a:prstGeom prst="rect">
-            <a:avLst/>
-          </a:prstGeom>
-        </p:spPr>
-        <p:style>
-          <a:lnRef idx="0">
-            <a:schemeClr val="accent3"/>
-          </a:lnRef>
-          <a:fillRef idx="3">
-            <a:schemeClr val="accent3"/>
-          </a:fillRef>
-          <a:effectRef idx="3">
-            <a:schemeClr val="accent3"/>
-          </a:effectRef>
-          <a:fontRef idx="minor">
-            <a:schemeClr val="lt1"/>
-          </a:fontRef>
-        </p:style>
-        <p:txBody>
-          <a:bodyPr wrap="square" rtlCol="1">
-            <a:spAutoFit/>
-          </a:bodyPr>
-          <a:lstStyle/>
-          <a:p>
-            <a:pPr algn="ctr" rtl="0"/>
-            <a:r>
-              <a:rPr lang="en-US" sz="800" smtClean="0">
-                <a:solidFill>
-                  <a:schemeClr val="tx1"/>
-                </a:solidFill>
-              </a:rPr>
-              <a:t>Disp. </a:t>
-            </a:r>
-            <a:r>
-              <a:rPr lang="en-US" sz="800" dirty="0" err="1" smtClean="0">
-                <a:solidFill>
-                  <a:schemeClr val="tx1"/>
-                </a:solidFill>
-              </a:rPr>
-              <a:t>Reg</a:t>
-            </a:r>
-            <a:endParaRPr lang="he-IL" sz="800" dirty="0">
-              <a:solidFill>
-                <a:schemeClr val="tx1"/>
-              </a:solidFill>
-            </a:endParaRPr>
-          </a:p>
-        </p:txBody>
-      </p:sp>
-      <p:sp>
-        <p:nvSpPr>
-          <p:cNvPr id="40" name="TextBox 39"/>
-          <p:cNvSpPr txBox="1"/>
-          <p:nvPr/>
-        </p:nvSpPr>
-        <p:spPr>
-          <a:xfrm>
-            <a:off x="3170047" y="3693045"/>
-            <a:ext cx="716253" cy="544388"/>
-          </a:xfrm>
-          <a:prstGeom prst="rect">
-            <a:avLst/>
-          </a:prstGeom>
-        </p:spPr>
-        <p:style>
-          <a:lnRef idx="0">
-            <a:schemeClr val="accent3"/>
-          </a:lnRef>
-          <a:fillRef idx="3">
-            <a:schemeClr val="accent3"/>
-          </a:fillRef>
-          <a:effectRef idx="3">
-            <a:schemeClr val="accent3"/>
-          </a:effectRef>
-          <a:fontRef idx="minor">
-            <a:schemeClr val="lt1"/>
-          </a:fontRef>
-        </p:style>
-        <p:txBody>
-          <a:bodyPr wrap="square" rtlCol="1">
-            <a:spAutoFit/>
-          </a:bodyPr>
-          <a:lstStyle/>
-          <a:p>
-            <a:pPr algn="ctr" rtl="0"/>
-            <a:r>
-              <a:rPr lang="en-US" sz="800" dirty="0" smtClean="0">
-                <a:solidFill>
-                  <a:schemeClr val="tx1"/>
-                </a:solidFill>
-              </a:rPr>
-              <a:t>Frame</a:t>
-            </a:r>
-          </a:p>
-          <a:p>
-            <a:pPr algn="ctr" rtl="0"/>
-            <a:r>
-              <a:rPr lang="en-US" sz="800" dirty="0" smtClean="0">
-                <a:solidFill>
-                  <a:schemeClr val="tx1"/>
-                </a:solidFill>
-              </a:rPr>
-              <a:t> </a:t>
-            </a:r>
-            <a:r>
-              <a:rPr lang="en-US" sz="800" dirty="0" err="1" smtClean="0">
-                <a:solidFill>
-                  <a:schemeClr val="tx1"/>
-                </a:solidFill>
-              </a:rPr>
-              <a:t>Reg</a:t>
-            </a:r>
-            <a:endParaRPr lang="he-IL" sz="800" dirty="0">
-              <a:solidFill>
-                <a:schemeClr val="tx1"/>
-              </a:solidFill>
-            </a:endParaRPr>
-          </a:p>
-        </p:txBody>
-      </p:sp>
-      <p:cxnSp>
-        <p:nvCxnSpPr>
-          <p:cNvPr id="41" name="Shape 224"/>
-          <p:cNvCxnSpPr>
-            <a:stCxn id="36" idx="3"/>
-            <a:endCxn id="40" idx="0"/>
-          </p:cNvCxnSpPr>
-          <p:nvPr/>
-        </p:nvCxnSpPr>
-        <p:spPr>
-          <a:xfrm flipH="1">
-            <a:off x="3528174" y="1607663"/>
-            <a:ext cx="153482" cy="2085381"/>
-          </a:xfrm>
-          <a:prstGeom prst="bentConnector4">
-            <a:avLst>
-              <a:gd name="adj1" fmla="val -213334"/>
-              <a:gd name="adj2" fmla="val 44769"/>
-            </a:avLst>
-          </a:prstGeom>
-          <a:ln>
-            <a:headEnd type="arrow"/>
-            <a:tailEnd type="arrow"/>
-          </a:ln>
-        </p:spPr>
-        <p:style>
-          <a:lnRef idx="1">
-            <a:schemeClr val="dk1"/>
-          </a:lnRef>
-          <a:fillRef idx="0">
-            <a:schemeClr val="dk1"/>
-          </a:fillRef>
-          <a:effectRef idx="0">
-            <a:schemeClr val="dk1"/>
-          </a:effectRef>
-          <a:fontRef idx="minor">
-            <a:schemeClr val="tx1"/>
-          </a:fontRef>
-        </p:style>
-      </p:cxnSp>
-      <p:cxnSp>
-        <p:nvCxnSpPr>
-          <p:cNvPr id="42" name="Elbow Connector 41"/>
-          <p:cNvCxnSpPr>
-            <a:stCxn id="40" idx="3"/>
-          </p:cNvCxnSpPr>
-          <p:nvPr/>
-        </p:nvCxnSpPr>
-        <p:spPr>
-          <a:xfrm>
-            <a:off x="3886300" y="3965238"/>
-            <a:ext cx="818576" cy="646773"/>
-          </a:xfrm>
-          <a:prstGeom prst="bentConnector3">
-            <a:avLst>
-              <a:gd name="adj1" fmla="val 50000"/>
-            </a:avLst>
-          </a:prstGeom>
-          <a:ln>
-            <a:tailEnd type="arrow"/>
-          </a:ln>
-        </p:spPr>
-        <p:style>
-          <a:lnRef idx="1">
-            <a:schemeClr val="dk1"/>
-          </a:lnRef>
-          <a:fillRef idx="0">
-            <a:schemeClr val="dk1"/>
-          </a:fillRef>
-          <a:effectRef idx="0">
-            <a:schemeClr val="dk1"/>
-          </a:effectRef>
-          <a:fontRef idx="minor">
-            <a:schemeClr val="tx1"/>
-          </a:fontRef>
-        </p:style>
-      </p:cxnSp>
-      <p:sp>
-        <p:nvSpPr>
-          <p:cNvPr id="43" name="Isosceles Triangle 42"/>
-          <p:cNvSpPr/>
-          <p:nvPr/>
-        </p:nvSpPr>
-        <p:spPr>
-          <a:xfrm rot="5400000">
-            <a:off x="1667552" y="2499450"/>
-            <a:ext cx="344612" cy="204644"/>
-          </a:xfrm>
-          <a:prstGeom prst="triangle">
-            <a:avLst/>
-          </a:prstGeom>
-        </p:spPr>
-        <p:style>
-          <a:lnRef idx="0">
-            <a:schemeClr val="dk1"/>
-          </a:lnRef>
-          <a:fillRef idx="3">
-            <a:schemeClr val="dk1"/>
-          </a:fillRef>
-          <a:effectRef idx="3">
-            <a:schemeClr val="dk1"/>
-          </a:effectRef>
-          <a:fontRef idx="minor">
-            <a:schemeClr val="lt1"/>
-          </a:fontRef>
-        </p:style>
-        <p:txBody>
-          <a:bodyPr rtlCol="1" anchor="ctr"/>
-          <a:lstStyle/>
-          <a:p>
-            <a:pPr algn="ctr"/>
-            <a:endParaRPr lang="he-IL"/>
-          </a:p>
-        </p:txBody>
-      </p:sp>
-      <p:sp>
-        <p:nvSpPr>
-          <p:cNvPr id="44" name="Isosceles Triangle 43"/>
-          <p:cNvSpPr/>
-          <p:nvPr/>
-        </p:nvSpPr>
-        <p:spPr>
-          <a:xfrm rot="5400000">
-            <a:off x="1769874" y="3533287"/>
-            <a:ext cx="344612" cy="204644"/>
-          </a:xfrm>
-          <a:prstGeom prst="triangle">
-            <a:avLst/>
-          </a:prstGeom>
-        </p:spPr>
-        <p:style>
-          <a:lnRef idx="0">
-            <a:schemeClr val="dk1"/>
-          </a:lnRef>
-          <a:fillRef idx="3">
-            <a:schemeClr val="dk1"/>
-          </a:fillRef>
-          <a:effectRef idx="3">
-            <a:schemeClr val="dk1"/>
-          </a:effectRef>
-          <a:fontRef idx="minor">
-            <a:schemeClr val="lt1"/>
-          </a:fontRef>
-        </p:style>
-        <p:txBody>
-          <a:bodyPr rtlCol="1" anchor="ctr"/>
-          <a:lstStyle/>
-          <a:p>
-            <a:pPr algn="ctr"/>
-            <a:endParaRPr lang="he-IL"/>
-          </a:p>
-        </p:txBody>
-      </p:sp>
-      <p:sp>
-        <p:nvSpPr>
-          <p:cNvPr id="47" name="Isosceles Triangle 46"/>
-          <p:cNvSpPr/>
-          <p:nvPr/>
-        </p:nvSpPr>
-        <p:spPr>
-          <a:xfrm rot="5400000">
-            <a:off x="1571505" y="5250075"/>
-            <a:ext cx="229742" cy="102322"/>
-          </a:xfrm>
-          <a:prstGeom prst="triangle">
-            <a:avLst/>
-          </a:prstGeom>
-        </p:spPr>
-        <p:style>
-          <a:lnRef idx="0">
-            <a:schemeClr val="dk1"/>
-          </a:lnRef>
-          <a:fillRef idx="3">
-            <a:schemeClr val="dk1"/>
-          </a:fillRef>
-          <a:effectRef idx="3">
-            <a:schemeClr val="dk1"/>
-          </a:effectRef>
-          <a:fontRef idx="minor">
-            <a:schemeClr val="lt1"/>
-          </a:fontRef>
-        </p:style>
-        <p:txBody>
-          <a:bodyPr rtlCol="1" anchor="ctr"/>
-          <a:lstStyle/>
-          <a:p>
-            <a:pPr algn="ctr"/>
-            <a:endParaRPr lang="he-IL"/>
-          </a:p>
-        </p:txBody>
-      </p:sp>
-      <p:sp>
-        <p:nvSpPr>
-          <p:cNvPr id="48" name="Isosceles Triangle 47"/>
-          <p:cNvSpPr/>
-          <p:nvPr/>
-        </p:nvSpPr>
-        <p:spPr>
-          <a:xfrm rot="5400000">
-            <a:off x="1571505" y="5479816"/>
-            <a:ext cx="229742" cy="102322"/>
-          </a:xfrm>
-          <a:prstGeom prst="triangle">
-            <a:avLst/>
-          </a:prstGeom>
-        </p:spPr>
-        <p:style>
-          <a:lnRef idx="0">
-            <a:schemeClr val="accent6"/>
-          </a:lnRef>
-          <a:fillRef idx="3">
-            <a:schemeClr val="accent6"/>
-          </a:fillRef>
-          <a:effectRef idx="3">
-            <a:schemeClr val="accent6"/>
-          </a:effectRef>
-          <a:fontRef idx="minor">
-            <a:schemeClr val="lt1"/>
-          </a:fontRef>
-        </p:style>
-        <p:txBody>
-          <a:bodyPr rtlCol="1" anchor="ctr"/>
-          <a:lstStyle/>
-          <a:p>
-            <a:pPr algn="ctr"/>
-            <a:endParaRPr lang="he-IL"/>
-          </a:p>
-        </p:txBody>
-      </p:sp>
-      <p:sp>
-        <p:nvSpPr>
-          <p:cNvPr id="49" name="Isosceles Triangle 48"/>
-          <p:cNvSpPr/>
-          <p:nvPr/>
-        </p:nvSpPr>
-        <p:spPr>
-          <a:xfrm rot="5400000">
-            <a:off x="5658112" y="4567124"/>
-            <a:ext cx="344612" cy="204644"/>
-          </a:xfrm>
-          <a:prstGeom prst="triangle">
-            <a:avLst/>
-          </a:prstGeom>
-        </p:spPr>
-        <p:style>
-          <a:lnRef idx="0">
-            <a:schemeClr val="accent6"/>
-          </a:lnRef>
-          <a:fillRef idx="3">
-            <a:schemeClr val="accent6"/>
-          </a:fillRef>
-          <a:effectRef idx="3">
-            <a:schemeClr val="accent6"/>
-          </a:effectRef>
-          <a:fontRef idx="minor">
-            <a:schemeClr val="lt1"/>
-          </a:fontRef>
-        </p:style>
-        <p:txBody>
-          <a:bodyPr rtlCol="1" anchor="ctr"/>
-          <a:lstStyle/>
-          <a:p>
-            <a:pPr algn="ctr"/>
-            <a:endParaRPr lang="he-IL"/>
-          </a:p>
-        </p:txBody>
-      </p:sp>
-      <p:sp>
-        <p:nvSpPr>
-          <p:cNvPr id="50" name="Isosceles Triangle 49"/>
-          <p:cNvSpPr/>
-          <p:nvPr/>
-        </p:nvSpPr>
-        <p:spPr>
-          <a:xfrm rot="5400000">
-            <a:off x="3816315" y="3303546"/>
-            <a:ext cx="344612" cy="204644"/>
-          </a:xfrm>
-          <a:prstGeom prst="triangle">
-            <a:avLst/>
-          </a:prstGeom>
-        </p:spPr>
-        <p:style>
-          <a:lnRef idx="0">
-            <a:schemeClr val="accent6"/>
-          </a:lnRef>
-          <a:fillRef idx="3">
-            <a:schemeClr val="accent6"/>
-          </a:fillRef>
-          <a:effectRef idx="3">
-            <a:schemeClr val="accent6"/>
-          </a:effectRef>
-          <a:fontRef idx="minor">
-            <a:schemeClr val="lt1"/>
-          </a:fontRef>
-        </p:style>
-        <p:txBody>
-          <a:bodyPr rtlCol="1" anchor="ctr"/>
-          <a:lstStyle/>
-          <a:p>
-            <a:pPr algn="ctr"/>
-            <a:endParaRPr lang="he-IL"/>
-          </a:p>
-        </p:txBody>
-      </p:sp>
-      <p:cxnSp>
-        <p:nvCxnSpPr>
-          <p:cNvPr id="51" name="Shape 194"/>
-          <p:cNvCxnSpPr>
-            <a:stCxn id="36" idx="3"/>
-            <a:endCxn id="39" idx="1"/>
-          </p:cNvCxnSpPr>
-          <p:nvPr/>
-        </p:nvCxnSpPr>
-        <p:spPr>
-          <a:xfrm>
-            <a:off x="3681655" y="1607663"/>
-            <a:ext cx="818576" cy="3751917"/>
-          </a:xfrm>
-          <a:prstGeom prst="bentConnector3">
-            <a:avLst>
-              <a:gd name="adj1" fmla="val 39333"/>
-            </a:avLst>
-          </a:prstGeom>
-          <a:ln>
-            <a:tailEnd type="arrow"/>
-          </a:ln>
-        </p:spPr>
-        <p:style>
-          <a:lnRef idx="1">
-            <a:schemeClr val="dk1"/>
-          </a:lnRef>
-          <a:fillRef idx="0">
-            <a:schemeClr val="dk1"/>
-          </a:fillRef>
-          <a:effectRef idx="0">
-            <a:schemeClr val="dk1"/>
-          </a:effectRef>
-          <a:fontRef idx="minor">
-            <a:schemeClr val="tx1"/>
-          </a:fontRef>
-        </p:style>
-      </p:cxnSp>
-      <p:grpSp>
-        <p:nvGrpSpPr>
-          <p:cNvPr id="52" name="Group 51"/>
-          <p:cNvGrpSpPr/>
-          <p:nvPr/>
-        </p:nvGrpSpPr>
-        <p:grpSpPr>
-          <a:xfrm>
-            <a:off x="5932741" y="5186365"/>
-            <a:ext cx="1023221" cy="544388"/>
-            <a:chOff x="6643702" y="2928934"/>
-            <a:chExt cx="714380" cy="338554"/>
-          </a:xfrm>
-        </p:grpSpPr>
-        <p:sp>
-          <p:nvSpPr>
-            <p:cNvPr id="53" name="TextBox 52"/>
-            <p:cNvSpPr txBox="1"/>
-            <p:nvPr/>
-          </p:nvSpPr>
-          <p:spPr>
-            <a:xfrm>
-              <a:off x="6643702" y="2928934"/>
-              <a:ext cx="714380" cy="338554"/>
-            </a:xfrm>
-            <a:prstGeom prst="rect">
-              <a:avLst/>
-            </a:prstGeom>
-          </p:spPr>
-          <p:style>
-            <a:lnRef idx="2">
-              <a:schemeClr val="dk1"/>
-            </a:lnRef>
-            <a:fillRef idx="1">
-              <a:schemeClr val="lt1"/>
-            </a:fillRef>
-            <a:effectRef idx="0">
-              <a:schemeClr val="dk1"/>
-            </a:effectRef>
-            <a:fontRef idx="minor">
-              <a:schemeClr val="dk1"/>
-            </a:fontRef>
-          </p:style>
-          <p:txBody>
-            <a:bodyPr wrap="square" rtlCol="1">
-              <a:spAutoFit/>
-            </a:bodyPr>
-            <a:lstStyle/>
-            <a:p>
-              <a:pPr algn="l" rtl="0"/>
-              <a:r>
-                <a:rPr lang="en-US" sz="800" dirty="0" smtClean="0"/>
-                <a:t>  - 133 MHz</a:t>
-              </a:r>
-            </a:p>
-            <a:p>
-              <a:pPr algn="l" rtl="0"/>
-              <a:r>
-                <a:rPr lang="en-US" sz="800" dirty="0" smtClean="0"/>
-                <a:t>  - 40 MHz</a:t>
-              </a:r>
-            </a:p>
-          </p:txBody>
-        </p:sp>
-        <p:sp>
-          <p:nvSpPr>
-            <p:cNvPr id="54" name="Isosceles Triangle 53"/>
-            <p:cNvSpPr/>
-            <p:nvPr/>
-          </p:nvSpPr>
-          <p:spPr>
-            <a:xfrm rot="5400000">
-              <a:off x="6641306" y="3000375"/>
-              <a:ext cx="142876" cy="71438"/>
-            </a:xfrm>
-            <a:prstGeom prst="triangle">
-              <a:avLst/>
-            </a:prstGeom>
-          </p:spPr>
-          <p:style>
-            <a:lnRef idx="0">
-              <a:schemeClr val="dk1"/>
-            </a:lnRef>
-            <a:fillRef idx="3">
-              <a:schemeClr val="dk1"/>
-            </a:fillRef>
-            <a:effectRef idx="3">
-              <a:schemeClr val="dk1"/>
-            </a:effectRef>
-            <a:fontRef idx="minor">
-              <a:schemeClr val="lt1"/>
-            </a:fontRef>
-          </p:style>
-          <p:txBody>
-            <a:bodyPr rtlCol="1" anchor="ctr"/>
-            <a:lstStyle/>
-            <a:p>
-              <a:pPr algn="ctr"/>
-              <a:endParaRPr lang="he-IL"/>
-            </a:p>
-          </p:txBody>
-        </p:sp>
-        <p:sp>
-          <p:nvSpPr>
-            <p:cNvPr id="55" name="Isosceles Triangle 54"/>
-            <p:cNvSpPr/>
-            <p:nvPr/>
-          </p:nvSpPr>
-          <p:spPr>
-            <a:xfrm rot="5400000">
-              <a:off x="6643687" y="3131344"/>
-              <a:ext cx="142876" cy="71438"/>
-            </a:xfrm>
-            <a:prstGeom prst="triangle">
-              <a:avLst/>
-            </a:prstGeom>
-          </p:spPr>
-          <p:style>
-            <a:lnRef idx="0">
-              <a:schemeClr val="accent6"/>
-            </a:lnRef>
-            <a:fillRef idx="3">
-              <a:schemeClr val="accent6"/>
-            </a:fillRef>
-            <a:effectRef idx="3">
-              <a:schemeClr val="accent6"/>
-            </a:effectRef>
-            <a:fontRef idx="minor">
-              <a:schemeClr val="lt1"/>
-            </a:fontRef>
-          </p:style>
-          <p:txBody>
-            <a:bodyPr rtlCol="1" anchor="ctr"/>
-            <a:lstStyle/>
-            <a:p>
-              <a:pPr algn="ctr"/>
-              <a:endParaRPr lang="he-IL"/>
-            </a:p>
-          </p:txBody>
-        </p:sp>
-      </p:grpSp>
-      <p:cxnSp>
-        <p:nvCxnSpPr>
-          <p:cNvPr id="56" name="Elbow Connector 55"/>
-          <p:cNvCxnSpPr>
-            <a:stCxn id="12" idx="3"/>
-            <a:endCxn id="57" idx="1"/>
-          </p:cNvCxnSpPr>
-          <p:nvPr/>
-        </p:nvCxnSpPr>
-        <p:spPr>
-          <a:xfrm>
-            <a:off x="6751317" y="4458320"/>
-            <a:ext cx="613116" cy="487628"/>
-          </a:xfrm>
-          <a:prstGeom prst="bentConnector3">
-            <a:avLst>
-              <a:gd name="adj1" fmla="val 50000"/>
-            </a:avLst>
-          </a:prstGeom>
-          <a:ln>
-            <a:tailEnd type="arrow"/>
-          </a:ln>
-        </p:spPr>
-        <p:style>
-          <a:lnRef idx="2">
-            <a:schemeClr val="accent4"/>
-          </a:lnRef>
-          <a:fillRef idx="0">
-            <a:schemeClr val="accent4"/>
-          </a:fillRef>
-          <a:effectRef idx="1">
-            <a:schemeClr val="accent4"/>
-          </a:effectRef>
-          <a:fontRef idx="minor">
-            <a:schemeClr val="tx1"/>
-          </a:fontRef>
-        </p:style>
-      </p:cxnSp>
-      <p:pic>
-        <p:nvPicPr>
-          <p:cNvPr id="57" name="Picture 56" descr="MC900391480.WMF"/>
-          <p:cNvPicPr>
-            <a:picLocks noChangeAspect="1"/>
-          </p:cNvPicPr>
-          <p:nvPr/>
-        </p:nvPicPr>
-        <p:blipFill>
-          <a:blip r:embed="rId3" cstate="print"/>
-          <a:stretch>
-            <a:fillRect/>
-          </a:stretch>
-        </p:blipFill>
-        <p:spPr>
-          <a:xfrm>
-            <a:off x="7364433" y="4360919"/>
-            <a:ext cx="867218" cy="1170059"/>
-          </a:xfrm>
-          <a:prstGeom prst="rect">
-            <a:avLst/>
-          </a:prstGeom>
-        </p:spPr>
-      </p:pic>
-      <p:sp>
-        <p:nvSpPr>
-          <p:cNvPr id="58" name="TextBox 4"/>
-          <p:cNvSpPr txBox="1"/>
-          <p:nvPr/>
-        </p:nvSpPr>
-        <p:spPr>
-          <a:xfrm>
-            <a:off x="7058237" y="3548574"/>
-            <a:ext cx="1330187" cy="742348"/>
-          </a:xfrm>
-          <a:prstGeom prst="rect">
-            <a:avLst/>
-          </a:prstGeom>
-          <a:noFill/>
-        </p:spPr>
-        <p:txBody>
-          <a:bodyPr wrap="square" rtlCol="1">
-            <a:spAutoFit/>
-          </a:bodyPr>
-          <a:lstStyle>
-            <a:defPPr>
-              <a:defRPr lang="he-IL"/>
-            </a:defPPr>
-            <a:lvl1pPr marL="0" algn="r" defTabSz="914400" rtl="1" eaLnBrk="1" latinLnBrk="0" hangingPunct="1">
-              <a:defRPr sz="1800" kern="1200">
-                <a:solidFill>
-                  <a:schemeClr val="tx1"/>
-                </a:solidFill>
-                <a:latin typeface="+mn-lt"/>
-                <a:ea typeface="+mn-ea"/>
-                <a:cs typeface="+mn-cs"/>
-              </a:defRPr>
-            </a:lvl1pPr>
-            <a:lvl2pPr marL="457200" algn="r" defTabSz="914400" rtl="1" eaLnBrk="1" latinLnBrk="0" hangingPunct="1">
-              <a:defRPr sz="1800" kern="1200">
-                <a:solidFill>
-                  <a:schemeClr val="tx1"/>
-                </a:solidFill>
-                <a:latin typeface="+mn-lt"/>
-                <a:ea typeface="+mn-ea"/>
-                <a:cs typeface="+mn-cs"/>
-              </a:defRPr>
-            </a:lvl2pPr>
-            <a:lvl3pPr marL="914400" algn="r" defTabSz="914400" rtl="1" eaLnBrk="1" latinLnBrk="0" hangingPunct="1">
-              <a:defRPr sz="1800" kern="1200">
-                <a:solidFill>
-                  <a:schemeClr val="tx1"/>
-                </a:solidFill>
-                <a:latin typeface="+mn-lt"/>
-                <a:ea typeface="+mn-ea"/>
-                <a:cs typeface="+mn-cs"/>
-              </a:defRPr>
-            </a:lvl3pPr>
-            <a:lvl4pPr marL="1371600" algn="r" defTabSz="914400" rtl="1" eaLnBrk="1" latinLnBrk="0" hangingPunct="1">
-              <a:defRPr sz="1800" kern="1200">
-                <a:solidFill>
-                  <a:schemeClr val="tx1"/>
-                </a:solidFill>
-                <a:latin typeface="+mn-lt"/>
-                <a:ea typeface="+mn-ea"/>
-                <a:cs typeface="+mn-cs"/>
-              </a:defRPr>
-            </a:lvl4pPr>
-            <a:lvl5pPr marL="1828800" algn="r" defTabSz="914400" rtl="1" eaLnBrk="1" latinLnBrk="0" hangingPunct="1">
-              <a:defRPr sz="1800" kern="1200">
-                <a:solidFill>
-                  <a:schemeClr val="tx1"/>
-                </a:solidFill>
-                <a:latin typeface="+mn-lt"/>
-                <a:ea typeface="+mn-ea"/>
-                <a:cs typeface="+mn-cs"/>
-              </a:defRPr>
-            </a:lvl5pPr>
-            <a:lvl6pPr marL="2286000" algn="r" defTabSz="914400" rtl="1" eaLnBrk="1" latinLnBrk="0" hangingPunct="1">
-              <a:defRPr sz="1800" kern="1200">
-                <a:solidFill>
-                  <a:schemeClr val="tx1"/>
-                </a:solidFill>
-                <a:latin typeface="+mn-lt"/>
-                <a:ea typeface="+mn-ea"/>
-                <a:cs typeface="+mn-cs"/>
-              </a:defRPr>
-            </a:lvl6pPr>
-            <a:lvl7pPr marL="2743200" algn="r" defTabSz="914400" rtl="1" eaLnBrk="1" latinLnBrk="0" hangingPunct="1">
-              <a:defRPr sz="1800" kern="1200">
-                <a:solidFill>
-                  <a:schemeClr val="tx1"/>
-                </a:solidFill>
-                <a:latin typeface="+mn-lt"/>
-                <a:ea typeface="+mn-ea"/>
-                <a:cs typeface="+mn-cs"/>
-              </a:defRPr>
-            </a:lvl7pPr>
-            <a:lvl8pPr marL="3200400" algn="r" defTabSz="914400" rtl="1" eaLnBrk="1" latinLnBrk="0" hangingPunct="1">
-              <a:defRPr sz="1800" kern="1200">
-                <a:solidFill>
-                  <a:schemeClr val="tx1"/>
-                </a:solidFill>
-                <a:latin typeface="+mn-lt"/>
-                <a:ea typeface="+mn-ea"/>
-                <a:cs typeface="+mn-cs"/>
-              </a:defRPr>
-            </a:lvl8pPr>
-            <a:lvl9pPr marL="3657600" algn="r" defTabSz="914400" rtl="1" eaLnBrk="1" latinLnBrk="0" hangingPunct="1">
-              <a:defRPr sz="1800" kern="1200">
-                <a:solidFill>
-                  <a:schemeClr val="tx1"/>
-                </a:solidFill>
-                <a:latin typeface="+mn-lt"/>
-                <a:ea typeface="+mn-ea"/>
-                <a:cs typeface="+mn-cs"/>
-              </a:defRPr>
-            </a:lvl9pPr>
-          </a:lstStyle>
-          <a:p>
-            <a:pPr algn="ctr" rtl="0"/>
-            <a:r>
-              <a:rPr lang="en-US" sz="1200" dirty="0" smtClean="0"/>
-              <a:t>VGA</a:t>
-            </a:r>
-          </a:p>
-          <a:p>
-            <a:pPr algn="ctr" rtl="0"/>
-            <a:r>
-              <a:rPr lang="en-US" sz="1200" dirty="0" smtClean="0"/>
-              <a:t> Display</a:t>
-            </a:r>
-            <a:endParaRPr lang="he-IL" sz="1200" dirty="0"/>
-          </a:p>
-        </p:txBody>
-      </p:sp>
-    </p:spTree>
-    <p:extLst>
-      <p:ext uri="{BB962C8B-B14F-4D97-AF65-F5344CB8AC3E}">
-        <p14:creationId xmlns:p14="http://schemas.microsoft.com/office/powerpoint/2010/main" val="3142370878"/>
-      </p:ext>
-    </p:extLst>
-  </p:cSld>
-  <p:clrMapOvr>
-    <a:masterClrMapping/>
-  </p:clrMapOvr>
-  <p:timing>
-    <p:tnLst>
-      <p:par>
-        <p:cTn id="1" dur="indefinite" restart="never" nodeType="tmRoot"/>
-      </p:par>
-    </p:tnLst>
-  </p:timing>
-</p:sld>
-</file>
-
 <file path=ppt/slides/slide2.xml><?xml version="1.0" encoding="utf-8"?>
 <p:sld xmlns:a="http://schemas.openxmlformats.org/drawingml/2006/main" xmlns:r="http://schemas.openxmlformats.org/officeDocument/2006/relationships" xmlns:p="http://schemas.openxmlformats.org/presentationml/2006/main">
   <p:cSld>
@@ -10025,50 +7926,40 @@
             <a:pPr algn="l" rtl="0"/>
             <a:r>
               <a:rPr lang="en-US" dirty="0" smtClean="0"/>
-              <a:t>Input monochromatic image with resolution of 600x800</a:t>
+              <a:t>Previous System – Explained</a:t>
             </a:r>
           </a:p>
           <a:p>
             <a:pPr algn="l" rtl="0"/>
             <a:r>
               <a:rPr lang="en-US" dirty="0" smtClean="0"/>
-              <a:t>Output resolution 480x640 with user defined region of interest</a:t>
+              <a:t>Degeneration of the system</a:t>
             </a:r>
           </a:p>
           <a:p>
             <a:pPr algn="l" rtl="0"/>
             <a:r>
               <a:rPr lang="en-US" dirty="0" smtClean="0"/>
-              <a:t>Centered Zoom, where zoom factor must be greater than 1</a:t>
+              <a:t>New Top Architecture – Additions and modifications</a:t>
             </a:r>
           </a:p>
           <a:p>
             <a:pPr algn="l" rtl="0"/>
             <a:r>
               <a:rPr lang="en-US" dirty="0" smtClean="0"/>
-              <a:t>Minimum image distortion</a:t>
+              <a:t>Simulations</a:t>
             </a:r>
           </a:p>
           <a:p>
             <a:pPr algn="l" rtl="0"/>
             <a:r>
               <a:rPr lang="en-US" dirty="0" smtClean="0"/>
-              <a:t>Input freq. 50MHz</a:t>
+              <a:t>Missions ahead</a:t>
             </a:r>
           </a:p>
           <a:p>
             <a:pPr algn="l" rtl="0"/>
-            <a:r>
-              <a:rPr lang="en-US" dirty="0" smtClean="0"/>
-              <a:t>Main clock 133MHZ</a:t>
-            </a:r>
-          </a:p>
-          <a:p>
-            <a:pPr algn="l" rtl="0"/>
-            <a:r>
-              <a:rPr lang="en-US" dirty="0" smtClean="0"/>
-              <a:t>VESA (monitor) freq. 40 MHz</a:t>
-            </a:r>
+            <a:endParaRPr lang="en-US" dirty="0" smtClean="0"/>
           </a:p>
           <a:p>
             <a:pPr algn="l" rtl="0"/>
@@ -10093,7 +7984,7 @@
           <a:p>
             <a:r>
               <a:rPr lang="en-US" dirty="0" smtClean="0"/>
-              <a:t>Project’s requirements</a:t>
+              <a:t>Agenda</a:t>
             </a:r>
             <a:endParaRPr lang="he-IL" dirty="0"/>
           </a:p>
@@ -10362,104 +8253,6 @@
                       </p:childTnLst>
                     </p:cTn>
                   </p:par>
-                  <p:par>
-                    <p:cTn id="23" fill="hold">
-                      <p:stCondLst>
-                        <p:cond delay="indefinite"/>
-                      </p:stCondLst>
-                      <p:childTnLst>
-                        <p:par>
-                          <p:cTn id="24" fill="hold">
-                            <p:stCondLst>
-                              <p:cond delay="0"/>
-                            </p:stCondLst>
-                            <p:childTnLst>
-                              <p:par>
-                                <p:cTn id="25" presetID="1" presetClass="entr" presetSubtype="0" fill="hold" nodeType="clickEffect">
-                                  <p:stCondLst>
-                                    <p:cond delay="0"/>
-                                  </p:stCondLst>
-                                  <p:childTnLst>
-                                    <p:set>
-                                      <p:cBhvr>
-                                        <p:cTn id="26" dur="1" fill="hold">
-                                          <p:stCondLst>
-                                            <p:cond delay="0"/>
-                                          </p:stCondLst>
-                                        </p:cTn>
-                                        <p:tgtEl>
-                                          <p:spTgt spid="2">
-                                            <p:txEl>
-                                              <p:pRg st="5" end="5"/>
-                                            </p:txEl>
-                                          </p:spTgt>
-                                        </p:tgtEl>
-                                        <p:attrNameLst>
-                                          <p:attrName>style.visibility</p:attrName>
-                                        </p:attrNameLst>
-                                      </p:cBhvr>
-                                      <p:to>
-                                        <p:strVal val="visible"/>
-                                      </p:to>
-                                    </p:set>
-                                  </p:childTnLst>
-                                </p:cTn>
-                              </p:par>
-                            </p:childTnLst>
-                          </p:cTn>
-                        </p:par>
-                      </p:childTnLst>
-                    </p:cTn>
-                  </p:par>
-                  <p:par>
-                    <p:cTn id="27" fill="hold">
-                      <p:stCondLst>
-                        <p:cond delay="indefinite"/>
-                      </p:stCondLst>
-                      <p:childTnLst>
-                        <p:par>
-                          <p:cTn id="28" fill="hold">
-                            <p:stCondLst>
-                              <p:cond delay="0"/>
-                            </p:stCondLst>
-                            <p:childTnLst>
-                              <p:par>
-                                <p:cTn id="29" presetID="1" presetClass="entr" presetSubtype="0" fill="hold" nodeType="clickEffect">
-                                  <p:stCondLst>
-                                    <p:cond delay="0"/>
-                                  </p:stCondLst>
-                                  <p:childTnLst>
-                                    <p:set>
-                                      <p:cBhvr>
-                                        <p:cTn id="30" dur="1" fill="hold">
-                                          <p:stCondLst>
-                                            <p:cond delay="0"/>
-                                          </p:stCondLst>
-                                        </p:cTn>
-                                        <p:tgtEl>
-                                          <p:spTgt spid="2">
-                                            <p:txEl>
-                                              <p:pRg st="6" end="6"/>
-                                            </p:txEl>
-                                          </p:spTgt>
-                                        </p:tgtEl>
-                                        <p:attrNameLst>
-                                          <p:attrName>style.visibility</p:attrName>
-                                        </p:attrNameLst>
-                                      </p:cBhvr>
-                                      <p:to>
-                                        <p:strVal val="visible"/>
-                                      </p:to>
-                                    </p:set>
-                                  </p:childTnLst>
-                                </p:cTn>
-                              </p:par>
-                            </p:childTnLst>
-                          </p:cTn>
-                        </p:par>
-                      </p:childTnLst>
-                    </p:cTn>
-                  </p:par>
                 </p:childTnLst>
               </p:cTn>
               <p:prevCondLst>
@@ -10515,7 +8308,7 @@
         <p:spPr>
           <a:xfrm>
             <a:off x="551246" y="457200"/>
-            <a:ext cx="7264657" cy="708861"/>
+            <a:ext cx="8252748" cy="708861"/>
           </a:xfrm>
         </p:spPr>
         <p:txBody>
@@ -10527,7 +8320,19 @@
             <a:pPr algn="ctr" rtl="0"/>
             <a:r>
               <a:rPr lang="en-US" dirty="0" smtClean="0"/>
-              <a:t>Top Architecture – Old System</a:t>
+              <a:t>Top Architecture – </a:t>
+            </a:r>
+            <a:r>
+              <a:rPr lang="en-US" dirty="0" smtClean="0"/>
+              <a:t>Previous</a:t>
+            </a:r>
+            <a:r>
+              <a:rPr lang="en-US" dirty="0" smtClean="0"/>
+              <a:t> </a:t>
+            </a:r>
+            <a:r>
+              <a:rPr lang="en-US" dirty="0" smtClean="0"/>
+              <a:t>System</a:t>
             </a:r>
             <a:endParaRPr lang="he-IL" dirty="0"/>
           </a:p>
@@ -12363,15 +10168,7 @@
             </a:r>
             <a:r>
               <a:rPr lang="en-US" dirty="0" smtClean="0"/>
-              <a:t> GUI to support non </a:t>
-            </a:r>
-            <a:r>
-              <a:rPr lang="en-US" dirty="0" smtClean="0"/>
-              <a:t>  compressed </a:t>
-            </a:r>
-            <a:r>
-              <a:rPr lang="en-US" dirty="0" smtClean="0"/>
-              <a:t>image</a:t>
+              <a:t> GUI to support non   compressed image</a:t>
             </a:r>
           </a:p>
           <a:p>
@@ -14818,13 +12615,8 @@
             <a:pPr lvl="1" algn="l" rtl="0"/>
             <a:r>
               <a:rPr lang="en-US" dirty="0" smtClean="0"/>
-              <a:t>Addition of new block – Image </a:t>
-            </a:r>
-            <a:r>
-              <a:rPr lang="en-US" dirty="0" smtClean="0"/>
-              <a:t>Manipulation</a:t>
-            </a:r>
-            <a:endParaRPr lang="en-US" dirty="0" smtClean="0"/>
+              <a:t>Addition of new block – Image Manipulation</a:t>
+            </a:r>
           </a:p>
           <a:p>
             <a:pPr lvl="1" algn="l" rtl="0"/>
@@ -19096,12 +16888,82 @@
   <p:clrMapOvr>
     <a:masterClrMapping/>
   </p:clrMapOvr>
+  <mc:AlternateContent xmlns:mc="http://schemas.openxmlformats.org/markup-compatibility/2006">
+    <mc:Choice xmlns:p14="http://schemas.microsoft.com/office/powerpoint/2010/main" Requires="p14">
+      <p:transition p14:dur="10"/>
+    </mc:Choice>
+    <mc:Fallback>
+      <p:transition/>
+    </mc:Fallback>
+  </mc:AlternateContent>
   <p:timing>
     <p:tnLst>
       <p:par>
-        <p:cTn id="1" dur="indefinite" restart="never" nodeType="tmRoot"/>
+        <p:cTn id="1" dur="indefinite" restart="never" nodeType="tmRoot">
+          <p:childTnLst>
+            <p:seq concurrent="1" nextAc="seek">
+              <p:cTn id="2" dur="indefinite" nodeType="mainSeq">
+                <p:childTnLst>
+                  <p:par>
+                    <p:cTn id="3" fill="hold">
+                      <p:stCondLst>
+                        <p:cond delay="indefinite"/>
+                      </p:stCondLst>
+                      <p:childTnLst>
+                        <p:par>
+                          <p:cTn id="4" fill="hold">
+                            <p:stCondLst>
+                              <p:cond delay="0"/>
+                            </p:stCondLst>
+                            <p:childTnLst>
+                              <p:par>
+                                <p:cTn id="5" presetID="6" presetClass="emph" presetSubtype="0" fill="hold" grpId="0" nodeType="clickEffect">
+                                  <p:stCondLst>
+                                    <p:cond delay="0"/>
+                                  </p:stCondLst>
+                                  <p:childTnLst>
+                                    <p:animScale>
+                                      <p:cBhvr>
+                                        <p:cTn id="6" dur="600" fill="hold"/>
+                                        <p:tgtEl>
+                                          <p:spTgt spid="120"/>
+                                        </p:tgtEl>
+                                      </p:cBhvr>
+                                      <p:by x="150000" y="150000"/>
+                                    </p:animScale>
+                                  </p:childTnLst>
+                                </p:cTn>
+                              </p:par>
+                            </p:childTnLst>
+                          </p:cTn>
+                        </p:par>
+                      </p:childTnLst>
+                    </p:cTn>
+                  </p:par>
+                </p:childTnLst>
+              </p:cTn>
+              <p:prevCondLst>
+                <p:cond evt="onPrev" delay="0">
+                  <p:tgtEl>
+                    <p:sldTgt/>
+                  </p:tgtEl>
+                </p:cond>
+              </p:prevCondLst>
+              <p:nextCondLst>
+                <p:cond evt="onNext" delay="0">
+                  <p:tgtEl>
+                    <p:sldTgt/>
+                  </p:tgtEl>
+                </p:cond>
+              </p:nextCondLst>
+            </p:seq>
+          </p:childTnLst>
+        </p:cTn>
       </p:par>
     </p:tnLst>
+    <p:bldLst>
+      <p:bldP spid="120" grpId="0" animBg="1"/>
+    </p:bldLst>
   </p:timing>
 </p:sld>
 </file>
@@ -19142,11 +17004,7 @@
           <a:p>
             <a:r>
               <a:rPr lang="en-US" dirty="0" smtClean="0"/>
-              <a:t>Image Manipulation </a:t>
-            </a:r>
-            <a:r>
-              <a:rPr lang="en-US" dirty="0" smtClean="0"/>
-              <a:t>– New Block</a:t>
+              <a:t>Image Manipulation – New Block</a:t>
             </a:r>
             <a:endParaRPr lang="he-IL" dirty="0"/>
           </a:p>
@@ -19162,18 +17020,65 @@
             <p:ph idx="1"/>
           </p:nvPr>
         </p:nvSpPr>
-        <p:spPr/>
+        <p:spPr>
+          <a:xfrm>
+            <a:off x="373657" y="1249202"/>
+            <a:ext cx="8229600" cy="4525963"/>
+          </a:xfrm>
+        </p:spPr>
         <p:txBody>
           <a:bodyPr/>
           <a:lstStyle/>
           <a:p>
             <a:pPr algn="l" rtl="0"/>
             <a:r>
+              <a:rPr lang="en-US" dirty="0"/>
+              <a:t>Parameter registers- </a:t>
+            </a:r>
+            <a:r>
+              <a:rPr lang="en-US" dirty="0" smtClean="0"/>
+              <a:t>holds </a:t>
+            </a:r>
+            <a:r>
+              <a:rPr lang="en-US" dirty="0"/>
+              <a:t>user </a:t>
+            </a:r>
+            <a:r>
+              <a:rPr lang="en-US" dirty="0" smtClean="0"/>
+              <a:t>parameters </a:t>
+            </a:r>
+            <a:r>
+              <a:rPr lang="en-US" dirty="0"/>
+              <a:t>(</a:t>
+            </a:r>
+            <a:r>
+              <a:rPr lang="en-US" dirty="0" err="1" smtClean="0"/>
+              <a:t>angle,zoom,crop</a:t>
+            </a:r>
+            <a:r>
+              <a:rPr lang="en-US" dirty="0" smtClean="0"/>
+              <a:t>)</a:t>
+            </a:r>
+          </a:p>
+          <a:p>
+            <a:pPr algn="l" rtl="0"/>
+            <a:r>
               <a:rPr lang="en-US" dirty="0" smtClean="0"/>
               <a:t>Address </a:t>
             </a:r>
             <a:r>
               <a:rPr lang="en-US" dirty="0"/>
+              <a:t>Calculator – Calculates "matrix address" of 4 pixels that are required for the</a:t>
+            </a:r>
+          </a:p>
+          <a:p>
+            <a:pPr algn="l" rtl="0"/>
+            <a:r>
+              <a:rPr lang="en-US" dirty="0" smtClean="0"/>
+              <a:t>Address </a:t>
+            </a:r>
+            <a:r>
+              <a:rPr lang="en-US" dirty="0"/>
               <a:t>Converter – Converts a "matrix </a:t>
             </a:r>
             <a:r>
@@ -19182,562 +17087,634 @@
             </a:r>
             <a:r>
               <a:rPr lang="en-US" dirty="0"/>
-              <a:t>" into a 1D SDRAM address</a:t>
+              <a:t>" into a 1D SDRAM </a:t>
             </a:r>
             <a:r>
               <a:rPr lang="en-US" dirty="0" smtClean="0"/>
-              <a:t>.</a:t>
-            </a:r>
-          </a:p>
-          <a:p>
-            <a:pPr lvl="0" algn="l" rtl="0"/>
+              <a:t>address</a:t>
+            </a:r>
+            <a:endParaRPr lang="en-US" dirty="0" smtClean="0"/>
+          </a:p>
+          <a:p>
+            <a:pPr algn="l" rtl="0"/>
+            <a:r>
+              <a:rPr lang="en-US" dirty="0" smtClean="0"/>
+              <a:t>Bilinear </a:t>
+            </a:r>
             <a:r>
               <a:rPr lang="en-US" dirty="0"/>
-              <a:t>Address Calculator – Calculates "matrix address" of 4 pixels that are required for the bilinear-interpolation.</a:t>
-            </a:r>
-          </a:p>
-          <a:p>
-            <a:pPr algn="l" rtl="0"/>
-            <a:r>
-              <a:rPr lang="en-US" dirty="0"/>
-              <a:t>Bilinear Interpolator – Calculates a mean average between 4 </a:t>
+              <a:t>Interpolator – Calculates a mean average between 4 </a:t>
             </a:r>
             <a:r>
               <a:rPr lang="en-US" dirty="0" smtClean="0"/>
               <a:t>pixels</a:t>
             </a:r>
-          </a:p>
-          <a:p>
-            <a:pPr algn="l" rtl="0"/>
-            <a:r>
-              <a:rPr lang="en-US" dirty="0" smtClean="0"/>
-              <a:t>Parameter registers- holds </a:t>
-            </a:r>
-          </a:p>
-          <a:p>
-            <a:pPr marL="109728" indent="0" algn="l" rtl="0">
-              <a:buNone/>
-            </a:pPr>
-            <a:r>
-              <a:rPr lang="en-US" dirty="0" smtClean="0"/>
-              <a:t>The user data (</a:t>
-            </a:r>
-            <a:r>
-              <a:rPr lang="en-US" dirty="0" err="1" smtClean="0"/>
-              <a:t>angle,zoom</a:t>
-            </a:r>
-            <a:r>
-              <a:rPr lang="en-US" dirty="0" smtClean="0"/>
-              <a:t>,</a:t>
-            </a:r>
-          </a:p>
-          <a:p>
-            <a:pPr marL="109728" indent="0" algn="l" rtl="0">
-              <a:buNone/>
-            </a:pPr>
-            <a:r>
-              <a:rPr lang="en-US" dirty="0" smtClean="0"/>
-              <a:t>Crop).</a:t>
-            </a:r>
-            <a:endParaRPr lang="he-IL" dirty="0"/>
+            <a:endParaRPr lang="en-US" dirty="0" smtClean="0"/>
+          </a:p>
+        </p:txBody>
+      </p:sp>
+      <p:sp>
+        <p:nvSpPr>
+          <p:cNvPr id="7" name="Rectangle 6"/>
+          <p:cNvSpPr/>
+          <p:nvPr/>
+        </p:nvSpPr>
+        <p:spPr>
+          <a:xfrm>
+            <a:off x="5535874" y="4396822"/>
+            <a:ext cx="3067383" cy="1957077"/>
+          </a:xfrm>
+          <a:prstGeom prst="rect">
+            <a:avLst/>
+          </a:prstGeom>
+          <a:solidFill>
+            <a:schemeClr val="accent1">
+              <a:alpha val="19000"/>
+            </a:schemeClr>
+          </a:solidFill>
+          <a:ln w="38100"/>
+        </p:spPr>
+        <p:style>
+          <a:lnRef idx="2">
+            <a:schemeClr val="accent1">
+              <a:shade val="50000"/>
+            </a:schemeClr>
+          </a:lnRef>
+          <a:fillRef idx="1">
+            <a:schemeClr val="accent1"/>
+          </a:fillRef>
+          <a:effectRef idx="0">
+            <a:schemeClr val="accent1"/>
+          </a:effectRef>
+          <a:fontRef idx="minor">
+            <a:schemeClr val="lt1"/>
+          </a:fontRef>
+        </p:style>
+        <p:txBody>
+          <a:bodyPr rtlCol="1" anchor="ctr"/>
+          <a:lstStyle/>
+          <a:p>
+            <a:pPr algn="ctr"/>
+            <a:endParaRPr lang="he-IL"/>
+          </a:p>
+        </p:txBody>
+      </p:sp>
+      <p:cxnSp>
+        <p:nvCxnSpPr>
+          <p:cNvPr id="8" name="Elbow Connector 7"/>
+          <p:cNvCxnSpPr>
+            <a:endCxn id="14" idx="3"/>
+          </p:cNvCxnSpPr>
+          <p:nvPr/>
+        </p:nvCxnSpPr>
+        <p:spPr>
+          <a:xfrm rot="10800000" flipV="1">
+            <a:off x="6864956" y="4986721"/>
+            <a:ext cx="478825" cy="1690"/>
+          </a:xfrm>
+          <a:prstGeom prst="bentConnector3">
+            <a:avLst>
+              <a:gd name="adj1" fmla="val 50000"/>
+            </a:avLst>
+          </a:prstGeom>
+          <a:ln w="38100">
+            <a:tailEnd type="arrow"/>
+          </a:ln>
+        </p:spPr>
+        <p:style>
+          <a:lnRef idx="2">
+            <a:schemeClr val="accent4"/>
+          </a:lnRef>
+          <a:fillRef idx="0">
+            <a:schemeClr val="accent4"/>
+          </a:fillRef>
+          <a:effectRef idx="1">
+            <a:schemeClr val="accent4"/>
+          </a:effectRef>
+          <a:fontRef idx="minor">
+            <a:schemeClr val="tx1"/>
+          </a:fontRef>
+        </p:style>
+      </p:cxnSp>
+      <p:sp>
+        <p:nvSpPr>
+          <p:cNvPr id="9" name="TextBox 8"/>
+          <p:cNvSpPr txBox="1"/>
+          <p:nvPr/>
+        </p:nvSpPr>
+        <p:spPr>
+          <a:xfrm rot="16200000">
+            <a:off x="5051457" y="5646775"/>
+            <a:ext cx="820710" cy="314648"/>
+          </a:xfrm>
+          <a:prstGeom prst="rect">
+            <a:avLst/>
+          </a:prstGeom>
+        </p:spPr>
+        <p:style>
+          <a:lnRef idx="0">
+            <a:schemeClr val="dk1"/>
+          </a:lnRef>
+          <a:fillRef idx="3">
+            <a:schemeClr val="dk1"/>
+          </a:fillRef>
+          <a:effectRef idx="3">
+            <a:schemeClr val="dk1"/>
+          </a:effectRef>
+          <a:fontRef idx="minor">
+            <a:schemeClr val="lt1"/>
+          </a:fontRef>
+        </p:style>
+        <p:txBody>
+          <a:bodyPr wrap="square" rtlCol="1">
+            <a:spAutoFit/>
+          </a:bodyPr>
+          <a:lstStyle/>
+          <a:p>
+            <a:pPr algn="ctr"/>
+            <a:r>
+              <a:rPr lang="en-US" sz="1400" dirty="0" smtClean="0"/>
+              <a:t>WBM</a:t>
+            </a:r>
+            <a:endParaRPr lang="he-IL" sz="1400" dirty="0"/>
+          </a:p>
+        </p:txBody>
+      </p:sp>
+      <p:cxnSp>
+        <p:nvCxnSpPr>
+          <p:cNvPr id="10" name="Elbow Connector 9"/>
+          <p:cNvCxnSpPr/>
+          <p:nvPr/>
+        </p:nvCxnSpPr>
+        <p:spPr>
+          <a:xfrm rot="5400000" flipH="1" flipV="1">
+            <a:off x="7721942" y="5535852"/>
+            <a:ext cx="769152" cy="219102"/>
+          </a:xfrm>
+          <a:prstGeom prst="bentConnector3">
+            <a:avLst>
+              <a:gd name="adj1" fmla="val 50000"/>
+            </a:avLst>
+          </a:prstGeom>
+          <a:ln w="38100">
+            <a:tailEnd type="arrow"/>
+          </a:ln>
+        </p:spPr>
+        <p:style>
+          <a:lnRef idx="2">
+            <a:schemeClr val="accent4"/>
+          </a:lnRef>
+          <a:fillRef idx="0">
+            <a:schemeClr val="accent4"/>
+          </a:fillRef>
+          <a:effectRef idx="1">
+            <a:schemeClr val="accent4"/>
+          </a:effectRef>
+          <a:fontRef idx="minor">
+            <a:schemeClr val="tx1"/>
+          </a:fontRef>
+        </p:style>
+      </p:cxnSp>
+      <p:sp>
+        <p:nvSpPr>
+          <p:cNvPr id="11" name="Oval 10"/>
+          <p:cNvSpPr/>
+          <p:nvPr/>
+        </p:nvSpPr>
+        <p:spPr>
+          <a:xfrm>
+            <a:off x="5336017" y="5393744"/>
+            <a:ext cx="219099" cy="189395"/>
+          </a:xfrm>
+          <a:prstGeom prst="ellipse">
+            <a:avLst/>
+          </a:prstGeom>
+          <a:effectLst>
+            <a:outerShdw blurRad="40000" dist="23000" dir="5400000" rotWithShape="0">
+              <a:srgbClr val="000000">
+                <a:alpha val="35000"/>
+              </a:srgbClr>
+            </a:outerShdw>
+            <a:reflection blurRad="6350" stA="50000" endA="275" endPos="40000" dist="101600" dir="5400000" sy="-100000" algn="bl" rotWithShape="0"/>
+          </a:effectLst>
+          <a:scene3d>
+            <a:camera prst="orthographicFront">
+              <a:rot lat="0" lon="0" rev="0"/>
+            </a:camera>
+            <a:lightRig rig="threePt" dir="t">
+              <a:rot lat="0" lon="0" rev="1200000"/>
+            </a:lightRig>
+          </a:scene3d>
+          <a:sp3d>
+            <a:bevelT w="63500" h="25400" prst="coolSlant"/>
+          </a:sp3d>
+        </p:spPr>
+        <p:style>
+          <a:lnRef idx="0">
+            <a:schemeClr val="accent2"/>
+          </a:lnRef>
+          <a:fillRef idx="3">
+            <a:schemeClr val="accent2"/>
+          </a:fillRef>
+          <a:effectRef idx="3">
+            <a:schemeClr val="accent2"/>
+          </a:effectRef>
+          <a:fontRef idx="minor">
+            <a:schemeClr val="lt1"/>
+          </a:fontRef>
+        </p:style>
+        <p:txBody>
+          <a:bodyPr rtlCol="1" anchor="ctr"/>
+          <a:lstStyle/>
+          <a:p>
+            <a:pPr algn="l"/>
+            <a:r>
+              <a:rPr lang="en-US" sz="1200" dirty="0"/>
+              <a:t>F</a:t>
+            </a:r>
+            <a:endParaRPr lang="he-IL" sz="1200" dirty="0"/>
+          </a:p>
+        </p:txBody>
+      </p:sp>
+      <p:cxnSp>
+        <p:nvCxnSpPr>
+          <p:cNvPr id="12" name="Elbow Connector 11"/>
+          <p:cNvCxnSpPr>
+            <a:endCxn id="16" idx="1"/>
+          </p:cNvCxnSpPr>
+          <p:nvPr/>
+        </p:nvCxnSpPr>
+        <p:spPr>
+          <a:xfrm rot="16200000" flipH="1">
+            <a:off x="5999732" y="5280430"/>
+            <a:ext cx="413890" cy="374684"/>
+          </a:xfrm>
+          <a:prstGeom prst="bentConnector2">
+            <a:avLst/>
+          </a:prstGeom>
+          <a:ln w="38100">
+            <a:tailEnd type="arrow"/>
+          </a:ln>
+        </p:spPr>
+        <p:style>
+          <a:lnRef idx="2">
+            <a:schemeClr val="accent4"/>
+          </a:lnRef>
+          <a:fillRef idx="0">
+            <a:schemeClr val="accent4"/>
+          </a:fillRef>
+          <a:effectRef idx="1">
+            <a:schemeClr val="accent4"/>
+          </a:effectRef>
+          <a:fontRef idx="minor">
+            <a:schemeClr val="tx1"/>
+          </a:fontRef>
+        </p:style>
+      </p:cxnSp>
+      <p:sp>
+        <p:nvSpPr>
+          <p:cNvPr id="14" name="TextBox 13"/>
+          <p:cNvSpPr txBox="1"/>
+          <p:nvPr/>
+        </p:nvSpPr>
+        <p:spPr>
+          <a:xfrm>
+            <a:off x="5753007" y="4726801"/>
+            <a:ext cx="1111948" cy="523220"/>
+          </a:xfrm>
+          <a:prstGeom prst="rect">
+            <a:avLst/>
+          </a:prstGeom>
+        </p:spPr>
+        <p:style>
+          <a:lnRef idx="0">
+            <a:schemeClr val="accent6"/>
+          </a:lnRef>
+          <a:fillRef idx="3">
+            <a:schemeClr val="accent6"/>
+          </a:fillRef>
+          <a:effectRef idx="3">
+            <a:schemeClr val="accent6"/>
+          </a:effectRef>
+          <a:fontRef idx="minor">
+            <a:schemeClr val="lt1"/>
+          </a:fontRef>
+        </p:style>
+        <p:txBody>
+          <a:bodyPr wrap="square" rtlCol="1">
+            <a:spAutoFit/>
+          </a:bodyPr>
+          <a:lstStyle/>
+          <a:p>
+            <a:pPr algn="ctr" rtl="0"/>
+            <a:r>
+              <a:rPr lang="en-US" sz="1400" dirty="0" err="1" smtClean="0"/>
+              <a:t>Addr</a:t>
+            </a:r>
+            <a:r>
+              <a:rPr lang="en-US" sz="1400" dirty="0" smtClean="0"/>
+              <a:t> Converter</a:t>
+            </a:r>
+            <a:endParaRPr lang="he-IL" sz="1400" dirty="0"/>
+          </a:p>
+        </p:txBody>
+      </p:sp>
+      <p:cxnSp>
+        <p:nvCxnSpPr>
+          <p:cNvPr id="15" name="Elbow Connector 14"/>
+          <p:cNvCxnSpPr/>
+          <p:nvPr/>
+        </p:nvCxnSpPr>
+        <p:spPr>
+          <a:xfrm rot="10800000" flipV="1">
+            <a:off x="5619139" y="5833064"/>
+            <a:ext cx="799392" cy="319306"/>
+          </a:xfrm>
+          <a:prstGeom prst="bentConnector3">
+            <a:avLst>
+              <a:gd name="adj1" fmla="val 50000"/>
+            </a:avLst>
+          </a:prstGeom>
+          <a:ln w="19050">
+            <a:tailEnd type="arrow"/>
+          </a:ln>
+        </p:spPr>
+        <p:style>
+          <a:lnRef idx="2">
+            <a:schemeClr val="dk1"/>
+          </a:lnRef>
+          <a:fillRef idx="0">
+            <a:schemeClr val="dk1"/>
+          </a:fillRef>
+          <a:effectRef idx="1">
+            <a:schemeClr val="dk1"/>
+          </a:effectRef>
+          <a:fontRef idx="minor">
+            <a:schemeClr val="tx1"/>
+          </a:fontRef>
+        </p:style>
+      </p:cxnSp>
+      <p:sp>
+        <p:nvSpPr>
+          <p:cNvPr id="16" name="TextBox 15"/>
+          <p:cNvSpPr txBox="1"/>
+          <p:nvPr/>
+        </p:nvSpPr>
+        <p:spPr>
+          <a:xfrm>
+            <a:off x="6394019" y="5413107"/>
+            <a:ext cx="1365397" cy="523220"/>
+          </a:xfrm>
+          <a:prstGeom prst="rect">
+            <a:avLst/>
+          </a:prstGeom>
+        </p:spPr>
+        <p:style>
+          <a:lnRef idx="0">
+            <a:schemeClr val="accent6"/>
+          </a:lnRef>
+          <a:fillRef idx="3">
+            <a:schemeClr val="accent6"/>
+          </a:fillRef>
+          <a:effectRef idx="3">
+            <a:schemeClr val="accent6"/>
+          </a:effectRef>
+          <a:fontRef idx="minor">
+            <a:schemeClr val="lt1"/>
+          </a:fontRef>
+        </p:style>
+        <p:txBody>
+          <a:bodyPr wrap="square" rtlCol="1">
+            <a:spAutoFit/>
+          </a:bodyPr>
+          <a:lstStyle/>
+          <a:p>
+            <a:pPr algn="ctr" rtl="0"/>
+            <a:r>
+              <a:rPr lang="en-US" sz="1400" dirty="0" err="1" smtClean="0"/>
+              <a:t>Biliniar</a:t>
+            </a:r>
+            <a:r>
+              <a:rPr lang="en-US" sz="1400" dirty="0" smtClean="0"/>
+              <a:t> </a:t>
+            </a:r>
+            <a:r>
+              <a:rPr lang="en-US" sz="1400" dirty="0" err="1" smtClean="0"/>
+              <a:t>Interpulation</a:t>
+            </a:r>
+            <a:endParaRPr lang="he-IL" sz="1400" dirty="0"/>
+          </a:p>
+        </p:txBody>
+      </p:sp>
+      <p:sp>
+        <p:nvSpPr>
+          <p:cNvPr id="17" name="TextBox 16"/>
+          <p:cNvSpPr txBox="1"/>
+          <p:nvPr/>
+        </p:nvSpPr>
+        <p:spPr>
+          <a:xfrm>
+            <a:off x="7331444" y="4744046"/>
+            <a:ext cx="1111948" cy="523220"/>
+          </a:xfrm>
+          <a:prstGeom prst="rect">
+            <a:avLst/>
+          </a:prstGeom>
+        </p:spPr>
+        <p:style>
+          <a:lnRef idx="0">
+            <a:schemeClr val="accent6"/>
+          </a:lnRef>
+          <a:fillRef idx="3">
+            <a:schemeClr val="accent6"/>
+          </a:fillRef>
+          <a:effectRef idx="3">
+            <a:schemeClr val="accent6"/>
+          </a:effectRef>
+          <a:fontRef idx="minor">
+            <a:schemeClr val="lt1"/>
+          </a:fontRef>
+        </p:style>
+        <p:txBody>
+          <a:bodyPr wrap="square" rtlCol="1">
+            <a:spAutoFit/>
+          </a:bodyPr>
+          <a:lstStyle/>
+          <a:p>
+            <a:pPr algn="ctr" rtl="0"/>
+            <a:r>
+              <a:rPr lang="en-US" sz="1400" dirty="0" err="1" smtClean="0"/>
+              <a:t>Addr</a:t>
+            </a:r>
+            <a:r>
+              <a:rPr lang="en-US" sz="1400" dirty="0" smtClean="0"/>
+              <a:t> Calculator</a:t>
+            </a:r>
+            <a:endParaRPr lang="he-IL" sz="1400" dirty="0"/>
+          </a:p>
+        </p:txBody>
+      </p:sp>
+      <p:sp>
+        <p:nvSpPr>
+          <p:cNvPr id="19" name="TextBox 18"/>
+          <p:cNvSpPr txBox="1"/>
+          <p:nvPr/>
+        </p:nvSpPr>
+        <p:spPr>
+          <a:xfrm>
+            <a:off x="6024793" y="6306976"/>
+            <a:ext cx="949428" cy="271990"/>
+          </a:xfrm>
+          <a:prstGeom prst="rect">
+            <a:avLst/>
+          </a:prstGeom>
+          <a:ln/>
+        </p:spPr>
+        <p:style>
+          <a:lnRef idx="0">
+            <a:schemeClr val="accent1"/>
+          </a:lnRef>
+          <a:fillRef idx="3">
+            <a:schemeClr val="accent1"/>
+          </a:fillRef>
+          <a:effectRef idx="3">
+            <a:schemeClr val="accent1"/>
+          </a:effectRef>
+          <a:fontRef idx="minor">
+            <a:schemeClr val="lt1"/>
+          </a:fontRef>
+        </p:style>
+        <p:txBody>
+          <a:bodyPr wrap="square" rtlCol="1">
+            <a:spAutoFit/>
+          </a:bodyPr>
+          <a:lstStyle/>
+          <a:p>
+            <a:pPr algn="ctr"/>
+            <a:r>
+              <a:rPr lang="en-US" sz="1400" dirty="0" smtClean="0"/>
+              <a:t>WBS</a:t>
+            </a:r>
+            <a:endParaRPr lang="he-IL" sz="1400" dirty="0"/>
+          </a:p>
+        </p:txBody>
+      </p:sp>
+      <p:sp>
+        <p:nvSpPr>
+          <p:cNvPr id="20" name="Oval 19"/>
+          <p:cNvSpPr/>
+          <p:nvPr/>
+        </p:nvSpPr>
+        <p:spPr>
+          <a:xfrm>
+            <a:off x="6051507" y="6399914"/>
+            <a:ext cx="219099" cy="189395"/>
+          </a:xfrm>
+          <a:prstGeom prst="ellipse">
+            <a:avLst/>
+          </a:prstGeom>
+          <a:effectLst>
+            <a:outerShdw blurRad="40000" dist="23000" dir="5400000" rotWithShape="0">
+              <a:srgbClr val="000000">
+                <a:alpha val="35000"/>
+              </a:srgbClr>
+            </a:outerShdw>
+            <a:reflection blurRad="6350" stA="50000" endA="275" endPos="40000" dist="101600" dir="5400000" sy="-100000" algn="bl" rotWithShape="0"/>
+          </a:effectLst>
+          <a:scene3d>
+            <a:camera prst="orthographicFront">
+              <a:rot lat="0" lon="0" rev="0"/>
+            </a:camera>
+            <a:lightRig rig="threePt" dir="t">
+              <a:rot lat="0" lon="0" rev="1200000"/>
+            </a:lightRig>
+          </a:scene3d>
+          <a:sp3d>
+            <a:bevelT w="63500" h="25400" prst="coolSlant"/>
+          </a:sp3d>
+        </p:spPr>
+        <p:style>
+          <a:lnRef idx="0">
+            <a:schemeClr val="accent2"/>
+          </a:lnRef>
+          <a:fillRef idx="3">
+            <a:schemeClr val="accent2"/>
+          </a:fillRef>
+          <a:effectRef idx="3">
+            <a:schemeClr val="accent2"/>
+          </a:effectRef>
+          <a:fontRef idx="minor">
+            <a:schemeClr val="lt1"/>
+          </a:fontRef>
+        </p:style>
+        <p:txBody>
+          <a:bodyPr rtlCol="1" anchor="ctr"/>
+          <a:lstStyle/>
+          <a:p>
+            <a:pPr algn="l"/>
+            <a:r>
+              <a:rPr lang="he-IL" sz="1200" dirty="0" smtClean="0"/>
+              <a:t>6</a:t>
+            </a:r>
+            <a:endParaRPr lang="he-IL" sz="1200" dirty="0"/>
+          </a:p>
+        </p:txBody>
+      </p:sp>
+      <p:sp>
+        <p:nvSpPr>
+          <p:cNvPr id="13" name="Rounded Rectangle 12"/>
+          <p:cNvSpPr/>
+          <p:nvPr/>
+        </p:nvSpPr>
+        <p:spPr>
+          <a:xfrm>
+            <a:off x="7585731" y="4184123"/>
+            <a:ext cx="1558022" cy="441921"/>
+          </a:xfrm>
+          <a:prstGeom prst="roundRect">
+            <a:avLst/>
+          </a:prstGeom>
+        </p:spPr>
+        <p:style>
+          <a:lnRef idx="0">
+            <a:schemeClr val="accent2"/>
+          </a:lnRef>
+          <a:fillRef idx="3">
+            <a:schemeClr val="accent2"/>
+          </a:fillRef>
+          <a:effectRef idx="3">
+            <a:schemeClr val="accent2"/>
+          </a:effectRef>
+          <a:fontRef idx="minor">
+            <a:schemeClr val="lt1"/>
+          </a:fontRef>
+        </p:style>
+        <p:txBody>
+          <a:bodyPr rtlCol="1" anchor="ctr"/>
+          <a:lstStyle/>
+          <a:p>
+            <a:pPr algn="ctr"/>
+            <a:r>
+              <a:rPr lang="en-US" sz="1200" dirty="0" smtClean="0"/>
+              <a:t>Image Manipulation</a:t>
+            </a:r>
           </a:p>
         </p:txBody>
       </p:sp>
       <p:grpSp>
         <p:nvGrpSpPr>
-          <p:cNvPr id="6" name="Group 5"/>
+          <p:cNvPr id="28" name="Group 27"/>
           <p:cNvGrpSpPr/>
           <p:nvPr/>
         </p:nvGrpSpPr>
         <p:grpSpPr>
           <a:xfrm>
-            <a:off x="5272957" y="4171924"/>
-            <a:ext cx="3839266" cy="2169776"/>
-            <a:chOff x="5143505" y="5298094"/>
-            <a:chExt cx="3755422" cy="2455263"/>
+            <a:off x="6974221" y="6029977"/>
+            <a:ext cx="1558257" cy="464634"/>
+            <a:chOff x="6974221" y="6029977"/>
+            <a:chExt cx="1558257" cy="464634"/>
           </a:xfrm>
         </p:grpSpPr>
-        <p:sp>
-          <p:nvSpPr>
-            <p:cNvPr id="7" name="Rectangle 6"/>
-            <p:cNvSpPr/>
-            <p:nvPr/>
-          </p:nvSpPr>
-          <p:spPr>
-            <a:xfrm>
-              <a:off x="5369839" y="5538779"/>
-              <a:ext cx="3000396" cy="2214578"/>
-            </a:xfrm>
-            <a:prstGeom prst="rect">
-              <a:avLst/>
-            </a:prstGeom>
-            <a:solidFill>
-              <a:schemeClr val="accent1">
-                <a:alpha val="19000"/>
-              </a:schemeClr>
-            </a:solidFill>
-          </p:spPr>
-          <p:style>
-            <a:lnRef idx="2">
-              <a:schemeClr val="accent1">
-                <a:shade val="50000"/>
-              </a:schemeClr>
-            </a:lnRef>
-            <a:fillRef idx="1">
-              <a:schemeClr val="accent1"/>
-            </a:fillRef>
-            <a:effectRef idx="0">
-              <a:schemeClr val="accent1"/>
-            </a:effectRef>
-            <a:fontRef idx="minor">
-              <a:schemeClr val="lt1"/>
-            </a:fontRef>
-          </p:style>
-          <p:txBody>
-            <a:bodyPr rtlCol="1" anchor="ctr"/>
-            <a:lstStyle/>
-            <a:p>
-              <a:pPr algn="ctr"/>
-              <a:endParaRPr lang="he-IL"/>
-            </a:p>
-          </p:txBody>
-        </p:sp>
-        <p:cxnSp>
-          <p:nvCxnSpPr>
-            <p:cNvPr id="8" name="Elbow Connector 7"/>
-            <p:cNvCxnSpPr>
-              <a:endCxn id="14" idx="3"/>
-            </p:cNvCxnSpPr>
-            <p:nvPr/>
-          </p:nvCxnSpPr>
-          <p:spPr>
-            <a:xfrm rot="10800000" flipV="1">
-              <a:off x="6669896" y="6206293"/>
-              <a:ext cx="468368" cy="1912"/>
-            </a:xfrm>
-            <a:prstGeom prst="bentConnector3">
-              <a:avLst>
-                <a:gd name="adj1" fmla="val 50000"/>
-              </a:avLst>
-            </a:prstGeom>
-            <a:ln>
-              <a:tailEnd type="arrow"/>
-            </a:ln>
-          </p:spPr>
-          <p:style>
-            <a:lnRef idx="2">
-              <a:schemeClr val="accent4"/>
-            </a:lnRef>
-            <a:fillRef idx="0">
-              <a:schemeClr val="accent4"/>
-            </a:fillRef>
-            <a:effectRef idx="1">
-              <a:schemeClr val="accent4"/>
-            </a:effectRef>
-            <a:fontRef idx="minor">
-              <a:schemeClr val="tx1"/>
-            </a:fontRef>
-          </p:style>
-        </p:cxnSp>
-        <p:sp>
-          <p:nvSpPr>
-            <p:cNvPr id="9" name="TextBox 8"/>
-            <p:cNvSpPr txBox="1"/>
-            <p:nvPr/>
-          </p:nvSpPr>
-          <p:spPr>
-            <a:xfrm rot="16200000">
-              <a:off x="4833047" y="6977329"/>
-              <a:ext cx="928694" cy="307777"/>
-            </a:xfrm>
-            <a:prstGeom prst="rect">
-              <a:avLst/>
-            </a:prstGeom>
-          </p:spPr>
-          <p:style>
-            <a:lnRef idx="0">
-              <a:schemeClr val="dk1"/>
-            </a:lnRef>
-            <a:fillRef idx="3">
-              <a:schemeClr val="dk1"/>
-            </a:fillRef>
-            <a:effectRef idx="3">
-              <a:schemeClr val="dk1"/>
-            </a:effectRef>
-            <a:fontRef idx="minor">
-              <a:schemeClr val="lt1"/>
-            </a:fontRef>
-          </p:style>
-          <p:txBody>
-            <a:bodyPr wrap="square" rtlCol="1">
-              <a:spAutoFit/>
-            </a:bodyPr>
-            <a:lstStyle/>
-            <a:p>
-              <a:pPr algn="ctr"/>
-              <a:r>
-                <a:rPr lang="en-US" sz="1400" dirty="0" smtClean="0"/>
-                <a:t>WBM</a:t>
-              </a:r>
-              <a:endParaRPr lang="he-IL" sz="1400" dirty="0"/>
-            </a:p>
-          </p:txBody>
-        </p:sp>
-        <p:cxnSp>
-          <p:nvCxnSpPr>
-            <p:cNvPr id="10" name="Elbow Connector 9"/>
-            <p:cNvCxnSpPr/>
-            <p:nvPr/>
-          </p:nvCxnSpPr>
-          <p:spPr>
-            <a:xfrm rot="5400000" flipH="1" flipV="1">
-              <a:off x="7449167" y="6844482"/>
-              <a:ext cx="870353" cy="214317"/>
-            </a:xfrm>
-            <a:prstGeom prst="bentConnector3">
-              <a:avLst>
-                <a:gd name="adj1" fmla="val 50000"/>
-              </a:avLst>
-            </a:prstGeom>
-            <a:ln>
-              <a:tailEnd type="arrow"/>
-            </a:ln>
-          </p:spPr>
-          <p:style>
-            <a:lnRef idx="2">
-              <a:schemeClr val="accent4"/>
-            </a:lnRef>
-            <a:fillRef idx="0">
-              <a:schemeClr val="accent4"/>
-            </a:fillRef>
-            <a:effectRef idx="1">
-              <a:schemeClr val="accent4"/>
-            </a:effectRef>
-            <a:fontRef idx="minor">
-              <a:schemeClr val="tx1"/>
-            </a:fontRef>
-          </p:style>
-        </p:cxnSp>
-        <p:sp>
-          <p:nvSpPr>
-            <p:cNvPr id="11" name="Oval 10"/>
-            <p:cNvSpPr/>
-            <p:nvPr/>
-          </p:nvSpPr>
-          <p:spPr>
-            <a:xfrm>
-              <a:off x="5174346" y="6666870"/>
-              <a:ext cx="214314" cy="214314"/>
-            </a:xfrm>
-            <a:prstGeom prst="ellipse">
-              <a:avLst/>
-            </a:prstGeom>
-            <a:effectLst>
-              <a:outerShdw blurRad="40000" dist="23000" dir="5400000" rotWithShape="0">
-                <a:srgbClr val="000000">
-                  <a:alpha val="35000"/>
-                </a:srgbClr>
-              </a:outerShdw>
-              <a:reflection blurRad="6350" stA="50000" endA="275" endPos="40000" dist="101600" dir="5400000" sy="-100000" algn="bl" rotWithShape="0"/>
-            </a:effectLst>
-            <a:scene3d>
-              <a:camera prst="orthographicFront">
-                <a:rot lat="0" lon="0" rev="0"/>
-              </a:camera>
-              <a:lightRig rig="threePt" dir="t">
-                <a:rot lat="0" lon="0" rev="1200000"/>
-              </a:lightRig>
-            </a:scene3d>
-            <a:sp3d>
-              <a:bevelT w="63500" h="25400" prst="coolSlant"/>
-            </a:sp3d>
-          </p:spPr>
-          <p:style>
-            <a:lnRef idx="0">
-              <a:schemeClr val="accent2"/>
-            </a:lnRef>
-            <a:fillRef idx="3">
-              <a:schemeClr val="accent2"/>
-            </a:fillRef>
-            <a:effectRef idx="3">
-              <a:schemeClr val="accent2"/>
-            </a:effectRef>
-            <a:fontRef idx="minor">
-              <a:schemeClr val="lt1"/>
-            </a:fontRef>
-          </p:style>
-          <p:txBody>
-            <a:bodyPr rtlCol="1" anchor="ctr"/>
-            <a:lstStyle/>
-            <a:p>
-              <a:pPr algn="l"/>
-              <a:r>
-                <a:rPr lang="en-US" sz="1200" dirty="0"/>
-                <a:t>F</a:t>
-              </a:r>
-              <a:endParaRPr lang="he-IL" sz="1200" dirty="0"/>
-            </a:p>
-          </p:txBody>
-        </p:sp>
-        <p:cxnSp>
-          <p:nvCxnSpPr>
-            <p:cNvPr id="12" name="Elbow Connector 11"/>
-            <p:cNvCxnSpPr>
-              <a:endCxn id="16" idx="1"/>
-            </p:cNvCxnSpPr>
-            <p:nvPr/>
-          </p:nvCxnSpPr>
-          <p:spPr>
-            <a:xfrm rot="16200000" flipH="1">
-              <a:off x="5791819" y="6567388"/>
-              <a:ext cx="468347" cy="366501"/>
-            </a:xfrm>
-            <a:prstGeom prst="bentConnector2">
-              <a:avLst/>
-            </a:prstGeom>
-            <a:ln>
-              <a:tailEnd type="arrow"/>
-            </a:ln>
-          </p:spPr>
-          <p:style>
-            <a:lnRef idx="2">
-              <a:schemeClr val="accent4"/>
-            </a:lnRef>
-            <a:fillRef idx="0">
-              <a:schemeClr val="accent4"/>
-            </a:fillRef>
-            <a:effectRef idx="1">
-              <a:schemeClr val="accent4"/>
-            </a:effectRef>
-            <a:fontRef idx="minor">
-              <a:schemeClr val="tx1"/>
-            </a:fontRef>
-          </p:style>
-        </p:cxnSp>
-        <p:sp>
-          <p:nvSpPr>
-            <p:cNvPr id="13" name="Rounded Rectangle 12"/>
-            <p:cNvSpPr/>
-            <p:nvPr/>
-          </p:nvSpPr>
-          <p:spPr>
-            <a:xfrm>
-              <a:off x="7374930" y="5298094"/>
-              <a:ext cx="1523997" cy="500066"/>
-            </a:xfrm>
-            <a:prstGeom prst="roundRect">
-              <a:avLst/>
-            </a:prstGeom>
-          </p:spPr>
-          <p:style>
-            <a:lnRef idx="0">
-              <a:schemeClr val="accent2"/>
-            </a:lnRef>
-            <a:fillRef idx="3">
-              <a:schemeClr val="accent2"/>
-            </a:fillRef>
-            <a:effectRef idx="3">
-              <a:schemeClr val="accent2"/>
-            </a:effectRef>
-            <a:fontRef idx="minor">
-              <a:schemeClr val="lt1"/>
-            </a:fontRef>
-          </p:style>
-          <p:txBody>
-            <a:bodyPr rtlCol="1" anchor="ctr"/>
-            <a:lstStyle/>
-            <a:p>
-              <a:pPr algn="ctr"/>
-              <a:r>
-                <a:rPr lang="en-US" sz="1200" dirty="0" smtClean="0"/>
-                <a:t>Image Manipulation</a:t>
-              </a:r>
-            </a:p>
-          </p:txBody>
-        </p:sp>
-        <p:sp>
-          <p:nvSpPr>
-            <p:cNvPr id="14" name="TextBox 13"/>
-            <p:cNvSpPr txBox="1"/>
-            <p:nvPr/>
-          </p:nvSpPr>
-          <p:spPr>
-            <a:xfrm>
-              <a:off x="5582230" y="5912175"/>
-              <a:ext cx="1087665" cy="592062"/>
-            </a:xfrm>
-            <a:prstGeom prst="rect">
-              <a:avLst/>
-            </a:prstGeom>
-          </p:spPr>
-          <p:style>
-            <a:lnRef idx="0">
-              <a:schemeClr val="accent6"/>
-            </a:lnRef>
-            <a:fillRef idx="3">
-              <a:schemeClr val="accent6"/>
-            </a:fillRef>
-            <a:effectRef idx="3">
-              <a:schemeClr val="accent6"/>
-            </a:effectRef>
-            <a:fontRef idx="minor">
-              <a:schemeClr val="lt1"/>
-            </a:fontRef>
-          </p:style>
-          <p:txBody>
-            <a:bodyPr wrap="square" rtlCol="1">
-              <a:spAutoFit/>
-            </a:bodyPr>
-            <a:lstStyle/>
-            <a:p>
-              <a:pPr algn="ctr" rtl="0"/>
-              <a:r>
-                <a:rPr lang="en-US" sz="1400" dirty="0" err="1" smtClean="0"/>
-                <a:t>Addr</a:t>
-              </a:r>
-              <a:r>
-                <a:rPr lang="en-US" sz="1400" dirty="0" smtClean="0"/>
-                <a:t> Converter</a:t>
-              </a:r>
-              <a:endParaRPr lang="he-IL" sz="1400" dirty="0"/>
-            </a:p>
-          </p:txBody>
-        </p:sp>
-        <p:cxnSp>
-          <p:nvCxnSpPr>
-            <p:cNvPr id="15" name="Elbow Connector 14"/>
-            <p:cNvCxnSpPr/>
-            <p:nvPr/>
-          </p:nvCxnSpPr>
-          <p:spPr>
-            <a:xfrm rot="10800000" flipV="1">
-              <a:off x="5451285" y="7163994"/>
-              <a:ext cx="781934" cy="361318"/>
-            </a:xfrm>
-            <a:prstGeom prst="bentConnector3">
-              <a:avLst>
-                <a:gd name="adj1" fmla="val 50000"/>
-              </a:avLst>
-            </a:prstGeom>
-            <a:ln>
-              <a:tailEnd type="arrow"/>
-            </a:ln>
-          </p:spPr>
-          <p:style>
-            <a:lnRef idx="2">
-              <a:schemeClr val="accent4"/>
-            </a:lnRef>
-            <a:fillRef idx="0">
-              <a:schemeClr val="accent4"/>
-            </a:fillRef>
-            <a:effectRef idx="1">
-              <a:schemeClr val="accent4"/>
-            </a:effectRef>
-            <a:fontRef idx="minor">
-              <a:schemeClr val="tx1"/>
-            </a:fontRef>
-          </p:style>
-        </p:cxnSp>
-        <p:sp>
-          <p:nvSpPr>
-            <p:cNvPr id="16" name="TextBox 15"/>
-            <p:cNvSpPr txBox="1"/>
-            <p:nvPr/>
-          </p:nvSpPr>
-          <p:spPr>
-            <a:xfrm>
-              <a:off x="6209243" y="6688781"/>
-              <a:ext cx="1335579" cy="592062"/>
-            </a:xfrm>
-            <a:prstGeom prst="rect">
-              <a:avLst/>
-            </a:prstGeom>
-          </p:spPr>
-          <p:style>
-            <a:lnRef idx="0">
-              <a:schemeClr val="accent6"/>
-            </a:lnRef>
-            <a:fillRef idx="3">
-              <a:schemeClr val="accent6"/>
-            </a:fillRef>
-            <a:effectRef idx="3">
-              <a:schemeClr val="accent6"/>
-            </a:effectRef>
-            <a:fontRef idx="minor">
-              <a:schemeClr val="lt1"/>
-            </a:fontRef>
-          </p:style>
-          <p:txBody>
-            <a:bodyPr wrap="square" rtlCol="1">
-              <a:spAutoFit/>
-            </a:bodyPr>
-            <a:lstStyle/>
-            <a:p>
-              <a:pPr algn="ctr" rtl="0"/>
-              <a:r>
-                <a:rPr lang="en-US" sz="1400" dirty="0" err="1" smtClean="0"/>
-                <a:t>Biliniar</a:t>
-              </a:r>
-              <a:r>
-                <a:rPr lang="en-US" sz="1400" dirty="0" smtClean="0"/>
-                <a:t> </a:t>
-              </a:r>
-              <a:r>
-                <a:rPr lang="en-US" sz="1400" dirty="0" err="1" smtClean="0"/>
-                <a:t>Interpulation</a:t>
-              </a:r>
-              <a:endParaRPr lang="he-IL" sz="1400" dirty="0"/>
-            </a:p>
-          </p:txBody>
-        </p:sp>
-        <p:sp>
-          <p:nvSpPr>
-            <p:cNvPr id="17" name="TextBox 16"/>
-            <p:cNvSpPr txBox="1"/>
-            <p:nvPr/>
-          </p:nvSpPr>
-          <p:spPr>
-            <a:xfrm>
-              <a:off x="7126196" y="5931689"/>
-              <a:ext cx="1087665" cy="592062"/>
-            </a:xfrm>
-            <a:prstGeom prst="rect">
-              <a:avLst/>
-            </a:prstGeom>
-          </p:spPr>
-          <p:style>
-            <a:lnRef idx="0">
-              <a:schemeClr val="accent6"/>
-            </a:lnRef>
-            <a:fillRef idx="3">
-              <a:schemeClr val="accent6"/>
-            </a:fillRef>
-            <a:effectRef idx="3">
-              <a:schemeClr val="accent6"/>
-            </a:effectRef>
-            <a:fontRef idx="minor">
-              <a:schemeClr val="lt1"/>
-            </a:fontRef>
-          </p:style>
-          <p:txBody>
-            <a:bodyPr wrap="square" rtlCol="1">
-              <a:spAutoFit/>
-            </a:bodyPr>
-            <a:lstStyle/>
-            <a:p>
-              <a:pPr algn="ctr" rtl="0"/>
-              <a:r>
-                <a:rPr lang="en-US" sz="1400" dirty="0" err="1" smtClean="0"/>
-                <a:t>Addr</a:t>
-              </a:r>
-              <a:r>
-                <a:rPr lang="en-US" sz="1400" dirty="0" smtClean="0"/>
-                <a:t> Calculator</a:t>
-              </a:r>
-              <a:endParaRPr lang="he-IL" sz="1400" dirty="0"/>
-            </a:p>
-          </p:txBody>
-        </p:sp>
         <p:sp>
           <p:nvSpPr>
             <p:cNvPr id="18" name="TextBox 17"/>
@@ -19746,8 +17723,8 @@
           </p:nvSpPr>
           <p:spPr>
             <a:xfrm>
-              <a:off x="6928124" y="7386815"/>
-              <a:ext cx="1372877" cy="313445"/>
+              <a:off x="7331444" y="6029977"/>
+              <a:ext cx="1201034" cy="276999"/>
             </a:xfrm>
             <a:prstGeom prst="rect">
               <a:avLst/>
@@ -19806,112 +17783,41 @@
             </a:p>
           </p:txBody>
         </p:sp>
-        <p:sp>
-          <p:nvSpPr>
-            <p:cNvPr id="19" name="TextBox 18"/>
-            <p:cNvSpPr txBox="1"/>
+        <p:cxnSp>
+          <p:nvCxnSpPr>
+            <p:cNvPr id="21" name="Elbow Connector 20"/>
+            <p:cNvCxnSpPr>
+              <a:endCxn id="18" idx="2"/>
+            </p:cNvCxnSpPr>
             <p:nvPr/>
-          </p:nvSpPr>
+          </p:nvCxnSpPr>
           <p:spPr>
-            <a:xfrm>
-              <a:off x="6253416" y="5300688"/>
-              <a:ext cx="928694" cy="307777"/>
+            <a:xfrm flipV="1">
+              <a:off x="6974221" y="6306976"/>
+              <a:ext cx="957740" cy="187635"/>
             </a:xfrm>
-            <a:prstGeom prst="rect">
+            <a:prstGeom prst="bentConnector2">
               <a:avLst/>
             </a:prstGeom>
-            <a:ln/>
+            <a:ln w="19050">
+              <a:tailEnd type="arrow"/>
+            </a:ln>
           </p:spPr>
           <p:style>
-            <a:lnRef idx="0">
-              <a:schemeClr val="accent1"/>
+            <a:lnRef idx="2">
+              <a:schemeClr val="dk1"/>
             </a:lnRef>
-            <a:fillRef idx="3">
-              <a:schemeClr val="accent1"/>
+            <a:fillRef idx="0">
+              <a:schemeClr val="dk1"/>
             </a:fillRef>
-            <a:effectRef idx="3">
-              <a:schemeClr val="accent1"/>
+            <a:effectRef idx="1">
+              <a:schemeClr val="dk1"/>
             </a:effectRef>
             <a:fontRef idx="minor">
-              <a:schemeClr val="lt1"/>
+              <a:schemeClr val="tx1"/>
             </a:fontRef>
           </p:style>
-          <p:txBody>
-            <a:bodyPr wrap="square" rtlCol="1">
-              <a:spAutoFit/>
-            </a:bodyPr>
-            <a:lstStyle/>
-            <a:p>
-              <a:pPr algn="ctr"/>
-              <a:r>
-                <a:rPr lang="en-US" sz="1400" dirty="0" smtClean="0"/>
-                <a:t>WBS</a:t>
-              </a:r>
-              <a:endParaRPr lang="he-IL" sz="1400" dirty="0"/>
-            </a:p>
-          </p:txBody>
-        </p:sp>
-        <p:sp>
-          <p:nvSpPr>
-            <p:cNvPr id="20" name="Oval 19"/>
-            <p:cNvSpPr/>
-            <p:nvPr/>
-          </p:nvSpPr>
-          <p:spPr>
-            <a:xfrm>
-              <a:off x="6968503" y="5394151"/>
-              <a:ext cx="214314" cy="214314"/>
-            </a:xfrm>
-            <a:prstGeom prst="ellipse">
-              <a:avLst/>
-            </a:prstGeom>
-            <a:effectLst>
-              <a:outerShdw blurRad="40000" dist="23000" dir="5400000" rotWithShape="0">
-                <a:srgbClr val="000000">
-                  <a:alpha val="35000"/>
-                </a:srgbClr>
-              </a:outerShdw>
-              <a:reflection blurRad="6350" stA="50000" endA="275" endPos="40000" dist="101600" dir="5400000" sy="-100000" algn="bl" rotWithShape="0"/>
-            </a:effectLst>
-            <a:scene3d>
-              <a:camera prst="orthographicFront">
-                <a:rot lat="0" lon="0" rev="0"/>
-              </a:camera>
-              <a:lightRig rig="threePt" dir="t">
-                <a:rot lat="0" lon="0" rev="1200000"/>
-              </a:lightRig>
-            </a:scene3d>
-            <a:sp3d>
-              <a:bevelT w="63500" h="25400" prst="coolSlant"/>
-            </a:sp3d>
-          </p:spPr>
-          <p:style>
-            <a:lnRef idx="0">
-              <a:schemeClr val="accent2"/>
-            </a:lnRef>
-            <a:fillRef idx="3">
-              <a:schemeClr val="accent2"/>
-            </a:fillRef>
-            <a:effectRef idx="3">
-              <a:schemeClr val="accent2"/>
-            </a:effectRef>
-            <a:fontRef idx="minor">
-              <a:schemeClr val="lt1"/>
-            </a:fontRef>
-          </p:style>
-          <p:txBody>
-            <a:bodyPr rtlCol="1" anchor="ctr"/>
-            <a:lstStyle/>
-            <a:p>
-              <a:pPr algn="l"/>
-              <a:r>
-                <a:rPr lang="he-IL" sz="1200" dirty="0" smtClean="0"/>
-                <a:t>6</a:t>
-              </a:r>
-              <a:endParaRPr lang="he-IL" sz="1200" dirty="0"/>
-            </a:p>
-          </p:txBody>
-        </p:sp>
+        </p:cxnSp>
       </p:grpSp>
     </p:spTree>
     <p:extLst>
@@ -19923,12 +17829,576 @@
   <p:clrMapOvr>
     <a:masterClrMapping/>
   </p:clrMapOvr>
+  <mc:AlternateContent xmlns:mc="http://schemas.openxmlformats.org/markup-compatibility/2006">
+    <mc:Choice xmlns:p14="http://schemas.microsoft.com/office/powerpoint/2010/main" Requires="p14">
+      <p:transition spd="slow" p14:dur="900">
+        <p14:warp dir="in"/>
+      </p:transition>
+    </mc:Choice>
+    <mc:Fallback>
+      <p:transition spd="slow">
+        <p:fade/>
+      </p:transition>
+    </mc:Fallback>
+  </mc:AlternateContent>
   <p:timing>
     <p:tnLst>
       <p:par>
-        <p:cTn id="1" dur="indefinite" restart="never" nodeType="tmRoot"/>
+        <p:cTn id="1" dur="indefinite" restart="never" nodeType="tmRoot">
+          <p:childTnLst>
+            <p:seq concurrent="1" nextAc="seek">
+              <p:cTn id="2" dur="indefinite" nodeType="mainSeq">
+                <p:childTnLst>
+                  <p:par>
+                    <p:cTn id="3" fill="hold">
+                      <p:stCondLst>
+                        <p:cond delay="indefinite"/>
+                      </p:stCondLst>
+                      <p:childTnLst>
+                        <p:par>
+                          <p:cTn id="4" fill="hold">
+                            <p:stCondLst>
+                              <p:cond delay="0"/>
+                            </p:stCondLst>
+                            <p:childTnLst>
+                              <p:par>
+                                <p:cTn id="5" presetID="16" presetClass="entr" presetSubtype="21" fill="hold" nodeType="clickEffect">
+                                  <p:stCondLst>
+                                    <p:cond delay="0"/>
+                                  </p:stCondLst>
+                                  <p:childTnLst>
+                                    <p:set>
+                                      <p:cBhvr>
+                                        <p:cTn id="6" dur="1" fill="hold">
+                                          <p:stCondLst>
+                                            <p:cond delay="0"/>
+                                          </p:stCondLst>
+                                        </p:cTn>
+                                        <p:tgtEl>
+                                          <p:spTgt spid="5">
+                                            <p:txEl>
+                                              <p:pRg st="0" end="0"/>
+                                            </p:txEl>
+                                          </p:spTgt>
+                                        </p:tgtEl>
+                                        <p:attrNameLst>
+                                          <p:attrName>style.visibility</p:attrName>
+                                        </p:attrNameLst>
+                                      </p:cBhvr>
+                                      <p:to>
+                                        <p:strVal val="visible"/>
+                                      </p:to>
+                                    </p:set>
+                                    <p:animEffect transition="in" filter="barn(inVertical)">
+                                      <p:cBhvr>
+                                        <p:cTn id="7" dur="500"/>
+                                        <p:tgtEl>
+                                          <p:spTgt spid="5">
+                                            <p:txEl>
+                                              <p:pRg st="0" end="0"/>
+                                            </p:txEl>
+                                          </p:spTgt>
+                                        </p:tgtEl>
+                                      </p:cBhvr>
+                                    </p:animEffect>
+                                  </p:childTnLst>
+                                </p:cTn>
+                              </p:par>
+                              <p:par>
+                                <p:cTn id="8" presetID="22" presetClass="entr" presetSubtype="4" fill="hold" nodeType="withEffect">
+                                  <p:stCondLst>
+                                    <p:cond delay="0"/>
+                                  </p:stCondLst>
+                                  <p:childTnLst>
+                                    <p:set>
+                                      <p:cBhvr>
+                                        <p:cTn id="9" dur="1" fill="hold">
+                                          <p:stCondLst>
+                                            <p:cond delay="0"/>
+                                          </p:stCondLst>
+                                        </p:cTn>
+                                        <p:tgtEl>
+                                          <p:spTgt spid="28"/>
+                                        </p:tgtEl>
+                                        <p:attrNameLst>
+                                          <p:attrName>style.visibility</p:attrName>
+                                        </p:attrNameLst>
+                                      </p:cBhvr>
+                                      <p:to>
+                                        <p:strVal val="visible"/>
+                                      </p:to>
+                                    </p:set>
+                                    <p:animEffect transition="in" filter="wipe(down)">
+                                      <p:cBhvr>
+                                        <p:cTn id="10" dur="500"/>
+                                        <p:tgtEl>
+                                          <p:spTgt spid="28"/>
+                                        </p:tgtEl>
+                                      </p:cBhvr>
+                                    </p:animEffect>
+                                  </p:childTnLst>
+                                </p:cTn>
+                              </p:par>
+                            </p:childTnLst>
+                          </p:cTn>
+                        </p:par>
+                      </p:childTnLst>
+                    </p:cTn>
+                  </p:par>
+                  <p:par>
+                    <p:cTn id="11" fill="hold">
+                      <p:stCondLst>
+                        <p:cond delay="indefinite"/>
+                      </p:stCondLst>
+                      <p:childTnLst>
+                        <p:par>
+                          <p:cTn id="12" fill="hold">
+                            <p:stCondLst>
+                              <p:cond delay="0"/>
+                            </p:stCondLst>
+                            <p:childTnLst>
+                              <p:par>
+                                <p:cTn id="13" presetID="16" presetClass="entr" presetSubtype="21" fill="hold" nodeType="clickEffect">
+                                  <p:stCondLst>
+                                    <p:cond delay="0"/>
+                                  </p:stCondLst>
+                                  <p:childTnLst>
+                                    <p:set>
+                                      <p:cBhvr>
+                                        <p:cTn id="14" dur="1" fill="hold">
+                                          <p:stCondLst>
+                                            <p:cond delay="0"/>
+                                          </p:stCondLst>
+                                        </p:cTn>
+                                        <p:tgtEl>
+                                          <p:spTgt spid="5">
+                                            <p:txEl>
+                                              <p:pRg st="1" end="1"/>
+                                            </p:txEl>
+                                          </p:spTgt>
+                                        </p:tgtEl>
+                                        <p:attrNameLst>
+                                          <p:attrName>style.visibility</p:attrName>
+                                        </p:attrNameLst>
+                                      </p:cBhvr>
+                                      <p:to>
+                                        <p:strVal val="visible"/>
+                                      </p:to>
+                                    </p:set>
+                                    <p:animEffect transition="in" filter="barn(inVertical)">
+                                      <p:cBhvr>
+                                        <p:cTn id="15" dur="500"/>
+                                        <p:tgtEl>
+                                          <p:spTgt spid="5">
+                                            <p:txEl>
+                                              <p:pRg st="1" end="1"/>
+                                            </p:txEl>
+                                          </p:spTgt>
+                                        </p:tgtEl>
+                                      </p:cBhvr>
+                                    </p:animEffect>
+                                  </p:childTnLst>
+                                </p:cTn>
+                              </p:par>
+                              <p:par>
+                                <p:cTn id="16" presetID="22" presetClass="entr" presetSubtype="4" fill="hold" nodeType="withEffect">
+                                  <p:stCondLst>
+                                    <p:cond delay="0"/>
+                                  </p:stCondLst>
+                                  <p:childTnLst>
+                                    <p:set>
+                                      <p:cBhvr>
+                                        <p:cTn id="17" dur="1" fill="hold">
+                                          <p:stCondLst>
+                                            <p:cond delay="0"/>
+                                          </p:stCondLst>
+                                        </p:cTn>
+                                        <p:tgtEl>
+                                          <p:spTgt spid="10"/>
+                                        </p:tgtEl>
+                                        <p:attrNameLst>
+                                          <p:attrName>style.visibility</p:attrName>
+                                        </p:attrNameLst>
+                                      </p:cBhvr>
+                                      <p:to>
+                                        <p:strVal val="visible"/>
+                                      </p:to>
+                                    </p:set>
+                                    <p:animEffect transition="in" filter="wipe(down)">
+                                      <p:cBhvr>
+                                        <p:cTn id="18" dur="500"/>
+                                        <p:tgtEl>
+                                          <p:spTgt spid="10"/>
+                                        </p:tgtEl>
+                                      </p:cBhvr>
+                                    </p:animEffect>
+                                  </p:childTnLst>
+                                </p:cTn>
+                              </p:par>
+                              <p:par>
+                                <p:cTn id="19" presetID="22" presetClass="entr" presetSubtype="4" fill="hold" grpId="0" nodeType="withEffect">
+                                  <p:stCondLst>
+                                    <p:cond delay="0"/>
+                                  </p:stCondLst>
+                                  <p:childTnLst>
+                                    <p:set>
+                                      <p:cBhvr>
+                                        <p:cTn id="20" dur="1" fill="hold">
+                                          <p:stCondLst>
+                                            <p:cond delay="0"/>
+                                          </p:stCondLst>
+                                        </p:cTn>
+                                        <p:tgtEl>
+                                          <p:spTgt spid="17"/>
+                                        </p:tgtEl>
+                                        <p:attrNameLst>
+                                          <p:attrName>style.visibility</p:attrName>
+                                        </p:attrNameLst>
+                                      </p:cBhvr>
+                                      <p:to>
+                                        <p:strVal val="visible"/>
+                                      </p:to>
+                                    </p:set>
+                                    <p:animEffect transition="in" filter="wipe(down)">
+                                      <p:cBhvr>
+                                        <p:cTn id="21" dur="500"/>
+                                        <p:tgtEl>
+                                          <p:spTgt spid="17"/>
+                                        </p:tgtEl>
+                                      </p:cBhvr>
+                                    </p:animEffect>
+                                  </p:childTnLst>
+                                </p:cTn>
+                              </p:par>
+                            </p:childTnLst>
+                          </p:cTn>
+                        </p:par>
+                      </p:childTnLst>
+                    </p:cTn>
+                  </p:par>
+                  <p:par>
+                    <p:cTn id="22" fill="hold">
+                      <p:stCondLst>
+                        <p:cond delay="indefinite"/>
+                      </p:stCondLst>
+                      <p:childTnLst>
+                        <p:par>
+                          <p:cTn id="23" fill="hold">
+                            <p:stCondLst>
+                              <p:cond delay="0"/>
+                            </p:stCondLst>
+                            <p:childTnLst>
+                              <p:par>
+                                <p:cTn id="24" presetID="16" presetClass="entr" presetSubtype="21" fill="hold" nodeType="clickEffect">
+                                  <p:stCondLst>
+                                    <p:cond delay="0"/>
+                                  </p:stCondLst>
+                                  <p:childTnLst>
+                                    <p:set>
+                                      <p:cBhvr>
+                                        <p:cTn id="25" dur="1" fill="hold">
+                                          <p:stCondLst>
+                                            <p:cond delay="0"/>
+                                          </p:stCondLst>
+                                        </p:cTn>
+                                        <p:tgtEl>
+                                          <p:spTgt spid="5">
+                                            <p:txEl>
+                                              <p:pRg st="2" end="2"/>
+                                            </p:txEl>
+                                          </p:spTgt>
+                                        </p:tgtEl>
+                                        <p:attrNameLst>
+                                          <p:attrName>style.visibility</p:attrName>
+                                        </p:attrNameLst>
+                                      </p:cBhvr>
+                                      <p:to>
+                                        <p:strVal val="visible"/>
+                                      </p:to>
+                                    </p:set>
+                                    <p:animEffect transition="in" filter="barn(inVertical)">
+                                      <p:cBhvr>
+                                        <p:cTn id="26" dur="500"/>
+                                        <p:tgtEl>
+                                          <p:spTgt spid="5">
+                                            <p:txEl>
+                                              <p:pRg st="2" end="2"/>
+                                            </p:txEl>
+                                          </p:spTgt>
+                                        </p:tgtEl>
+                                      </p:cBhvr>
+                                    </p:animEffect>
+                                  </p:childTnLst>
+                                </p:cTn>
+                              </p:par>
+                              <p:par>
+                                <p:cTn id="27" presetID="22" presetClass="entr" presetSubtype="4" fill="hold" nodeType="withEffect">
+                                  <p:stCondLst>
+                                    <p:cond delay="0"/>
+                                  </p:stCondLst>
+                                  <p:childTnLst>
+                                    <p:set>
+                                      <p:cBhvr>
+                                        <p:cTn id="28" dur="1" fill="hold">
+                                          <p:stCondLst>
+                                            <p:cond delay="0"/>
+                                          </p:stCondLst>
+                                        </p:cTn>
+                                        <p:tgtEl>
+                                          <p:spTgt spid="8"/>
+                                        </p:tgtEl>
+                                        <p:attrNameLst>
+                                          <p:attrName>style.visibility</p:attrName>
+                                        </p:attrNameLst>
+                                      </p:cBhvr>
+                                      <p:to>
+                                        <p:strVal val="visible"/>
+                                      </p:to>
+                                    </p:set>
+                                    <p:animEffect transition="in" filter="wipe(down)">
+                                      <p:cBhvr>
+                                        <p:cTn id="29" dur="500"/>
+                                        <p:tgtEl>
+                                          <p:spTgt spid="8"/>
+                                        </p:tgtEl>
+                                      </p:cBhvr>
+                                    </p:animEffect>
+                                  </p:childTnLst>
+                                </p:cTn>
+                              </p:par>
+                              <p:par>
+                                <p:cTn id="30" presetID="22" presetClass="entr" presetSubtype="4" fill="hold" grpId="0" nodeType="withEffect">
+                                  <p:stCondLst>
+                                    <p:cond delay="0"/>
+                                  </p:stCondLst>
+                                  <p:childTnLst>
+                                    <p:set>
+                                      <p:cBhvr>
+                                        <p:cTn id="31" dur="1" fill="hold">
+                                          <p:stCondLst>
+                                            <p:cond delay="0"/>
+                                          </p:stCondLst>
+                                        </p:cTn>
+                                        <p:tgtEl>
+                                          <p:spTgt spid="14"/>
+                                        </p:tgtEl>
+                                        <p:attrNameLst>
+                                          <p:attrName>style.visibility</p:attrName>
+                                        </p:attrNameLst>
+                                      </p:cBhvr>
+                                      <p:to>
+                                        <p:strVal val="visible"/>
+                                      </p:to>
+                                    </p:set>
+                                    <p:animEffect transition="in" filter="wipe(down)">
+                                      <p:cBhvr>
+                                        <p:cTn id="32" dur="500"/>
+                                        <p:tgtEl>
+                                          <p:spTgt spid="14"/>
+                                        </p:tgtEl>
+                                      </p:cBhvr>
+                                    </p:animEffect>
+                                  </p:childTnLst>
+                                </p:cTn>
+                              </p:par>
+                            </p:childTnLst>
+                          </p:cTn>
+                        </p:par>
+                      </p:childTnLst>
+                    </p:cTn>
+                  </p:par>
+                  <p:par>
+                    <p:cTn id="33" fill="hold">
+                      <p:stCondLst>
+                        <p:cond delay="indefinite"/>
+                      </p:stCondLst>
+                      <p:childTnLst>
+                        <p:par>
+                          <p:cTn id="34" fill="hold">
+                            <p:stCondLst>
+                              <p:cond delay="0"/>
+                            </p:stCondLst>
+                            <p:childTnLst>
+                              <p:par>
+                                <p:cTn id="35" presetID="16" presetClass="entr" presetSubtype="21" fill="hold" nodeType="clickEffect">
+                                  <p:stCondLst>
+                                    <p:cond delay="0"/>
+                                  </p:stCondLst>
+                                  <p:childTnLst>
+                                    <p:set>
+                                      <p:cBhvr>
+                                        <p:cTn id="36" dur="1" fill="hold">
+                                          <p:stCondLst>
+                                            <p:cond delay="0"/>
+                                          </p:stCondLst>
+                                        </p:cTn>
+                                        <p:tgtEl>
+                                          <p:spTgt spid="5">
+                                            <p:txEl>
+                                              <p:pRg st="3" end="3"/>
+                                            </p:txEl>
+                                          </p:spTgt>
+                                        </p:tgtEl>
+                                        <p:attrNameLst>
+                                          <p:attrName>style.visibility</p:attrName>
+                                        </p:attrNameLst>
+                                      </p:cBhvr>
+                                      <p:to>
+                                        <p:strVal val="visible"/>
+                                      </p:to>
+                                    </p:set>
+                                    <p:animEffect transition="in" filter="barn(inVertical)">
+                                      <p:cBhvr>
+                                        <p:cTn id="37" dur="500"/>
+                                        <p:tgtEl>
+                                          <p:spTgt spid="5">
+                                            <p:txEl>
+                                              <p:pRg st="3" end="3"/>
+                                            </p:txEl>
+                                          </p:spTgt>
+                                        </p:tgtEl>
+                                      </p:cBhvr>
+                                    </p:animEffect>
+                                  </p:childTnLst>
+                                </p:cTn>
+                              </p:par>
+                              <p:par>
+                                <p:cTn id="38" presetID="22" presetClass="entr" presetSubtype="4" fill="hold" nodeType="withEffect">
+                                  <p:stCondLst>
+                                    <p:cond delay="0"/>
+                                  </p:stCondLst>
+                                  <p:childTnLst>
+                                    <p:set>
+                                      <p:cBhvr>
+                                        <p:cTn id="39" dur="1" fill="hold">
+                                          <p:stCondLst>
+                                            <p:cond delay="0"/>
+                                          </p:stCondLst>
+                                        </p:cTn>
+                                        <p:tgtEl>
+                                          <p:spTgt spid="12"/>
+                                        </p:tgtEl>
+                                        <p:attrNameLst>
+                                          <p:attrName>style.visibility</p:attrName>
+                                        </p:attrNameLst>
+                                      </p:cBhvr>
+                                      <p:to>
+                                        <p:strVal val="visible"/>
+                                      </p:to>
+                                    </p:set>
+                                    <p:animEffect transition="in" filter="wipe(down)">
+                                      <p:cBhvr>
+                                        <p:cTn id="40" dur="500"/>
+                                        <p:tgtEl>
+                                          <p:spTgt spid="12"/>
+                                        </p:tgtEl>
+                                      </p:cBhvr>
+                                    </p:animEffect>
+                                  </p:childTnLst>
+                                </p:cTn>
+                              </p:par>
+                              <p:par>
+                                <p:cTn id="41" presetID="22" presetClass="entr" presetSubtype="4" fill="hold" grpId="0" nodeType="withEffect">
+                                  <p:stCondLst>
+                                    <p:cond delay="0"/>
+                                  </p:stCondLst>
+                                  <p:childTnLst>
+                                    <p:set>
+                                      <p:cBhvr>
+                                        <p:cTn id="42" dur="1" fill="hold">
+                                          <p:stCondLst>
+                                            <p:cond delay="0"/>
+                                          </p:stCondLst>
+                                        </p:cTn>
+                                        <p:tgtEl>
+                                          <p:spTgt spid="16"/>
+                                        </p:tgtEl>
+                                        <p:attrNameLst>
+                                          <p:attrName>style.visibility</p:attrName>
+                                        </p:attrNameLst>
+                                      </p:cBhvr>
+                                      <p:to>
+                                        <p:strVal val="visible"/>
+                                      </p:to>
+                                    </p:set>
+                                    <p:animEffect transition="in" filter="wipe(down)">
+                                      <p:cBhvr>
+                                        <p:cTn id="43" dur="500"/>
+                                        <p:tgtEl>
+                                          <p:spTgt spid="16"/>
+                                        </p:tgtEl>
+                                      </p:cBhvr>
+                                    </p:animEffect>
+                                  </p:childTnLst>
+                                </p:cTn>
+                              </p:par>
+                              <p:par>
+                                <p:cTn id="44" presetID="22" presetClass="entr" presetSubtype="4" fill="hold" nodeType="withEffect">
+                                  <p:stCondLst>
+                                    <p:cond delay="0"/>
+                                  </p:stCondLst>
+                                  <p:childTnLst>
+                                    <p:set>
+                                      <p:cBhvr>
+                                        <p:cTn id="45" dur="1" fill="hold">
+                                          <p:stCondLst>
+                                            <p:cond delay="0"/>
+                                          </p:stCondLst>
+                                        </p:cTn>
+                                        <p:tgtEl>
+                                          <p:spTgt spid="15"/>
+                                        </p:tgtEl>
+                                        <p:attrNameLst>
+                                          <p:attrName>style.visibility</p:attrName>
+                                        </p:attrNameLst>
+                                      </p:cBhvr>
+                                      <p:to>
+                                        <p:strVal val="visible"/>
+                                      </p:to>
+                                    </p:set>
+                                    <p:animEffect transition="in" filter="wipe(down)">
+                                      <p:cBhvr>
+                                        <p:cTn id="46" dur="500"/>
+                                        <p:tgtEl>
+                                          <p:spTgt spid="15"/>
+                                        </p:tgtEl>
+                                      </p:cBhvr>
+                                    </p:animEffect>
+                                  </p:childTnLst>
+                                </p:cTn>
+                              </p:par>
+                            </p:childTnLst>
+                          </p:cTn>
+                        </p:par>
+                      </p:childTnLst>
+                    </p:cTn>
+                  </p:par>
+                </p:childTnLst>
+              </p:cTn>
+              <p:prevCondLst>
+                <p:cond evt="onPrev" delay="0">
+                  <p:tgtEl>
+                    <p:sldTgt/>
+                  </p:tgtEl>
+                </p:cond>
+              </p:prevCondLst>
+              <p:nextCondLst>
+                <p:cond evt="onNext" delay="0">
+                  <p:tgtEl>
+                    <p:sldTgt/>
+                  </p:tgtEl>
+                </p:cond>
+              </p:nextCondLst>
+            </p:seq>
+          </p:childTnLst>
+        </p:cTn>
       </p:par>
     </p:tnLst>
+    <p:bldLst>
+      <p:bldP spid="14" grpId="0" animBg="1"/>
+      <p:bldP spid="16" grpId="0" animBg="1"/>
+      <p:bldP spid="17" grpId="0" animBg="1"/>
+    </p:bldLst>
   </p:timing>
 </p:sld>
 </file>
@@ -19968,18 +18438,22 @@
             <a:pPr algn="l" rtl="0"/>
             <a:r>
               <a:rPr lang="en-US" dirty="0" smtClean="0"/>
-              <a:t>New registers were added to the system in order to hold the user parameters which are required for image manipulation</a:t>
+              <a:t>New registers were added to the system in order to hold the user parameters which are required for image manipulation.</a:t>
+            </a:r>
+          </a:p>
+          <a:p>
+            <a:pPr algn="l" rtl="0"/>
+            <a:r>
+              <a:rPr lang="en-US" dirty="0"/>
+              <a:t>Registers addresses </a:t>
             </a:r>
             <a:r>
               <a:rPr lang="en-US" dirty="0" smtClean="0"/>
-              <a:t>.</a:t>
-            </a:r>
-          </a:p>
-          <a:p>
-            <a:pPr algn="l" rtl="0"/>
+              <a:t>were </a:t>
+            </a:r>
             <a:r>
               <a:rPr lang="en-US" dirty="0"/>
-              <a:t>Registers addresses was expanded to 5bit addresses (up-to 32 registers)</a:t>
+              <a:t>expanded to 5bit addresses (up-to 32 registers)</a:t>
             </a:r>
           </a:p>
           <a:p>
@@ -20024,14 +18498,14 @@
           <p:nvPr>
             <p:extLst>
               <p:ext uri="{D42A27DB-BD31-4B8C-83A1-F6EECF244321}">
-                <p14:modId xmlns:p14="http://schemas.microsoft.com/office/powerpoint/2010/main" val="2965253669"/>
+                <p14:modId xmlns:p14="http://schemas.microsoft.com/office/powerpoint/2010/main" val="817306119"/>
               </p:ext>
             </p:extLst>
           </p:nvPr>
         </p:nvGraphicFramePr>
         <p:xfrm>
           <a:off x="899592" y="3717032"/>
-          <a:ext cx="7344818" cy="2832290"/>
+          <a:ext cx="7344818" cy="1712239"/>
         </p:xfrm>
         <a:graphic>
           <a:graphicData uri="http://schemas.openxmlformats.org/drawingml/2006/table">
@@ -20041,9 +18515,9 @@
               </a:tblPr>
               <a:tblGrid>
                 <a:gridCol w="1666848"/>
-                <a:gridCol w="1406564"/>
-                <a:gridCol w="1397946"/>
-                <a:gridCol w="1411736"/>
+                <a:gridCol w="997448"/>
+                <a:gridCol w="1224136"/>
+                <a:gridCol w="1994662"/>
                 <a:gridCol w="1461724"/>
               </a:tblGrid>
               <a:tr h="252833">
@@ -20061,12 +18535,12 @@
                         </a:spcAft>
                       </a:pPr>
                       <a:r>
-                        <a:rPr lang="en-US" sz="1100">
+                        <a:rPr lang="en-US" sz="1400" dirty="0">
                           <a:effectLst/>
                         </a:rPr>
                         <a:t>Register's name</a:t>
                       </a:r>
-                      <a:endParaRPr lang="en-US" sz="1100">
+                      <a:endParaRPr lang="en-US" sz="1400" dirty="0">
                         <a:effectLst/>
                         <a:latin typeface="Calibri"/>
                         <a:ea typeface="Calibri"/>
@@ -20090,12 +18564,12 @@
                         </a:spcAft>
                       </a:pPr>
                       <a:r>
-                        <a:rPr lang="en-US" sz="1100">
+                        <a:rPr lang="en-US" sz="1400" dirty="0">
                           <a:effectLst/>
                         </a:rPr>
                         <a:t>Address</a:t>
                       </a:r>
-                      <a:endParaRPr lang="en-US" sz="1100">
+                      <a:endParaRPr lang="en-US" sz="1400" dirty="0">
                         <a:effectLst/>
                         <a:latin typeface="Calibri"/>
                         <a:ea typeface="Calibri"/>
@@ -20119,12 +18593,12 @@
                         </a:spcAft>
                       </a:pPr>
                       <a:r>
-                        <a:rPr lang="en-US" sz="1100">
+                        <a:rPr lang="en-US" sz="1400" dirty="0">
                           <a:effectLst/>
                         </a:rPr>
                         <a:t>Size (bytes)</a:t>
                       </a:r>
-                      <a:endParaRPr lang="en-US" sz="1100">
+                      <a:endParaRPr lang="en-US" sz="1400" dirty="0">
                         <a:effectLst/>
                         <a:latin typeface="Calibri"/>
                         <a:ea typeface="Calibri"/>
@@ -20148,12 +18622,12 @@
                         </a:spcAft>
                       </a:pPr>
                       <a:r>
-                        <a:rPr lang="en-US" sz="1100">
+                        <a:rPr lang="en-US" sz="1400" dirty="0">
                           <a:effectLst/>
                         </a:rPr>
                         <a:t>Purpose</a:t>
                       </a:r>
-                      <a:endParaRPr lang="en-US" sz="1100">
+                      <a:endParaRPr lang="en-US" sz="1400" dirty="0">
                         <a:effectLst/>
                         <a:latin typeface="Calibri"/>
                         <a:ea typeface="Calibri"/>
@@ -20177,12 +18651,12 @@
                         </a:spcAft>
                       </a:pPr>
                       <a:r>
-                        <a:rPr lang="en-US" sz="1100">
+                        <a:rPr lang="en-US" sz="1400" dirty="0">
                           <a:effectLst/>
                         </a:rPr>
                         <a:t>Place</a:t>
                       </a:r>
-                      <a:endParaRPr lang="en-US" sz="1100">
+                      <a:endParaRPr lang="en-US" sz="1400" dirty="0">
                         <a:effectLst/>
                         <a:latin typeface="Calibri"/>
                         <a:ea typeface="Calibri"/>
@@ -20193,7 +18667,7 @@
                   <a:tcPr marL="68580" marR="68580" marT="0" marB="0"/>
                 </a:tc>
               </a:tr>
-              <a:tr h="1036896">
+              <a:tr h="323231">
                 <a:tc>
                   <a:txBody>
                     <a:bodyPr/>
@@ -20208,12 +18682,12 @@
                         </a:spcAft>
                       </a:pPr>
                       <a:r>
-                        <a:rPr lang="en-US" sz="1100">
+                        <a:rPr lang="en-US" sz="1400">
                           <a:effectLst/>
                         </a:rPr>
                         <a:t>Angle_reg</a:t>
                       </a:r>
-                      <a:endParaRPr lang="en-US" sz="1100">
+                      <a:endParaRPr lang="en-US" sz="1400">
                         <a:effectLst/>
                         <a:latin typeface="Calibri"/>
                         <a:ea typeface="Calibri"/>
@@ -20295,12 +18769,18 @@
                         </a:spcAft>
                       </a:pPr>
                       <a:r>
-                        <a:rPr lang="en-US" sz="1100">
+                        <a:rPr lang="en-US" sz="1100" dirty="0">
                           <a:effectLst/>
                         </a:rPr>
-                        <a:t>Holds rotation angle in degrees</a:t>
+                        <a:t>Holds rotation angle in </a:t>
                       </a:r>
-                      <a:endParaRPr lang="en-US" sz="1100">
+                      <a:r>
+                        <a:rPr lang="en-US" sz="1100" dirty="0" smtClean="0">
+                          <a:effectLst/>
+                        </a:rPr>
+                        <a:t>degrees</a:t>
+                      </a:r>
+                      <a:endParaRPr lang="en-US" sz="1100" dirty="0">
                         <a:effectLst/>
                         <a:latin typeface="Calibri"/>
                         <a:ea typeface="Calibri"/>
@@ -20340,7 +18820,7 @@
                   <a:tcPr marL="68580" marR="68580" marT="0" marB="0"/>
                 </a:tc>
               </a:tr>
-              <a:tr h="514187">
+              <a:tr h="360040">
                 <a:tc>
                   <a:txBody>
                     <a:bodyPr/>
@@ -20355,12 +18835,12 @@
                         </a:spcAft>
                       </a:pPr>
                       <a:r>
-                        <a:rPr lang="en-US" sz="1100">
+                        <a:rPr lang="en-US" sz="1400">
                           <a:effectLst/>
                         </a:rPr>
                         <a:t>X_start_reg</a:t>
                       </a:r>
-                      <a:endParaRPr lang="en-US" sz="1100">
+                      <a:endParaRPr lang="en-US" sz="1400">
                         <a:effectLst/>
                         <a:latin typeface="Calibri"/>
                         <a:ea typeface="Calibri"/>
@@ -20442,12 +18922,18 @@
                         </a:spcAft>
                       </a:pPr>
                       <a:r>
-                        <a:rPr lang="en-US" sz="1100">
+                        <a:rPr lang="en-US" sz="1100" dirty="0">
                           <a:effectLst/>
                         </a:rPr>
-                        <a:t>Holds Xstart</a:t>
+                        <a:t>Holds </a:t>
                       </a:r>
-                      <a:endParaRPr lang="en-US" sz="1100">
+                      <a:r>
+                        <a:rPr lang="en-US" sz="1100" dirty="0" err="1">
+                          <a:effectLst/>
+                        </a:rPr>
+                        <a:t>Xstart</a:t>
+                      </a:r>
+                      <a:endParaRPr lang="en-US" sz="1100" dirty="0">
                         <a:effectLst/>
                         <a:latin typeface="Calibri"/>
                         <a:ea typeface="Calibri"/>
@@ -20487,7 +18973,7 @@
                   <a:tcPr marL="68580" marR="68580" marT="0" marB="0"/>
                 </a:tc>
               </a:tr>
-              <a:tr h="514187">
+              <a:tr h="360040">
                 <a:tc>
                   <a:txBody>
                     <a:bodyPr/>
@@ -20502,12 +18988,12 @@
                         </a:spcAft>
                       </a:pPr>
                       <a:r>
-                        <a:rPr lang="en-US" sz="1100">
+                        <a:rPr lang="en-US" sz="1400">
                           <a:effectLst/>
                         </a:rPr>
                         <a:t>Y_start_reg</a:t>
                       </a:r>
-                      <a:endParaRPr lang="en-US" sz="1100">
+                      <a:endParaRPr lang="en-US" sz="1400">
                         <a:effectLst/>
                         <a:latin typeface="Calibri"/>
                         <a:ea typeface="Calibri"/>
@@ -20634,7 +19120,7 @@
                   <a:tcPr marL="68580" marR="68580" marT="0" marB="0"/>
                 </a:tc>
               </a:tr>
-              <a:tr h="514187">
+              <a:tr h="360040">
                 <a:tc>
                   <a:txBody>
                     <a:bodyPr/>
@@ -20649,12 +19135,12 @@
                         </a:spcAft>
                       </a:pPr>
                       <a:r>
-                        <a:rPr lang="en-US" sz="1100">
+                        <a:rPr lang="en-US" sz="1400" dirty="0" err="1">
                           <a:effectLst/>
                         </a:rPr>
                         <a:t>zoom_reg</a:t>
                       </a:r>
-                      <a:endParaRPr lang="en-US" sz="1100">
+                      <a:endParaRPr lang="en-US" sz="1400" dirty="0">
                         <a:effectLst/>
                         <a:latin typeface="Calibri"/>
                         <a:ea typeface="Calibri"/>
@@ -20678,12 +19164,12 @@
                         </a:spcAft>
                       </a:pPr>
                       <a:r>
-                        <a:rPr lang="en-US" sz="1100">
+                        <a:rPr lang="en-US" sz="1100" dirty="0">
                           <a:effectLst/>
                         </a:rPr>
                         <a:t>12-13</a:t>
                       </a:r>
-                      <a:endParaRPr lang="en-US" sz="1100">
+                      <a:endParaRPr lang="en-US" sz="1100" dirty="0">
                         <a:effectLst/>
                         <a:latin typeface="Calibri"/>
                         <a:ea typeface="Calibri"/>

--- a/Presentation/Mid_Presentation.pptx
+++ b/Presentation/Mid_Presentation.pptx
@@ -206,7 +206,7 @@
             <a:fld id="{CE9DB683-BA92-4AFD-AD8C-DE649E26BEE1}" type="datetimeFigureOut">
               <a:rPr lang="he-IL" smtClean="0"/>
               <a:pPr/>
-              <a:t>כ"ט/טבת/תשע"ב</a:t>
+              <a:t>א'/שבט/תשע"ב</a:t>
             </a:fld>
             <a:endParaRPr lang="he-IL"/>
           </a:p>
@@ -1028,37 +1028,7 @@
           <a:bodyPr/>
           <a:lstStyle/>
           <a:p>
-            <a:r>
-              <a:rPr lang="he-IL" dirty="0" smtClean="0"/>
-              <a:t>להוסיף</a:t>
-            </a:r>
-            <a:r>
-              <a:rPr lang="he-IL" baseline="0" dirty="0" smtClean="0"/>
-              <a:t> אנימציה של </a:t>
-            </a:r>
-            <a:r>
-              <a:rPr lang="he-IL" baseline="0" dirty="0" err="1" smtClean="0"/>
-              <a:t>דקומפרסור</a:t>
-            </a:r>
-            <a:r>
-              <a:rPr lang="he-IL" baseline="0" dirty="0" smtClean="0"/>
-              <a:t> נעלם</a:t>
-            </a:r>
-          </a:p>
-          <a:p>
-            <a:r>
-              <a:rPr lang="he-IL" baseline="0" dirty="0" smtClean="0"/>
-              <a:t>לשים </a:t>
-            </a:r>
-            <a:r>
-              <a:rPr lang="he-IL" baseline="0" dirty="0" err="1" smtClean="0"/>
-              <a:t>היילייט</a:t>
-            </a:r>
-            <a:r>
-              <a:rPr lang="he-IL" baseline="0" dirty="0" smtClean="0"/>
-              <a:t> על פיקסל מנגר</a:t>
-            </a:r>
-            <a:endParaRPr lang="he-IL" dirty="0"/>
+            <a:endParaRPr lang="he-IL" baseline="0" dirty="0" smtClean="0"/>
           </a:p>
         </p:txBody>
       </p:sp>
@@ -1256,44 +1226,6 @@
           <a:bodyPr/>
           <a:lstStyle/>
           <a:p>
-            <a:r>
-              <a:rPr lang="he-IL" dirty="0" smtClean="0"/>
-              <a:t>ארכיטקטורה מפרויקט</a:t>
-            </a:r>
-            <a:r>
-              <a:rPr lang="he-IL" baseline="0" dirty="0" smtClean="0"/>
-              <a:t> של סטודנטים מהפקולטה משנה שעברה.</a:t>
-            </a:r>
-          </a:p>
-          <a:p>
-            <a:r>
-              <a:rPr lang="he-IL" baseline="0" dirty="0" smtClean="0"/>
-              <a:t>המערכת לוקחת תמונה דחוסה שמקודדת ב</a:t>
-            </a:r>
-            <a:r>
-              <a:rPr lang="en-US" baseline="0" dirty="0" smtClean="0"/>
-              <a:t>RUNLENGTH </a:t>
-            </a:r>
-            <a:r>
-              <a:rPr lang="he-IL" baseline="0" dirty="0" smtClean="0"/>
-              <a:t> (מה שלא ייקרה אצלנו)</a:t>
-            </a:r>
-          </a:p>
-          <a:p>
-            <a:r>
-              <a:rPr lang="he-IL" baseline="0" dirty="0" smtClean="0"/>
-              <a:t>כותבת אותה דחוסה לתוך הזכרון</a:t>
-            </a:r>
-          </a:p>
-          <a:p>
-            <a:r>
-              <a:rPr lang="he-IL" baseline="0" smtClean="0"/>
-              <a:t>קוראת </a:t>
-            </a:r>
-            <a:r>
-              <a:rPr lang="he-IL" baseline="0" dirty="0" smtClean="0"/>
-              <a:t>אותה מהזכרון , פורסת אותה ומציגה אותה למסך.</a:t>
-            </a:r>
             <a:endParaRPr lang="he-IL" dirty="0" smtClean="0"/>
           </a:p>
         </p:txBody>
@@ -2128,7 +2060,7 @@
             <a:fld id="{1D8BD707-D9CF-40AE-B4C6-C98DA3205C09}" type="datetimeFigureOut">
               <a:rPr lang="en-US" smtClean="0"/>
               <a:pPr/>
-              <a:t>1/24/2012</a:t>
+              <a:t>1/25/2012</a:t>
             </a:fld>
             <a:endParaRPr lang="en-US"/>
           </a:p>
@@ -2326,7 +2258,7 @@
             <a:fld id="{1D8BD707-D9CF-40AE-B4C6-C98DA3205C09}" type="datetimeFigureOut">
               <a:rPr lang="en-US" smtClean="0"/>
               <a:pPr/>
-              <a:t>1/24/2012</a:t>
+              <a:t>1/25/2012</a:t>
             </a:fld>
             <a:endParaRPr lang="en-US"/>
           </a:p>
@@ -2513,7 +2445,7 @@
             <a:fld id="{1D8BD707-D9CF-40AE-B4C6-C98DA3205C09}" type="datetimeFigureOut">
               <a:rPr lang="en-US" smtClean="0"/>
               <a:pPr/>
-              <a:t>1/24/2012</a:t>
+              <a:t>1/25/2012</a:t>
             </a:fld>
             <a:endParaRPr lang="en-US"/>
           </a:p>
@@ -2665,7 +2597,7 @@
             <a:fld id="{1D8BD707-D9CF-40AE-B4C6-C98DA3205C09}" type="datetimeFigureOut">
               <a:rPr lang="en-US" smtClean="0"/>
               <a:pPr/>
-              <a:t>1/24/2012</a:t>
+              <a:t>1/25/2012</a:t>
             </a:fld>
             <a:endParaRPr lang="en-US"/>
           </a:p>
@@ -2922,7 +2854,7 @@
             <a:fld id="{1D8BD707-D9CF-40AE-B4C6-C98DA3205C09}" type="datetimeFigureOut">
               <a:rPr lang="en-US" smtClean="0"/>
               <a:pPr/>
-              <a:t>1/24/2012</a:t>
+              <a:t>1/25/2012</a:t>
             </a:fld>
             <a:endParaRPr lang="en-US"/>
           </a:p>
@@ -3333,7 +3265,7 @@
             <a:fld id="{1D8BD707-D9CF-40AE-B4C6-C98DA3205C09}" type="datetimeFigureOut">
               <a:rPr lang="en-US" smtClean="0"/>
               <a:pPr/>
-              <a:t>1/24/2012</a:t>
+              <a:t>1/25/2012</a:t>
             </a:fld>
             <a:endParaRPr lang="en-US"/>
           </a:p>
@@ -3781,7 +3713,7 @@
             <a:fld id="{1D8BD707-D9CF-40AE-B4C6-C98DA3205C09}" type="datetimeFigureOut">
               <a:rPr lang="en-US" smtClean="0"/>
               <a:pPr/>
-              <a:t>1/24/2012</a:t>
+              <a:t>1/25/2012</a:t>
             </a:fld>
             <a:endParaRPr lang="en-US"/>
           </a:p>
@@ -3884,7 +3816,7 @@
             <a:fld id="{1D8BD707-D9CF-40AE-B4C6-C98DA3205C09}" type="datetimeFigureOut">
               <a:rPr lang="en-US" smtClean="0"/>
               <a:pPr/>
-              <a:t>1/24/2012</a:t>
+              <a:t>1/25/2012</a:t>
             </a:fld>
             <a:endParaRPr lang="en-US"/>
           </a:p>
@@ -4007,7 +3939,7 @@
             <a:fld id="{1D8BD707-D9CF-40AE-B4C6-C98DA3205C09}" type="datetimeFigureOut">
               <a:rPr lang="en-US" smtClean="0"/>
               <a:pPr/>
-              <a:t>1/24/2012</a:t>
+              <a:t>1/25/2012</a:t>
             </a:fld>
             <a:endParaRPr lang="en-US"/>
           </a:p>
@@ -4283,7 +4215,7 @@
             <a:fld id="{1D8BD707-D9CF-40AE-B4C6-C98DA3205C09}" type="datetimeFigureOut">
               <a:rPr lang="en-US" smtClean="0"/>
               <a:pPr/>
-              <a:t>1/24/2012</a:t>
+              <a:t>1/25/2012</a:t>
             </a:fld>
             <a:endParaRPr lang="en-US"/>
           </a:p>
@@ -4490,7 +4422,7 @@
             <a:fld id="{1D8BD707-D9CF-40AE-B4C6-C98DA3205C09}" type="datetimeFigureOut">
               <a:rPr lang="en-US" smtClean="0"/>
               <a:pPr/>
-              <a:t>1/24/2012</a:t>
+              <a:t>1/25/2012</a:t>
             </a:fld>
             <a:endParaRPr lang="en-US"/>
           </a:p>
@@ -5601,7 +5533,7 @@
             <a:fld id="{1D8BD707-D9CF-40AE-B4C6-C98DA3205C09}" type="datetimeFigureOut">
               <a:rPr lang="en-US" smtClean="0"/>
               <a:pPr/>
-              <a:t>1/24/2012</a:t>
+              <a:t>1/25/2012</a:t>
             </a:fld>
             <a:endParaRPr lang="en-US"/>
           </a:p>
@@ -8320,19 +8252,7 @@
             <a:pPr algn="ctr" rtl="0"/>
             <a:r>
               <a:rPr lang="en-US" dirty="0" smtClean="0"/>
-              <a:t>Top Architecture – </a:t>
-            </a:r>
-            <a:r>
-              <a:rPr lang="en-US" dirty="0" smtClean="0"/>
-              <a:t>Previous</a:t>
-            </a:r>
-            <a:r>
-              <a:rPr lang="en-US" dirty="0" smtClean="0"/>
-              <a:t> </a:t>
-            </a:r>
-            <a:r>
-              <a:rPr lang="en-US" dirty="0" smtClean="0"/>
-              <a:t>System</a:t>
+              <a:t>Top Architecture – Previous System</a:t>
             </a:r>
             <a:endParaRPr lang="he-IL" dirty="0"/>
           </a:p>
@@ -10206,107 +10126,277 @@
           </a:p>
         </p:txBody>
       </p:sp>
+      <p:pic>
+        <p:nvPicPr>
+          <p:cNvPr id="1026" name="Picture 2"/>
+          <p:cNvPicPr>
+            <a:picLocks noChangeAspect="1" noChangeArrowheads="1"/>
+          </p:cNvPicPr>
+          <p:nvPr/>
+        </p:nvPicPr>
+        <p:blipFill>
+          <a:blip r:embed="rId3">
+            <a:extLst>
+              <a:ext uri="{28A0092B-C50C-407E-A947-70E740481C1C}">
+                <a14:useLocalDpi xmlns:a14="http://schemas.microsoft.com/office/drawing/2010/main" val="0"/>
+              </a:ext>
+            </a:extLst>
+          </a:blip>
+          <a:srcRect/>
+          <a:stretch>
+            <a:fillRect/>
+          </a:stretch>
+        </p:blipFill>
+        <p:spPr bwMode="auto">
+          <a:xfrm>
+            <a:off x="4396368" y="2187968"/>
+            <a:ext cx="733440" cy="4338655"/>
+          </a:xfrm>
+          <a:prstGeom prst="rect">
+            <a:avLst/>
+          </a:prstGeom>
+          <a:noFill/>
+          <a:ln>
+            <a:noFill/>
+          </a:ln>
+          <a:effectLst/>
+          <a:extLst>
+            <a:ext uri="{909E8E84-426E-40DD-AFC4-6F175D3DCCD1}">
+              <a14:hiddenFill xmlns:a14="http://schemas.microsoft.com/office/drawing/2010/main">
+                <a:solidFill>
+                  <a:schemeClr val="accent1"/>
+                </a:solidFill>
+              </a14:hiddenFill>
+            </a:ext>
+            <a:ext uri="{91240B29-F687-4F45-9708-019B960494DF}">
+              <a14:hiddenLine xmlns:a14="http://schemas.microsoft.com/office/drawing/2010/main" w="9525">
+                <a:solidFill>
+                  <a:schemeClr val="tx1"/>
+                </a:solidFill>
+                <a:miter lim="800000"/>
+                <a:headEnd/>
+                <a:tailEnd/>
+              </a14:hiddenLine>
+            </a:ext>
+            <a:ext uri="{AF507438-7753-43E0-B8FC-AC1667EBCBE1}">
+              <a14:hiddenEffects xmlns:a14="http://schemas.microsoft.com/office/drawing/2010/main">
+                <a:effectLst>
+                  <a:outerShdw dist="35921" dir="2700000" algn="ctr" rotWithShape="0">
+                    <a:schemeClr val="bg2"/>
+                  </a:outerShdw>
+                </a:effectLst>
+              </a14:hiddenEffects>
+            </a:ext>
+          </a:extLst>
+        </p:spPr>
+      </p:pic>
+      <p:pic>
+        <p:nvPicPr>
+          <p:cNvPr id="7" name="Picture 3"/>
+          <p:cNvPicPr>
+            <a:picLocks noChangeAspect="1" noChangeArrowheads="1"/>
+          </p:cNvPicPr>
+          <p:nvPr/>
+        </p:nvPicPr>
+        <p:blipFill>
+          <a:blip r:embed="rId4">
+            <a:extLst>
+              <a:ext uri="{28A0092B-C50C-407E-A947-70E740481C1C}">
+                <a14:useLocalDpi xmlns:a14="http://schemas.microsoft.com/office/drawing/2010/main" val="0"/>
+              </a:ext>
+            </a:extLst>
+          </a:blip>
+          <a:srcRect/>
+          <a:stretch>
+            <a:fillRect/>
+          </a:stretch>
+        </p:blipFill>
+        <p:spPr bwMode="auto">
+          <a:xfrm>
+            <a:off x="4396368" y="2267092"/>
+            <a:ext cx="755888" cy="4259531"/>
+          </a:xfrm>
+          <a:prstGeom prst="rect">
+            <a:avLst/>
+          </a:prstGeom>
+          <a:noFill/>
+          <a:ln>
+            <a:noFill/>
+          </a:ln>
+          <a:effectLst/>
+          <a:extLst>
+            <a:ext uri="{909E8E84-426E-40DD-AFC4-6F175D3DCCD1}">
+              <a14:hiddenFill xmlns:a14="http://schemas.microsoft.com/office/drawing/2010/main">
+                <a:solidFill>
+                  <a:schemeClr val="accent1"/>
+                </a:solidFill>
+              </a14:hiddenFill>
+            </a:ext>
+            <a:ext uri="{91240B29-F687-4F45-9708-019B960494DF}">
+              <a14:hiddenLine xmlns:a14="http://schemas.microsoft.com/office/drawing/2010/main" w="9525">
+                <a:solidFill>
+                  <a:schemeClr val="tx1"/>
+                </a:solidFill>
+                <a:miter lim="800000"/>
+                <a:headEnd/>
+                <a:tailEnd/>
+              </a14:hiddenLine>
+            </a:ext>
+            <a:ext uri="{AF507438-7753-43E0-B8FC-AC1667EBCBE1}">
+              <a14:hiddenEffects xmlns:a14="http://schemas.microsoft.com/office/drawing/2010/main">
+                <a:effectLst>
+                  <a:outerShdw dist="35921" dir="2700000" algn="ctr" rotWithShape="0">
+                    <a:schemeClr val="bg2"/>
+                  </a:outerShdw>
+                </a:effectLst>
+              </a14:hiddenEffects>
+            </a:ext>
+          </a:extLst>
+        </p:spPr>
+      </p:pic>
+      <p:sp>
+        <p:nvSpPr>
+          <p:cNvPr id="11" name="Rectangle 10"/>
+          <p:cNvSpPr/>
+          <p:nvPr/>
+        </p:nvSpPr>
+        <p:spPr>
+          <a:xfrm>
+            <a:off x="899592" y="2607131"/>
+            <a:ext cx="2160240" cy="965885"/>
+          </a:xfrm>
+          <a:prstGeom prst="rect">
+            <a:avLst/>
+          </a:prstGeom>
+        </p:spPr>
+        <p:style>
+          <a:lnRef idx="2">
+            <a:schemeClr val="accent4"/>
+          </a:lnRef>
+          <a:fillRef idx="1">
+            <a:schemeClr val="lt1"/>
+          </a:fillRef>
+          <a:effectRef idx="0">
+            <a:schemeClr val="accent4"/>
+          </a:effectRef>
+          <a:fontRef idx="minor">
+            <a:schemeClr val="dk1"/>
+          </a:fontRef>
+        </p:style>
+        <p:txBody>
+          <a:bodyPr rtlCol="1" anchor="ctr"/>
+          <a:lstStyle/>
+          <a:p>
+            <a:pPr algn="ctr"/>
+            <a:r>
+              <a:rPr lang="en-US" dirty="0" smtClean="0"/>
+              <a:t>Old </a:t>
+            </a:r>
+            <a:r>
+              <a:rPr lang="en-US" dirty="0" err="1" smtClean="0"/>
+              <a:t>Uart</a:t>
+            </a:r>
+            <a:r>
+              <a:rPr lang="en-US" dirty="0" smtClean="0"/>
+              <a:t> Message</a:t>
+            </a:r>
+            <a:endParaRPr lang="he-IL" dirty="0"/>
+          </a:p>
+        </p:txBody>
+      </p:sp>
       <p:grpSp>
         <p:nvGrpSpPr>
-          <p:cNvPr id="5" name="Group 4"/>
+          <p:cNvPr id="16" name="Group 15"/>
           <p:cNvGrpSpPr/>
           <p:nvPr/>
         </p:nvGrpSpPr>
         <p:grpSpPr>
           <a:xfrm>
-            <a:off x="1763688" y="2440353"/>
-            <a:ext cx="1368152" cy="3767455"/>
-            <a:chOff x="1020884" y="2875621"/>
-            <a:chExt cx="1512168" cy="3983479"/>
+            <a:off x="5161424" y="2339129"/>
+            <a:ext cx="1872208" cy="1501888"/>
+            <a:chOff x="5364088" y="2339129"/>
+            <a:chExt cx="1872208" cy="1501888"/>
           </a:xfrm>
         </p:grpSpPr>
-        <p:pic>
-          <p:nvPicPr>
-            <p:cNvPr id="1027" name="Picture 3"/>
-            <p:cNvPicPr>
-              <a:picLocks noChangeAspect="1" noChangeArrowheads="1"/>
-            </p:cNvPicPr>
+        <p:sp>
+          <p:nvSpPr>
+            <p:cNvPr id="14" name="Right Brace 13"/>
+            <p:cNvSpPr/>
             <p:nvPr/>
-          </p:nvPicPr>
-          <p:blipFill rotWithShape="1">
-            <a:blip r:embed="rId3">
-              <a:extLst>
-                <a:ext uri="{28A0092B-C50C-407E-A947-70E740481C1C}">
-                  <a14:useLocalDpi xmlns:a14="http://schemas.microsoft.com/office/drawing/2010/main" val="0"/>
-                </a:ext>
-              </a:extLst>
-            </a:blip>
-            <a:srcRect t="-326" b="35884"/>
-            <a:stretch/>
-          </p:blipFill>
-          <p:spPr bwMode="auto">
+          </p:nvSpPr>
+          <p:spPr>
             <a:xfrm>
-              <a:off x="1269976" y="2875621"/>
-              <a:ext cx="854808" cy="3337148"/>
+              <a:off x="5364088" y="2339129"/>
+              <a:ext cx="576064" cy="1501888"/>
+            </a:xfrm>
+            <a:prstGeom prst="rightBrace">
+              <a:avLst>
+                <a:gd name="adj1" fmla="val 53307"/>
+                <a:gd name="adj2" fmla="val 50000"/>
+              </a:avLst>
+            </a:prstGeom>
+            <a:ln w="28575"/>
+          </p:spPr>
+          <p:style>
+            <a:lnRef idx="2">
+              <a:schemeClr val="accent4"/>
+            </a:lnRef>
+            <a:fillRef idx="0">
+              <a:schemeClr val="accent4"/>
+            </a:fillRef>
+            <a:effectRef idx="1">
+              <a:schemeClr val="accent4"/>
+            </a:effectRef>
+            <a:fontRef idx="minor">
+              <a:schemeClr val="tx1"/>
+            </a:fontRef>
+          </p:style>
+          <p:txBody>
+            <a:bodyPr rtlCol="1" anchor="ctr"/>
+            <a:lstStyle/>
+            <a:p>
+              <a:pPr algn="ctr"/>
+              <a:endParaRPr lang="he-IL"/>
+            </a:p>
+          </p:txBody>
+        </p:sp>
+        <p:sp>
+          <p:nvSpPr>
+            <p:cNvPr id="15" name="Rectangle 14"/>
+            <p:cNvSpPr/>
+            <p:nvPr/>
+          </p:nvSpPr>
+          <p:spPr>
+            <a:xfrm>
+              <a:off x="6228184" y="2852936"/>
+              <a:ext cx="1008112" cy="576064"/>
             </a:xfrm>
             <a:prstGeom prst="rect">
               <a:avLst/>
             </a:prstGeom>
-            <a:noFill/>
-            <a:ln>
-              <a:noFill/>
-            </a:ln>
-            <a:effectLst/>
-            <a:extLst>
-              <a:ext uri="{909E8E84-426E-40DD-AFC4-6F175D3DCCD1}">
-                <a14:hiddenFill xmlns:a14="http://schemas.microsoft.com/office/drawing/2010/main">
-                  <a:solidFill>
-                    <a:schemeClr val="accent1"/>
-                  </a:solidFill>
-                </a14:hiddenFill>
-              </a:ext>
-              <a:ext uri="{91240B29-F687-4F45-9708-019B960494DF}">
-                <a14:hiddenLine xmlns:a14="http://schemas.microsoft.com/office/drawing/2010/main" w="9525">
-                  <a:solidFill>
-                    <a:schemeClr val="tx1"/>
-                  </a:solidFill>
-                  <a:miter lim="800000"/>
-                  <a:headEnd/>
-                  <a:tailEnd/>
-                </a14:hiddenLine>
-              </a:ext>
-              <a:ext uri="{AF507438-7753-43E0-B8FC-AC1667EBCBE1}">
-                <a14:hiddenEffects xmlns:a14="http://schemas.microsoft.com/office/drawing/2010/main">
-                  <a:effectLst>
-                    <a:outerShdw dist="35921" dir="2700000" algn="ctr" rotWithShape="0">
-                      <a:schemeClr val="bg2"/>
-                    </a:outerShdw>
-                  </a:effectLst>
-                </a14:hiddenEffects>
-              </a:ext>
-            </a:extLst>
           </p:spPr>
-        </p:pic>
-        <p:sp>
-          <p:nvSpPr>
-            <p:cNvPr id="4" name="TextBox 3"/>
-            <p:cNvSpPr txBox="1"/>
-            <p:nvPr/>
-          </p:nvSpPr>
-          <p:spPr>
-            <a:xfrm>
-              <a:off x="1020884" y="6212770"/>
-              <a:ext cx="1512168" cy="646330"/>
-            </a:xfrm>
-            <a:prstGeom prst="rect">
-              <a:avLst/>
-            </a:prstGeom>
-            <a:noFill/>
-          </p:spPr>
+          <p:style>
+            <a:lnRef idx="2">
+              <a:schemeClr val="accent4"/>
+            </a:lnRef>
+            <a:fillRef idx="1">
+              <a:schemeClr val="lt1"/>
+            </a:fillRef>
+            <a:effectRef idx="0">
+              <a:schemeClr val="accent4"/>
+            </a:effectRef>
+            <a:fontRef idx="minor">
+              <a:schemeClr val="dk1"/>
+            </a:fontRef>
+          </p:style>
           <p:txBody>
-            <a:bodyPr wrap="square" rtlCol="1">
-              <a:spAutoFit/>
-            </a:bodyPr>
+            <a:bodyPr rtlCol="1" anchor="ctr"/>
             <a:lstStyle/>
             <a:p>
+              <a:pPr algn="ctr"/>
               <a:r>
                 <a:rPr lang="en-US" dirty="0" smtClean="0"/>
-                <a:t>Old Message</a:t>
+                <a:t>Header</a:t>
               </a:r>
               <a:endParaRPr lang="he-IL" dirty="0"/>
             </a:p>
@@ -10315,105 +10405,411 @@
       </p:grpSp>
       <p:grpSp>
         <p:nvGrpSpPr>
-          <p:cNvPr id="6" name="Group 5"/>
+          <p:cNvPr id="17" name="Group 16"/>
           <p:cNvGrpSpPr/>
           <p:nvPr/>
         </p:nvGrpSpPr>
         <p:grpSpPr>
           <a:xfrm>
-            <a:off x="4711824" y="2440353"/>
-            <a:ext cx="1368152" cy="3849997"/>
-            <a:chOff x="4711824" y="2440353"/>
-            <a:chExt cx="1368152" cy="3849997"/>
+            <a:off x="5183872" y="5830781"/>
+            <a:ext cx="1463393" cy="714725"/>
+            <a:chOff x="5268847" y="5830782"/>
+            <a:chExt cx="1463393" cy="714725"/>
           </a:xfrm>
         </p:grpSpPr>
-        <p:pic>
-          <p:nvPicPr>
-            <p:cNvPr id="1028" name="Picture 4"/>
-            <p:cNvPicPr>
-              <a:picLocks noChangeAspect="1" noChangeArrowheads="1"/>
-            </p:cNvPicPr>
+        <p:sp>
+          <p:nvSpPr>
+            <p:cNvPr id="24" name="Right Brace 23"/>
+            <p:cNvSpPr/>
             <p:nvPr/>
-          </p:nvPicPr>
-          <p:blipFill rotWithShape="1">
-            <a:blip r:embed="rId4">
-              <a:extLst>
-                <a:ext uri="{28A0092B-C50C-407E-A947-70E740481C1C}">
-                  <a14:useLocalDpi xmlns:a14="http://schemas.microsoft.com/office/drawing/2010/main" val="0"/>
-                </a:ext>
-              </a:extLst>
-            </a:blip>
-            <a:srcRect t="16307" r="34533" b="13158"/>
-            <a:stretch/>
-          </p:blipFill>
-          <p:spPr bwMode="auto">
+          </p:nvSpPr>
+          <p:spPr>
             <a:xfrm>
-              <a:off x="4928220" y="2440353"/>
-              <a:ext cx="935360" cy="3224869"/>
+              <a:off x="5268847" y="5830782"/>
+              <a:ext cx="352725" cy="714725"/>
+            </a:xfrm>
+            <a:prstGeom prst="rightBrace">
+              <a:avLst>
+                <a:gd name="adj1" fmla="val 53307"/>
+                <a:gd name="adj2" fmla="val 50000"/>
+              </a:avLst>
+            </a:prstGeom>
+            <a:ln w="28575"/>
+          </p:spPr>
+          <p:style>
+            <a:lnRef idx="2">
+              <a:schemeClr val="accent4"/>
+            </a:lnRef>
+            <a:fillRef idx="0">
+              <a:schemeClr val="accent4"/>
+            </a:fillRef>
+            <a:effectRef idx="1">
+              <a:schemeClr val="accent4"/>
+            </a:effectRef>
+            <a:fontRef idx="minor">
+              <a:schemeClr val="tx1"/>
+            </a:fontRef>
+          </p:style>
+          <p:txBody>
+            <a:bodyPr rtlCol="1" anchor="ctr"/>
+            <a:lstStyle/>
+            <a:p>
+              <a:pPr algn="ctr"/>
+              <a:endParaRPr lang="he-IL"/>
+            </a:p>
+          </p:txBody>
+        </p:sp>
+        <p:sp>
+          <p:nvSpPr>
+            <p:cNvPr id="25" name="Rectangle 24"/>
+            <p:cNvSpPr/>
+            <p:nvPr/>
+          </p:nvSpPr>
+          <p:spPr>
+            <a:xfrm>
+              <a:off x="5693573" y="5959620"/>
+              <a:ext cx="1038667" cy="457048"/>
             </a:xfrm>
             <a:prstGeom prst="rect">
               <a:avLst/>
             </a:prstGeom>
-            <a:noFill/>
-            <a:ln>
-              <a:noFill/>
-            </a:ln>
-            <a:effectLst/>
-            <a:extLst>
-              <a:ext uri="{909E8E84-426E-40DD-AFC4-6F175D3DCCD1}">
-                <a14:hiddenFill xmlns:a14="http://schemas.microsoft.com/office/drawing/2010/main">
-                  <a:solidFill>
-                    <a:schemeClr val="accent1"/>
-                  </a:solidFill>
-                </a14:hiddenFill>
-              </a:ext>
-              <a:ext uri="{91240B29-F687-4F45-9708-019B960494DF}">
-                <a14:hiddenLine xmlns:a14="http://schemas.microsoft.com/office/drawing/2010/main" w="9525">
-                  <a:solidFill>
-                    <a:schemeClr val="tx1"/>
-                  </a:solidFill>
-                  <a:miter lim="800000"/>
-                  <a:headEnd/>
-                  <a:tailEnd/>
-                </a14:hiddenLine>
-              </a:ext>
-              <a:ext uri="{AF507438-7753-43E0-B8FC-AC1667EBCBE1}">
-                <a14:hiddenEffects xmlns:a14="http://schemas.microsoft.com/office/drawing/2010/main">
-                  <a:effectLst>
-                    <a:outerShdw dist="35921" dir="2700000" algn="ctr" rotWithShape="0">
-                      <a:schemeClr val="bg2"/>
-                    </a:outerShdw>
-                  </a:effectLst>
-                </a14:hiddenEffects>
-              </a:ext>
-            </a:extLst>
           </p:spPr>
-        </p:pic>
+          <p:style>
+            <a:lnRef idx="2">
+              <a:schemeClr val="accent4"/>
+            </a:lnRef>
+            <a:fillRef idx="1">
+              <a:schemeClr val="lt1"/>
+            </a:fillRef>
+            <a:effectRef idx="0">
+              <a:schemeClr val="accent4"/>
+            </a:effectRef>
+            <a:fontRef idx="minor">
+              <a:schemeClr val="dk1"/>
+            </a:fontRef>
+          </p:style>
+          <p:txBody>
+            <a:bodyPr rtlCol="1" anchor="ctr"/>
+            <a:lstStyle/>
+            <a:p>
+              <a:pPr algn="ctr"/>
+              <a:r>
+                <a:rPr lang="en-US" dirty="0" smtClean="0"/>
+                <a:t>Tail</a:t>
+              </a:r>
+              <a:endParaRPr lang="he-IL" dirty="0"/>
+            </a:p>
+          </p:txBody>
+        </p:sp>
+      </p:grpSp>
+      <p:sp>
+        <p:nvSpPr>
+          <p:cNvPr id="30" name="Rectangle 29"/>
+          <p:cNvSpPr/>
+          <p:nvPr/>
+        </p:nvSpPr>
+        <p:spPr>
+          <a:xfrm>
+            <a:off x="899592" y="2607130"/>
+            <a:ext cx="2160240" cy="965885"/>
+          </a:xfrm>
+          <a:prstGeom prst="rect">
+            <a:avLst/>
+          </a:prstGeom>
+        </p:spPr>
+        <p:style>
+          <a:lnRef idx="2">
+            <a:schemeClr val="accent2"/>
+          </a:lnRef>
+          <a:fillRef idx="1">
+            <a:schemeClr val="lt1"/>
+          </a:fillRef>
+          <a:effectRef idx="0">
+            <a:schemeClr val="accent2"/>
+          </a:effectRef>
+          <a:fontRef idx="minor">
+            <a:schemeClr val="dk1"/>
+          </a:fontRef>
+        </p:style>
+        <p:txBody>
+          <a:bodyPr rtlCol="1" anchor="ctr"/>
+          <a:lstStyle/>
+          <a:p>
+            <a:pPr algn="ctr"/>
+            <a:r>
+              <a:rPr lang="en-US" dirty="0" smtClean="0"/>
+              <a:t>New </a:t>
+            </a:r>
+            <a:r>
+              <a:rPr lang="en-US" dirty="0" err="1" smtClean="0"/>
+              <a:t>Uart</a:t>
+            </a:r>
+            <a:r>
+              <a:rPr lang="en-US" dirty="0" smtClean="0"/>
+              <a:t> Message</a:t>
+            </a:r>
+            <a:endParaRPr lang="he-IL" dirty="0"/>
+          </a:p>
+        </p:txBody>
+      </p:sp>
+      <p:grpSp>
+        <p:nvGrpSpPr>
+          <p:cNvPr id="27" name="Group 26"/>
+          <p:cNvGrpSpPr/>
+          <p:nvPr/>
+        </p:nvGrpSpPr>
+        <p:grpSpPr>
+          <a:xfrm>
+            <a:off x="5152256" y="4005064"/>
+            <a:ext cx="2938968" cy="1645904"/>
+            <a:chOff x="5364088" y="2195113"/>
+            <a:chExt cx="2938968" cy="1645904"/>
+          </a:xfrm>
+        </p:grpSpPr>
         <p:sp>
           <p:nvSpPr>
-            <p:cNvPr id="12" name="TextBox 11"/>
-            <p:cNvSpPr txBox="1"/>
+            <p:cNvPr id="28" name="Right Brace 27"/>
+            <p:cNvSpPr/>
             <p:nvPr/>
           </p:nvSpPr>
           <p:spPr>
             <a:xfrm>
-              <a:off x="4711824" y="5644019"/>
-              <a:ext cx="1368152" cy="646331"/>
+              <a:off x="5364088" y="2195113"/>
+              <a:ext cx="576064" cy="1645904"/>
+            </a:xfrm>
+            <a:prstGeom prst="rightBrace">
+              <a:avLst>
+                <a:gd name="adj1" fmla="val 53307"/>
+                <a:gd name="adj2" fmla="val 50000"/>
+              </a:avLst>
+            </a:prstGeom>
+            <a:ln/>
+          </p:spPr>
+          <p:style>
+            <a:lnRef idx="2">
+              <a:schemeClr val="accent2"/>
+            </a:lnRef>
+            <a:fillRef idx="1">
+              <a:schemeClr val="lt1"/>
+            </a:fillRef>
+            <a:effectRef idx="0">
+              <a:schemeClr val="accent2"/>
+            </a:effectRef>
+            <a:fontRef idx="minor">
+              <a:schemeClr val="dk1"/>
+            </a:fontRef>
+          </p:style>
+          <p:txBody>
+            <a:bodyPr rtlCol="1" anchor="ctr"/>
+            <a:lstStyle/>
+            <a:p>
+              <a:pPr algn="ctr"/>
+              <a:endParaRPr lang="he-IL"/>
+            </a:p>
+          </p:txBody>
+        </p:sp>
+        <p:sp>
+          <p:nvSpPr>
+            <p:cNvPr id="29" name="Rectangle 28"/>
+            <p:cNvSpPr/>
+            <p:nvPr/>
+          </p:nvSpPr>
+          <p:spPr>
+            <a:xfrm>
+              <a:off x="6079192" y="2698904"/>
+              <a:ext cx="2223864" cy="782337"/>
             </a:xfrm>
             <a:prstGeom prst="rect">
               <a:avLst/>
             </a:prstGeom>
-            <a:noFill/>
           </p:spPr>
+          <p:style>
+            <a:lnRef idx="2">
+              <a:schemeClr val="accent2"/>
+            </a:lnRef>
+            <a:fillRef idx="1">
+              <a:schemeClr val="lt1"/>
+            </a:fillRef>
+            <a:effectRef idx="0">
+              <a:schemeClr val="accent2"/>
+            </a:effectRef>
+            <a:fontRef idx="minor">
+              <a:schemeClr val="dk1"/>
+            </a:fontRef>
+          </p:style>
           <p:txBody>
-            <a:bodyPr wrap="square" rtlCol="1">
-              <a:spAutoFit/>
-            </a:bodyPr>
+            <a:bodyPr rtlCol="1" anchor="ctr"/>
             <a:lstStyle/>
             <a:p>
+              <a:pPr algn="ctr"/>
               <a:r>
                 <a:rPr lang="en-US" dirty="0" smtClean="0"/>
-                <a:t>New Message</a:t>
+                <a:t>Data </a:t>
+              </a:r>
+              <a:r>
+                <a:rPr lang="en-US" dirty="0"/>
+                <a:t>:</a:t>
+              </a:r>
+              <a:r>
+                <a:rPr lang="en-US" dirty="0" smtClean="0"/>
+                <a:t> Gray level, no repetitions</a:t>
+              </a:r>
+              <a:endParaRPr lang="he-IL" dirty="0"/>
+            </a:p>
+          </p:txBody>
+        </p:sp>
+      </p:grpSp>
+      <p:sp>
+        <p:nvSpPr>
+          <p:cNvPr id="22" name="Rectangle 21" hidden="1"/>
+          <p:cNvSpPr/>
+          <p:nvPr/>
+        </p:nvSpPr>
+        <p:spPr>
+          <a:xfrm>
+            <a:off x="806381" y="5405806"/>
+            <a:ext cx="2223864" cy="782337"/>
+          </a:xfrm>
+          <a:prstGeom prst="rect">
+            <a:avLst/>
+          </a:prstGeom>
+        </p:spPr>
+        <p:style>
+          <a:lnRef idx="2">
+            <a:schemeClr val="accent4"/>
+          </a:lnRef>
+          <a:fillRef idx="1">
+            <a:schemeClr val="lt1"/>
+          </a:fillRef>
+          <a:effectRef idx="0">
+            <a:schemeClr val="accent4"/>
+          </a:effectRef>
+          <a:fontRef idx="minor">
+            <a:schemeClr val="dk1"/>
+          </a:fontRef>
+        </p:style>
+        <p:txBody>
+          <a:bodyPr rtlCol="1" anchor="ctr"/>
+          <a:lstStyle/>
+          <a:p>
+            <a:pPr algn="ctr"/>
+            <a:r>
+              <a:rPr lang="en-US" dirty="0" smtClean="0"/>
+              <a:t>Data </a:t>
+            </a:r>
+            <a:r>
+              <a:rPr lang="en-US" dirty="0"/>
+              <a:t>:</a:t>
+            </a:r>
+            <a:r>
+              <a:rPr lang="en-US" dirty="0" smtClean="0"/>
+              <a:t> Gray level + repetitions</a:t>
+            </a:r>
+            <a:endParaRPr lang="he-IL" dirty="0"/>
+          </a:p>
+        </p:txBody>
+      </p:sp>
+      <p:grpSp>
+        <p:nvGrpSpPr>
+          <p:cNvPr id="31" name="Group 30"/>
+          <p:cNvGrpSpPr/>
+          <p:nvPr/>
+        </p:nvGrpSpPr>
+        <p:grpSpPr>
+          <a:xfrm>
+            <a:off x="5161424" y="4015344"/>
+            <a:ext cx="2938968" cy="1645904"/>
+            <a:chOff x="5220856" y="2059548"/>
+            <a:chExt cx="2938968" cy="1645904"/>
+          </a:xfrm>
+        </p:grpSpPr>
+        <p:sp>
+          <p:nvSpPr>
+            <p:cNvPr id="32" name="Right Brace 31"/>
+            <p:cNvSpPr/>
+            <p:nvPr/>
+          </p:nvSpPr>
+          <p:spPr>
+            <a:xfrm>
+              <a:off x="5220856" y="2059548"/>
+              <a:ext cx="576064" cy="1645904"/>
+            </a:xfrm>
+            <a:prstGeom prst="rightBrace">
+              <a:avLst>
+                <a:gd name="adj1" fmla="val 53307"/>
+                <a:gd name="adj2" fmla="val 50000"/>
+              </a:avLst>
+            </a:prstGeom>
+            <a:ln/>
+          </p:spPr>
+          <p:style>
+            <a:lnRef idx="2">
+              <a:schemeClr val="accent4"/>
+            </a:lnRef>
+            <a:fillRef idx="1">
+              <a:schemeClr val="lt1"/>
+            </a:fillRef>
+            <a:effectRef idx="0">
+              <a:schemeClr val="accent4"/>
+            </a:effectRef>
+            <a:fontRef idx="minor">
+              <a:schemeClr val="dk1"/>
+            </a:fontRef>
+          </p:style>
+          <p:txBody>
+            <a:bodyPr rtlCol="1" anchor="ctr"/>
+            <a:lstStyle/>
+            <a:p>
+              <a:pPr algn="ctr"/>
+              <a:endParaRPr lang="he-IL"/>
+            </a:p>
+          </p:txBody>
+        </p:sp>
+        <p:sp>
+          <p:nvSpPr>
+            <p:cNvPr id="33" name="Rectangle 32"/>
+            <p:cNvSpPr/>
+            <p:nvPr/>
+          </p:nvSpPr>
+          <p:spPr>
+            <a:xfrm>
+              <a:off x="5935960" y="2563339"/>
+              <a:ext cx="2223864" cy="782337"/>
+            </a:xfrm>
+            <a:prstGeom prst="rect">
+              <a:avLst/>
+            </a:prstGeom>
+          </p:spPr>
+          <p:style>
+            <a:lnRef idx="2">
+              <a:schemeClr val="accent4"/>
+            </a:lnRef>
+            <a:fillRef idx="1">
+              <a:schemeClr val="lt1"/>
+            </a:fillRef>
+            <a:effectRef idx="0">
+              <a:schemeClr val="accent4"/>
+            </a:effectRef>
+            <a:fontRef idx="minor">
+              <a:schemeClr val="dk1"/>
+            </a:fontRef>
+          </p:style>
+          <p:txBody>
+            <a:bodyPr rtlCol="1" anchor="ctr"/>
+            <a:lstStyle/>
+            <a:p>
+              <a:pPr algn="ctr"/>
+              <a:r>
+                <a:rPr lang="en-US" dirty="0" smtClean="0"/>
+                <a:t>Data </a:t>
+              </a:r>
+              <a:r>
+                <a:rPr lang="en-US" dirty="0"/>
+                <a:t>:</a:t>
+              </a:r>
+              <a:r>
+                <a:rPr lang="en-US" dirty="0" smtClean="0"/>
+                <a:t> Gray level + repetitions</a:t>
               </a:r>
               <a:endParaRPr lang="he-IL" dirty="0"/>
             </a:p>
@@ -10433,9 +10829,790 @@
   <p:timing>
     <p:tnLst>
       <p:par>
-        <p:cTn id="1" dur="indefinite" restart="never" nodeType="tmRoot"/>
+        <p:cTn id="1" dur="indefinite" restart="never" nodeType="tmRoot">
+          <p:childTnLst>
+            <p:seq concurrent="1" nextAc="seek">
+              <p:cTn id="2" dur="indefinite" nodeType="mainSeq">
+                <p:childTnLst>
+                  <p:par>
+                    <p:cTn id="3" fill="hold">
+                      <p:stCondLst>
+                        <p:cond delay="indefinite"/>
+                        <p:cond evt="onBegin" delay="0">
+                          <p:tn val="2"/>
+                        </p:cond>
+                      </p:stCondLst>
+                      <p:childTnLst>
+                        <p:par>
+                          <p:cTn id="4" fill="hold">
+                            <p:stCondLst>
+                              <p:cond delay="0"/>
+                            </p:stCondLst>
+                            <p:childTnLst>
+                              <p:par>
+                                <p:cTn id="5" presetID="1" presetClass="exit" presetSubtype="0" fill="hold" grpId="0" nodeType="withEffect">
+                                  <p:stCondLst>
+                                    <p:cond delay="0"/>
+                                  </p:stCondLst>
+                                  <p:childTnLst>
+                                    <p:set>
+                                      <p:cBhvr>
+                                        <p:cTn id="6" dur="1" fill="hold">
+                                          <p:stCondLst>
+                                            <p:cond delay="0"/>
+                                          </p:stCondLst>
+                                        </p:cTn>
+                                        <p:tgtEl>
+                                          <p:spTgt spid="30"/>
+                                        </p:tgtEl>
+                                        <p:attrNameLst>
+                                          <p:attrName>style.visibility</p:attrName>
+                                        </p:attrNameLst>
+                                      </p:cBhvr>
+                                      <p:to>
+                                        <p:strVal val="hidden"/>
+                                      </p:to>
+                                    </p:set>
+                                  </p:childTnLst>
+                                </p:cTn>
+                              </p:par>
+                              <p:par>
+                                <p:cTn id="7" presetID="1" presetClass="exit" presetSubtype="0" fill="hold" nodeType="withEffect">
+                                  <p:stCondLst>
+                                    <p:cond delay="0"/>
+                                  </p:stCondLst>
+                                  <p:childTnLst>
+                                    <p:set>
+                                      <p:cBhvr>
+                                        <p:cTn id="8" dur="1" fill="hold">
+                                          <p:stCondLst>
+                                            <p:cond delay="0"/>
+                                          </p:stCondLst>
+                                        </p:cTn>
+                                        <p:tgtEl>
+                                          <p:spTgt spid="27"/>
+                                        </p:tgtEl>
+                                        <p:attrNameLst>
+                                          <p:attrName>style.visibility</p:attrName>
+                                        </p:attrNameLst>
+                                      </p:cBhvr>
+                                      <p:to>
+                                        <p:strVal val="hidden"/>
+                                      </p:to>
+                                    </p:set>
+                                  </p:childTnLst>
+                                </p:cTn>
+                              </p:par>
+                              <p:par>
+                                <p:cTn id="9" presetID="1" presetClass="exit" presetSubtype="0" fill="hold" nodeType="withEffect">
+                                  <p:stCondLst>
+                                    <p:cond delay="0"/>
+                                  </p:stCondLst>
+                                  <p:childTnLst>
+                                    <p:set>
+                                      <p:cBhvr>
+                                        <p:cTn id="10" dur="1" fill="hold">
+                                          <p:stCondLst>
+                                            <p:cond delay="0"/>
+                                          </p:stCondLst>
+                                        </p:cTn>
+                                        <p:tgtEl>
+                                          <p:spTgt spid="1026"/>
+                                        </p:tgtEl>
+                                        <p:attrNameLst>
+                                          <p:attrName>style.visibility</p:attrName>
+                                        </p:attrNameLst>
+                                      </p:cBhvr>
+                                      <p:to>
+                                        <p:strVal val="hidden"/>
+                                      </p:to>
+                                    </p:set>
+                                  </p:childTnLst>
+                                </p:cTn>
+                              </p:par>
+                            </p:childTnLst>
+                          </p:cTn>
+                        </p:par>
+                      </p:childTnLst>
+                    </p:cTn>
+                  </p:par>
+                  <p:par>
+                    <p:cTn id="11" fill="hold">
+                      <p:stCondLst>
+                        <p:cond delay="indefinite"/>
+                      </p:stCondLst>
+                      <p:childTnLst>
+                        <p:par>
+                          <p:cTn id="12" fill="hold">
+                            <p:stCondLst>
+                              <p:cond delay="0"/>
+                            </p:stCondLst>
+                            <p:childTnLst>
+                              <p:par>
+                                <p:cTn id="13" presetID="22" presetClass="entr" presetSubtype="4" fill="hold" grpId="0" nodeType="clickEffect">
+                                  <p:stCondLst>
+                                    <p:cond delay="0"/>
+                                  </p:stCondLst>
+                                  <p:childTnLst>
+                                    <p:set>
+                                      <p:cBhvr>
+                                        <p:cTn id="14" dur="1" fill="hold">
+                                          <p:stCondLst>
+                                            <p:cond delay="0"/>
+                                          </p:stCondLst>
+                                        </p:cTn>
+                                        <p:tgtEl>
+                                          <p:spTgt spid="11"/>
+                                        </p:tgtEl>
+                                        <p:attrNameLst>
+                                          <p:attrName>style.visibility</p:attrName>
+                                        </p:attrNameLst>
+                                      </p:cBhvr>
+                                      <p:to>
+                                        <p:strVal val="visible"/>
+                                      </p:to>
+                                    </p:set>
+                                    <p:animEffect transition="in" filter="wipe(down)">
+                                      <p:cBhvr>
+                                        <p:cTn id="15" dur="500"/>
+                                        <p:tgtEl>
+                                          <p:spTgt spid="11"/>
+                                        </p:tgtEl>
+                                      </p:cBhvr>
+                                    </p:animEffect>
+                                  </p:childTnLst>
+                                </p:cTn>
+                              </p:par>
+                            </p:childTnLst>
+                          </p:cTn>
+                        </p:par>
+                      </p:childTnLst>
+                    </p:cTn>
+                  </p:par>
+                  <p:par>
+                    <p:cTn id="16" fill="hold">
+                      <p:stCondLst>
+                        <p:cond delay="indefinite"/>
+                      </p:stCondLst>
+                      <p:childTnLst>
+                        <p:par>
+                          <p:cTn id="17" fill="hold">
+                            <p:stCondLst>
+                              <p:cond delay="0"/>
+                            </p:stCondLst>
+                            <p:childTnLst>
+                              <p:par>
+                                <p:cTn id="18" presetID="22" presetClass="entr" presetSubtype="4" fill="hold" nodeType="clickEffect">
+                                  <p:stCondLst>
+                                    <p:cond delay="0"/>
+                                  </p:stCondLst>
+                                  <p:childTnLst>
+                                    <p:set>
+                                      <p:cBhvr>
+                                        <p:cTn id="19" dur="1" fill="hold">
+                                          <p:stCondLst>
+                                            <p:cond delay="0"/>
+                                          </p:stCondLst>
+                                        </p:cTn>
+                                        <p:tgtEl>
+                                          <p:spTgt spid="7"/>
+                                        </p:tgtEl>
+                                        <p:attrNameLst>
+                                          <p:attrName>style.visibility</p:attrName>
+                                        </p:attrNameLst>
+                                      </p:cBhvr>
+                                      <p:to>
+                                        <p:strVal val="visible"/>
+                                      </p:to>
+                                    </p:set>
+                                    <p:animEffect transition="in" filter="wipe(down)">
+                                      <p:cBhvr>
+                                        <p:cTn id="20" dur="500"/>
+                                        <p:tgtEl>
+                                          <p:spTgt spid="7"/>
+                                        </p:tgtEl>
+                                      </p:cBhvr>
+                                    </p:animEffect>
+                                  </p:childTnLst>
+                                </p:cTn>
+                              </p:par>
+                            </p:childTnLst>
+                          </p:cTn>
+                        </p:par>
+                      </p:childTnLst>
+                    </p:cTn>
+                  </p:par>
+                  <p:par>
+                    <p:cTn id="21" fill="hold">
+                      <p:stCondLst>
+                        <p:cond delay="indefinite"/>
+                      </p:stCondLst>
+                      <p:childTnLst>
+                        <p:par>
+                          <p:cTn id="22" fill="hold">
+                            <p:stCondLst>
+                              <p:cond delay="0"/>
+                            </p:stCondLst>
+                            <p:childTnLst>
+                              <p:par>
+                                <p:cTn id="23" presetID="16" presetClass="entr" presetSubtype="21" fill="hold" nodeType="clickEffect">
+                                  <p:stCondLst>
+                                    <p:cond delay="0"/>
+                                  </p:stCondLst>
+                                  <p:childTnLst>
+                                    <p:set>
+                                      <p:cBhvr>
+                                        <p:cTn id="24" dur="1" fill="hold">
+                                          <p:stCondLst>
+                                            <p:cond delay="0"/>
+                                          </p:stCondLst>
+                                        </p:cTn>
+                                        <p:tgtEl>
+                                          <p:spTgt spid="16"/>
+                                        </p:tgtEl>
+                                        <p:attrNameLst>
+                                          <p:attrName>style.visibility</p:attrName>
+                                        </p:attrNameLst>
+                                      </p:cBhvr>
+                                      <p:to>
+                                        <p:strVal val="visible"/>
+                                      </p:to>
+                                    </p:set>
+                                    <p:animEffect transition="in" filter="barn(inVertical)">
+                                      <p:cBhvr>
+                                        <p:cTn id="25" dur="500"/>
+                                        <p:tgtEl>
+                                          <p:spTgt spid="16"/>
+                                        </p:tgtEl>
+                                      </p:cBhvr>
+                                    </p:animEffect>
+                                  </p:childTnLst>
+                                </p:cTn>
+                              </p:par>
+                            </p:childTnLst>
+                          </p:cTn>
+                        </p:par>
+                      </p:childTnLst>
+                    </p:cTn>
+                  </p:par>
+                  <p:par>
+                    <p:cTn id="26" fill="hold">
+                      <p:stCondLst>
+                        <p:cond delay="indefinite"/>
+                      </p:stCondLst>
+                      <p:childTnLst>
+                        <p:par>
+                          <p:cTn id="27" fill="hold">
+                            <p:stCondLst>
+                              <p:cond delay="0"/>
+                            </p:stCondLst>
+                            <p:childTnLst>
+                              <p:par>
+                                <p:cTn id="28" presetID="22" presetClass="entr" presetSubtype="4" fill="hold" nodeType="clickEffect">
+                                  <p:stCondLst>
+                                    <p:cond delay="0"/>
+                                  </p:stCondLst>
+                                  <p:childTnLst>
+                                    <p:set>
+                                      <p:cBhvr>
+                                        <p:cTn id="29" dur="1" fill="hold">
+                                          <p:stCondLst>
+                                            <p:cond delay="0"/>
+                                          </p:stCondLst>
+                                        </p:cTn>
+                                        <p:tgtEl>
+                                          <p:spTgt spid="31"/>
+                                        </p:tgtEl>
+                                        <p:attrNameLst>
+                                          <p:attrName>style.visibility</p:attrName>
+                                        </p:attrNameLst>
+                                      </p:cBhvr>
+                                      <p:to>
+                                        <p:strVal val="visible"/>
+                                      </p:to>
+                                    </p:set>
+                                    <p:animEffect transition="in" filter="wipe(down)">
+                                      <p:cBhvr>
+                                        <p:cTn id="30" dur="500"/>
+                                        <p:tgtEl>
+                                          <p:spTgt spid="31"/>
+                                        </p:tgtEl>
+                                      </p:cBhvr>
+                                    </p:animEffect>
+                                  </p:childTnLst>
+                                </p:cTn>
+                              </p:par>
+                            </p:childTnLst>
+                          </p:cTn>
+                        </p:par>
+                      </p:childTnLst>
+                    </p:cTn>
+                  </p:par>
+                  <p:par>
+                    <p:cTn id="31" fill="hold">
+                      <p:stCondLst>
+                        <p:cond delay="indefinite"/>
+                      </p:stCondLst>
+                      <p:childTnLst>
+                        <p:par>
+                          <p:cTn id="32" fill="hold">
+                            <p:stCondLst>
+                              <p:cond delay="0"/>
+                            </p:stCondLst>
+                            <p:childTnLst>
+                              <p:par>
+                                <p:cTn id="33" presetID="16" presetClass="entr" presetSubtype="21" fill="hold" nodeType="clickEffect">
+                                  <p:stCondLst>
+                                    <p:cond delay="0"/>
+                                  </p:stCondLst>
+                                  <p:childTnLst>
+                                    <p:set>
+                                      <p:cBhvr>
+                                        <p:cTn id="34" dur="1" fill="hold">
+                                          <p:stCondLst>
+                                            <p:cond delay="0"/>
+                                          </p:stCondLst>
+                                        </p:cTn>
+                                        <p:tgtEl>
+                                          <p:spTgt spid="17"/>
+                                        </p:tgtEl>
+                                        <p:attrNameLst>
+                                          <p:attrName>style.visibility</p:attrName>
+                                        </p:attrNameLst>
+                                      </p:cBhvr>
+                                      <p:to>
+                                        <p:strVal val="visible"/>
+                                      </p:to>
+                                    </p:set>
+                                    <p:animEffect transition="in" filter="barn(inVertical)">
+                                      <p:cBhvr>
+                                        <p:cTn id="35" dur="500"/>
+                                        <p:tgtEl>
+                                          <p:spTgt spid="17"/>
+                                        </p:tgtEl>
+                                      </p:cBhvr>
+                                    </p:animEffect>
+                                  </p:childTnLst>
+                                </p:cTn>
+                              </p:par>
+                            </p:childTnLst>
+                          </p:cTn>
+                        </p:par>
+                      </p:childTnLst>
+                    </p:cTn>
+                  </p:par>
+                  <p:par>
+                    <p:cTn id="36" fill="hold">
+                      <p:stCondLst>
+                        <p:cond delay="indefinite"/>
+                      </p:stCondLst>
+                      <p:childTnLst>
+                        <p:par>
+                          <p:cTn id="37" fill="hold">
+                            <p:stCondLst>
+                              <p:cond delay="0"/>
+                            </p:stCondLst>
+                            <p:childTnLst>
+                              <p:par>
+                                <p:cTn id="38" presetID="16" presetClass="exit" presetSubtype="21" fill="hold" grpId="1" nodeType="clickEffect">
+                                  <p:stCondLst>
+                                    <p:cond delay="0"/>
+                                  </p:stCondLst>
+                                  <p:childTnLst>
+                                    <p:animEffect transition="out" filter="barn(inVertical)">
+                                      <p:cBhvr>
+                                        <p:cTn id="39" dur="500"/>
+                                        <p:tgtEl>
+                                          <p:spTgt spid="11"/>
+                                        </p:tgtEl>
+                                      </p:cBhvr>
+                                    </p:animEffect>
+                                    <p:set>
+                                      <p:cBhvr>
+                                        <p:cTn id="40" dur="1" fill="hold">
+                                          <p:stCondLst>
+                                            <p:cond delay="499"/>
+                                          </p:stCondLst>
+                                        </p:cTn>
+                                        <p:tgtEl>
+                                          <p:spTgt spid="11"/>
+                                        </p:tgtEl>
+                                        <p:attrNameLst>
+                                          <p:attrName>style.visibility</p:attrName>
+                                        </p:attrNameLst>
+                                      </p:cBhvr>
+                                      <p:to>
+                                        <p:strVal val="hidden"/>
+                                      </p:to>
+                                    </p:set>
+                                  </p:childTnLst>
+                                </p:cTn>
+                              </p:par>
+                            </p:childTnLst>
+                          </p:cTn>
+                        </p:par>
+                        <p:par>
+                          <p:cTn id="41" fill="hold">
+                            <p:stCondLst>
+                              <p:cond delay="500"/>
+                            </p:stCondLst>
+                            <p:childTnLst>
+                              <p:par>
+                                <p:cTn id="42" presetID="16" presetClass="entr" presetSubtype="21" fill="hold" grpId="1" nodeType="afterEffect">
+                                  <p:stCondLst>
+                                    <p:cond delay="0"/>
+                                  </p:stCondLst>
+                                  <p:childTnLst>
+                                    <p:set>
+                                      <p:cBhvr>
+                                        <p:cTn id="43" dur="1" fill="hold">
+                                          <p:stCondLst>
+                                            <p:cond delay="0"/>
+                                          </p:stCondLst>
+                                        </p:cTn>
+                                        <p:tgtEl>
+                                          <p:spTgt spid="30"/>
+                                        </p:tgtEl>
+                                        <p:attrNameLst>
+                                          <p:attrName>style.visibility</p:attrName>
+                                        </p:attrNameLst>
+                                      </p:cBhvr>
+                                      <p:to>
+                                        <p:strVal val="visible"/>
+                                      </p:to>
+                                    </p:set>
+                                    <p:animEffect transition="in" filter="barn(inVertical)">
+                                      <p:cBhvr>
+                                        <p:cTn id="44" dur="500"/>
+                                        <p:tgtEl>
+                                          <p:spTgt spid="30"/>
+                                        </p:tgtEl>
+                                      </p:cBhvr>
+                                    </p:animEffect>
+                                  </p:childTnLst>
+                                </p:cTn>
+                              </p:par>
+                            </p:childTnLst>
+                          </p:cTn>
+                        </p:par>
+                      </p:childTnLst>
+                    </p:cTn>
+                  </p:par>
+                  <p:par>
+                    <p:cTn id="45" fill="hold">
+                      <p:stCondLst>
+                        <p:cond delay="indefinite"/>
+                      </p:stCondLst>
+                      <p:childTnLst>
+                        <p:par>
+                          <p:cTn id="46" fill="hold">
+                            <p:stCondLst>
+                              <p:cond delay="0"/>
+                            </p:stCondLst>
+                            <p:childTnLst>
+                              <p:par>
+                                <p:cTn id="47" presetID="2" presetClass="exit" presetSubtype="4" fill="hold" nodeType="clickEffect">
+                                  <p:stCondLst>
+                                    <p:cond delay="0"/>
+                                  </p:stCondLst>
+                                  <p:childTnLst>
+                                    <p:anim calcmode="lin" valueType="num">
+                                      <p:cBhvr additive="base">
+                                        <p:cTn id="48" dur="500"/>
+                                        <p:tgtEl>
+                                          <p:spTgt spid="7"/>
+                                        </p:tgtEl>
+                                        <p:attrNameLst>
+                                          <p:attrName>ppt_x</p:attrName>
+                                        </p:attrNameLst>
+                                      </p:cBhvr>
+                                      <p:tavLst>
+                                        <p:tav tm="0">
+                                          <p:val>
+                                            <p:strVal val="ppt_x"/>
+                                          </p:val>
+                                        </p:tav>
+                                        <p:tav tm="100000">
+                                          <p:val>
+                                            <p:strVal val="ppt_x"/>
+                                          </p:val>
+                                        </p:tav>
+                                      </p:tavLst>
+                                    </p:anim>
+                                    <p:anim calcmode="lin" valueType="num">
+                                      <p:cBhvr additive="base">
+                                        <p:cTn id="49" dur="500"/>
+                                        <p:tgtEl>
+                                          <p:spTgt spid="7"/>
+                                        </p:tgtEl>
+                                        <p:attrNameLst>
+                                          <p:attrName>ppt_y</p:attrName>
+                                        </p:attrNameLst>
+                                      </p:cBhvr>
+                                      <p:tavLst>
+                                        <p:tav tm="0">
+                                          <p:val>
+                                            <p:strVal val="ppt_y"/>
+                                          </p:val>
+                                        </p:tav>
+                                        <p:tav tm="100000">
+                                          <p:val>
+                                            <p:strVal val="1+ppt_h/2"/>
+                                          </p:val>
+                                        </p:tav>
+                                      </p:tavLst>
+                                    </p:anim>
+                                    <p:set>
+                                      <p:cBhvr>
+                                        <p:cTn id="50" dur="1" fill="hold">
+                                          <p:stCondLst>
+                                            <p:cond delay="499"/>
+                                          </p:stCondLst>
+                                        </p:cTn>
+                                        <p:tgtEl>
+                                          <p:spTgt spid="7"/>
+                                        </p:tgtEl>
+                                        <p:attrNameLst>
+                                          <p:attrName>style.visibility</p:attrName>
+                                        </p:attrNameLst>
+                                      </p:cBhvr>
+                                      <p:to>
+                                        <p:strVal val="hidden"/>
+                                      </p:to>
+                                    </p:set>
+                                  </p:childTnLst>
+                                </p:cTn>
+                              </p:par>
+                            </p:childTnLst>
+                          </p:cTn>
+                        </p:par>
+                      </p:childTnLst>
+                    </p:cTn>
+                  </p:par>
+                  <p:par>
+                    <p:cTn id="51" fill="hold">
+                      <p:stCondLst>
+                        <p:cond delay="indefinite"/>
+                      </p:stCondLst>
+                      <p:childTnLst>
+                        <p:par>
+                          <p:cTn id="52" fill="hold">
+                            <p:stCondLst>
+                              <p:cond delay="0"/>
+                            </p:stCondLst>
+                            <p:childTnLst>
+                              <p:par>
+                                <p:cTn id="53" presetID="2" presetClass="entr" presetSubtype="4" fill="hold" nodeType="clickEffect">
+                                  <p:stCondLst>
+                                    <p:cond delay="0"/>
+                                  </p:stCondLst>
+                                  <p:childTnLst>
+                                    <p:set>
+                                      <p:cBhvr>
+                                        <p:cTn id="54" dur="1" fill="hold">
+                                          <p:stCondLst>
+                                            <p:cond delay="0"/>
+                                          </p:stCondLst>
+                                        </p:cTn>
+                                        <p:tgtEl>
+                                          <p:spTgt spid="1026"/>
+                                        </p:tgtEl>
+                                        <p:attrNameLst>
+                                          <p:attrName>style.visibility</p:attrName>
+                                        </p:attrNameLst>
+                                      </p:cBhvr>
+                                      <p:to>
+                                        <p:strVal val="visible"/>
+                                      </p:to>
+                                    </p:set>
+                                    <p:anim calcmode="lin" valueType="num">
+                                      <p:cBhvr additive="base">
+                                        <p:cTn id="55" dur="500" fill="hold"/>
+                                        <p:tgtEl>
+                                          <p:spTgt spid="1026"/>
+                                        </p:tgtEl>
+                                        <p:attrNameLst>
+                                          <p:attrName>ppt_x</p:attrName>
+                                        </p:attrNameLst>
+                                      </p:cBhvr>
+                                      <p:tavLst>
+                                        <p:tav tm="0">
+                                          <p:val>
+                                            <p:strVal val="#ppt_x"/>
+                                          </p:val>
+                                        </p:tav>
+                                        <p:tav tm="100000">
+                                          <p:val>
+                                            <p:strVal val="#ppt_x"/>
+                                          </p:val>
+                                        </p:tav>
+                                      </p:tavLst>
+                                    </p:anim>
+                                    <p:anim calcmode="lin" valueType="num">
+                                      <p:cBhvr additive="base">
+                                        <p:cTn id="56" dur="500" fill="hold"/>
+                                        <p:tgtEl>
+                                          <p:spTgt spid="1026"/>
+                                        </p:tgtEl>
+                                        <p:attrNameLst>
+                                          <p:attrName>ppt_y</p:attrName>
+                                        </p:attrNameLst>
+                                      </p:cBhvr>
+                                      <p:tavLst>
+                                        <p:tav tm="0">
+                                          <p:val>
+                                            <p:strVal val="1+#ppt_h/2"/>
+                                          </p:val>
+                                        </p:tav>
+                                        <p:tav tm="100000">
+                                          <p:val>
+                                            <p:strVal val="#ppt_y"/>
+                                          </p:val>
+                                        </p:tav>
+                                      </p:tavLst>
+                                    </p:anim>
+                                  </p:childTnLst>
+                                </p:cTn>
+                              </p:par>
+                            </p:childTnLst>
+                          </p:cTn>
+                        </p:par>
+                      </p:childTnLst>
+                    </p:cTn>
+                  </p:par>
+                  <p:par>
+                    <p:cTn id="57" fill="hold">
+                      <p:stCondLst>
+                        <p:cond delay="indefinite"/>
+                      </p:stCondLst>
+                      <p:childTnLst>
+                        <p:par>
+                          <p:cTn id="58" fill="hold">
+                            <p:stCondLst>
+                              <p:cond delay="0"/>
+                            </p:stCondLst>
+                            <p:childTnLst>
+                              <p:par>
+                                <p:cTn id="59" presetID="22" presetClass="exit" presetSubtype="4" fill="hold" nodeType="clickEffect">
+                                  <p:stCondLst>
+                                    <p:cond delay="0"/>
+                                  </p:stCondLst>
+                                  <p:childTnLst>
+                                    <p:animEffect transition="out" filter="wipe(down)">
+                                      <p:cBhvr>
+                                        <p:cTn id="60" dur="500"/>
+                                        <p:tgtEl>
+                                          <p:spTgt spid="31"/>
+                                        </p:tgtEl>
+                                      </p:cBhvr>
+                                    </p:animEffect>
+                                    <p:set>
+                                      <p:cBhvr>
+                                        <p:cTn id="61" dur="1" fill="hold">
+                                          <p:stCondLst>
+                                            <p:cond delay="499"/>
+                                          </p:stCondLst>
+                                        </p:cTn>
+                                        <p:tgtEl>
+                                          <p:spTgt spid="31"/>
+                                        </p:tgtEl>
+                                        <p:attrNameLst>
+                                          <p:attrName>style.visibility</p:attrName>
+                                        </p:attrNameLst>
+                                      </p:cBhvr>
+                                      <p:to>
+                                        <p:strVal val="hidden"/>
+                                      </p:to>
+                                    </p:set>
+                                  </p:childTnLst>
+                                </p:cTn>
+                              </p:par>
+                            </p:childTnLst>
+                          </p:cTn>
+                        </p:par>
+                      </p:childTnLst>
+                    </p:cTn>
+                  </p:par>
+                  <p:par>
+                    <p:cTn id="62" fill="hold">
+                      <p:stCondLst>
+                        <p:cond delay="indefinite"/>
+                      </p:stCondLst>
+                      <p:childTnLst>
+                        <p:par>
+                          <p:cTn id="63" fill="hold">
+                            <p:stCondLst>
+                              <p:cond delay="0"/>
+                            </p:stCondLst>
+                            <p:childTnLst>
+                              <p:par>
+                                <p:cTn id="64" presetID="16" presetClass="entr" presetSubtype="21" fill="hold" nodeType="clickEffect">
+                                  <p:stCondLst>
+                                    <p:cond delay="0"/>
+                                  </p:stCondLst>
+                                  <p:childTnLst>
+                                    <p:set>
+                                      <p:cBhvr>
+                                        <p:cTn id="65" dur="1" fill="hold">
+                                          <p:stCondLst>
+                                            <p:cond delay="0"/>
+                                          </p:stCondLst>
+                                        </p:cTn>
+                                        <p:tgtEl>
+                                          <p:spTgt spid="27"/>
+                                        </p:tgtEl>
+                                        <p:attrNameLst>
+                                          <p:attrName>style.visibility</p:attrName>
+                                        </p:attrNameLst>
+                                      </p:cBhvr>
+                                      <p:to>
+                                        <p:strVal val="visible"/>
+                                      </p:to>
+                                    </p:set>
+                                    <p:animEffect transition="in" filter="barn(inVertical)">
+                                      <p:cBhvr>
+                                        <p:cTn id="66" dur="500"/>
+                                        <p:tgtEl>
+                                          <p:spTgt spid="27"/>
+                                        </p:tgtEl>
+                                      </p:cBhvr>
+                                    </p:animEffect>
+                                  </p:childTnLst>
+                                </p:cTn>
+                              </p:par>
+                            </p:childTnLst>
+                          </p:cTn>
+                        </p:par>
+                      </p:childTnLst>
+                    </p:cTn>
+                  </p:par>
+                </p:childTnLst>
+              </p:cTn>
+              <p:prevCondLst>
+                <p:cond evt="onPrev" delay="0">
+                  <p:tgtEl>
+                    <p:sldTgt/>
+                  </p:tgtEl>
+                </p:cond>
+              </p:prevCondLst>
+              <p:nextCondLst>
+                <p:cond evt="onNext" delay="0">
+                  <p:tgtEl>
+                    <p:sldTgt/>
+                  </p:tgtEl>
+                </p:cond>
+              </p:nextCondLst>
+            </p:seq>
+          </p:childTnLst>
+        </p:cTn>
       </p:par>
     </p:tnLst>
+    <p:bldLst>
+      <p:bldP spid="11" grpId="0" animBg="1"/>
+      <p:bldP spid="11" grpId="1" animBg="1"/>
+      <p:bldP spid="30" grpId="0" animBg="1"/>
+      <p:bldP spid="30" grpId="1" animBg="1"/>
+    </p:bldLst>
   </p:timing>
 </p:sld>
 </file>
@@ -10537,7 +11714,15 @@
             </a:r>
             <a:r>
               <a:rPr lang="en-US" dirty="0" smtClean="0"/>
-              <a:t> Extractor</a:t>
+              <a:t> Extractor(</a:t>
+            </a:r>
+            <a:r>
+              <a:rPr lang="en-US" dirty="0" err="1" smtClean="0"/>
+              <a:t>Decompressor</a:t>
+            </a:r>
+            <a:r>
+              <a:rPr lang="en-US" dirty="0" smtClean="0"/>
+              <a:t>)</a:t>
             </a:r>
           </a:p>
           <a:p>
@@ -10723,7 +11908,7 @@
         </p:nvSpPr>
         <p:spPr>
           <a:xfrm>
-            <a:off x="4787912" y="3540770"/>
+            <a:off x="4787929" y="3583923"/>
             <a:ext cx="1283699" cy="518788"/>
           </a:xfrm>
           <a:prstGeom prst="rect">
@@ -11374,15 +12559,13 @@
       <p:cxnSp>
         <p:nvCxnSpPr>
           <p:cNvPr id="30" name="Straight Arrow Connector 29"/>
-          <p:cNvCxnSpPr>
-            <a:endCxn id="18" idx="3"/>
-          </p:cNvCxnSpPr>
+          <p:cNvCxnSpPr/>
           <p:nvPr/>
         </p:nvCxnSpPr>
         <p:spPr>
-          <a:xfrm rot="10800000" flipV="1">
-            <a:off x="5689525" y="4343540"/>
-            <a:ext cx="737684" cy="18563"/>
+          <a:xfrm flipH="1">
+            <a:off x="5689526" y="4343540"/>
+            <a:ext cx="737683" cy="0"/>
           </a:xfrm>
           <a:prstGeom prst="straightConnector1">
             <a:avLst/>
@@ -12158,14 +13341,14 @@
                             </p:stCondLst>
                             <p:childTnLst>
                               <p:par>
-                                <p:cTn id="9" presetID="14" presetClass="exit" presetSubtype="10" fill="hold" grpId="0" nodeType="afterEffect">
+                                <p:cTn id="9" presetID="21" presetClass="exit" presetSubtype="1" fill="hold" grpId="0" nodeType="afterEffect">
                                   <p:stCondLst>
                                     <p:cond delay="0"/>
                                   </p:stCondLst>
                                   <p:childTnLst>
-                                    <p:animEffect transition="out" filter="randombar(horizontal)">
+                                    <p:animEffect transition="out" filter="wheel(1)">
                                       <p:cBhvr>
-                                        <p:cTn id="10" dur="500"/>
+                                        <p:cTn id="10" dur="2000"/>
                                         <p:tgtEl>
                                           <p:spTgt spid="8"/>
                                         </p:tgtEl>
@@ -12175,7 +13358,7 @@
                                       <p:cBhvr>
                                         <p:cTn id="11" dur="1" fill="hold">
                                           <p:stCondLst>
-                                            <p:cond delay="499"/>
+                                            <p:cond delay="1999"/>
                                           </p:stCondLst>
                                         </p:cTn>
                                         <p:tgtEl>
@@ -12195,12 +13378,12 @@
                               <p:par>
                                 <p:cTn id="12" presetID="14" presetClass="exit" presetSubtype="10" fill="hold" nodeType="withEffect">
                                   <p:stCondLst>
-                                    <p:cond delay="0"/>
+                                    <p:cond delay="900"/>
                                   </p:stCondLst>
                                   <p:childTnLst>
                                     <p:animEffect transition="out" filter="randombar(horizontal)">
                                       <p:cBhvr>
-                                        <p:cTn id="13" dur="500"/>
+                                        <p:cTn id="13" dur="1000"/>
                                         <p:tgtEl>
                                           <p:spTgt spid="12"/>
                                         </p:tgtEl>
@@ -12210,7 +13393,7 @@
                                       <p:cBhvr>
                                         <p:cTn id="14" dur="1" fill="hold">
                                           <p:stCondLst>
-                                            <p:cond delay="499"/>
+                                            <p:cond delay="999"/>
                                           </p:stCondLst>
                                         </p:cTn>
                                         <p:tgtEl>
@@ -12230,12 +13413,12 @@
                               <p:par>
                                 <p:cTn id="15" presetID="14" presetClass="exit" presetSubtype="10" fill="hold" grpId="0" nodeType="withEffect">
                                   <p:stCondLst>
-                                    <p:cond delay="0"/>
+                                    <p:cond delay="900"/>
                                   </p:stCondLst>
                                   <p:childTnLst>
                                     <p:animEffect transition="out" filter="randombar(horizontal)">
                                       <p:cBhvr>
-                                        <p:cTn id="16" dur="500"/>
+                                        <p:cTn id="16" dur="1000"/>
                                         <p:tgtEl>
                                           <p:spTgt spid="42"/>
                                         </p:tgtEl>
@@ -12245,7 +13428,7 @@
                                       <p:cBhvr>
                                         <p:cTn id="17" dur="1" fill="hold">
                                           <p:stCondLst>
-                                            <p:cond delay="499"/>
+                                            <p:cond delay="999"/>
                                           </p:stCondLst>
                                         </p:cTn>
                                         <p:tgtEl>
@@ -12265,12 +13448,12 @@
                               <p:par>
                                 <p:cTn id="18" presetID="14" presetClass="exit" presetSubtype="10" fill="hold" grpId="0" nodeType="withEffect">
                                   <p:stCondLst>
-                                    <p:cond delay="0"/>
+                                    <p:cond delay="800"/>
                                   </p:stCondLst>
                                   <p:childTnLst>
                                     <p:animEffect transition="out" filter="randombar(horizontal)">
                                       <p:cBhvr>
-                                        <p:cTn id="19" dur="500"/>
+                                        <p:cTn id="19" dur="1000"/>
                                         <p:tgtEl>
                                           <p:spTgt spid="29"/>
                                         </p:tgtEl>
@@ -12280,7 +13463,7 @@
                                       <p:cBhvr>
                                         <p:cTn id="20" dur="1" fill="hold">
                                           <p:stCondLst>
-                                            <p:cond delay="499"/>
+                                            <p:cond delay="999"/>
                                           </p:stCondLst>
                                         </p:cTn>
                                         <p:tgtEl>
@@ -12300,12 +13483,12 @@
                               <p:par>
                                 <p:cTn id="21" presetID="14" presetClass="exit" presetSubtype="10" fill="hold" grpId="0" nodeType="withEffect">
                                   <p:stCondLst>
-                                    <p:cond delay="0"/>
+                                    <p:cond delay="900"/>
                                   </p:stCondLst>
                                   <p:childTnLst>
                                     <p:animEffect transition="out" filter="randombar(horizontal)">
                                       <p:cBhvr>
-                                        <p:cTn id="22" dur="500"/>
+                                        <p:cTn id="22" dur="1000"/>
                                         <p:tgtEl>
                                           <p:spTgt spid="28"/>
                                         </p:tgtEl>
@@ -12315,7 +13498,7 @@
                                       <p:cBhvr>
                                         <p:cTn id="23" dur="1" fill="hold">
                                           <p:stCondLst>
-                                            <p:cond delay="499"/>
+                                            <p:cond delay="999"/>
                                           </p:stCondLst>
                                         </p:cTn>
                                         <p:tgtEl>
@@ -12335,12 +13518,12 @@
                               <p:par>
                                 <p:cTn id="24" presetID="14" presetClass="exit" presetSubtype="10" fill="hold" nodeType="withEffect">
                                   <p:stCondLst>
-                                    <p:cond delay="0"/>
+                                    <p:cond delay="1000"/>
                                   </p:stCondLst>
                                   <p:childTnLst>
                                     <p:animEffect transition="out" filter="randombar(horizontal)">
                                       <p:cBhvr>
-                                        <p:cTn id="25" dur="500"/>
+                                        <p:cTn id="25" dur="1000"/>
                                         <p:tgtEl>
                                           <p:spTgt spid="26"/>
                                         </p:tgtEl>
@@ -12350,7 +13533,7 @@
                                       <p:cBhvr>
                                         <p:cTn id="26" dur="1" fill="hold">
                                           <p:stCondLst>
-                                            <p:cond delay="499"/>
+                                            <p:cond delay="999"/>
                                           </p:stCondLst>
                                         </p:cTn>
                                         <p:tgtEl>
@@ -12373,7 +13556,7 @@
                         <p:par>
                           <p:cTn id="27" fill="hold">
                             <p:stCondLst>
-                              <p:cond delay="1000"/>
+                              <p:cond delay="2500"/>
                             </p:stCondLst>
                             <p:childTnLst>
                               <p:par>
@@ -12402,7 +13585,7 @@
                                     </p:set>
                                     <p:animEffect transition="in" filter="circle(in)">
                                       <p:cBhvr>
-                                        <p:cTn id="30" dur="1300"/>
+                                        <p:cTn id="30" dur="900"/>
                                         <p:tgtEl>
                                           <p:spTgt spid="65"/>
                                         </p:tgtEl>
@@ -14893,922 +16076,1165 @@
           </a:p>
         </p:txBody>
       </p:sp>
-      <p:sp>
-        <p:nvSpPr>
-          <p:cNvPr id="4" name="Rounded Rectangle 3"/>
-          <p:cNvSpPr/>
-          <p:nvPr/>
-        </p:nvSpPr>
-        <p:spPr>
-          <a:xfrm>
-            <a:off x="5844032" y="1219200"/>
-            <a:ext cx="2946400" cy="1070151"/>
-          </a:xfrm>
-          <a:prstGeom prst="roundRect">
-            <a:avLst/>
-          </a:prstGeom>
-        </p:spPr>
-        <p:style>
-          <a:lnRef idx="0">
-            <a:schemeClr val="accent2"/>
-          </a:lnRef>
-          <a:fillRef idx="3">
-            <a:schemeClr val="accent2"/>
-          </a:fillRef>
-          <a:effectRef idx="3">
-            <a:schemeClr val="accent2"/>
-          </a:effectRef>
-          <a:fontRef idx="minor">
-            <a:schemeClr val="lt1"/>
-          </a:fontRef>
-        </p:style>
-        <p:txBody>
-          <a:bodyPr rtlCol="1" anchor="ctr"/>
-          <a:lstStyle/>
-          <a:p>
-            <a:pPr algn="ctr"/>
-            <a:r>
-              <a:rPr lang="en-US" dirty="0" smtClean="0"/>
-              <a:t>TX Path</a:t>
-            </a:r>
-            <a:endParaRPr lang="he-IL" dirty="0"/>
-          </a:p>
-        </p:txBody>
-      </p:sp>
-      <p:sp>
-        <p:nvSpPr>
-          <p:cNvPr id="5" name="Rounded Rectangle 4"/>
-          <p:cNvSpPr/>
-          <p:nvPr/>
-        </p:nvSpPr>
-        <p:spPr>
-          <a:xfrm>
-            <a:off x="512750" y="3485402"/>
-            <a:ext cx="3123184" cy="1259001"/>
-          </a:xfrm>
-          <a:prstGeom prst="roundRect">
-            <a:avLst/>
-          </a:prstGeom>
-        </p:spPr>
-        <p:style>
-          <a:lnRef idx="0">
-            <a:schemeClr val="accent2"/>
-          </a:lnRef>
-          <a:fillRef idx="3">
-            <a:schemeClr val="accent2"/>
-          </a:fillRef>
-          <a:effectRef idx="3">
-            <a:schemeClr val="accent2"/>
-          </a:effectRef>
-          <a:fontRef idx="minor">
-            <a:schemeClr val="lt1"/>
-          </a:fontRef>
-        </p:style>
-        <p:txBody>
-          <a:bodyPr rtlCol="1" anchor="ctr"/>
-          <a:lstStyle/>
-          <a:p>
-            <a:pPr algn="ctr" rtl="0"/>
-            <a:r>
-              <a:rPr lang="en-US" dirty="0" smtClean="0"/>
-              <a:t>Memory</a:t>
-            </a:r>
-          </a:p>
-          <a:p>
-            <a:pPr algn="ctr" rtl="0"/>
-            <a:r>
-              <a:rPr lang="en-US" dirty="0" smtClean="0"/>
-              <a:t>Management</a:t>
-            </a:r>
-            <a:endParaRPr lang="he-IL" dirty="0"/>
-          </a:p>
-        </p:txBody>
-      </p:sp>
-      <p:sp>
-        <p:nvSpPr>
-          <p:cNvPr id="6" name="Rounded Rectangle 5"/>
-          <p:cNvSpPr/>
-          <p:nvPr/>
-        </p:nvSpPr>
-        <p:spPr>
-          <a:xfrm>
-            <a:off x="1660144" y="1231817"/>
-            <a:ext cx="2592832" cy="994584"/>
-          </a:xfrm>
-          <a:prstGeom prst="roundRect">
-            <a:avLst/>
-          </a:prstGeom>
-        </p:spPr>
-        <p:style>
-          <a:lnRef idx="0">
-            <a:schemeClr val="accent2"/>
-          </a:lnRef>
-          <a:fillRef idx="3">
-            <a:schemeClr val="accent2"/>
-          </a:fillRef>
-          <a:effectRef idx="3">
-            <a:schemeClr val="accent2"/>
-          </a:effectRef>
-          <a:fontRef idx="minor">
-            <a:schemeClr val="lt1"/>
-          </a:fontRef>
-        </p:style>
-        <p:txBody>
-          <a:bodyPr rtlCol="1" anchor="ctr"/>
-          <a:lstStyle/>
-          <a:p>
-            <a:pPr algn="ctr"/>
-            <a:r>
-              <a:rPr lang="en-US" dirty="0" smtClean="0"/>
-              <a:t>RX Path</a:t>
-            </a:r>
-            <a:endParaRPr lang="he-IL" dirty="0"/>
-          </a:p>
-        </p:txBody>
-      </p:sp>
-      <p:sp>
-        <p:nvSpPr>
-          <p:cNvPr id="7" name="Rectangle 6"/>
-          <p:cNvSpPr/>
-          <p:nvPr/>
-        </p:nvSpPr>
-        <p:spPr>
-          <a:xfrm>
-            <a:off x="2367280" y="5877504"/>
-            <a:ext cx="1178560" cy="818351"/>
-          </a:xfrm>
-          <a:prstGeom prst="rect">
-            <a:avLst/>
-          </a:prstGeom>
-          <a:solidFill>
-            <a:schemeClr val="accent1">
-              <a:alpha val="19000"/>
-            </a:schemeClr>
-          </a:solidFill>
-        </p:spPr>
-        <p:style>
-          <a:lnRef idx="2">
-            <a:schemeClr val="accent1">
-              <a:shade val="50000"/>
-            </a:schemeClr>
-          </a:lnRef>
-          <a:fillRef idx="1">
-            <a:schemeClr val="accent1"/>
-          </a:fillRef>
-          <a:effectRef idx="0">
-            <a:schemeClr val="accent1"/>
-          </a:effectRef>
-          <a:fontRef idx="minor">
-            <a:schemeClr val="lt1"/>
-          </a:fontRef>
-        </p:style>
-        <p:txBody>
-          <a:bodyPr rtlCol="1" anchor="ctr"/>
-          <a:lstStyle/>
-          <a:p>
-            <a:pPr algn="ctr" rtl="0"/>
-            <a:endParaRPr lang="he-IL"/>
-          </a:p>
-        </p:txBody>
-      </p:sp>
-      <p:pic>
-        <p:nvPicPr>
-          <p:cNvPr id="8" name="Picture 7" descr="C:\Program Files\Microsoft Office\MEDIA\CAGCAT10\j0285750.wmf"/>
-          <p:cNvPicPr>
-            <a:picLocks noChangeAspect="1" noChangeArrowheads="1"/>
-          </p:cNvPicPr>
-          <p:nvPr/>
-        </p:nvPicPr>
-        <p:blipFill>
-          <a:blip r:embed="rId3" cstate="print"/>
-          <a:srcRect/>
-          <a:stretch>
-            <a:fillRect/>
-          </a:stretch>
-        </p:blipFill>
-        <p:spPr bwMode="auto">
-          <a:xfrm>
-            <a:off x="304800" y="1659850"/>
-            <a:ext cx="869254" cy="688410"/>
-          </a:xfrm>
-          <a:prstGeom prst="rect">
-            <a:avLst/>
-          </a:prstGeom>
-          <a:noFill/>
-        </p:spPr>
-      </p:pic>
-      <p:cxnSp>
-        <p:nvCxnSpPr>
-          <p:cNvPr id="9" name="Elbow Connector 8"/>
-          <p:cNvCxnSpPr>
-            <a:endCxn id="6" idx="1"/>
-          </p:cNvCxnSpPr>
-          <p:nvPr/>
-        </p:nvCxnSpPr>
-        <p:spPr>
-          <a:xfrm flipV="1">
-            <a:off x="1070864" y="1729109"/>
-            <a:ext cx="589280" cy="572860"/>
-          </a:xfrm>
-          <a:prstGeom prst="bentConnector3">
-            <a:avLst>
-              <a:gd name="adj1" fmla="val 50000"/>
-            </a:avLst>
-          </a:prstGeom>
-          <a:ln>
-            <a:tailEnd type="arrow"/>
-          </a:ln>
-        </p:spPr>
-        <p:style>
-          <a:lnRef idx="2">
-            <a:schemeClr val="accent1"/>
-          </a:lnRef>
-          <a:fillRef idx="0">
-            <a:schemeClr val="accent1"/>
-          </a:fillRef>
-          <a:effectRef idx="1">
-            <a:schemeClr val="accent1"/>
-          </a:effectRef>
-          <a:fontRef idx="minor">
-            <a:schemeClr val="tx1"/>
-          </a:fontRef>
-        </p:style>
-      </p:cxnSp>
-      <p:sp>
-        <p:nvSpPr>
-          <p:cNvPr id="10" name="TextBox 9"/>
-          <p:cNvSpPr txBox="1"/>
-          <p:nvPr/>
-        </p:nvSpPr>
-        <p:spPr>
-          <a:xfrm>
-            <a:off x="2485136" y="6003403"/>
-            <a:ext cx="1001776" cy="655962"/>
-          </a:xfrm>
-          <a:prstGeom prst="rect">
-            <a:avLst/>
-          </a:prstGeom>
-        </p:spPr>
-        <p:style>
-          <a:lnRef idx="0">
-            <a:schemeClr val="accent6"/>
-          </a:lnRef>
-          <a:fillRef idx="3">
-            <a:schemeClr val="accent6"/>
-          </a:fillRef>
-          <a:effectRef idx="3">
-            <a:schemeClr val="accent6"/>
-          </a:effectRef>
-          <a:fontRef idx="minor">
-            <a:schemeClr val="lt1"/>
-          </a:fontRef>
-        </p:style>
-        <p:txBody>
-          <a:bodyPr wrap="square" rtlCol="1">
-            <a:spAutoFit/>
-          </a:bodyPr>
-          <a:lstStyle/>
-          <a:p>
-            <a:pPr algn="ctr" rtl="0"/>
-            <a:r>
-              <a:rPr lang="en-US" sz="1200" dirty="0" smtClean="0"/>
-              <a:t>SDRAM Controller</a:t>
-            </a:r>
-            <a:endParaRPr lang="he-IL" sz="1200" dirty="0"/>
-          </a:p>
-        </p:txBody>
-      </p:sp>
-      <p:sp>
-        <p:nvSpPr>
-          <p:cNvPr id="11" name="TextBox 10"/>
-          <p:cNvSpPr txBox="1"/>
-          <p:nvPr/>
-        </p:nvSpPr>
-        <p:spPr>
-          <a:xfrm>
-            <a:off x="2602992" y="5669245"/>
-            <a:ext cx="766064" cy="271208"/>
-          </a:xfrm>
-          <a:prstGeom prst="rect">
-            <a:avLst/>
-          </a:prstGeom>
-          <a:ln/>
-        </p:spPr>
-        <p:style>
-          <a:lnRef idx="0">
-            <a:schemeClr val="accent1"/>
-          </a:lnRef>
-          <a:fillRef idx="3">
-            <a:schemeClr val="accent1"/>
-          </a:fillRef>
-          <a:effectRef idx="3">
-            <a:schemeClr val="accent1"/>
-          </a:effectRef>
-          <a:fontRef idx="minor">
-            <a:schemeClr val="lt1"/>
-          </a:fontRef>
-        </p:style>
-        <p:txBody>
-          <a:bodyPr wrap="square" rtlCol="1">
-            <a:spAutoFit/>
-          </a:bodyPr>
-          <a:lstStyle/>
-          <a:p>
-            <a:pPr algn="ctr" rtl="0"/>
-            <a:r>
-              <a:rPr lang="en-US" sz="1400" dirty="0" smtClean="0"/>
-              <a:t>WBS</a:t>
-            </a:r>
-            <a:endParaRPr lang="he-IL" sz="1400" dirty="0"/>
-          </a:p>
-        </p:txBody>
-      </p:sp>
-      <p:cxnSp>
-        <p:nvCxnSpPr>
-          <p:cNvPr id="13" name="Elbow Connector 12"/>
-          <p:cNvCxnSpPr>
-            <a:stCxn id="38" idx="2"/>
-            <a:endCxn id="11" idx="0"/>
-          </p:cNvCxnSpPr>
-          <p:nvPr/>
-        </p:nvCxnSpPr>
-        <p:spPr>
-          <a:xfrm rot="16200000" flipH="1">
-            <a:off x="2173902" y="4857123"/>
-            <a:ext cx="653634" cy="970610"/>
-          </a:xfrm>
-          <a:prstGeom prst="bentConnector3">
-            <a:avLst>
-              <a:gd name="adj1" fmla="val 50000"/>
-            </a:avLst>
-          </a:prstGeom>
-          <a:ln>
-            <a:headEnd type="arrow"/>
-            <a:tailEnd type="arrow"/>
-          </a:ln>
-        </p:spPr>
-        <p:style>
-          <a:lnRef idx="2">
-            <a:schemeClr val="dk1"/>
-          </a:lnRef>
-          <a:fillRef idx="0">
-            <a:schemeClr val="dk1"/>
-          </a:fillRef>
-          <a:effectRef idx="1">
-            <a:schemeClr val="dk1"/>
-          </a:effectRef>
-          <a:fontRef idx="minor">
-            <a:schemeClr val="tx1"/>
-          </a:fontRef>
-        </p:style>
-      </p:cxnSp>
-      <p:sp>
-        <p:nvSpPr>
-          <p:cNvPr id="14" name="TextBox 13"/>
-          <p:cNvSpPr txBox="1"/>
-          <p:nvPr/>
-        </p:nvSpPr>
-        <p:spPr>
-          <a:xfrm rot="5400000">
-            <a:off x="3235842" y="4019437"/>
-            <a:ext cx="818351" cy="253880"/>
-          </a:xfrm>
-          <a:prstGeom prst="rect">
-            <a:avLst/>
-          </a:prstGeom>
-          <a:ln/>
-        </p:spPr>
-        <p:style>
-          <a:lnRef idx="0">
-            <a:schemeClr val="accent1"/>
-          </a:lnRef>
-          <a:fillRef idx="3">
-            <a:schemeClr val="accent1"/>
-          </a:fillRef>
-          <a:effectRef idx="3">
-            <a:schemeClr val="accent1"/>
-          </a:effectRef>
-          <a:fontRef idx="minor">
-            <a:schemeClr val="lt1"/>
-          </a:fontRef>
-        </p:style>
-        <p:txBody>
-          <a:bodyPr wrap="square" rtlCol="1">
-            <a:spAutoFit/>
-          </a:bodyPr>
-          <a:lstStyle/>
-          <a:p>
-            <a:pPr algn="ctr" rtl="0"/>
-            <a:r>
-              <a:rPr lang="en-US" sz="1400" dirty="0" smtClean="0"/>
-              <a:t>WBS</a:t>
-            </a:r>
-            <a:endParaRPr lang="he-IL" sz="1400" dirty="0"/>
-          </a:p>
-        </p:txBody>
-      </p:sp>
-      <p:sp>
-        <p:nvSpPr>
-          <p:cNvPr id="15" name="TextBox 14"/>
-          <p:cNvSpPr txBox="1"/>
-          <p:nvPr/>
-        </p:nvSpPr>
-        <p:spPr>
-          <a:xfrm>
-            <a:off x="6020816" y="2226400"/>
-            <a:ext cx="766064" cy="271208"/>
-          </a:xfrm>
-          <a:prstGeom prst="rect">
-            <a:avLst/>
-          </a:prstGeom>
-        </p:spPr>
-        <p:style>
-          <a:lnRef idx="0">
-            <a:schemeClr val="dk1"/>
-          </a:lnRef>
-          <a:fillRef idx="3">
-            <a:schemeClr val="dk1"/>
-          </a:fillRef>
-          <a:effectRef idx="3">
-            <a:schemeClr val="dk1"/>
-          </a:effectRef>
-          <a:fontRef idx="minor">
-            <a:schemeClr val="lt1"/>
-          </a:fontRef>
-        </p:style>
-        <p:txBody>
-          <a:bodyPr wrap="square" rtlCol="1">
-            <a:spAutoFit/>
-          </a:bodyPr>
-          <a:lstStyle/>
-          <a:p>
-            <a:pPr algn="ctr"/>
-            <a:r>
-              <a:rPr lang="en-US" sz="1400" dirty="0" smtClean="0"/>
-              <a:t>WBM</a:t>
-            </a:r>
-            <a:endParaRPr lang="he-IL" sz="1400" dirty="0"/>
-          </a:p>
-        </p:txBody>
-      </p:sp>
-      <p:cxnSp>
-        <p:nvCxnSpPr>
-          <p:cNvPr id="16" name="Elbow Connector 140"/>
-          <p:cNvCxnSpPr>
-            <a:endCxn id="8" idx="1"/>
-          </p:cNvCxnSpPr>
-          <p:nvPr/>
-        </p:nvCxnSpPr>
-        <p:spPr>
-          <a:xfrm flipH="1">
-            <a:off x="304800" y="1691325"/>
-            <a:ext cx="8485632" cy="312731"/>
-          </a:xfrm>
-          <a:prstGeom prst="bentConnector5">
-            <a:avLst>
-              <a:gd name="adj1" fmla="val -2222"/>
-              <a:gd name="adj2" fmla="val -191753"/>
-              <a:gd name="adj3" fmla="val 103070"/>
-            </a:avLst>
-          </a:prstGeom>
-          <a:ln>
-            <a:tailEnd type="arrow"/>
-          </a:ln>
-        </p:spPr>
-        <p:style>
-          <a:lnRef idx="2">
-            <a:schemeClr val="accent1"/>
-          </a:lnRef>
-          <a:fillRef idx="0">
-            <a:schemeClr val="accent1"/>
-          </a:fillRef>
-          <a:effectRef idx="1">
-            <a:schemeClr val="accent1"/>
-          </a:effectRef>
-          <a:fontRef idx="minor">
-            <a:schemeClr val="tx1"/>
-          </a:fontRef>
-        </p:style>
-      </p:cxnSp>
-      <p:sp>
-        <p:nvSpPr>
-          <p:cNvPr id="17" name="TextBox 16"/>
-          <p:cNvSpPr txBox="1"/>
-          <p:nvPr/>
-        </p:nvSpPr>
-        <p:spPr>
-          <a:xfrm>
-            <a:off x="2720847" y="2206993"/>
-            <a:ext cx="766064" cy="271208"/>
-          </a:xfrm>
-          <a:prstGeom prst="rect">
-            <a:avLst/>
-          </a:prstGeom>
-        </p:spPr>
-        <p:style>
-          <a:lnRef idx="0">
-            <a:schemeClr val="dk1"/>
-          </a:lnRef>
-          <a:fillRef idx="3">
-            <a:schemeClr val="dk1"/>
-          </a:fillRef>
-          <a:effectRef idx="3">
-            <a:schemeClr val="dk1"/>
-          </a:effectRef>
-          <a:fontRef idx="minor">
-            <a:schemeClr val="lt1"/>
-          </a:fontRef>
-        </p:style>
-        <p:txBody>
-          <a:bodyPr wrap="square" rtlCol="1">
-            <a:spAutoFit/>
-          </a:bodyPr>
-          <a:lstStyle/>
-          <a:p>
-            <a:pPr algn="ctr"/>
-            <a:r>
-              <a:rPr lang="en-US" sz="1400" dirty="0" smtClean="0"/>
-              <a:t>WBM</a:t>
-            </a:r>
-            <a:endParaRPr lang="he-IL" sz="1400" dirty="0"/>
-          </a:p>
-        </p:txBody>
-      </p:sp>
-      <p:sp>
-        <p:nvSpPr>
-          <p:cNvPr id="18" name="TextBox 17"/>
-          <p:cNvSpPr txBox="1"/>
-          <p:nvPr/>
-        </p:nvSpPr>
-        <p:spPr>
-          <a:xfrm rot="16200000">
-            <a:off x="5385013" y="1690287"/>
-            <a:ext cx="818351" cy="253880"/>
-          </a:xfrm>
-          <a:prstGeom prst="rect">
-            <a:avLst/>
-          </a:prstGeom>
-          <a:ln/>
-        </p:spPr>
-        <p:style>
-          <a:lnRef idx="0">
-            <a:schemeClr val="accent1"/>
-          </a:lnRef>
-          <a:fillRef idx="3">
-            <a:schemeClr val="accent1"/>
-          </a:fillRef>
-          <a:effectRef idx="3">
-            <a:schemeClr val="accent1"/>
-          </a:effectRef>
-          <a:fontRef idx="minor">
-            <a:schemeClr val="lt1"/>
-          </a:fontRef>
-        </p:style>
-        <p:txBody>
-          <a:bodyPr wrap="square" rtlCol="1">
-            <a:spAutoFit/>
-          </a:bodyPr>
-          <a:lstStyle/>
-          <a:p>
-            <a:pPr algn="ctr"/>
-            <a:r>
-              <a:rPr lang="en-US" sz="1400" dirty="0" smtClean="0"/>
-              <a:t>WBS</a:t>
-            </a:r>
-            <a:endParaRPr lang="he-IL" sz="1400" dirty="0"/>
-          </a:p>
-        </p:txBody>
-      </p:sp>
-      <p:cxnSp>
-        <p:nvCxnSpPr>
-          <p:cNvPr id="19" name="Elbow Connector 18"/>
-          <p:cNvCxnSpPr>
-            <a:stCxn id="18" idx="0"/>
-          </p:cNvCxnSpPr>
-          <p:nvPr/>
-        </p:nvCxnSpPr>
-        <p:spPr>
-          <a:xfrm rot="10800000" flipV="1">
-            <a:off x="4676283" y="1817225"/>
-            <a:ext cx="990967" cy="912776"/>
-          </a:xfrm>
-          <a:prstGeom prst="bentConnector2">
-            <a:avLst/>
-          </a:prstGeom>
-          <a:ln>
-            <a:headEnd type="arrow"/>
-            <a:tailEnd type="arrow"/>
-          </a:ln>
-        </p:spPr>
-        <p:style>
-          <a:lnRef idx="2">
-            <a:schemeClr val="dk1"/>
-          </a:lnRef>
-          <a:fillRef idx="0">
-            <a:schemeClr val="dk1"/>
-          </a:fillRef>
-          <a:effectRef idx="1">
-            <a:schemeClr val="dk1"/>
-          </a:effectRef>
-          <a:fontRef idx="minor">
-            <a:schemeClr val="tx1"/>
-          </a:fontRef>
-        </p:style>
-      </p:cxnSp>
-      <p:sp>
-        <p:nvSpPr>
-          <p:cNvPr id="20" name="TextBox 19"/>
-          <p:cNvSpPr txBox="1"/>
-          <p:nvPr/>
-        </p:nvSpPr>
-        <p:spPr>
-          <a:xfrm>
-            <a:off x="1868094" y="3296551"/>
-            <a:ext cx="766064" cy="271208"/>
-          </a:xfrm>
-          <a:prstGeom prst="rect">
-            <a:avLst/>
-          </a:prstGeom>
-          <a:ln/>
-        </p:spPr>
-        <p:style>
-          <a:lnRef idx="0">
-            <a:schemeClr val="accent1"/>
-          </a:lnRef>
-          <a:fillRef idx="3">
-            <a:schemeClr val="accent1"/>
-          </a:fillRef>
-          <a:effectRef idx="3">
-            <a:schemeClr val="accent1"/>
-          </a:effectRef>
-          <a:fontRef idx="minor">
-            <a:schemeClr val="lt1"/>
-          </a:fontRef>
-        </p:style>
-        <p:txBody>
-          <a:bodyPr wrap="square" rtlCol="1">
-            <a:spAutoFit/>
-          </a:bodyPr>
-          <a:lstStyle/>
-          <a:p>
-            <a:pPr algn="ctr" rtl="0"/>
-            <a:r>
-              <a:rPr lang="en-US" sz="1400" dirty="0" smtClean="0"/>
-              <a:t>WBS</a:t>
-            </a:r>
-            <a:endParaRPr lang="he-IL" sz="1400" dirty="0"/>
-          </a:p>
-        </p:txBody>
-      </p:sp>
-      <p:cxnSp>
-        <p:nvCxnSpPr>
-          <p:cNvPr id="23" name="Elbow Connector 133"/>
-          <p:cNvCxnSpPr>
-            <a:stCxn id="22" idx="0"/>
-            <a:endCxn id="50" idx="3"/>
-          </p:cNvCxnSpPr>
-          <p:nvPr/>
-        </p:nvCxnSpPr>
-        <p:spPr>
-          <a:xfrm rot="16200000" flipV="1">
-            <a:off x="5898708" y="2353958"/>
-            <a:ext cx="391178" cy="1830038"/>
-          </a:xfrm>
-          <a:prstGeom prst="bentConnector2">
-            <a:avLst/>
-          </a:prstGeom>
-          <a:ln>
-            <a:headEnd type="arrow"/>
-            <a:tailEnd type="arrow"/>
-          </a:ln>
-        </p:spPr>
-        <p:style>
-          <a:lnRef idx="2">
-            <a:schemeClr val="dk1"/>
-          </a:lnRef>
-          <a:fillRef idx="0">
-            <a:schemeClr val="dk1"/>
-          </a:fillRef>
-          <a:effectRef idx="1">
-            <a:schemeClr val="dk1"/>
-          </a:effectRef>
-          <a:fontRef idx="minor">
-            <a:schemeClr val="tx1"/>
-          </a:fontRef>
-        </p:style>
-      </p:cxnSp>
-      <p:sp>
-        <p:nvSpPr>
-          <p:cNvPr id="25" name="TextBox 7"/>
-          <p:cNvSpPr txBox="1"/>
-          <p:nvPr/>
-        </p:nvSpPr>
-        <p:spPr>
-          <a:xfrm>
-            <a:off x="363728" y="2352302"/>
-            <a:ext cx="599907" cy="437309"/>
-          </a:xfrm>
-          <a:prstGeom prst="rect">
-            <a:avLst/>
-          </a:prstGeom>
-          <a:noFill/>
-        </p:spPr>
-        <p:txBody>
-          <a:bodyPr wrap="square" rtlCol="1">
-            <a:spAutoFit/>
-          </a:bodyPr>
-          <a:lstStyle>
-            <a:defPPr>
-              <a:defRPr lang="he-IL"/>
-            </a:defPPr>
-            <a:lvl1pPr marL="0" algn="r" defTabSz="914400" rtl="1" eaLnBrk="1" latinLnBrk="0" hangingPunct="1">
-              <a:defRPr sz="1800" kern="1200">
-                <a:solidFill>
-                  <a:schemeClr val="tx1"/>
-                </a:solidFill>
-                <a:latin typeface="+mn-lt"/>
-                <a:ea typeface="+mn-ea"/>
-                <a:cs typeface="+mn-cs"/>
-              </a:defRPr>
-            </a:lvl1pPr>
-            <a:lvl2pPr marL="457200" algn="r" defTabSz="914400" rtl="1" eaLnBrk="1" latinLnBrk="0" hangingPunct="1">
-              <a:defRPr sz="1800" kern="1200">
-                <a:solidFill>
-                  <a:schemeClr val="tx1"/>
-                </a:solidFill>
-                <a:latin typeface="+mn-lt"/>
-                <a:ea typeface="+mn-ea"/>
-                <a:cs typeface="+mn-cs"/>
-              </a:defRPr>
-            </a:lvl2pPr>
-            <a:lvl3pPr marL="914400" algn="r" defTabSz="914400" rtl="1" eaLnBrk="1" latinLnBrk="0" hangingPunct="1">
-              <a:defRPr sz="1800" kern="1200">
-                <a:solidFill>
-                  <a:schemeClr val="tx1"/>
-                </a:solidFill>
-                <a:latin typeface="+mn-lt"/>
-                <a:ea typeface="+mn-ea"/>
-                <a:cs typeface="+mn-cs"/>
-              </a:defRPr>
-            </a:lvl3pPr>
-            <a:lvl4pPr marL="1371600" algn="r" defTabSz="914400" rtl="1" eaLnBrk="1" latinLnBrk="0" hangingPunct="1">
-              <a:defRPr sz="1800" kern="1200">
-                <a:solidFill>
-                  <a:schemeClr val="tx1"/>
-                </a:solidFill>
-                <a:latin typeface="+mn-lt"/>
-                <a:ea typeface="+mn-ea"/>
-                <a:cs typeface="+mn-cs"/>
-              </a:defRPr>
-            </a:lvl4pPr>
-            <a:lvl5pPr marL="1828800" algn="r" defTabSz="914400" rtl="1" eaLnBrk="1" latinLnBrk="0" hangingPunct="1">
-              <a:defRPr sz="1800" kern="1200">
-                <a:solidFill>
-                  <a:schemeClr val="tx1"/>
-                </a:solidFill>
-                <a:latin typeface="+mn-lt"/>
-                <a:ea typeface="+mn-ea"/>
-                <a:cs typeface="+mn-cs"/>
-              </a:defRPr>
-            </a:lvl5pPr>
-            <a:lvl6pPr marL="2286000" algn="r" defTabSz="914400" rtl="1" eaLnBrk="1" latinLnBrk="0" hangingPunct="1">
-              <a:defRPr sz="1800" kern="1200">
-                <a:solidFill>
-                  <a:schemeClr val="tx1"/>
-                </a:solidFill>
-                <a:latin typeface="+mn-lt"/>
-                <a:ea typeface="+mn-ea"/>
-                <a:cs typeface="+mn-cs"/>
-              </a:defRPr>
-            </a:lvl6pPr>
-            <a:lvl7pPr marL="2743200" algn="r" defTabSz="914400" rtl="1" eaLnBrk="1" latinLnBrk="0" hangingPunct="1">
-              <a:defRPr sz="1800" kern="1200">
-                <a:solidFill>
-                  <a:schemeClr val="tx1"/>
-                </a:solidFill>
-                <a:latin typeface="+mn-lt"/>
-                <a:ea typeface="+mn-ea"/>
-                <a:cs typeface="+mn-cs"/>
-              </a:defRPr>
-            </a:lvl7pPr>
-            <a:lvl8pPr marL="3200400" algn="r" defTabSz="914400" rtl="1" eaLnBrk="1" latinLnBrk="0" hangingPunct="1">
-              <a:defRPr sz="1800" kern="1200">
-                <a:solidFill>
-                  <a:schemeClr val="tx1"/>
-                </a:solidFill>
-                <a:latin typeface="+mn-lt"/>
-                <a:ea typeface="+mn-ea"/>
-                <a:cs typeface="+mn-cs"/>
-              </a:defRPr>
-            </a:lvl8pPr>
-            <a:lvl9pPr marL="3657600" algn="r" defTabSz="914400" rtl="1" eaLnBrk="1" latinLnBrk="0" hangingPunct="1">
-              <a:defRPr sz="1800" kern="1200">
-                <a:solidFill>
-                  <a:schemeClr val="tx1"/>
-                </a:solidFill>
-                <a:latin typeface="+mn-lt"/>
-                <a:ea typeface="+mn-ea"/>
-                <a:cs typeface="+mn-cs"/>
-              </a:defRPr>
-            </a:lvl9pPr>
-          </a:lstStyle>
-          <a:p>
-            <a:pPr algn="ctr" rtl="0"/>
-            <a:r>
-              <a:rPr lang="en-US" sz="700" dirty="0" smtClean="0"/>
-              <a:t>Host</a:t>
-            </a:r>
-          </a:p>
-          <a:p>
-            <a:pPr algn="ctr" rtl="0"/>
-            <a:r>
-              <a:rPr lang="en-US" sz="700" dirty="0" smtClean="0"/>
-              <a:t>(</a:t>
-            </a:r>
-            <a:r>
-              <a:rPr lang="en-US" sz="700" dirty="0" err="1" smtClean="0"/>
-              <a:t>Matlab</a:t>
-            </a:r>
-            <a:r>
-              <a:rPr lang="en-US" sz="700" dirty="0" smtClean="0"/>
-              <a:t>)</a:t>
-            </a:r>
-            <a:endParaRPr lang="he-IL" sz="700" dirty="0"/>
-          </a:p>
-        </p:txBody>
-      </p:sp>
-      <p:cxnSp>
-        <p:nvCxnSpPr>
-          <p:cNvPr id="26" name="Elbow Connector 25"/>
-          <p:cNvCxnSpPr>
-            <a:stCxn id="21" idx="3"/>
-            <a:endCxn id="28" idx="1"/>
-          </p:cNvCxnSpPr>
-          <p:nvPr/>
-        </p:nvCxnSpPr>
-        <p:spPr>
-          <a:xfrm flipH="1">
-            <a:off x="8554276" y="4239375"/>
-            <a:ext cx="134488" cy="2026200"/>
-          </a:xfrm>
-          <a:prstGeom prst="bentConnector5">
-            <a:avLst>
-              <a:gd name="adj1" fmla="val -169978"/>
-              <a:gd name="adj2" fmla="val 56069"/>
-              <a:gd name="adj3" fmla="val 269978"/>
-            </a:avLst>
-          </a:prstGeom>
-          <a:ln>
-            <a:tailEnd type="arrow"/>
-          </a:ln>
-        </p:spPr>
-        <p:style>
-          <a:lnRef idx="2">
-            <a:schemeClr val="accent4"/>
-          </a:lnRef>
-          <a:fillRef idx="0">
-            <a:schemeClr val="accent4"/>
-          </a:fillRef>
-          <a:effectRef idx="1">
-            <a:schemeClr val="accent4"/>
-          </a:effectRef>
-          <a:fontRef idx="minor">
-            <a:schemeClr val="tx1"/>
-          </a:fontRef>
-        </p:style>
-      </p:cxnSp>
       <p:grpSp>
         <p:nvGrpSpPr>
-          <p:cNvPr id="27" name="Group 181"/>
+          <p:cNvPr id="24" name="Group 23"/>
           <p:cNvGrpSpPr/>
           <p:nvPr/>
         </p:nvGrpSpPr>
         <p:grpSpPr>
           <a:xfrm>
-            <a:off x="8377936" y="5499803"/>
-            <a:ext cx="766064" cy="1086372"/>
-            <a:chOff x="8143900" y="5000636"/>
-            <a:chExt cx="928694" cy="1232854"/>
+            <a:off x="261973" y="1126727"/>
+            <a:ext cx="8882027" cy="5569128"/>
+            <a:chOff x="261973" y="1126727"/>
+            <a:chExt cx="8882027" cy="5569128"/>
           </a:xfrm>
         </p:grpSpPr>
+        <p:cxnSp>
+          <p:nvCxnSpPr>
+            <p:cNvPr id="119" name="Elbow Connector 133"/>
+            <p:cNvCxnSpPr>
+              <a:stCxn id="122" idx="0"/>
+            </p:cNvCxnSpPr>
+            <p:nvPr/>
+          </p:nvCxnSpPr>
+          <p:spPr>
+            <a:xfrm rot="10800000">
+              <a:off x="4547616" y="3432155"/>
+              <a:ext cx="326474" cy="2685472"/>
+            </a:xfrm>
+            <a:prstGeom prst="bentConnector2">
+              <a:avLst/>
+            </a:prstGeom>
+            <a:ln>
+              <a:headEnd type="arrow"/>
+              <a:tailEnd type="arrow"/>
+            </a:ln>
+          </p:spPr>
+          <p:style>
+            <a:lnRef idx="2">
+              <a:schemeClr val="dk1"/>
+            </a:lnRef>
+            <a:fillRef idx="0">
+              <a:schemeClr val="dk1"/>
+            </a:fillRef>
+            <a:effectRef idx="1">
+              <a:schemeClr val="dk1"/>
+            </a:effectRef>
+            <a:fontRef idx="minor">
+              <a:schemeClr val="tx1"/>
+            </a:fontRef>
+          </p:style>
+        </p:cxnSp>
+        <p:cxnSp>
+          <p:nvCxnSpPr>
+            <p:cNvPr id="123" name="Elbow Connector 133"/>
+            <p:cNvCxnSpPr/>
+            <p:nvPr/>
+          </p:nvCxnSpPr>
+          <p:spPr>
+            <a:xfrm rot="10800000">
+              <a:off x="4860033" y="3464567"/>
+              <a:ext cx="925781" cy="2018763"/>
+            </a:xfrm>
+            <a:prstGeom prst="bentConnector2">
+              <a:avLst/>
+            </a:prstGeom>
+            <a:ln>
+              <a:headEnd type="arrow"/>
+              <a:tailEnd type="arrow"/>
+            </a:ln>
+          </p:spPr>
+          <p:style>
+            <a:lnRef idx="2">
+              <a:schemeClr val="dk1"/>
+            </a:lnRef>
+            <a:fillRef idx="0">
+              <a:schemeClr val="dk1"/>
+            </a:fillRef>
+            <a:effectRef idx="1">
+              <a:schemeClr val="dk1"/>
+            </a:effectRef>
+            <a:fontRef idx="minor">
+              <a:schemeClr val="tx1"/>
+            </a:fontRef>
+          </p:style>
+        </p:cxnSp>
+        <p:sp>
+          <p:nvSpPr>
+            <p:cNvPr id="4" name="Rounded Rectangle 3"/>
+            <p:cNvSpPr/>
+            <p:nvPr/>
+          </p:nvSpPr>
+          <p:spPr>
+            <a:xfrm>
+              <a:off x="5844032" y="1219200"/>
+              <a:ext cx="2946400" cy="1070151"/>
+            </a:xfrm>
+            <a:prstGeom prst="roundRect">
+              <a:avLst/>
+            </a:prstGeom>
+          </p:spPr>
+          <p:style>
+            <a:lnRef idx="0">
+              <a:schemeClr val="accent2"/>
+            </a:lnRef>
+            <a:fillRef idx="3">
+              <a:schemeClr val="accent2"/>
+            </a:fillRef>
+            <a:effectRef idx="3">
+              <a:schemeClr val="accent2"/>
+            </a:effectRef>
+            <a:fontRef idx="minor">
+              <a:schemeClr val="lt1"/>
+            </a:fontRef>
+          </p:style>
+          <p:txBody>
+            <a:bodyPr rtlCol="1" anchor="ctr"/>
+            <a:lstStyle/>
+            <a:p>
+              <a:pPr algn="ctr"/>
+              <a:r>
+                <a:rPr lang="en-US" dirty="0" smtClean="0"/>
+                <a:t>TX Path</a:t>
+              </a:r>
+              <a:endParaRPr lang="he-IL" dirty="0"/>
+            </a:p>
+          </p:txBody>
+        </p:sp>
+        <p:sp>
+          <p:nvSpPr>
+            <p:cNvPr id="5" name="Rounded Rectangle 4"/>
+            <p:cNvSpPr/>
+            <p:nvPr/>
+          </p:nvSpPr>
+          <p:spPr>
+            <a:xfrm>
+              <a:off x="512750" y="3485402"/>
+              <a:ext cx="3123184" cy="1259001"/>
+            </a:xfrm>
+            <a:prstGeom prst="roundRect">
+              <a:avLst/>
+            </a:prstGeom>
+          </p:spPr>
+          <p:style>
+            <a:lnRef idx="0">
+              <a:schemeClr val="accent2"/>
+            </a:lnRef>
+            <a:fillRef idx="3">
+              <a:schemeClr val="accent2"/>
+            </a:fillRef>
+            <a:effectRef idx="3">
+              <a:schemeClr val="accent2"/>
+            </a:effectRef>
+            <a:fontRef idx="minor">
+              <a:schemeClr val="lt1"/>
+            </a:fontRef>
+          </p:style>
+          <p:txBody>
+            <a:bodyPr rtlCol="1" anchor="ctr"/>
+            <a:lstStyle/>
+            <a:p>
+              <a:pPr algn="ctr" rtl="0"/>
+              <a:r>
+                <a:rPr lang="en-US" dirty="0" smtClean="0"/>
+                <a:t>Memory</a:t>
+              </a:r>
+            </a:p>
+            <a:p>
+              <a:pPr algn="ctr" rtl="0"/>
+              <a:r>
+                <a:rPr lang="en-US" dirty="0" smtClean="0"/>
+                <a:t>Management</a:t>
+              </a:r>
+              <a:endParaRPr lang="he-IL" dirty="0"/>
+            </a:p>
+          </p:txBody>
+        </p:sp>
+        <p:sp>
+          <p:nvSpPr>
+            <p:cNvPr id="6" name="Rounded Rectangle 5"/>
+            <p:cNvSpPr/>
+            <p:nvPr/>
+          </p:nvSpPr>
+          <p:spPr>
+            <a:xfrm>
+              <a:off x="1660144" y="1231817"/>
+              <a:ext cx="2592832" cy="994584"/>
+            </a:xfrm>
+            <a:prstGeom prst="roundRect">
+              <a:avLst/>
+            </a:prstGeom>
+          </p:spPr>
+          <p:style>
+            <a:lnRef idx="0">
+              <a:schemeClr val="accent2"/>
+            </a:lnRef>
+            <a:fillRef idx="3">
+              <a:schemeClr val="accent2"/>
+            </a:fillRef>
+            <a:effectRef idx="3">
+              <a:schemeClr val="accent2"/>
+            </a:effectRef>
+            <a:fontRef idx="minor">
+              <a:schemeClr val="lt1"/>
+            </a:fontRef>
+          </p:style>
+          <p:txBody>
+            <a:bodyPr rtlCol="1" anchor="ctr"/>
+            <a:lstStyle/>
+            <a:p>
+              <a:pPr algn="ctr"/>
+              <a:r>
+                <a:rPr lang="en-US" dirty="0" smtClean="0"/>
+                <a:t>RX Path</a:t>
+              </a:r>
+              <a:endParaRPr lang="he-IL" dirty="0"/>
+            </a:p>
+          </p:txBody>
+        </p:sp>
+        <p:sp>
+          <p:nvSpPr>
+            <p:cNvPr id="7" name="Rectangle 6"/>
+            <p:cNvSpPr/>
+            <p:nvPr/>
+          </p:nvSpPr>
+          <p:spPr>
+            <a:xfrm>
+              <a:off x="2367280" y="5877504"/>
+              <a:ext cx="1178560" cy="818351"/>
+            </a:xfrm>
+            <a:prstGeom prst="rect">
+              <a:avLst/>
+            </a:prstGeom>
+            <a:solidFill>
+              <a:schemeClr val="accent1">
+                <a:alpha val="19000"/>
+              </a:schemeClr>
+            </a:solidFill>
+          </p:spPr>
+          <p:style>
+            <a:lnRef idx="2">
+              <a:schemeClr val="accent1">
+                <a:shade val="50000"/>
+              </a:schemeClr>
+            </a:lnRef>
+            <a:fillRef idx="1">
+              <a:schemeClr val="accent1"/>
+            </a:fillRef>
+            <a:effectRef idx="0">
+              <a:schemeClr val="accent1"/>
+            </a:effectRef>
+            <a:fontRef idx="minor">
+              <a:schemeClr val="lt1"/>
+            </a:fontRef>
+          </p:style>
+          <p:txBody>
+            <a:bodyPr rtlCol="1" anchor="ctr"/>
+            <a:lstStyle/>
+            <a:p>
+              <a:pPr algn="ctr" rtl="0"/>
+              <a:endParaRPr lang="he-IL"/>
+            </a:p>
+          </p:txBody>
+        </p:sp>
         <p:pic>
           <p:nvPicPr>
-            <p:cNvPr id="28" name="Picture 27" descr="MC900391480.WMF"/>
+            <p:cNvPr id="8" name="Picture 7" descr="C:\Program Files\Microsoft Office\MEDIA\CAGCAT10\j0285750.wmf"/>
+            <p:cNvPicPr>
+              <a:picLocks noChangeAspect="1" noChangeArrowheads="1"/>
+            </p:cNvPicPr>
+            <p:nvPr/>
+          </p:nvPicPr>
+          <p:blipFill>
+            <a:blip r:embed="rId3" cstate="print"/>
+            <a:srcRect/>
+            <a:stretch>
+              <a:fillRect/>
+            </a:stretch>
+          </p:blipFill>
+          <p:spPr bwMode="auto">
+            <a:xfrm>
+              <a:off x="304800" y="1659850"/>
+              <a:ext cx="869254" cy="688410"/>
+            </a:xfrm>
+            <a:prstGeom prst="rect">
+              <a:avLst/>
+            </a:prstGeom>
+            <a:noFill/>
+          </p:spPr>
+        </p:pic>
+        <p:cxnSp>
+          <p:nvCxnSpPr>
+            <p:cNvPr id="9" name="Elbow Connector 8"/>
+            <p:cNvCxnSpPr>
+              <a:endCxn id="6" idx="1"/>
+            </p:cNvCxnSpPr>
+            <p:nvPr/>
+          </p:nvCxnSpPr>
+          <p:spPr>
+            <a:xfrm flipV="1">
+              <a:off x="1070864" y="1729109"/>
+              <a:ext cx="589280" cy="572860"/>
+            </a:xfrm>
+            <a:prstGeom prst="bentConnector3">
+              <a:avLst>
+                <a:gd name="adj1" fmla="val 50000"/>
+              </a:avLst>
+            </a:prstGeom>
+            <a:ln>
+              <a:tailEnd type="arrow"/>
+            </a:ln>
+          </p:spPr>
+          <p:style>
+            <a:lnRef idx="2">
+              <a:schemeClr val="accent1"/>
+            </a:lnRef>
+            <a:fillRef idx="0">
+              <a:schemeClr val="accent1"/>
+            </a:fillRef>
+            <a:effectRef idx="1">
+              <a:schemeClr val="accent1"/>
+            </a:effectRef>
+            <a:fontRef idx="minor">
+              <a:schemeClr val="tx1"/>
+            </a:fontRef>
+          </p:style>
+        </p:cxnSp>
+        <p:sp>
+          <p:nvSpPr>
+            <p:cNvPr id="10" name="TextBox 9"/>
+            <p:cNvSpPr txBox="1"/>
+            <p:nvPr/>
+          </p:nvSpPr>
+          <p:spPr>
+            <a:xfrm>
+              <a:off x="2485136" y="6003403"/>
+              <a:ext cx="1001776" cy="655962"/>
+            </a:xfrm>
+            <a:prstGeom prst="rect">
+              <a:avLst/>
+            </a:prstGeom>
+          </p:spPr>
+          <p:style>
+            <a:lnRef idx="0">
+              <a:schemeClr val="accent6"/>
+            </a:lnRef>
+            <a:fillRef idx="3">
+              <a:schemeClr val="accent6"/>
+            </a:fillRef>
+            <a:effectRef idx="3">
+              <a:schemeClr val="accent6"/>
+            </a:effectRef>
+            <a:fontRef idx="minor">
+              <a:schemeClr val="lt1"/>
+            </a:fontRef>
+          </p:style>
+          <p:txBody>
+            <a:bodyPr wrap="square" rtlCol="1">
+              <a:spAutoFit/>
+            </a:bodyPr>
+            <a:lstStyle/>
+            <a:p>
+              <a:pPr algn="ctr" rtl="0"/>
+              <a:r>
+                <a:rPr lang="en-US" sz="1200" dirty="0" smtClean="0"/>
+                <a:t>SDRAM Controller</a:t>
+              </a:r>
+              <a:endParaRPr lang="he-IL" sz="1200" dirty="0"/>
+            </a:p>
+          </p:txBody>
+        </p:sp>
+        <p:sp>
+          <p:nvSpPr>
+            <p:cNvPr id="11" name="TextBox 10"/>
+            <p:cNvSpPr txBox="1"/>
+            <p:nvPr/>
+          </p:nvSpPr>
+          <p:spPr>
+            <a:xfrm>
+              <a:off x="2602992" y="5669245"/>
+              <a:ext cx="766064" cy="271208"/>
+            </a:xfrm>
+            <a:prstGeom prst="rect">
+              <a:avLst/>
+            </a:prstGeom>
+            <a:ln/>
+          </p:spPr>
+          <p:style>
+            <a:lnRef idx="0">
+              <a:schemeClr val="accent1"/>
+            </a:lnRef>
+            <a:fillRef idx="3">
+              <a:schemeClr val="accent1"/>
+            </a:fillRef>
+            <a:effectRef idx="3">
+              <a:schemeClr val="accent1"/>
+            </a:effectRef>
+            <a:fontRef idx="minor">
+              <a:schemeClr val="lt1"/>
+            </a:fontRef>
+          </p:style>
+          <p:txBody>
+            <a:bodyPr wrap="square" rtlCol="1">
+              <a:spAutoFit/>
+            </a:bodyPr>
+            <a:lstStyle/>
+            <a:p>
+              <a:pPr algn="ctr" rtl="0"/>
+              <a:r>
+                <a:rPr lang="en-US" sz="1400" dirty="0" smtClean="0"/>
+                <a:t>WBS</a:t>
+              </a:r>
+              <a:endParaRPr lang="he-IL" sz="1400" dirty="0"/>
+            </a:p>
+          </p:txBody>
+        </p:sp>
+        <p:cxnSp>
+          <p:nvCxnSpPr>
+            <p:cNvPr id="13" name="Elbow Connector 12"/>
+            <p:cNvCxnSpPr>
+              <a:stCxn id="38" idx="2"/>
+              <a:endCxn id="11" idx="0"/>
+            </p:cNvCxnSpPr>
+            <p:nvPr/>
+          </p:nvCxnSpPr>
+          <p:spPr>
+            <a:xfrm rot="16200000" flipH="1">
+              <a:off x="2173902" y="4857123"/>
+              <a:ext cx="653634" cy="970610"/>
+            </a:xfrm>
+            <a:prstGeom prst="bentConnector3">
+              <a:avLst>
+                <a:gd name="adj1" fmla="val 50000"/>
+              </a:avLst>
+            </a:prstGeom>
+            <a:ln>
+              <a:headEnd type="arrow"/>
+              <a:tailEnd type="arrow"/>
+            </a:ln>
+          </p:spPr>
+          <p:style>
+            <a:lnRef idx="2">
+              <a:schemeClr val="dk1"/>
+            </a:lnRef>
+            <a:fillRef idx="0">
+              <a:schemeClr val="dk1"/>
+            </a:fillRef>
+            <a:effectRef idx="1">
+              <a:schemeClr val="dk1"/>
+            </a:effectRef>
+            <a:fontRef idx="minor">
+              <a:schemeClr val="tx1"/>
+            </a:fontRef>
+          </p:style>
+        </p:cxnSp>
+        <p:sp>
+          <p:nvSpPr>
+            <p:cNvPr id="14" name="TextBox 13"/>
+            <p:cNvSpPr txBox="1"/>
+            <p:nvPr/>
+          </p:nvSpPr>
+          <p:spPr>
+            <a:xfrm rot="5400000">
+              <a:off x="3235842" y="4019437"/>
+              <a:ext cx="818351" cy="253880"/>
+            </a:xfrm>
+            <a:prstGeom prst="rect">
+              <a:avLst/>
+            </a:prstGeom>
+            <a:ln/>
+          </p:spPr>
+          <p:style>
+            <a:lnRef idx="0">
+              <a:schemeClr val="accent1"/>
+            </a:lnRef>
+            <a:fillRef idx="3">
+              <a:schemeClr val="accent1"/>
+            </a:fillRef>
+            <a:effectRef idx="3">
+              <a:schemeClr val="accent1"/>
+            </a:effectRef>
+            <a:fontRef idx="minor">
+              <a:schemeClr val="lt1"/>
+            </a:fontRef>
+          </p:style>
+          <p:txBody>
+            <a:bodyPr wrap="square" rtlCol="1">
+              <a:spAutoFit/>
+            </a:bodyPr>
+            <a:lstStyle/>
+            <a:p>
+              <a:pPr algn="ctr" rtl="0"/>
+              <a:r>
+                <a:rPr lang="en-US" sz="1400" dirty="0" smtClean="0"/>
+                <a:t>WBS</a:t>
+              </a:r>
+              <a:endParaRPr lang="he-IL" sz="1400" dirty="0"/>
+            </a:p>
+          </p:txBody>
+        </p:sp>
+        <p:sp>
+          <p:nvSpPr>
+            <p:cNvPr id="15" name="TextBox 14"/>
+            <p:cNvSpPr txBox="1"/>
+            <p:nvPr/>
+          </p:nvSpPr>
+          <p:spPr>
+            <a:xfrm>
+              <a:off x="6020816" y="2226400"/>
+              <a:ext cx="766064" cy="271208"/>
+            </a:xfrm>
+            <a:prstGeom prst="rect">
+              <a:avLst/>
+            </a:prstGeom>
+          </p:spPr>
+          <p:style>
+            <a:lnRef idx="0">
+              <a:schemeClr val="dk1"/>
+            </a:lnRef>
+            <a:fillRef idx="3">
+              <a:schemeClr val="dk1"/>
+            </a:fillRef>
+            <a:effectRef idx="3">
+              <a:schemeClr val="dk1"/>
+            </a:effectRef>
+            <a:fontRef idx="minor">
+              <a:schemeClr val="lt1"/>
+            </a:fontRef>
+          </p:style>
+          <p:txBody>
+            <a:bodyPr wrap="square" rtlCol="1">
+              <a:spAutoFit/>
+            </a:bodyPr>
+            <a:lstStyle/>
+            <a:p>
+              <a:pPr algn="ctr"/>
+              <a:r>
+                <a:rPr lang="en-US" sz="1400" dirty="0" smtClean="0"/>
+                <a:t>WBM</a:t>
+              </a:r>
+              <a:endParaRPr lang="he-IL" sz="1400" dirty="0"/>
+            </a:p>
+          </p:txBody>
+        </p:sp>
+        <p:cxnSp>
+          <p:nvCxnSpPr>
+            <p:cNvPr id="16" name="Elbow Connector 140"/>
+            <p:cNvCxnSpPr>
+              <a:endCxn id="8" idx="1"/>
+            </p:cNvCxnSpPr>
+            <p:nvPr/>
+          </p:nvCxnSpPr>
+          <p:spPr>
+            <a:xfrm flipH="1">
+              <a:off x="304800" y="1691325"/>
+              <a:ext cx="8485632" cy="312731"/>
+            </a:xfrm>
+            <a:prstGeom prst="bentConnector5">
+              <a:avLst>
+                <a:gd name="adj1" fmla="val -2222"/>
+                <a:gd name="adj2" fmla="val -191753"/>
+                <a:gd name="adj3" fmla="val 103070"/>
+              </a:avLst>
+            </a:prstGeom>
+            <a:ln>
+              <a:tailEnd type="arrow"/>
+            </a:ln>
+          </p:spPr>
+          <p:style>
+            <a:lnRef idx="2">
+              <a:schemeClr val="accent1"/>
+            </a:lnRef>
+            <a:fillRef idx="0">
+              <a:schemeClr val="accent1"/>
+            </a:fillRef>
+            <a:effectRef idx="1">
+              <a:schemeClr val="accent1"/>
+            </a:effectRef>
+            <a:fontRef idx="minor">
+              <a:schemeClr val="tx1"/>
+            </a:fontRef>
+          </p:style>
+        </p:cxnSp>
+        <p:sp>
+          <p:nvSpPr>
+            <p:cNvPr id="17" name="TextBox 16"/>
+            <p:cNvSpPr txBox="1"/>
+            <p:nvPr/>
+          </p:nvSpPr>
+          <p:spPr>
+            <a:xfrm>
+              <a:off x="2720847" y="2206993"/>
+              <a:ext cx="766064" cy="271208"/>
+            </a:xfrm>
+            <a:prstGeom prst="rect">
+              <a:avLst/>
+            </a:prstGeom>
+          </p:spPr>
+          <p:style>
+            <a:lnRef idx="0">
+              <a:schemeClr val="dk1"/>
+            </a:lnRef>
+            <a:fillRef idx="3">
+              <a:schemeClr val="dk1"/>
+            </a:fillRef>
+            <a:effectRef idx="3">
+              <a:schemeClr val="dk1"/>
+            </a:effectRef>
+            <a:fontRef idx="minor">
+              <a:schemeClr val="lt1"/>
+            </a:fontRef>
+          </p:style>
+          <p:txBody>
+            <a:bodyPr wrap="square" rtlCol="1">
+              <a:spAutoFit/>
+            </a:bodyPr>
+            <a:lstStyle/>
+            <a:p>
+              <a:pPr algn="ctr"/>
+              <a:r>
+                <a:rPr lang="en-US" sz="1400" dirty="0" smtClean="0"/>
+                <a:t>WBM</a:t>
+              </a:r>
+              <a:endParaRPr lang="he-IL" sz="1400" dirty="0"/>
+            </a:p>
+          </p:txBody>
+        </p:sp>
+        <p:sp>
+          <p:nvSpPr>
+            <p:cNvPr id="18" name="TextBox 17"/>
+            <p:cNvSpPr txBox="1"/>
+            <p:nvPr/>
+          </p:nvSpPr>
+          <p:spPr>
+            <a:xfrm rot="16200000">
+              <a:off x="5385013" y="1690287"/>
+              <a:ext cx="818351" cy="253880"/>
+            </a:xfrm>
+            <a:prstGeom prst="rect">
+              <a:avLst/>
+            </a:prstGeom>
+            <a:ln/>
+          </p:spPr>
+          <p:style>
+            <a:lnRef idx="0">
+              <a:schemeClr val="accent1"/>
+            </a:lnRef>
+            <a:fillRef idx="3">
+              <a:schemeClr val="accent1"/>
+            </a:fillRef>
+            <a:effectRef idx="3">
+              <a:schemeClr val="accent1"/>
+            </a:effectRef>
+            <a:fontRef idx="minor">
+              <a:schemeClr val="lt1"/>
+            </a:fontRef>
+          </p:style>
+          <p:txBody>
+            <a:bodyPr wrap="square" rtlCol="1">
+              <a:spAutoFit/>
+            </a:bodyPr>
+            <a:lstStyle/>
+            <a:p>
+              <a:pPr algn="ctr"/>
+              <a:r>
+                <a:rPr lang="en-US" sz="1400" dirty="0" smtClean="0"/>
+                <a:t>WBS</a:t>
+              </a:r>
+              <a:endParaRPr lang="he-IL" sz="1400" dirty="0"/>
+            </a:p>
+          </p:txBody>
+        </p:sp>
+        <p:cxnSp>
+          <p:nvCxnSpPr>
+            <p:cNvPr id="19" name="Elbow Connector 18"/>
+            <p:cNvCxnSpPr>
+              <a:stCxn id="18" idx="0"/>
+            </p:cNvCxnSpPr>
+            <p:nvPr/>
+          </p:nvCxnSpPr>
+          <p:spPr>
+            <a:xfrm rot="10800000" flipV="1">
+              <a:off x="4676283" y="1817225"/>
+              <a:ext cx="990967" cy="912776"/>
+            </a:xfrm>
+            <a:prstGeom prst="bentConnector2">
+              <a:avLst/>
+            </a:prstGeom>
+            <a:ln>
+              <a:headEnd type="arrow"/>
+              <a:tailEnd type="arrow"/>
+            </a:ln>
+          </p:spPr>
+          <p:style>
+            <a:lnRef idx="2">
+              <a:schemeClr val="dk1"/>
+            </a:lnRef>
+            <a:fillRef idx="0">
+              <a:schemeClr val="dk1"/>
+            </a:fillRef>
+            <a:effectRef idx="1">
+              <a:schemeClr val="dk1"/>
+            </a:effectRef>
+            <a:fontRef idx="minor">
+              <a:schemeClr val="tx1"/>
+            </a:fontRef>
+          </p:style>
+        </p:cxnSp>
+        <p:sp>
+          <p:nvSpPr>
+            <p:cNvPr id="20" name="TextBox 19"/>
+            <p:cNvSpPr txBox="1"/>
+            <p:nvPr/>
+          </p:nvSpPr>
+          <p:spPr>
+            <a:xfrm>
+              <a:off x="1868094" y="3296551"/>
+              <a:ext cx="766064" cy="271208"/>
+            </a:xfrm>
+            <a:prstGeom prst="rect">
+              <a:avLst/>
+            </a:prstGeom>
+            <a:ln/>
+          </p:spPr>
+          <p:style>
+            <a:lnRef idx="0">
+              <a:schemeClr val="accent1"/>
+            </a:lnRef>
+            <a:fillRef idx="3">
+              <a:schemeClr val="accent1"/>
+            </a:fillRef>
+            <a:effectRef idx="3">
+              <a:schemeClr val="accent1"/>
+            </a:effectRef>
+            <a:fontRef idx="minor">
+              <a:schemeClr val="lt1"/>
+            </a:fontRef>
+          </p:style>
+          <p:txBody>
+            <a:bodyPr wrap="square" rtlCol="1">
+              <a:spAutoFit/>
+            </a:bodyPr>
+            <a:lstStyle/>
+            <a:p>
+              <a:pPr algn="ctr" rtl="0"/>
+              <a:r>
+                <a:rPr lang="en-US" sz="1400" dirty="0" smtClean="0"/>
+                <a:t>WBS</a:t>
+              </a:r>
+              <a:endParaRPr lang="he-IL" sz="1400" dirty="0"/>
+            </a:p>
+          </p:txBody>
+        </p:sp>
+        <p:cxnSp>
+          <p:nvCxnSpPr>
+            <p:cNvPr id="23" name="Elbow Connector 133"/>
+            <p:cNvCxnSpPr>
+              <a:stCxn id="22" idx="0"/>
+              <a:endCxn id="50" idx="3"/>
+            </p:cNvCxnSpPr>
+            <p:nvPr/>
+          </p:nvCxnSpPr>
+          <p:spPr>
+            <a:xfrm rot="16200000" flipV="1">
+              <a:off x="5898708" y="2353958"/>
+              <a:ext cx="391178" cy="1830038"/>
+            </a:xfrm>
+            <a:prstGeom prst="bentConnector2">
+              <a:avLst/>
+            </a:prstGeom>
+            <a:ln>
+              <a:headEnd type="arrow"/>
+              <a:tailEnd type="arrow"/>
+            </a:ln>
+          </p:spPr>
+          <p:style>
+            <a:lnRef idx="2">
+              <a:schemeClr val="dk1"/>
+            </a:lnRef>
+            <a:fillRef idx="0">
+              <a:schemeClr val="dk1"/>
+            </a:fillRef>
+            <a:effectRef idx="1">
+              <a:schemeClr val="dk1"/>
+            </a:effectRef>
+            <a:fontRef idx="minor">
+              <a:schemeClr val="tx1"/>
+            </a:fontRef>
+          </p:style>
+        </p:cxnSp>
+        <p:sp>
+          <p:nvSpPr>
+            <p:cNvPr id="25" name="TextBox 7"/>
+            <p:cNvSpPr txBox="1"/>
+            <p:nvPr/>
+          </p:nvSpPr>
+          <p:spPr>
+            <a:xfrm>
+              <a:off x="363728" y="2352302"/>
+              <a:ext cx="599907" cy="437309"/>
+            </a:xfrm>
+            <a:prstGeom prst="rect">
+              <a:avLst/>
+            </a:prstGeom>
+            <a:noFill/>
+          </p:spPr>
+          <p:txBody>
+            <a:bodyPr wrap="square" rtlCol="1">
+              <a:spAutoFit/>
+            </a:bodyPr>
+            <a:lstStyle>
+              <a:defPPr>
+                <a:defRPr lang="he-IL"/>
+              </a:defPPr>
+              <a:lvl1pPr marL="0" algn="r" defTabSz="914400" rtl="1" eaLnBrk="1" latinLnBrk="0" hangingPunct="1">
+                <a:defRPr sz="1800" kern="1200">
+                  <a:solidFill>
+                    <a:schemeClr val="tx1"/>
+                  </a:solidFill>
+                  <a:latin typeface="+mn-lt"/>
+                  <a:ea typeface="+mn-ea"/>
+                  <a:cs typeface="+mn-cs"/>
+                </a:defRPr>
+              </a:lvl1pPr>
+              <a:lvl2pPr marL="457200" algn="r" defTabSz="914400" rtl="1" eaLnBrk="1" latinLnBrk="0" hangingPunct="1">
+                <a:defRPr sz="1800" kern="1200">
+                  <a:solidFill>
+                    <a:schemeClr val="tx1"/>
+                  </a:solidFill>
+                  <a:latin typeface="+mn-lt"/>
+                  <a:ea typeface="+mn-ea"/>
+                  <a:cs typeface="+mn-cs"/>
+                </a:defRPr>
+              </a:lvl2pPr>
+              <a:lvl3pPr marL="914400" algn="r" defTabSz="914400" rtl="1" eaLnBrk="1" latinLnBrk="0" hangingPunct="1">
+                <a:defRPr sz="1800" kern="1200">
+                  <a:solidFill>
+                    <a:schemeClr val="tx1"/>
+                  </a:solidFill>
+                  <a:latin typeface="+mn-lt"/>
+                  <a:ea typeface="+mn-ea"/>
+                  <a:cs typeface="+mn-cs"/>
+                </a:defRPr>
+              </a:lvl3pPr>
+              <a:lvl4pPr marL="1371600" algn="r" defTabSz="914400" rtl="1" eaLnBrk="1" latinLnBrk="0" hangingPunct="1">
+                <a:defRPr sz="1800" kern="1200">
+                  <a:solidFill>
+                    <a:schemeClr val="tx1"/>
+                  </a:solidFill>
+                  <a:latin typeface="+mn-lt"/>
+                  <a:ea typeface="+mn-ea"/>
+                  <a:cs typeface="+mn-cs"/>
+                </a:defRPr>
+              </a:lvl4pPr>
+              <a:lvl5pPr marL="1828800" algn="r" defTabSz="914400" rtl="1" eaLnBrk="1" latinLnBrk="0" hangingPunct="1">
+                <a:defRPr sz="1800" kern="1200">
+                  <a:solidFill>
+                    <a:schemeClr val="tx1"/>
+                  </a:solidFill>
+                  <a:latin typeface="+mn-lt"/>
+                  <a:ea typeface="+mn-ea"/>
+                  <a:cs typeface="+mn-cs"/>
+                </a:defRPr>
+              </a:lvl5pPr>
+              <a:lvl6pPr marL="2286000" algn="r" defTabSz="914400" rtl="1" eaLnBrk="1" latinLnBrk="0" hangingPunct="1">
+                <a:defRPr sz="1800" kern="1200">
+                  <a:solidFill>
+                    <a:schemeClr val="tx1"/>
+                  </a:solidFill>
+                  <a:latin typeface="+mn-lt"/>
+                  <a:ea typeface="+mn-ea"/>
+                  <a:cs typeface="+mn-cs"/>
+                </a:defRPr>
+              </a:lvl6pPr>
+              <a:lvl7pPr marL="2743200" algn="r" defTabSz="914400" rtl="1" eaLnBrk="1" latinLnBrk="0" hangingPunct="1">
+                <a:defRPr sz="1800" kern="1200">
+                  <a:solidFill>
+                    <a:schemeClr val="tx1"/>
+                  </a:solidFill>
+                  <a:latin typeface="+mn-lt"/>
+                  <a:ea typeface="+mn-ea"/>
+                  <a:cs typeface="+mn-cs"/>
+                </a:defRPr>
+              </a:lvl7pPr>
+              <a:lvl8pPr marL="3200400" algn="r" defTabSz="914400" rtl="1" eaLnBrk="1" latinLnBrk="0" hangingPunct="1">
+                <a:defRPr sz="1800" kern="1200">
+                  <a:solidFill>
+                    <a:schemeClr val="tx1"/>
+                  </a:solidFill>
+                  <a:latin typeface="+mn-lt"/>
+                  <a:ea typeface="+mn-ea"/>
+                  <a:cs typeface="+mn-cs"/>
+                </a:defRPr>
+              </a:lvl8pPr>
+              <a:lvl9pPr marL="3657600" algn="r" defTabSz="914400" rtl="1" eaLnBrk="1" latinLnBrk="0" hangingPunct="1">
+                <a:defRPr sz="1800" kern="1200">
+                  <a:solidFill>
+                    <a:schemeClr val="tx1"/>
+                  </a:solidFill>
+                  <a:latin typeface="+mn-lt"/>
+                  <a:ea typeface="+mn-ea"/>
+                  <a:cs typeface="+mn-cs"/>
+                </a:defRPr>
+              </a:lvl9pPr>
+            </a:lstStyle>
+            <a:p>
+              <a:pPr algn="ctr" rtl="0"/>
+              <a:r>
+                <a:rPr lang="en-US" sz="700" dirty="0" smtClean="0"/>
+                <a:t>Host</a:t>
+              </a:r>
+            </a:p>
+            <a:p>
+              <a:pPr algn="ctr" rtl="0"/>
+              <a:r>
+                <a:rPr lang="en-US" sz="700" dirty="0" smtClean="0"/>
+                <a:t>(</a:t>
+              </a:r>
+              <a:r>
+                <a:rPr lang="en-US" sz="700" dirty="0" err="1" smtClean="0"/>
+                <a:t>Matlab</a:t>
+              </a:r>
+              <a:r>
+                <a:rPr lang="en-US" sz="700" dirty="0" smtClean="0"/>
+                <a:t>)</a:t>
+              </a:r>
+              <a:endParaRPr lang="he-IL" sz="700" dirty="0"/>
+            </a:p>
+          </p:txBody>
+        </p:sp>
+        <p:cxnSp>
+          <p:nvCxnSpPr>
+            <p:cNvPr id="26" name="Elbow Connector 25"/>
+            <p:cNvCxnSpPr>
+              <a:stCxn id="21" idx="3"/>
+              <a:endCxn id="28" idx="1"/>
+            </p:cNvCxnSpPr>
+            <p:nvPr/>
+          </p:nvCxnSpPr>
+          <p:spPr>
+            <a:xfrm flipH="1">
+              <a:off x="8554276" y="4239375"/>
+              <a:ext cx="134488" cy="2026200"/>
+            </a:xfrm>
+            <a:prstGeom prst="bentConnector5">
+              <a:avLst>
+                <a:gd name="adj1" fmla="val -169978"/>
+                <a:gd name="adj2" fmla="val 56069"/>
+                <a:gd name="adj3" fmla="val 269978"/>
+              </a:avLst>
+            </a:prstGeom>
+            <a:ln>
+              <a:tailEnd type="arrow"/>
+            </a:ln>
+          </p:spPr>
+          <p:style>
+            <a:lnRef idx="2">
+              <a:schemeClr val="accent4"/>
+            </a:lnRef>
+            <a:fillRef idx="0">
+              <a:schemeClr val="accent4"/>
+            </a:fillRef>
+            <a:effectRef idx="1">
+              <a:schemeClr val="accent4"/>
+            </a:effectRef>
+            <a:fontRef idx="minor">
+              <a:schemeClr val="tx1"/>
+            </a:fontRef>
+          </p:style>
+        </p:cxnSp>
+        <p:grpSp>
+          <p:nvGrpSpPr>
+            <p:cNvPr id="27" name="Group 181"/>
+            <p:cNvGrpSpPr/>
+            <p:nvPr/>
+          </p:nvGrpSpPr>
+          <p:grpSpPr>
+            <a:xfrm>
+              <a:off x="8377936" y="5499803"/>
+              <a:ext cx="766064" cy="1086372"/>
+              <a:chOff x="8143900" y="5000636"/>
+              <a:chExt cx="928694" cy="1232854"/>
+            </a:xfrm>
+          </p:grpSpPr>
+          <p:pic>
+            <p:nvPicPr>
+              <p:cNvPr id="28" name="Picture 27" descr="MC900391480.WMF"/>
+              <p:cNvPicPr>
+                <a:picLocks noChangeAspect="1"/>
+              </p:cNvPicPr>
+              <p:nvPr/>
+            </p:nvPicPr>
+            <p:blipFill>
+              <a:blip r:embed="rId4" cstate="print"/>
+              <a:stretch>
+                <a:fillRect/>
+              </a:stretch>
+            </p:blipFill>
+            <p:spPr>
+              <a:xfrm>
+                <a:off x="8357676" y="5505832"/>
+                <a:ext cx="605464" cy="727658"/>
+              </a:xfrm>
+              <a:prstGeom prst="rect">
+                <a:avLst/>
+              </a:prstGeom>
+            </p:spPr>
+          </p:pic>
+          <p:sp>
+            <p:nvSpPr>
+              <p:cNvPr id="29" name="TextBox 4"/>
+              <p:cNvSpPr txBox="1"/>
+              <p:nvPr/>
+            </p:nvSpPr>
+            <p:spPr>
+              <a:xfrm>
+                <a:off x="8143900" y="5000636"/>
+                <a:ext cx="928694" cy="669967"/>
+              </a:xfrm>
+              <a:prstGeom prst="rect">
+                <a:avLst/>
+              </a:prstGeom>
+              <a:noFill/>
+            </p:spPr>
+            <p:txBody>
+              <a:bodyPr wrap="square" rtlCol="1">
+                <a:spAutoFit/>
+              </a:bodyPr>
+              <a:lstStyle>
+                <a:defPPr>
+                  <a:defRPr lang="he-IL"/>
+                </a:defPPr>
+                <a:lvl1pPr marL="0" algn="r" defTabSz="914400" rtl="1" eaLnBrk="1" latinLnBrk="0" hangingPunct="1">
+                  <a:defRPr sz="1800" kern="1200">
+                    <a:solidFill>
+                      <a:schemeClr val="tx1"/>
+                    </a:solidFill>
+                    <a:latin typeface="+mn-lt"/>
+                    <a:ea typeface="+mn-ea"/>
+                    <a:cs typeface="+mn-cs"/>
+                  </a:defRPr>
+                </a:lvl1pPr>
+                <a:lvl2pPr marL="457200" algn="r" defTabSz="914400" rtl="1" eaLnBrk="1" latinLnBrk="0" hangingPunct="1">
+                  <a:defRPr sz="1800" kern="1200">
+                    <a:solidFill>
+                      <a:schemeClr val="tx1"/>
+                    </a:solidFill>
+                    <a:latin typeface="+mn-lt"/>
+                    <a:ea typeface="+mn-ea"/>
+                    <a:cs typeface="+mn-cs"/>
+                  </a:defRPr>
+                </a:lvl2pPr>
+                <a:lvl3pPr marL="914400" algn="r" defTabSz="914400" rtl="1" eaLnBrk="1" latinLnBrk="0" hangingPunct="1">
+                  <a:defRPr sz="1800" kern="1200">
+                    <a:solidFill>
+                      <a:schemeClr val="tx1"/>
+                    </a:solidFill>
+                    <a:latin typeface="+mn-lt"/>
+                    <a:ea typeface="+mn-ea"/>
+                    <a:cs typeface="+mn-cs"/>
+                  </a:defRPr>
+                </a:lvl3pPr>
+                <a:lvl4pPr marL="1371600" algn="r" defTabSz="914400" rtl="1" eaLnBrk="1" latinLnBrk="0" hangingPunct="1">
+                  <a:defRPr sz="1800" kern="1200">
+                    <a:solidFill>
+                      <a:schemeClr val="tx1"/>
+                    </a:solidFill>
+                    <a:latin typeface="+mn-lt"/>
+                    <a:ea typeface="+mn-ea"/>
+                    <a:cs typeface="+mn-cs"/>
+                  </a:defRPr>
+                </a:lvl4pPr>
+                <a:lvl5pPr marL="1828800" algn="r" defTabSz="914400" rtl="1" eaLnBrk="1" latinLnBrk="0" hangingPunct="1">
+                  <a:defRPr sz="1800" kern="1200">
+                    <a:solidFill>
+                      <a:schemeClr val="tx1"/>
+                    </a:solidFill>
+                    <a:latin typeface="+mn-lt"/>
+                    <a:ea typeface="+mn-ea"/>
+                    <a:cs typeface="+mn-cs"/>
+                  </a:defRPr>
+                </a:lvl5pPr>
+                <a:lvl6pPr marL="2286000" algn="r" defTabSz="914400" rtl="1" eaLnBrk="1" latinLnBrk="0" hangingPunct="1">
+                  <a:defRPr sz="1800" kern="1200">
+                    <a:solidFill>
+                      <a:schemeClr val="tx1"/>
+                    </a:solidFill>
+                    <a:latin typeface="+mn-lt"/>
+                    <a:ea typeface="+mn-ea"/>
+                    <a:cs typeface="+mn-cs"/>
+                  </a:defRPr>
+                </a:lvl6pPr>
+                <a:lvl7pPr marL="2743200" algn="r" defTabSz="914400" rtl="1" eaLnBrk="1" latinLnBrk="0" hangingPunct="1">
+                  <a:defRPr sz="1800" kern="1200">
+                    <a:solidFill>
+                      <a:schemeClr val="tx1"/>
+                    </a:solidFill>
+                    <a:latin typeface="+mn-lt"/>
+                    <a:ea typeface="+mn-ea"/>
+                    <a:cs typeface="+mn-cs"/>
+                  </a:defRPr>
+                </a:lvl7pPr>
+                <a:lvl8pPr marL="3200400" algn="r" defTabSz="914400" rtl="1" eaLnBrk="1" latinLnBrk="0" hangingPunct="1">
+                  <a:defRPr sz="1800" kern="1200">
+                    <a:solidFill>
+                      <a:schemeClr val="tx1"/>
+                    </a:solidFill>
+                    <a:latin typeface="+mn-lt"/>
+                    <a:ea typeface="+mn-ea"/>
+                    <a:cs typeface="+mn-cs"/>
+                  </a:defRPr>
+                </a:lvl8pPr>
+                <a:lvl9pPr marL="3657600" algn="r" defTabSz="914400" rtl="1" eaLnBrk="1" latinLnBrk="0" hangingPunct="1">
+                  <a:defRPr sz="1800" kern="1200">
+                    <a:solidFill>
+                      <a:schemeClr val="tx1"/>
+                    </a:solidFill>
+                    <a:latin typeface="+mn-lt"/>
+                    <a:ea typeface="+mn-ea"/>
+                    <a:cs typeface="+mn-cs"/>
+                  </a:defRPr>
+                </a:lvl9pPr>
+              </a:lstStyle>
+              <a:p>
+                <a:pPr algn="ctr" rtl="0"/>
+                <a:r>
+                  <a:rPr lang="en-US" sz="1000" dirty="0" smtClean="0"/>
+                  <a:t>VGA</a:t>
+                </a:r>
+              </a:p>
+              <a:p>
+                <a:pPr algn="ctr" rtl="0"/>
+                <a:r>
+                  <a:rPr lang="en-US" sz="1000" dirty="0" smtClean="0"/>
+                  <a:t> Display</a:t>
+                </a:r>
+                <a:endParaRPr lang="he-IL" sz="1000" dirty="0"/>
+              </a:p>
+            </p:txBody>
+          </p:sp>
+        </p:grpSp>
+        <p:pic>
+          <p:nvPicPr>
+            <p:cNvPr id="30" name="תמונה 21" descr="memory_chip_3.jpg"/>
             <p:cNvPicPr>
               <a:picLocks noChangeAspect="1"/>
             </p:cNvPicPr>
             <p:nvPr/>
           </p:nvPicPr>
           <p:blipFill>
-            <a:blip r:embed="rId4" cstate="print"/>
+            <a:blip r:embed="rId5" cstate="print">
+              <a:lum bright="5000"/>
+            </a:blip>
             <a:stretch>
               <a:fillRect/>
             </a:stretch>
           </p:blipFill>
           <p:spPr>
             <a:xfrm>
-              <a:off x="8357676" y="5505832"/>
-              <a:ext cx="605464" cy="727658"/>
+              <a:off x="857224" y="5715016"/>
+              <a:ext cx="944550" cy="729113"/>
             </a:xfrm>
             <a:prstGeom prst="rect">
               <a:avLst/>
@@ -15817,14 +17243,14 @@
         </p:pic>
         <p:sp>
           <p:nvSpPr>
-            <p:cNvPr id="29" name="TextBox 4"/>
+            <p:cNvPr id="31" name="TextBox 30"/>
             <p:cNvSpPr txBox="1"/>
             <p:nvPr/>
           </p:nvSpPr>
           <p:spPr>
             <a:xfrm>
-              <a:off x="8143900" y="5000636"/>
-              <a:ext cx="928694" cy="669967"/>
+              <a:off x="285720" y="5643578"/>
+              <a:ext cx="1002841" cy="568500"/>
             </a:xfrm>
             <a:prstGeom prst="rect">
               <a:avLst/>
@@ -15934,552 +17360,241 @@
               <a:pPr algn="ctr" rtl="0"/>
               <a:r>
                 <a:rPr lang="en-US" sz="1000" dirty="0" smtClean="0"/>
-                <a:t>VGA</a:t>
-              </a:r>
-            </a:p>
-            <a:p>
-              <a:pPr algn="ctr" rtl="0"/>
-              <a:r>
-                <a:rPr lang="en-US" sz="1000" dirty="0" smtClean="0"/>
-                <a:t> Display</a:t>
+                <a:t>IS42S16400 SDRAM</a:t>
               </a:r>
               <a:endParaRPr lang="he-IL" sz="1000" dirty="0"/>
             </a:p>
           </p:txBody>
         </p:sp>
-      </p:grpSp>
-      <p:pic>
-        <p:nvPicPr>
-          <p:cNvPr id="30" name="תמונה 21" descr="memory_chip_3.jpg"/>
-          <p:cNvPicPr>
-            <a:picLocks noChangeAspect="1"/>
-          </p:cNvPicPr>
-          <p:nvPr/>
-        </p:nvPicPr>
-        <p:blipFill>
-          <a:blip r:embed="rId5" cstate="print">
-            <a:lum bright="5000"/>
-          </a:blip>
-          <a:stretch>
-            <a:fillRect/>
-          </a:stretch>
-        </p:blipFill>
-        <p:spPr>
-          <a:xfrm>
-            <a:off x="857224" y="5715016"/>
-            <a:ext cx="944550" cy="729113"/>
-          </a:xfrm>
-          <a:prstGeom prst="rect">
-            <a:avLst/>
-          </a:prstGeom>
-        </p:spPr>
-      </p:pic>
-      <p:sp>
-        <p:nvSpPr>
-          <p:cNvPr id="31" name="TextBox 30"/>
-          <p:cNvSpPr txBox="1"/>
-          <p:nvPr/>
-        </p:nvSpPr>
-        <p:spPr>
-          <a:xfrm>
-            <a:off x="285720" y="5643578"/>
-            <a:ext cx="1002841" cy="568500"/>
-          </a:xfrm>
-          <a:prstGeom prst="rect">
-            <a:avLst/>
-          </a:prstGeom>
-          <a:noFill/>
-        </p:spPr>
-        <p:txBody>
-          <a:bodyPr wrap="square" rtlCol="1">
-            <a:spAutoFit/>
-          </a:bodyPr>
-          <a:lstStyle>
-            <a:defPPr>
-              <a:defRPr lang="he-IL"/>
-            </a:defPPr>
-            <a:lvl1pPr marL="0" algn="r" defTabSz="914400" rtl="1" eaLnBrk="1" latinLnBrk="0" hangingPunct="1">
-              <a:defRPr sz="1800" kern="1200">
-                <a:solidFill>
-                  <a:schemeClr val="tx1"/>
-                </a:solidFill>
-                <a:latin typeface="+mn-lt"/>
-                <a:ea typeface="+mn-ea"/>
-                <a:cs typeface="+mn-cs"/>
-              </a:defRPr>
-            </a:lvl1pPr>
-            <a:lvl2pPr marL="457200" algn="r" defTabSz="914400" rtl="1" eaLnBrk="1" latinLnBrk="0" hangingPunct="1">
-              <a:defRPr sz="1800" kern="1200">
-                <a:solidFill>
-                  <a:schemeClr val="tx1"/>
-                </a:solidFill>
-                <a:latin typeface="+mn-lt"/>
-                <a:ea typeface="+mn-ea"/>
-                <a:cs typeface="+mn-cs"/>
-              </a:defRPr>
-            </a:lvl2pPr>
-            <a:lvl3pPr marL="914400" algn="r" defTabSz="914400" rtl="1" eaLnBrk="1" latinLnBrk="0" hangingPunct="1">
-              <a:defRPr sz="1800" kern="1200">
-                <a:solidFill>
-                  <a:schemeClr val="tx1"/>
-                </a:solidFill>
-                <a:latin typeface="+mn-lt"/>
-                <a:ea typeface="+mn-ea"/>
-                <a:cs typeface="+mn-cs"/>
-              </a:defRPr>
-            </a:lvl3pPr>
-            <a:lvl4pPr marL="1371600" algn="r" defTabSz="914400" rtl="1" eaLnBrk="1" latinLnBrk="0" hangingPunct="1">
-              <a:defRPr sz="1800" kern="1200">
-                <a:solidFill>
-                  <a:schemeClr val="tx1"/>
-                </a:solidFill>
-                <a:latin typeface="+mn-lt"/>
-                <a:ea typeface="+mn-ea"/>
-                <a:cs typeface="+mn-cs"/>
-              </a:defRPr>
-            </a:lvl4pPr>
-            <a:lvl5pPr marL="1828800" algn="r" defTabSz="914400" rtl="1" eaLnBrk="1" latinLnBrk="0" hangingPunct="1">
-              <a:defRPr sz="1800" kern="1200">
-                <a:solidFill>
-                  <a:schemeClr val="tx1"/>
-                </a:solidFill>
-                <a:latin typeface="+mn-lt"/>
-                <a:ea typeface="+mn-ea"/>
-                <a:cs typeface="+mn-cs"/>
-              </a:defRPr>
-            </a:lvl5pPr>
-            <a:lvl6pPr marL="2286000" algn="r" defTabSz="914400" rtl="1" eaLnBrk="1" latinLnBrk="0" hangingPunct="1">
-              <a:defRPr sz="1800" kern="1200">
-                <a:solidFill>
-                  <a:schemeClr val="tx1"/>
-                </a:solidFill>
-                <a:latin typeface="+mn-lt"/>
-                <a:ea typeface="+mn-ea"/>
-                <a:cs typeface="+mn-cs"/>
-              </a:defRPr>
-            </a:lvl6pPr>
-            <a:lvl7pPr marL="2743200" algn="r" defTabSz="914400" rtl="1" eaLnBrk="1" latinLnBrk="0" hangingPunct="1">
-              <a:defRPr sz="1800" kern="1200">
-                <a:solidFill>
-                  <a:schemeClr val="tx1"/>
-                </a:solidFill>
-                <a:latin typeface="+mn-lt"/>
-                <a:ea typeface="+mn-ea"/>
-                <a:cs typeface="+mn-cs"/>
-              </a:defRPr>
-            </a:lvl7pPr>
-            <a:lvl8pPr marL="3200400" algn="r" defTabSz="914400" rtl="1" eaLnBrk="1" latinLnBrk="0" hangingPunct="1">
-              <a:defRPr sz="1800" kern="1200">
-                <a:solidFill>
-                  <a:schemeClr val="tx1"/>
-                </a:solidFill>
-                <a:latin typeface="+mn-lt"/>
-                <a:ea typeface="+mn-ea"/>
-                <a:cs typeface="+mn-cs"/>
-              </a:defRPr>
-            </a:lvl8pPr>
-            <a:lvl9pPr marL="3657600" algn="r" defTabSz="914400" rtl="1" eaLnBrk="1" latinLnBrk="0" hangingPunct="1">
-              <a:defRPr sz="1800" kern="1200">
-                <a:solidFill>
-                  <a:schemeClr val="tx1"/>
-                </a:solidFill>
-                <a:latin typeface="+mn-lt"/>
-                <a:ea typeface="+mn-ea"/>
-                <a:cs typeface="+mn-cs"/>
-              </a:defRPr>
-            </a:lvl9pPr>
-          </a:lstStyle>
-          <a:p>
-            <a:pPr algn="ctr" rtl="0"/>
-            <a:r>
-              <a:rPr lang="en-US" sz="1000" dirty="0" smtClean="0"/>
-              <a:t>IS42S16400 SDRAM</a:t>
-            </a:r>
-            <a:endParaRPr lang="he-IL" sz="1000" dirty="0"/>
-          </a:p>
-        </p:txBody>
-      </p:sp>
-      <p:cxnSp>
-        <p:nvCxnSpPr>
-          <p:cNvPr id="32" name="Elbow Connector 31"/>
-          <p:cNvCxnSpPr>
-            <a:stCxn id="7" idx="1"/>
-            <a:endCxn id="30" idx="3"/>
-          </p:cNvCxnSpPr>
-          <p:nvPr/>
-        </p:nvCxnSpPr>
-        <p:spPr>
-          <a:xfrm rot="10800000">
-            <a:off x="1801774" y="6079574"/>
-            <a:ext cx="565506" cy="207107"/>
-          </a:xfrm>
-          <a:prstGeom prst="bentConnector3">
-            <a:avLst>
-              <a:gd name="adj1" fmla="val 50000"/>
-            </a:avLst>
-          </a:prstGeom>
-          <a:ln>
-            <a:headEnd type="arrow"/>
-            <a:tailEnd type="arrow"/>
-          </a:ln>
-        </p:spPr>
-        <p:style>
-          <a:lnRef idx="2">
-            <a:schemeClr val="dk1"/>
-          </a:lnRef>
-          <a:fillRef idx="0">
-            <a:schemeClr val="dk1"/>
-          </a:fillRef>
-          <a:effectRef idx="1">
-            <a:schemeClr val="dk1"/>
-          </a:effectRef>
-          <a:fontRef idx="minor">
-            <a:schemeClr val="tx1"/>
-          </a:fontRef>
-        </p:style>
-      </p:cxnSp>
-      <p:cxnSp>
-        <p:nvCxnSpPr>
-          <p:cNvPr id="33" name="Elbow Connector 133"/>
-          <p:cNvCxnSpPr>
-            <a:stCxn id="39" idx="0"/>
-          </p:cNvCxnSpPr>
-          <p:nvPr/>
-        </p:nvCxnSpPr>
-        <p:spPr>
-          <a:xfrm rot="10800000">
-            <a:off x="5112874" y="3464566"/>
-            <a:ext cx="661470" cy="743334"/>
-          </a:xfrm>
-          <a:prstGeom prst="bentConnector2">
-            <a:avLst/>
-          </a:prstGeom>
-          <a:ln>
-            <a:headEnd type="arrow"/>
-            <a:tailEnd type="arrow"/>
-          </a:ln>
-        </p:spPr>
-        <p:style>
-          <a:lnRef idx="2">
-            <a:schemeClr val="dk1"/>
-          </a:lnRef>
-          <a:fillRef idx="0">
-            <a:schemeClr val="dk1"/>
-          </a:fillRef>
-          <a:effectRef idx="1">
-            <a:schemeClr val="dk1"/>
-          </a:effectRef>
-          <a:fontRef idx="minor">
-            <a:schemeClr val="tx1"/>
-          </a:fontRef>
-        </p:style>
-      </p:cxnSp>
-      <p:cxnSp>
-        <p:nvCxnSpPr>
-          <p:cNvPr id="34" name="Elbow Connector 41"/>
-          <p:cNvCxnSpPr>
-            <a:stCxn id="17" idx="2"/>
-          </p:cNvCxnSpPr>
-          <p:nvPr/>
-        </p:nvCxnSpPr>
-        <p:spPr>
-          <a:xfrm rot="16200000" flipH="1">
-            <a:off x="3491588" y="2090492"/>
-            <a:ext cx="314750" cy="1090168"/>
-          </a:xfrm>
-          <a:prstGeom prst="bentConnector2">
-            <a:avLst/>
-          </a:prstGeom>
-          <a:ln>
-            <a:headEnd type="arrow"/>
-            <a:tailEnd type="arrow"/>
-          </a:ln>
-        </p:spPr>
-        <p:style>
-          <a:lnRef idx="2">
-            <a:schemeClr val="dk1"/>
-          </a:lnRef>
-          <a:fillRef idx="0">
-            <a:schemeClr val="dk1"/>
-          </a:fillRef>
-          <a:effectRef idx="1">
-            <a:schemeClr val="dk1"/>
-          </a:effectRef>
-          <a:fontRef idx="minor">
-            <a:schemeClr val="tx1"/>
-          </a:fontRef>
-        </p:style>
-      </p:cxnSp>
-      <p:cxnSp>
-        <p:nvCxnSpPr>
-          <p:cNvPr id="35" name="Elbow Connector 41"/>
-          <p:cNvCxnSpPr>
-            <a:stCxn id="20" idx="0"/>
-          </p:cNvCxnSpPr>
-          <p:nvPr/>
-        </p:nvCxnSpPr>
-        <p:spPr>
-          <a:xfrm rot="5400000" flipH="1" flipV="1">
-            <a:off x="3092370" y="2194873"/>
-            <a:ext cx="260435" cy="1942922"/>
-          </a:xfrm>
-          <a:prstGeom prst="bentConnector2">
-            <a:avLst/>
-          </a:prstGeom>
-          <a:ln>
-            <a:headEnd type="arrow"/>
-            <a:tailEnd type="arrow"/>
-          </a:ln>
-        </p:spPr>
-        <p:style>
-          <a:lnRef idx="2">
-            <a:schemeClr val="dk1"/>
-          </a:lnRef>
-          <a:fillRef idx="0">
-            <a:schemeClr val="dk1"/>
-          </a:fillRef>
-          <a:effectRef idx="1">
-            <a:schemeClr val="dk1"/>
-          </a:effectRef>
-          <a:fontRef idx="minor">
-            <a:schemeClr val="tx1"/>
-          </a:fontRef>
-        </p:style>
-      </p:cxnSp>
-      <p:cxnSp>
-        <p:nvCxnSpPr>
-          <p:cNvPr id="36" name="Elbow Connector 41"/>
-          <p:cNvCxnSpPr>
-            <a:stCxn id="14" idx="0"/>
-          </p:cNvCxnSpPr>
-          <p:nvPr/>
-        </p:nvCxnSpPr>
-        <p:spPr>
-          <a:xfrm flipV="1">
-            <a:off x="3771958" y="3410321"/>
-            <a:ext cx="584018" cy="736057"/>
-          </a:xfrm>
-          <a:prstGeom prst="bentConnector2">
-            <a:avLst/>
-          </a:prstGeom>
-          <a:ln>
-            <a:headEnd type="arrow"/>
-            <a:tailEnd type="arrow"/>
-          </a:ln>
-        </p:spPr>
-        <p:style>
-          <a:lnRef idx="2">
-            <a:schemeClr val="dk1"/>
-          </a:lnRef>
-          <a:fillRef idx="0">
-            <a:schemeClr val="dk1"/>
-          </a:fillRef>
-          <a:effectRef idx="1">
-            <a:schemeClr val="dk1"/>
-          </a:effectRef>
-          <a:fontRef idx="minor">
-            <a:schemeClr val="tx1"/>
-          </a:fontRef>
-        </p:style>
-      </p:cxnSp>
-      <p:cxnSp>
-        <p:nvCxnSpPr>
-          <p:cNvPr id="37" name="Elbow Connector 41"/>
-          <p:cNvCxnSpPr>
-            <a:stCxn id="15" idx="2"/>
-          </p:cNvCxnSpPr>
-          <p:nvPr/>
-        </p:nvCxnSpPr>
-        <p:spPr>
-          <a:xfrm rot="5400000">
-            <a:off x="5591227" y="2043279"/>
-            <a:ext cx="358292" cy="1266952"/>
-          </a:xfrm>
-          <a:prstGeom prst="bentConnector2">
-            <a:avLst/>
-          </a:prstGeom>
-          <a:ln>
-            <a:headEnd type="arrow"/>
-            <a:tailEnd type="arrow"/>
-          </a:ln>
-        </p:spPr>
-        <p:style>
-          <a:lnRef idx="2">
-            <a:schemeClr val="dk1"/>
-          </a:lnRef>
-          <a:fillRef idx="0">
-            <a:schemeClr val="dk1"/>
-          </a:fillRef>
-          <a:effectRef idx="1">
-            <a:schemeClr val="dk1"/>
-          </a:effectRef>
-          <a:fontRef idx="minor">
-            <a:schemeClr val="tx1"/>
-          </a:fontRef>
-        </p:style>
-      </p:cxnSp>
-      <p:sp>
-        <p:nvSpPr>
-          <p:cNvPr id="38" name="TextBox 37"/>
-          <p:cNvSpPr txBox="1"/>
-          <p:nvPr/>
-        </p:nvSpPr>
-        <p:spPr>
-          <a:xfrm>
-            <a:off x="1632382" y="4744403"/>
-            <a:ext cx="766064" cy="271208"/>
-          </a:xfrm>
-          <a:prstGeom prst="rect">
-            <a:avLst/>
-          </a:prstGeom>
-        </p:spPr>
-        <p:style>
-          <a:lnRef idx="0">
-            <a:schemeClr val="dk1"/>
-          </a:lnRef>
-          <a:fillRef idx="3">
-            <a:schemeClr val="dk1"/>
-          </a:fillRef>
-          <a:effectRef idx="3">
-            <a:schemeClr val="dk1"/>
-          </a:effectRef>
-          <a:fontRef idx="minor">
-            <a:schemeClr val="lt1"/>
-          </a:fontRef>
-        </p:style>
-        <p:txBody>
-          <a:bodyPr wrap="square" rtlCol="1">
-            <a:spAutoFit/>
-          </a:bodyPr>
-          <a:lstStyle/>
-          <a:p>
-            <a:pPr algn="ctr"/>
-            <a:r>
-              <a:rPr lang="en-US" sz="1400" dirty="0" smtClean="0"/>
-              <a:t>WBM</a:t>
-            </a:r>
-            <a:endParaRPr lang="he-IL" sz="1400" dirty="0"/>
-          </a:p>
-        </p:txBody>
-      </p:sp>
-      <p:grpSp>
-        <p:nvGrpSpPr>
-          <p:cNvPr id="12" name="Group 11"/>
-          <p:cNvGrpSpPr/>
-          <p:nvPr/>
-        </p:nvGrpSpPr>
-        <p:grpSpPr>
-          <a:xfrm>
-            <a:off x="5774344" y="3464566"/>
-            <a:ext cx="2914420" cy="1341359"/>
-            <a:chOff x="5146802" y="5047929"/>
-            <a:chExt cx="2914420" cy="1341359"/>
-          </a:xfrm>
-        </p:grpSpPr>
+        <p:cxnSp>
+          <p:nvCxnSpPr>
+            <p:cNvPr id="32" name="Elbow Connector 31"/>
+            <p:cNvCxnSpPr>
+              <a:stCxn id="7" idx="1"/>
+              <a:endCxn id="30" idx="3"/>
+            </p:cNvCxnSpPr>
+            <p:nvPr/>
+          </p:nvCxnSpPr>
+          <p:spPr>
+            <a:xfrm rot="10800000">
+              <a:off x="1801774" y="6079574"/>
+              <a:ext cx="565506" cy="207107"/>
+            </a:xfrm>
+            <a:prstGeom prst="bentConnector3">
+              <a:avLst>
+                <a:gd name="adj1" fmla="val 50000"/>
+              </a:avLst>
+            </a:prstGeom>
+            <a:ln>
+              <a:headEnd type="arrow"/>
+              <a:tailEnd type="arrow"/>
+            </a:ln>
+          </p:spPr>
+          <p:style>
+            <a:lnRef idx="2">
+              <a:schemeClr val="dk1"/>
+            </a:lnRef>
+            <a:fillRef idx="0">
+              <a:schemeClr val="dk1"/>
+            </a:fillRef>
+            <a:effectRef idx="1">
+              <a:schemeClr val="dk1"/>
+            </a:effectRef>
+            <a:fontRef idx="minor">
+              <a:schemeClr val="tx1"/>
+            </a:fontRef>
+          </p:style>
+        </p:cxnSp>
+        <p:cxnSp>
+          <p:nvCxnSpPr>
+            <p:cNvPr id="33" name="Elbow Connector 133"/>
+            <p:cNvCxnSpPr>
+              <a:stCxn id="39" idx="0"/>
+            </p:cNvCxnSpPr>
+            <p:nvPr/>
+          </p:nvCxnSpPr>
+          <p:spPr>
+            <a:xfrm rot="10800000">
+              <a:off x="5112874" y="3464566"/>
+              <a:ext cx="661470" cy="743334"/>
+            </a:xfrm>
+            <a:prstGeom prst="bentConnector2">
+              <a:avLst/>
+            </a:prstGeom>
+            <a:ln>
+              <a:headEnd type="arrow"/>
+              <a:tailEnd type="arrow"/>
+            </a:ln>
+          </p:spPr>
+          <p:style>
+            <a:lnRef idx="2">
+              <a:schemeClr val="dk1"/>
+            </a:lnRef>
+            <a:fillRef idx="0">
+              <a:schemeClr val="dk1"/>
+            </a:fillRef>
+            <a:effectRef idx="1">
+              <a:schemeClr val="dk1"/>
+            </a:effectRef>
+            <a:fontRef idx="minor">
+              <a:schemeClr val="tx1"/>
+            </a:fontRef>
+          </p:style>
+        </p:cxnSp>
+        <p:cxnSp>
+          <p:nvCxnSpPr>
+            <p:cNvPr id="34" name="Elbow Connector 41"/>
+            <p:cNvCxnSpPr>
+              <a:stCxn id="17" idx="2"/>
+            </p:cNvCxnSpPr>
+            <p:nvPr/>
+          </p:nvCxnSpPr>
+          <p:spPr>
+            <a:xfrm rot="16200000" flipH="1">
+              <a:off x="3491588" y="2090492"/>
+              <a:ext cx="314750" cy="1090168"/>
+            </a:xfrm>
+            <a:prstGeom prst="bentConnector2">
+              <a:avLst/>
+            </a:prstGeom>
+            <a:ln>
+              <a:headEnd type="arrow"/>
+              <a:tailEnd type="arrow"/>
+            </a:ln>
+          </p:spPr>
+          <p:style>
+            <a:lnRef idx="2">
+              <a:schemeClr val="dk1"/>
+            </a:lnRef>
+            <a:fillRef idx="0">
+              <a:schemeClr val="dk1"/>
+            </a:fillRef>
+            <a:effectRef idx="1">
+              <a:schemeClr val="dk1"/>
+            </a:effectRef>
+            <a:fontRef idx="minor">
+              <a:schemeClr val="tx1"/>
+            </a:fontRef>
+          </p:style>
+        </p:cxnSp>
+        <p:cxnSp>
+          <p:nvCxnSpPr>
+            <p:cNvPr id="35" name="Elbow Connector 41"/>
+            <p:cNvCxnSpPr>
+              <a:stCxn id="20" idx="0"/>
+            </p:cNvCxnSpPr>
+            <p:nvPr/>
+          </p:nvCxnSpPr>
+          <p:spPr>
+            <a:xfrm rot="5400000" flipH="1" flipV="1">
+              <a:off x="3092370" y="2194873"/>
+              <a:ext cx="260435" cy="1942922"/>
+            </a:xfrm>
+            <a:prstGeom prst="bentConnector2">
+              <a:avLst/>
+            </a:prstGeom>
+            <a:ln>
+              <a:headEnd type="arrow"/>
+              <a:tailEnd type="arrow"/>
+            </a:ln>
+          </p:spPr>
+          <p:style>
+            <a:lnRef idx="2">
+              <a:schemeClr val="dk1"/>
+            </a:lnRef>
+            <a:fillRef idx="0">
+              <a:schemeClr val="dk1"/>
+            </a:fillRef>
+            <a:effectRef idx="1">
+              <a:schemeClr val="dk1"/>
+            </a:effectRef>
+            <a:fontRef idx="minor">
+              <a:schemeClr val="tx1"/>
+            </a:fontRef>
+          </p:style>
+        </p:cxnSp>
+        <p:cxnSp>
+          <p:nvCxnSpPr>
+            <p:cNvPr id="36" name="Elbow Connector 41"/>
+            <p:cNvCxnSpPr>
+              <a:stCxn id="14" idx="0"/>
+            </p:cNvCxnSpPr>
+            <p:nvPr/>
+          </p:nvCxnSpPr>
+          <p:spPr>
+            <a:xfrm flipV="1">
+              <a:off x="3771958" y="3410321"/>
+              <a:ext cx="584018" cy="736057"/>
+            </a:xfrm>
+            <a:prstGeom prst="bentConnector2">
+              <a:avLst/>
+            </a:prstGeom>
+            <a:ln>
+              <a:headEnd type="arrow"/>
+              <a:tailEnd type="arrow"/>
+            </a:ln>
+          </p:spPr>
+          <p:style>
+            <a:lnRef idx="2">
+              <a:schemeClr val="dk1"/>
+            </a:lnRef>
+            <a:fillRef idx="0">
+              <a:schemeClr val="dk1"/>
+            </a:fillRef>
+            <a:effectRef idx="1">
+              <a:schemeClr val="dk1"/>
+            </a:effectRef>
+            <a:fontRef idx="minor">
+              <a:schemeClr val="tx1"/>
+            </a:fontRef>
+          </p:style>
+        </p:cxnSp>
+        <p:cxnSp>
+          <p:nvCxnSpPr>
+            <p:cNvPr id="37" name="Elbow Connector 41"/>
+            <p:cNvCxnSpPr>
+              <a:stCxn id="15" idx="2"/>
+            </p:cNvCxnSpPr>
+            <p:nvPr/>
+          </p:nvCxnSpPr>
+          <p:spPr>
+            <a:xfrm rot="5400000">
+              <a:off x="5591227" y="2043279"/>
+              <a:ext cx="358292" cy="1266952"/>
+            </a:xfrm>
+            <a:prstGeom prst="bentConnector2">
+              <a:avLst/>
+            </a:prstGeom>
+            <a:ln>
+              <a:headEnd type="arrow"/>
+              <a:tailEnd type="arrow"/>
+            </a:ln>
+          </p:spPr>
+          <p:style>
+            <a:lnRef idx="2">
+              <a:schemeClr val="dk1"/>
+            </a:lnRef>
+            <a:fillRef idx="0">
+              <a:schemeClr val="dk1"/>
+            </a:fillRef>
+            <a:effectRef idx="1">
+              <a:schemeClr val="dk1"/>
+            </a:effectRef>
+            <a:fontRef idx="minor">
+              <a:schemeClr val="tx1"/>
+            </a:fontRef>
+          </p:style>
+        </p:cxnSp>
         <p:sp>
           <p:nvSpPr>
-            <p:cNvPr id="21" name="Rounded Rectangle 20"/>
-            <p:cNvSpPr/>
-            <p:nvPr/>
-          </p:nvSpPr>
-          <p:spPr>
-            <a:xfrm>
-              <a:off x="5350534" y="5256187"/>
-              <a:ext cx="2710688" cy="1133101"/>
-            </a:xfrm>
-            <a:prstGeom prst="roundRect">
-              <a:avLst/>
-            </a:prstGeom>
-          </p:spPr>
-          <p:style>
-            <a:lnRef idx="0">
-              <a:schemeClr val="accent2"/>
-            </a:lnRef>
-            <a:fillRef idx="3">
-              <a:schemeClr val="accent2"/>
-            </a:fillRef>
-            <a:effectRef idx="3">
-              <a:schemeClr val="accent2"/>
-            </a:effectRef>
-            <a:fontRef idx="minor">
-              <a:schemeClr val="lt1"/>
-            </a:fontRef>
-          </p:style>
-          <p:txBody>
-            <a:bodyPr rtlCol="1" anchor="ctr"/>
-            <a:lstStyle/>
-            <a:p>
-              <a:pPr algn="ctr"/>
-              <a:r>
-                <a:rPr lang="en-US" dirty="0" smtClean="0"/>
-                <a:t>Display</a:t>
-              </a:r>
-            </a:p>
-            <a:p>
-              <a:pPr algn="ctr"/>
-              <a:r>
-                <a:rPr lang="en-US" dirty="0" smtClean="0"/>
-                <a:t>Controller</a:t>
-              </a:r>
-              <a:endParaRPr lang="he-IL" dirty="0"/>
-            </a:p>
-          </p:txBody>
-        </p:sp>
-        <p:sp>
-          <p:nvSpPr>
-            <p:cNvPr id="22" name="TextBox 21"/>
+            <p:cNvPr id="38" name="TextBox 37"/>
             <p:cNvSpPr txBox="1"/>
             <p:nvPr/>
           </p:nvSpPr>
           <p:spPr>
             <a:xfrm>
-              <a:off x="5998742" y="5047929"/>
+              <a:off x="1632382" y="4744403"/>
               <a:ext cx="766064" cy="271208"/>
-            </a:xfrm>
-            <a:prstGeom prst="rect">
-              <a:avLst/>
-            </a:prstGeom>
-            <a:ln/>
-          </p:spPr>
-          <p:style>
-            <a:lnRef idx="0">
-              <a:schemeClr val="accent1"/>
-            </a:lnRef>
-            <a:fillRef idx="3">
-              <a:schemeClr val="accent1"/>
-            </a:fillRef>
-            <a:effectRef idx="3">
-              <a:schemeClr val="accent1"/>
-            </a:effectRef>
-            <a:fontRef idx="minor">
-              <a:schemeClr val="lt1"/>
-            </a:fontRef>
-          </p:style>
-          <p:txBody>
-            <a:bodyPr wrap="square" rtlCol="1">
-              <a:spAutoFit/>
-            </a:bodyPr>
-            <a:lstStyle/>
-            <a:p>
-              <a:pPr algn="ctr"/>
-              <a:r>
-                <a:rPr lang="en-US" sz="1400" dirty="0" smtClean="0"/>
-                <a:t>WBS</a:t>
-              </a:r>
-              <a:endParaRPr lang="he-IL" sz="1400" dirty="0"/>
-            </a:p>
-          </p:txBody>
-        </p:sp>
-        <p:sp>
-          <p:nvSpPr>
-            <p:cNvPr id="39" name="TextBox 38"/>
-            <p:cNvSpPr txBox="1"/>
-            <p:nvPr/>
-          </p:nvSpPr>
-          <p:spPr>
-            <a:xfrm rot="16200000">
-              <a:off x="4891515" y="5637375"/>
-              <a:ext cx="818351" cy="307777"/>
             </a:xfrm>
             <a:prstGeom prst="rect">
               <a:avLst/>
@@ -16510,374 +17625,472 @@
                 <a:rPr lang="en-US" sz="1400" dirty="0" smtClean="0"/>
                 <a:t>WBM</a:t>
               </a:r>
-              <a:endParaRPr lang="he-IL" sz="1200" dirty="0"/>
+              <a:endParaRPr lang="he-IL" sz="1400" dirty="0"/>
+            </a:p>
+          </p:txBody>
+        </p:sp>
+        <p:grpSp>
+          <p:nvGrpSpPr>
+            <p:cNvPr id="12" name="Group 11"/>
+            <p:cNvGrpSpPr/>
+            <p:nvPr/>
+          </p:nvGrpSpPr>
+          <p:grpSpPr>
+            <a:xfrm>
+              <a:off x="5774344" y="3464566"/>
+              <a:ext cx="2914420" cy="1341359"/>
+              <a:chOff x="5146802" y="5047929"/>
+              <a:chExt cx="2914420" cy="1341359"/>
+            </a:xfrm>
+          </p:grpSpPr>
+          <p:sp>
+            <p:nvSpPr>
+              <p:cNvPr id="21" name="Rounded Rectangle 20"/>
+              <p:cNvSpPr/>
+              <p:nvPr/>
+            </p:nvSpPr>
+            <p:spPr>
+              <a:xfrm>
+                <a:off x="5350534" y="5256187"/>
+                <a:ext cx="2710688" cy="1133101"/>
+              </a:xfrm>
+              <a:prstGeom prst="roundRect">
+                <a:avLst/>
+              </a:prstGeom>
+            </p:spPr>
+            <p:style>
+              <a:lnRef idx="0">
+                <a:schemeClr val="accent2"/>
+              </a:lnRef>
+              <a:fillRef idx="3">
+                <a:schemeClr val="accent2"/>
+              </a:fillRef>
+              <a:effectRef idx="3">
+                <a:schemeClr val="accent2"/>
+              </a:effectRef>
+              <a:fontRef idx="minor">
+                <a:schemeClr val="lt1"/>
+              </a:fontRef>
+            </p:style>
+            <p:txBody>
+              <a:bodyPr rtlCol="1" anchor="ctr"/>
+              <a:lstStyle/>
+              <a:p>
+                <a:pPr algn="ctr"/>
+                <a:r>
+                  <a:rPr lang="en-US" dirty="0" smtClean="0"/>
+                  <a:t>Display</a:t>
+                </a:r>
+              </a:p>
+              <a:p>
+                <a:pPr algn="ctr"/>
+                <a:r>
+                  <a:rPr lang="en-US" dirty="0" smtClean="0"/>
+                  <a:t>Controller</a:t>
+                </a:r>
+                <a:endParaRPr lang="he-IL" dirty="0"/>
+              </a:p>
+            </p:txBody>
+          </p:sp>
+          <p:sp>
+            <p:nvSpPr>
+              <p:cNvPr id="22" name="TextBox 21"/>
+              <p:cNvSpPr txBox="1"/>
+              <p:nvPr/>
+            </p:nvSpPr>
+            <p:spPr>
+              <a:xfrm>
+                <a:off x="5998742" y="5047929"/>
+                <a:ext cx="766064" cy="271208"/>
+              </a:xfrm>
+              <a:prstGeom prst="rect">
+                <a:avLst/>
+              </a:prstGeom>
+              <a:ln/>
+            </p:spPr>
+            <p:style>
+              <a:lnRef idx="0">
+                <a:schemeClr val="accent1"/>
+              </a:lnRef>
+              <a:fillRef idx="3">
+                <a:schemeClr val="accent1"/>
+              </a:fillRef>
+              <a:effectRef idx="3">
+                <a:schemeClr val="accent1"/>
+              </a:effectRef>
+              <a:fontRef idx="minor">
+                <a:schemeClr val="lt1"/>
+              </a:fontRef>
+            </p:style>
+            <p:txBody>
+              <a:bodyPr wrap="square" rtlCol="1">
+                <a:spAutoFit/>
+              </a:bodyPr>
+              <a:lstStyle/>
+              <a:p>
+                <a:pPr algn="ctr"/>
+                <a:r>
+                  <a:rPr lang="en-US" sz="1400" dirty="0" smtClean="0"/>
+                  <a:t>WBS</a:t>
+                </a:r>
+                <a:endParaRPr lang="he-IL" sz="1400" dirty="0"/>
+              </a:p>
+            </p:txBody>
+          </p:sp>
+          <p:sp>
+            <p:nvSpPr>
+              <p:cNvPr id="39" name="TextBox 38"/>
+              <p:cNvSpPr txBox="1"/>
+              <p:nvPr/>
+            </p:nvSpPr>
+            <p:spPr>
+              <a:xfrm rot="16200000">
+                <a:off x="4891515" y="5637375"/>
+                <a:ext cx="818351" cy="307777"/>
+              </a:xfrm>
+              <a:prstGeom prst="rect">
+                <a:avLst/>
+              </a:prstGeom>
+            </p:spPr>
+            <p:style>
+              <a:lnRef idx="0">
+                <a:schemeClr val="dk1"/>
+              </a:lnRef>
+              <a:fillRef idx="3">
+                <a:schemeClr val="dk1"/>
+              </a:fillRef>
+              <a:effectRef idx="3">
+                <a:schemeClr val="dk1"/>
+              </a:effectRef>
+              <a:fontRef idx="minor">
+                <a:schemeClr val="lt1"/>
+              </a:fontRef>
+            </p:style>
+            <p:txBody>
+              <a:bodyPr wrap="square" rtlCol="1">
+                <a:spAutoFit/>
+              </a:bodyPr>
+              <a:lstStyle/>
+              <a:p>
+                <a:pPr algn="ctr"/>
+                <a:r>
+                  <a:rPr lang="en-US" sz="1400" dirty="0" smtClean="0"/>
+                  <a:t>WBM</a:t>
+                </a:r>
+                <a:endParaRPr lang="he-IL" sz="1200" dirty="0"/>
+              </a:p>
+            </p:txBody>
+          </p:sp>
+        </p:grpSp>
+        <p:sp>
+          <p:nvSpPr>
+            <p:cNvPr id="59" name="TextBox 58"/>
+            <p:cNvSpPr txBox="1"/>
+            <p:nvPr/>
+          </p:nvSpPr>
+          <p:spPr>
+            <a:xfrm>
+              <a:off x="1049995" y="1445104"/>
+              <a:ext cx="578546" cy="246221"/>
+            </a:xfrm>
+            <a:prstGeom prst="rect">
+              <a:avLst/>
+            </a:prstGeom>
+            <a:noFill/>
+          </p:spPr>
+          <p:txBody>
+            <a:bodyPr wrap="square" rtlCol="1">
+              <a:spAutoFit/>
+            </a:bodyPr>
+            <a:lstStyle/>
+            <a:p>
+              <a:r>
+                <a:rPr lang="en-US" sz="1000" dirty="0" smtClean="0"/>
+                <a:t>UART</a:t>
+              </a:r>
+              <a:endParaRPr lang="he-IL" sz="1000" dirty="0"/>
+            </a:p>
+          </p:txBody>
+        </p:sp>
+        <p:sp>
+          <p:nvSpPr>
+            <p:cNvPr id="60" name="TextBox 59"/>
+            <p:cNvSpPr txBox="1"/>
+            <p:nvPr/>
+          </p:nvSpPr>
+          <p:spPr>
+            <a:xfrm>
+              <a:off x="261973" y="1126727"/>
+              <a:ext cx="578546" cy="246221"/>
+            </a:xfrm>
+            <a:prstGeom prst="rect">
+              <a:avLst/>
+            </a:prstGeom>
+            <a:noFill/>
+          </p:spPr>
+          <p:txBody>
+            <a:bodyPr wrap="square" rtlCol="1">
+              <a:spAutoFit/>
+            </a:bodyPr>
+            <a:lstStyle/>
+            <a:p>
+              <a:r>
+                <a:rPr lang="en-US" sz="1000" dirty="0" smtClean="0"/>
+                <a:t>UART</a:t>
+              </a:r>
+              <a:endParaRPr lang="he-IL" sz="1000" dirty="0"/>
+            </a:p>
+          </p:txBody>
+        </p:sp>
+        <p:sp>
+          <p:nvSpPr>
+            <p:cNvPr id="62" name="TextBox 61"/>
+            <p:cNvSpPr txBox="1"/>
+            <p:nvPr/>
+          </p:nvSpPr>
+          <p:spPr>
+            <a:xfrm>
+              <a:off x="8061222" y="6341776"/>
+              <a:ext cx="578546" cy="246221"/>
+            </a:xfrm>
+            <a:prstGeom prst="rect">
+              <a:avLst/>
+            </a:prstGeom>
+            <a:noFill/>
+          </p:spPr>
+          <p:txBody>
+            <a:bodyPr wrap="square" rtlCol="1">
+              <a:spAutoFit/>
+            </a:bodyPr>
+            <a:lstStyle/>
+            <a:p>
+              <a:r>
+                <a:rPr lang="en-US" sz="1000" dirty="0" smtClean="0"/>
+                <a:t>VESA</a:t>
+              </a:r>
+            </a:p>
+          </p:txBody>
+        </p:sp>
+        <p:sp>
+          <p:nvSpPr>
+            <p:cNvPr id="50" name="TextBox 49"/>
+            <p:cNvSpPr txBox="1"/>
+            <p:nvPr/>
+          </p:nvSpPr>
+          <p:spPr>
+            <a:xfrm>
+              <a:off x="4214810" y="2714620"/>
+              <a:ext cx="964468" cy="717535"/>
+            </a:xfrm>
+            <a:prstGeom prst="rect">
+              <a:avLst/>
+            </a:prstGeom>
+          </p:spPr>
+          <p:style>
+            <a:lnRef idx="1">
+              <a:schemeClr val="dk1"/>
+            </a:lnRef>
+            <a:fillRef idx="2">
+              <a:schemeClr val="dk1"/>
+            </a:fillRef>
+            <a:effectRef idx="1">
+              <a:schemeClr val="dk1"/>
+            </a:effectRef>
+            <a:fontRef idx="minor">
+              <a:schemeClr val="dk1"/>
+            </a:fontRef>
+          </p:style>
+          <p:txBody>
+            <a:bodyPr wrap="none" rtlCol="1" anchor="ctr">
+              <a:noAutofit/>
+            </a:bodyPr>
+            <a:lstStyle/>
+            <a:p>
+              <a:r>
+                <a:rPr lang="en-US" sz="1100" b="1" dirty="0" smtClean="0"/>
+                <a:t>Wishbone</a:t>
+              </a:r>
+            </a:p>
+            <a:p>
+              <a:r>
+                <a:rPr lang="en-US" sz="1100" dirty="0" smtClean="0"/>
+                <a:t>INTERCON</a:t>
+              </a:r>
+              <a:endParaRPr lang="he-IL" sz="1100" dirty="0"/>
             </a:p>
           </p:txBody>
         </p:sp>
       </p:grpSp>
-      <p:sp>
-        <p:nvSpPr>
-          <p:cNvPr id="59" name="TextBox 58"/>
-          <p:cNvSpPr txBox="1"/>
+      <p:grpSp>
+        <p:nvGrpSpPr>
+          <p:cNvPr id="2" name="Group 1"/>
+          <p:cNvGrpSpPr/>
           <p:nvPr/>
-        </p:nvSpPr>
-        <p:spPr>
+        </p:nvGrpSpPr>
+        <p:grpSpPr>
           <a:xfrm>
-            <a:off x="1049995" y="1445104"/>
-            <a:ext cx="578546" cy="246221"/>
+            <a:off x="4874089" y="5329440"/>
+            <a:ext cx="3002339" cy="1329925"/>
+            <a:chOff x="4874089" y="5329440"/>
+            <a:chExt cx="3002339" cy="1329925"/>
           </a:xfrm>
-          <a:prstGeom prst="rect">
-            <a:avLst/>
-          </a:prstGeom>
-          <a:noFill/>
-        </p:spPr>
-        <p:txBody>
-          <a:bodyPr wrap="square" rtlCol="1">
-            <a:spAutoFit/>
-          </a:bodyPr>
-          <a:lstStyle/>
-          <a:p>
-            <a:r>
-              <a:rPr lang="en-US" sz="1000" dirty="0" smtClean="0"/>
-              <a:t>UART</a:t>
-            </a:r>
-            <a:endParaRPr lang="he-IL" sz="1000" dirty="0"/>
-          </a:p>
-        </p:txBody>
-      </p:sp>
-      <p:sp>
-        <p:nvSpPr>
-          <p:cNvPr id="60" name="TextBox 59"/>
-          <p:cNvSpPr txBox="1"/>
-          <p:nvPr/>
-        </p:nvSpPr>
-        <p:spPr>
-          <a:xfrm>
-            <a:off x="261973" y="1126727"/>
-            <a:ext cx="578546" cy="246221"/>
-          </a:xfrm>
-          <a:prstGeom prst="rect">
-            <a:avLst/>
-          </a:prstGeom>
-          <a:noFill/>
-        </p:spPr>
-        <p:txBody>
-          <a:bodyPr wrap="square" rtlCol="1">
-            <a:spAutoFit/>
-          </a:bodyPr>
-          <a:lstStyle/>
-          <a:p>
-            <a:r>
-              <a:rPr lang="en-US" sz="1000" dirty="0" smtClean="0"/>
-              <a:t>UART</a:t>
-            </a:r>
-            <a:endParaRPr lang="he-IL" sz="1000" dirty="0"/>
-          </a:p>
-        </p:txBody>
-      </p:sp>
-      <p:sp>
-        <p:nvSpPr>
-          <p:cNvPr id="62" name="TextBox 61"/>
-          <p:cNvSpPr txBox="1"/>
-          <p:nvPr/>
-        </p:nvSpPr>
-        <p:spPr>
-          <a:xfrm>
-            <a:off x="8061222" y="6341776"/>
-            <a:ext cx="578546" cy="246221"/>
-          </a:xfrm>
-          <a:prstGeom prst="rect">
-            <a:avLst/>
-          </a:prstGeom>
-          <a:noFill/>
-        </p:spPr>
-        <p:txBody>
-          <a:bodyPr wrap="square" rtlCol="1">
-            <a:spAutoFit/>
-          </a:bodyPr>
-          <a:lstStyle/>
-          <a:p>
-            <a:r>
-              <a:rPr lang="en-US" sz="1000" dirty="0" smtClean="0"/>
-              <a:t>VESA</a:t>
-            </a:r>
-          </a:p>
-        </p:txBody>
-      </p:sp>
-      <p:sp>
-        <p:nvSpPr>
-          <p:cNvPr id="50" name="TextBox 49"/>
-          <p:cNvSpPr txBox="1"/>
-          <p:nvPr/>
-        </p:nvSpPr>
-        <p:spPr>
-          <a:xfrm>
-            <a:off x="4214810" y="2714620"/>
-            <a:ext cx="964468" cy="717535"/>
-          </a:xfrm>
-          <a:prstGeom prst="rect">
-            <a:avLst/>
-          </a:prstGeom>
-        </p:spPr>
-        <p:style>
-          <a:lnRef idx="1">
-            <a:schemeClr val="dk1"/>
-          </a:lnRef>
-          <a:fillRef idx="2">
-            <a:schemeClr val="dk1"/>
-          </a:fillRef>
-          <a:effectRef idx="1">
-            <a:schemeClr val="dk1"/>
-          </a:effectRef>
-          <a:fontRef idx="minor">
-            <a:schemeClr val="dk1"/>
-          </a:fontRef>
-        </p:style>
-        <p:txBody>
-          <a:bodyPr wrap="none" rtlCol="1" anchor="ctr">
-            <a:noAutofit/>
-          </a:bodyPr>
-          <a:lstStyle/>
-          <a:p>
-            <a:r>
-              <a:rPr lang="en-US" sz="1100" b="1" dirty="0" smtClean="0"/>
-              <a:t>Wishbone</a:t>
-            </a:r>
-          </a:p>
-          <a:p>
-            <a:r>
-              <a:rPr lang="en-US" sz="1100" dirty="0" smtClean="0"/>
-              <a:t>INTERCON</a:t>
-            </a:r>
-            <a:endParaRPr lang="he-IL" sz="1100" dirty="0"/>
-          </a:p>
-        </p:txBody>
-      </p:sp>
-      <p:cxnSp>
-        <p:nvCxnSpPr>
-          <p:cNvPr id="119" name="Elbow Connector 133"/>
-          <p:cNvCxnSpPr>
-            <a:stCxn id="122" idx="0"/>
-          </p:cNvCxnSpPr>
-          <p:nvPr/>
-        </p:nvCxnSpPr>
-        <p:spPr>
-          <a:xfrm rot="10800000">
-            <a:off x="4547616" y="3432155"/>
-            <a:ext cx="326474" cy="2685472"/>
-          </a:xfrm>
-          <a:prstGeom prst="bentConnector2">
-            <a:avLst/>
-          </a:prstGeom>
-          <a:ln>
-            <a:headEnd type="arrow"/>
-            <a:tailEnd type="arrow"/>
-          </a:ln>
-        </p:spPr>
-        <p:style>
-          <a:lnRef idx="2">
-            <a:schemeClr val="dk1"/>
-          </a:lnRef>
-          <a:fillRef idx="0">
-            <a:schemeClr val="dk1"/>
-          </a:fillRef>
-          <a:effectRef idx="1">
-            <a:schemeClr val="dk1"/>
-          </a:effectRef>
-          <a:fontRef idx="minor">
-            <a:schemeClr val="tx1"/>
-          </a:fontRef>
-        </p:style>
-      </p:cxnSp>
-      <p:sp>
-        <p:nvSpPr>
-          <p:cNvPr id="120" name="Rounded Rectangle 119"/>
-          <p:cNvSpPr/>
-          <p:nvPr/>
-        </p:nvSpPr>
-        <p:spPr>
-          <a:xfrm>
-            <a:off x="5112874" y="5587794"/>
-            <a:ext cx="2763554" cy="1071571"/>
-          </a:xfrm>
-          <a:prstGeom prst="roundRect">
-            <a:avLst/>
-          </a:prstGeom>
-        </p:spPr>
-        <p:style>
-          <a:lnRef idx="0">
-            <a:schemeClr val="accent2"/>
-          </a:lnRef>
-          <a:fillRef idx="3">
-            <a:schemeClr val="accent2"/>
-          </a:fillRef>
-          <a:effectRef idx="3">
-            <a:schemeClr val="accent2"/>
-          </a:effectRef>
-          <a:fontRef idx="minor">
-            <a:schemeClr val="lt1"/>
-          </a:fontRef>
-        </p:style>
-        <p:txBody>
-          <a:bodyPr rtlCol="1" anchor="ctr"/>
-          <a:lstStyle/>
-          <a:p>
-            <a:pPr algn="ctr" rtl="1"/>
-            <a:r>
-              <a:rPr lang="en-US" dirty="0" smtClean="0">
+        </p:grpSpPr>
+        <p:sp>
+          <p:nvSpPr>
+            <p:cNvPr id="120" name="Rounded Rectangle 119"/>
+            <p:cNvSpPr/>
+            <p:nvPr/>
+          </p:nvSpPr>
+          <p:spPr>
+            <a:xfrm>
+              <a:off x="5112874" y="5587794"/>
+              <a:ext cx="2763554" cy="1071571"/>
+            </a:xfrm>
+            <a:prstGeom prst="roundRect">
+              <a:avLst/>
+            </a:prstGeom>
+          </p:spPr>
+          <p:style>
+            <a:lnRef idx="0">
+              <a:schemeClr val="accent2"/>
+            </a:lnRef>
+            <a:fillRef idx="3">
+              <a:schemeClr val="accent2"/>
+            </a:fillRef>
+            <a:effectRef idx="3">
+              <a:schemeClr val="accent2"/>
+            </a:effectRef>
+            <a:fontRef idx="minor">
+              <a:schemeClr val="lt1"/>
+            </a:fontRef>
+          </p:style>
+          <p:txBody>
+            <a:bodyPr rtlCol="1" anchor="ctr"/>
+            <a:lstStyle/>
+            <a:p>
+              <a:pPr algn="ctr" rtl="1"/>
+              <a:r>
+                <a:rPr lang="en-US" dirty="0" smtClean="0">
+                  <a:solidFill>
+                    <a:prstClr val="white"/>
+                  </a:solidFill>
+                </a:rPr>
+                <a:t>Image Manipulation</a:t>
+              </a:r>
+              <a:endParaRPr lang="he-IL" dirty="0">
                 <a:solidFill>
                   <a:prstClr val="white"/>
                 </a:solidFill>
-              </a:rPr>
-              <a:t>Image Manipulation</a:t>
-            </a:r>
-            <a:endParaRPr lang="he-IL" dirty="0">
-              <a:solidFill>
-                <a:prstClr val="white"/>
-              </a:solidFill>
-            </a:endParaRPr>
-          </a:p>
-        </p:txBody>
-      </p:sp>
-      <p:sp>
-        <p:nvSpPr>
-          <p:cNvPr id="121" name="TextBox 120"/>
-          <p:cNvSpPr txBox="1"/>
-          <p:nvPr/>
-        </p:nvSpPr>
-        <p:spPr>
-          <a:xfrm>
-            <a:off x="5799870" y="5329440"/>
-            <a:ext cx="781004" cy="307777"/>
-          </a:xfrm>
-          <a:prstGeom prst="rect">
-            <a:avLst/>
-          </a:prstGeom>
-          <a:ln/>
-        </p:spPr>
-        <p:style>
-          <a:lnRef idx="0">
-            <a:schemeClr val="accent1"/>
-          </a:lnRef>
-          <a:fillRef idx="3">
-            <a:schemeClr val="accent1"/>
-          </a:fillRef>
-          <a:effectRef idx="3">
-            <a:schemeClr val="accent1"/>
-          </a:effectRef>
-          <a:fontRef idx="minor">
-            <a:schemeClr val="lt1"/>
-          </a:fontRef>
-        </p:style>
-        <p:txBody>
-          <a:bodyPr wrap="square" rtlCol="1">
-            <a:spAutoFit/>
-          </a:bodyPr>
-          <a:lstStyle/>
-          <a:p>
-            <a:pPr algn="ctr" rtl="1"/>
-            <a:r>
-              <a:rPr lang="en-US" sz="1400" dirty="0" smtClean="0">
+              </a:endParaRPr>
+            </a:p>
+          </p:txBody>
+        </p:sp>
+        <p:sp>
+          <p:nvSpPr>
+            <p:cNvPr id="121" name="TextBox 120"/>
+            <p:cNvSpPr txBox="1"/>
+            <p:nvPr/>
+          </p:nvSpPr>
+          <p:spPr>
+            <a:xfrm>
+              <a:off x="5799870" y="5329440"/>
+              <a:ext cx="781004" cy="307777"/>
+            </a:xfrm>
+            <a:prstGeom prst="rect">
+              <a:avLst/>
+            </a:prstGeom>
+            <a:ln/>
+          </p:spPr>
+          <p:style>
+            <a:lnRef idx="0">
+              <a:schemeClr val="accent1"/>
+            </a:lnRef>
+            <a:fillRef idx="3">
+              <a:schemeClr val="accent1"/>
+            </a:fillRef>
+            <a:effectRef idx="3">
+              <a:schemeClr val="accent1"/>
+            </a:effectRef>
+            <a:fontRef idx="minor">
+              <a:schemeClr val="lt1"/>
+            </a:fontRef>
+          </p:style>
+          <p:txBody>
+            <a:bodyPr wrap="square" rtlCol="1">
+              <a:spAutoFit/>
+            </a:bodyPr>
+            <a:lstStyle/>
+            <a:p>
+              <a:pPr algn="ctr" rtl="1"/>
+              <a:r>
+                <a:rPr lang="en-US" sz="1400" dirty="0" smtClean="0">
+                  <a:solidFill>
+                    <a:prstClr val="white"/>
+                  </a:solidFill>
+                </a:rPr>
+                <a:t>WBS</a:t>
+              </a:r>
+              <a:endParaRPr lang="he-IL" sz="1400" dirty="0">
                 <a:solidFill>
                   <a:prstClr val="white"/>
                 </a:solidFill>
-              </a:rPr>
-              <a:t>WBS</a:t>
-            </a:r>
-            <a:endParaRPr lang="he-IL" sz="1400" dirty="0">
-              <a:solidFill>
-                <a:prstClr val="white"/>
-              </a:solidFill>
-            </a:endParaRPr>
-          </a:p>
-        </p:txBody>
-      </p:sp>
-      <p:sp>
-        <p:nvSpPr>
-          <p:cNvPr id="122" name="TextBox 121"/>
-          <p:cNvSpPr txBox="1"/>
-          <p:nvPr/>
-        </p:nvSpPr>
-        <p:spPr>
-          <a:xfrm rot="16200000">
-            <a:off x="4641022" y="5963738"/>
-            <a:ext cx="773912" cy="307777"/>
-          </a:xfrm>
-          <a:prstGeom prst="rect">
-            <a:avLst/>
-          </a:prstGeom>
-        </p:spPr>
-        <p:style>
-          <a:lnRef idx="0">
-            <a:schemeClr val="dk1"/>
-          </a:lnRef>
-          <a:fillRef idx="3">
-            <a:schemeClr val="dk1"/>
-          </a:fillRef>
-          <a:effectRef idx="3">
-            <a:schemeClr val="dk1"/>
-          </a:effectRef>
-          <a:fontRef idx="minor">
-            <a:schemeClr val="lt1"/>
-          </a:fontRef>
-        </p:style>
-        <p:txBody>
-          <a:bodyPr wrap="square" rtlCol="1">
-            <a:spAutoFit/>
-          </a:bodyPr>
-          <a:lstStyle/>
-          <a:p>
-            <a:pPr algn="ctr" rtl="1"/>
-            <a:r>
-              <a:rPr lang="en-US" sz="1400" b="1" dirty="0" smtClean="0">
+              </a:endParaRPr>
+            </a:p>
+          </p:txBody>
+        </p:sp>
+        <p:sp>
+          <p:nvSpPr>
+            <p:cNvPr id="122" name="TextBox 121"/>
+            <p:cNvSpPr txBox="1"/>
+            <p:nvPr/>
+          </p:nvSpPr>
+          <p:spPr>
+            <a:xfrm rot="16200000">
+              <a:off x="4641022" y="5963738"/>
+              <a:ext cx="773912" cy="307777"/>
+            </a:xfrm>
+            <a:prstGeom prst="rect">
+              <a:avLst/>
+            </a:prstGeom>
+          </p:spPr>
+          <p:style>
+            <a:lnRef idx="0">
+              <a:schemeClr val="dk1"/>
+            </a:lnRef>
+            <a:fillRef idx="3">
+              <a:schemeClr val="dk1"/>
+            </a:fillRef>
+            <a:effectRef idx="3">
+              <a:schemeClr val="dk1"/>
+            </a:effectRef>
+            <a:fontRef idx="minor">
+              <a:schemeClr val="lt1"/>
+            </a:fontRef>
+          </p:style>
+          <p:txBody>
+            <a:bodyPr wrap="square" rtlCol="1">
+              <a:spAutoFit/>
+            </a:bodyPr>
+            <a:lstStyle/>
+            <a:p>
+              <a:pPr algn="ctr" rtl="1"/>
+              <a:r>
+                <a:rPr lang="en-US" sz="1400" b="1" dirty="0" smtClean="0">
+                  <a:solidFill>
+                    <a:prstClr val="white"/>
+                  </a:solidFill>
+                </a:rPr>
+                <a:t>WBM</a:t>
+              </a:r>
+              <a:endParaRPr lang="he-IL" sz="1400" b="1" dirty="0">
                 <a:solidFill>
                   <a:prstClr val="white"/>
                 </a:solidFill>
-              </a:rPr>
-              <a:t>WBM</a:t>
-            </a:r>
-            <a:endParaRPr lang="he-IL" sz="1400" b="1" dirty="0">
-              <a:solidFill>
-                <a:prstClr val="white"/>
-              </a:solidFill>
-            </a:endParaRPr>
-          </a:p>
-        </p:txBody>
-      </p:sp>
-      <p:cxnSp>
-        <p:nvCxnSpPr>
-          <p:cNvPr id="123" name="Elbow Connector 133"/>
-          <p:cNvCxnSpPr/>
-          <p:nvPr/>
-        </p:nvCxnSpPr>
-        <p:spPr>
-          <a:xfrm rot="10800000">
-            <a:off x="4860033" y="3464567"/>
-            <a:ext cx="925781" cy="2018763"/>
-          </a:xfrm>
-          <a:prstGeom prst="bentConnector2">
-            <a:avLst/>
-          </a:prstGeom>
-          <a:ln>
-            <a:headEnd type="arrow"/>
-            <a:tailEnd type="arrow"/>
-          </a:ln>
-        </p:spPr>
-        <p:style>
-          <a:lnRef idx="2">
-            <a:schemeClr val="dk1"/>
-          </a:lnRef>
-          <a:fillRef idx="0">
-            <a:schemeClr val="dk1"/>
-          </a:fillRef>
-          <a:effectRef idx="1">
-            <a:schemeClr val="dk1"/>
-          </a:effectRef>
-          <a:fontRef idx="minor">
-            <a:schemeClr val="tx1"/>
-          </a:fontRef>
-        </p:style>
-      </p:cxnSp>
+              </a:endParaRPr>
+            </a:p>
+          </p:txBody>
+        </p:sp>
+      </p:grpSp>
     </p:spTree>
     <p:extLst>
       <p:ext uri="{BB962C8B-B14F-4D97-AF65-F5344CB8AC3E}">
@@ -16890,7 +18103,7 @@
   </p:clrMapOvr>
   <mc:AlternateContent xmlns:mc="http://schemas.openxmlformats.org/markup-compatibility/2006">
     <mc:Choice xmlns:p14="http://schemas.microsoft.com/office/powerpoint/2010/main" Requires="p14">
-      <p:transition p14:dur="10"/>
+      <p:transition p14:dur="0"/>
     </mc:Choice>
     <mc:Fallback>
       <p:transition/>
@@ -16917,20 +18130,73 @@
                             </p:stCondLst>
                             <p:childTnLst>
                               <p:par>
-                                <p:cTn id="5" presetID="6" presetClass="emph" presetSubtype="0" fill="hold" grpId="0" nodeType="clickEffect">
+                                <p:cTn id="5" presetID="6" presetClass="emph" presetSubtype="0" fill="hold" nodeType="clickEffect">
                                   <p:stCondLst>
                                     <p:cond delay="0"/>
                                   </p:stCondLst>
                                   <p:childTnLst>
                                     <p:animScale>
                                       <p:cBhvr>
-                                        <p:cTn id="6" dur="600" fill="hold"/>
+                                        <p:cTn id="6" dur="1400" fill="hold"/>
                                         <p:tgtEl>
-                                          <p:spTgt spid="120"/>
+                                          <p:spTgt spid="2"/>
                                         </p:tgtEl>
                                       </p:cBhvr>
-                                      <p:by x="150000" y="150000"/>
+                                      <p:by x="220000" y="220000"/>
                                     </p:animScale>
+                                  </p:childTnLst>
+                                </p:cTn>
+                              </p:par>
+                              <p:par>
+                                <p:cTn id="7" presetID="0" presetClass="path" presetSubtype="0" accel="50000" decel="50000" fill="hold" nodeType="withEffect">
+                                  <p:stCondLst>
+                                    <p:cond delay="0"/>
+                                  </p:stCondLst>
+                                  <p:childTnLst>
+                                    <p:animMotion origin="layout" path="M -0.00034 0.025 L -0.1658 -0.2375 " pathEditMode="relative" rAng="0" ptsTypes="AA">
+                                      <p:cBhvr>
+                                        <p:cTn id="8" dur="1400" fill="hold"/>
+                                        <p:tgtEl>
+                                          <p:spTgt spid="2"/>
+                                        </p:tgtEl>
+                                        <p:attrNameLst>
+                                          <p:attrName>ppt_x</p:attrName>
+                                          <p:attrName>ppt_y</p:attrName>
+                                        </p:attrNameLst>
+                                      </p:cBhvr>
+                                      <p:rCtr x="-8281" y="-13125"/>
+                                    </p:animMotion>
+                                  </p:childTnLst>
+                                </p:cTn>
+                              </p:par>
+                              <p:par>
+                                <p:cTn id="9" presetID="9" presetClass="emph" presetSubtype="0" nodeType="withEffect">
+                                  <p:stCondLst>
+                                    <p:cond delay="0"/>
+                                  </p:stCondLst>
+                                  <p:childTnLst>
+                                    <p:set>
+                                      <p:cBhvr rctx="PPT">
+                                        <p:cTn id="10" dur="indefinite"/>
+                                        <p:tgtEl>
+                                          <p:spTgt spid="24"/>
+                                        </p:tgtEl>
+                                        <p:attrNameLst>
+                                          <p:attrName>style.opacity</p:attrName>
+                                        </p:attrNameLst>
+                                      </p:cBhvr>
+                                      <p:to>
+                                        <p:strVal val="0.5"/>
+                                      </p:to>
+                                    </p:set>
+                                    <p:animEffect filter="image" prLst="opacity: 0.5">
+                                      <p:cBhvr rctx="IE">
+                                        <p:cTn id="11" dur="indefinite"/>
+                                        <p:tgtEl>
+                                          <p:spTgt spid="24"/>
+                                        </p:tgtEl>
+                                      </p:cBhvr>
+                                    </p:animEffect>
                                   </p:childTnLst>
                                 </p:cTn>
                               </p:par>
@@ -16961,9 +18227,6 @@
         </p:cTn>
       </p:par>
     </p:tnLst>
-    <p:bldLst>
-      <p:bldP spid="120" grpId="0" animBg="1"/>
-    </p:bldLst>
   </p:timing>
 </p:sld>
 </file>
@@ -17027,89 +18290,98 @@
           </a:xfrm>
         </p:spPr>
         <p:txBody>
-          <a:bodyPr/>
+          <a:bodyPr>
+            <a:normAutofit/>
+          </a:bodyPr>
           <a:lstStyle/>
           <a:p>
             <a:pPr algn="l" rtl="0"/>
             <a:r>
-              <a:rPr lang="en-US" dirty="0"/>
+              <a:rPr lang="en-US" sz="2300" dirty="0"/>
               <a:t>Parameter registers- </a:t>
             </a:r>
             <a:r>
-              <a:rPr lang="en-US" dirty="0" smtClean="0"/>
+              <a:rPr lang="en-US" sz="2300" dirty="0" smtClean="0"/>
               <a:t>holds </a:t>
             </a:r>
             <a:r>
-              <a:rPr lang="en-US" dirty="0"/>
+              <a:rPr lang="en-US" sz="2300" dirty="0"/>
               <a:t>user </a:t>
             </a:r>
             <a:r>
-              <a:rPr lang="en-US" dirty="0" smtClean="0"/>
+              <a:rPr lang="en-US" sz="2300" dirty="0" smtClean="0"/>
               <a:t>parameters </a:t>
             </a:r>
             <a:r>
-              <a:rPr lang="en-US" dirty="0"/>
+              <a:rPr lang="en-US" sz="2300" dirty="0"/>
               <a:t>(</a:t>
             </a:r>
             <a:r>
-              <a:rPr lang="en-US" dirty="0" err="1" smtClean="0"/>
+              <a:rPr lang="en-US" sz="2300" dirty="0" err="1" smtClean="0"/>
               <a:t>angle,zoom,crop</a:t>
             </a:r>
             <a:r>
-              <a:rPr lang="en-US" dirty="0" smtClean="0"/>
+              <a:rPr lang="en-US" sz="2300" dirty="0" smtClean="0"/>
               <a:t>)</a:t>
             </a:r>
           </a:p>
           <a:p>
             <a:pPr algn="l" rtl="0"/>
             <a:r>
-              <a:rPr lang="en-US" dirty="0" smtClean="0"/>
+              <a:rPr lang="en-US" sz="2300" dirty="0" smtClean="0"/>
               <a:t>Address </a:t>
             </a:r>
             <a:r>
-              <a:rPr lang="en-US" dirty="0"/>
-              <a:t>Calculator – Calculates "matrix address" of 4 pixels that are required for the</a:t>
-            </a:r>
+              <a:rPr lang="en-US" sz="2300" dirty="0"/>
+              <a:t>Calculator – Calculates "matrix address" of 4 pixels that are required for </a:t>
+            </a:r>
+            <a:r>
+              <a:rPr lang="en-US" sz="2300" dirty="0" smtClean="0"/>
+              <a:t>the </a:t>
+            </a:r>
+            <a:r>
+              <a:rPr lang="en-US" sz="2300" dirty="0"/>
+              <a:t>bilinear-interpolation</a:t>
+            </a:r>
+            <a:endParaRPr lang="en-US" sz="2300" dirty="0"/>
           </a:p>
           <a:p>
             <a:pPr algn="l" rtl="0"/>
             <a:r>
-              <a:rPr lang="en-US" dirty="0" smtClean="0"/>
+              <a:rPr lang="en-US" sz="2300" dirty="0" smtClean="0"/>
               <a:t>Address </a:t>
             </a:r>
             <a:r>
-              <a:rPr lang="en-US" dirty="0"/>
+              <a:rPr lang="en-US" sz="2300" dirty="0"/>
               <a:t>Converter – Converts a "matrix </a:t>
             </a:r>
             <a:r>
-              <a:rPr lang="en-US" dirty="0" smtClean="0"/>
+              <a:rPr lang="en-US" sz="2300" dirty="0" smtClean="0"/>
               <a:t>address</a:t>
             </a:r>
             <a:r>
-              <a:rPr lang="en-US" dirty="0"/>
+              <a:rPr lang="en-US" sz="2300" dirty="0"/>
               <a:t>" into a 1D SDRAM </a:t>
             </a:r>
             <a:r>
-              <a:rPr lang="en-US" dirty="0" smtClean="0"/>
+              <a:rPr lang="en-US" sz="2300" dirty="0" smtClean="0"/>
               <a:t>address</a:t>
             </a:r>
-            <a:endParaRPr lang="en-US" dirty="0" smtClean="0"/>
           </a:p>
           <a:p>
             <a:pPr algn="l" rtl="0"/>
             <a:r>
-              <a:rPr lang="en-US" dirty="0" smtClean="0"/>
+              <a:rPr lang="en-US" sz="2300" dirty="0" smtClean="0"/>
               <a:t>Bilinear </a:t>
             </a:r>
             <a:r>
-              <a:rPr lang="en-US" dirty="0"/>
+              <a:rPr lang="en-US" sz="2300" dirty="0"/>
               <a:t>Interpolator – Calculates a mean average between 4 </a:t>
             </a:r>
             <a:r>
-              <a:rPr lang="en-US" dirty="0" smtClean="0"/>
+              <a:rPr lang="en-US" sz="2300" dirty="0" smtClean="0"/>
               <a:t>pixels</a:t>
             </a:r>
-            <a:endParaRPr lang="en-US" dirty="0" smtClean="0"/>
           </a:p>
         </p:txBody>
       </p:sp>
@@ -17831,8 +19103,8 @@
   </p:clrMapOvr>
   <mc:AlternateContent xmlns:mc="http://schemas.openxmlformats.org/markup-compatibility/2006">
     <mc:Choice xmlns:p14="http://schemas.microsoft.com/office/powerpoint/2010/main" Requires="p14">
-      <p:transition spd="slow" p14:dur="900">
-        <p14:warp dir="in"/>
+      <p:transition spd="slow" p14:dur="800">
+        <p14:flythrough/>
       </p:transition>
     </mc:Choice>
     <mc:Fallback>
@@ -18498,14 +19770,14 @@
           <p:nvPr>
             <p:extLst>
               <p:ext uri="{D42A27DB-BD31-4B8C-83A1-F6EECF244321}">
-                <p14:modId xmlns:p14="http://schemas.microsoft.com/office/powerpoint/2010/main" val="817306119"/>
+                <p14:modId xmlns:p14="http://schemas.microsoft.com/office/powerpoint/2010/main" val="867319002"/>
               </p:ext>
             </p:extLst>
           </p:nvPr>
         </p:nvGraphicFramePr>
         <p:xfrm>
-          <a:off x="899592" y="3717032"/>
-          <a:ext cx="7344818" cy="1712239"/>
+          <a:off x="323528" y="3717032"/>
+          <a:ext cx="8568951" cy="1872207"/>
         </p:xfrm>
         <a:graphic>
           <a:graphicData uri="http://schemas.openxmlformats.org/drawingml/2006/table">
@@ -18514,13 +19786,13 @@
                 <a:tableStyleId>{5C22544A-7EE6-4342-B048-85BDC9FD1C3A}</a:tableStyleId>
               </a:tblPr>
               <a:tblGrid>
-                <a:gridCol w="1666848"/>
-                <a:gridCol w="997448"/>
-                <a:gridCol w="1224136"/>
-                <a:gridCol w="1994662"/>
-                <a:gridCol w="1461724"/>
+                <a:gridCol w="1944655"/>
+                <a:gridCol w="1499726"/>
+                <a:gridCol w="1236139"/>
+                <a:gridCol w="1944216"/>
+                <a:gridCol w="1944215"/>
               </a:tblGrid>
-              <a:tr h="252833">
+              <a:tr h="275443">
                 <a:tc>
                   <a:txBody>
                     <a:bodyPr/>
@@ -18564,10 +19836,10 @@
                         </a:spcAft>
                       </a:pPr>
                       <a:r>
-                        <a:rPr lang="en-US" sz="1400" dirty="0">
+                        <a:rPr lang="en-US" sz="1400" dirty="0" smtClean="0">
                           <a:effectLst/>
                         </a:rPr>
-                        <a:t>Address</a:t>
+                        <a:t>Address (hex)</a:t>
                       </a:r>
                       <a:endParaRPr lang="en-US" sz="1400" dirty="0">
                         <a:effectLst/>
@@ -18651,7 +19923,7 @@
                         </a:spcAft>
                       </a:pPr>
                       <a:r>
-                        <a:rPr lang="en-US" sz="1400" dirty="0">
+                        <a:rPr lang="en-US" sz="1400" dirty="0" smtClean="0">
                           <a:effectLst/>
                         </a:rPr>
                         <a:t>Place</a:t>
@@ -18667,7 +19939,7 @@
                   <a:tcPr marL="68580" marR="68580" marT="0" marB="0"/>
                 </a:tc>
               </a:tr>
-              <a:tr h="323231">
+              <a:tr h="420053">
                 <a:tc>
                   <a:txBody>
                     <a:bodyPr/>
@@ -18804,12 +20076,12 @@
                         </a:spcAft>
                       </a:pPr>
                       <a:r>
-                        <a:rPr lang="en-US" sz="1100">
+                        <a:rPr lang="en-US" sz="1100" dirty="0" err="1" smtClean="0">
                           <a:effectLst/>
                         </a:rPr>
-                        <a:t>Mem_mng_top</a:t>
+                        <a:t>Img_man_top</a:t>
                       </a:r>
-                      <a:endParaRPr lang="en-US" sz="1100">
+                      <a:endParaRPr lang="en-US" sz="1100" dirty="0">
                         <a:effectLst/>
                         <a:latin typeface="Calibri"/>
                         <a:ea typeface="Calibri"/>
@@ -18820,7 +20092,7 @@
                   <a:tcPr marL="68580" marR="68580" marT="0" marB="0"/>
                 </a:tc>
               </a:tr>
-              <a:tr h="360040">
+              <a:tr h="392237">
                 <a:tc>
                   <a:txBody>
                     <a:bodyPr/>
@@ -18957,12 +20229,12 @@
                         </a:spcAft>
                       </a:pPr>
                       <a:r>
-                        <a:rPr lang="en-US" sz="1100">
+                        <a:rPr lang="en-US" sz="1100" dirty="0" err="1" smtClean="0">
                           <a:effectLst/>
                         </a:rPr>
-                        <a:t>Mem_mng_top</a:t>
+                        <a:t>Img_man_top</a:t>
                       </a:r>
-                      <a:endParaRPr lang="en-US" sz="1100">
+                      <a:endParaRPr lang="en-US" sz="1100" dirty="0">
                         <a:effectLst/>
                         <a:latin typeface="Calibri"/>
                         <a:ea typeface="Calibri"/>
@@ -18973,7 +20245,7 @@
                   <a:tcPr marL="68580" marR="68580" marT="0" marB="0"/>
                 </a:tc>
               </a:tr>
-              <a:tr h="360040">
+              <a:tr h="392237">
                 <a:tc>
                   <a:txBody>
                     <a:bodyPr/>
@@ -19104,12 +20376,12 @@
                         </a:spcAft>
                       </a:pPr>
                       <a:r>
-                        <a:rPr lang="en-US" sz="1100">
+                        <a:rPr lang="en-US" sz="1100" dirty="0" err="1" smtClean="0">
                           <a:effectLst/>
                         </a:rPr>
-                        <a:t>Mem_mng_top</a:t>
+                        <a:t>Img_man_top</a:t>
                       </a:r>
-                      <a:endParaRPr lang="en-US" sz="1100">
+                      <a:endParaRPr lang="en-US" sz="1100" dirty="0">
                         <a:effectLst/>
                         <a:latin typeface="Calibri"/>
                         <a:ea typeface="Calibri"/>
@@ -19120,7 +20392,7 @@
                   <a:tcPr marL="68580" marR="68580" marT="0" marB="0"/>
                 </a:tc>
               </a:tr>
-              <a:tr h="360040">
+              <a:tr h="392237">
                 <a:tc>
                   <a:txBody>
                     <a:bodyPr/>
@@ -19251,10 +20523,10 @@
                         </a:spcAft>
                       </a:pPr>
                       <a:r>
-                        <a:rPr lang="en-US" sz="1100" dirty="0" err="1">
+                        <a:rPr lang="en-US" sz="1100" dirty="0" err="1" smtClean="0">
                           <a:effectLst/>
                         </a:rPr>
-                        <a:t>Mem_mng_top</a:t>
+                        <a:t>Img_man_top</a:t>
                       </a:r>
                       <a:endParaRPr lang="en-US" sz="1100" dirty="0">
                         <a:effectLst/>

--- a/Presentation/Mid_Presentation.pptx
+++ b/Presentation/Mid_Presentation.pptx
@@ -18,14 +18,14 @@
     <p:sldId id="283" r:id="rId9"/>
     <p:sldId id="285" r:id="rId10"/>
     <p:sldId id="286" r:id="rId11"/>
-    <p:sldId id="284" r:id="rId12"/>
-    <p:sldId id="293" r:id="rId13"/>
-    <p:sldId id="300" r:id="rId14"/>
-    <p:sldId id="287" r:id="rId15"/>
-    <p:sldId id="289" r:id="rId16"/>
-    <p:sldId id="290" r:id="rId17"/>
-    <p:sldId id="281" r:id="rId18"/>
-    <p:sldId id="292" r:id="rId19"/>
+    <p:sldId id="302" r:id="rId12"/>
+    <p:sldId id="284" r:id="rId13"/>
+    <p:sldId id="293" r:id="rId14"/>
+    <p:sldId id="300" r:id="rId15"/>
+    <p:sldId id="287" r:id="rId16"/>
+    <p:sldId id="289" r:id="rId17"/>
+    <p:sldId id="290" r:id="rId18"/>
+    <p:sldId id="281" r:id="rId19"/>
     <p:sldId id="294" r:id="rId20"/>
     <p:sldId id="301" r:id="rId21"/>
   </p:sldIdLst>
@@ -610,7 +610,67 @@
           <a:bodyPr/>
           <a:lstStyle/>
           <a:p>
-            <a:endParaRPr lang="he-IL" dirty="0" smtClean="0"/>
+            <a:r>
+              <a:rPr lang="he-IL" dirty="0" smtClean="0"/>
+              <a:t>לצורך סימולציה של תמונה לא </a:t>
+            </a:r>
+            <a:r>
+              <a:rPr lang="he-IL" dirty="0" smtClean="0"/>
+              <a:t>דחוסה בגודל</a:t>
+            </a:r>
+            <a:r>
+              <a:rPr lang="he-IL" baseline="0" dirty="0" smtClean="0"/>
+              <a:t> מלא (</a:t>
+            </a:r>
+            <a:r>
+              <a:rPr lang="en-US" baseline="0" dirty="0" smtClean="0"/>
+              <a:t>640x480</a:t>
+            </a:r>
+            <a:r>
+              <a:rPr lang="he-IL" baseline="0" smtClean="0"/>
+              <a:t> על פי דרישות הפרויקט)</a:t>
+            </a:r>
+            <a:r>
+              <a:rPr lang="he-IL" smtClean="0"/>
+              <a:t>, </a:t>
+            </a:r>
+            <a:r>
+              <a:rPr lang="he-IL" dirty="0" smtClean="0"/>
+              <a:t>נדרש הרבה זמן</a:t>
+            </a:r>
+          </a:p>
+          <a:p>
+            <a:r>
+              <a:rPr lang="he-IL" dirty="0" smtClean="0"/>
+              <a:t>לכן העדפנו</a:t>
+            </a:r>
+            <a:r>
+              <a:rPr lang="he-IL" baseline="0" dirty="0" smtClean="0"/>
+              <a:t> לעבוד על רזולוציות נמוכות. לקח הרבה זמן כדי לגרום למערכת לתמוך ברזולוציות קטנות</a:t>
+            </a:r>
+          </a:p>
+          <a:p>
+            <a:r>
+              <a:rPr lang="he-IL" baseline="0" dirty="0" smtClean="0"/>
+              <a:t>שינוי </a:t>
+            </a:r>
+            <a:r>
+              <a:rPr lang="he-IL" baseline="0" dirty="0" err="1" smtClean="0"/>
+              <a:t>ג'נריקים</a:t>
+            </a:r>
+            <a:r>
+              <a:rPr lang="he-IL" baseline="0" dirty="0" smtClean="0"/>
+              <a:t>, הרבה </a:t>
+            </a:r>
+            <a:r>
+              <a:rPr lang="he-IL" baseline="0" dirty="0" err="1" smtClean="0"/>
+              <a:t>דיבאגים</a:t>
+            </a:r>
+            <a:r>
+              <a:rPr lang="he-IL" baseline="0" dirty="0" smtClean="0"/>
+              <a:t> ולמידה של המערכת</a:t>
+            </a:r>
+            <a:endParaRPr lang="he-IL" dirty="0"/>
           </a:p>
         </p:txBody>
       </p:sp>
@@ -632,7 +692,7 @@
             <a:fld id="{2C03A9CB-966F-4A57-B2C3-5A442A549DBA}" type="slidenum">
               <a:rPr lang="he-IL" smtClean="0"/>
               <a:pPr/>
-              <a:t>11</a:t>
+              <a:t>10</a:t>
             </a:fld>
             <a:endParaRPr lang="he-IL"/>
           </a:p>
@@ -641,7 +701,7 @@
     </p:spTree>
     <p:extLst>
       <p:ext uri="{BB962C8B-B14F-4D97-AF65-F5344CB8AC3E}">
-        <p14:creationId xmlns:p14="http://schemas.microsoft.com/office/powerpoint/2010/main" val="3261242441"/>
+        <p14:creationId xmlns:p14="http://schemas.microsoft.com/office/powerpoint/2010/main" val="2079223723"/>
       </p:ext>
     </p:extLst>
   </p:cSld>
@@ -692,108 +752,12 @@
         </p:nvSpPr>
         <p:spPr/>
         <p:txBody>
-          <a:bodyPr/>
+          <a:bodyPr>
+            <a:normAutofit/>
+          </a:bodyPr>
           <a:lstStyle/>
           <a:p>
-            <a:r>
-              <a:rPr lang="he-IL" dirty="0" smtClean="0"/>
-              <a:t>על</a:t>
-            </a:r>
-            <a:r>
-              <a:rPr lang="he-IL" baseline="0" dirty="0" smtClean="0"/>
-              <a:t> מנת לסובב תמונה נדרשים 4 </a:t>
-            </a:r>
-            <a:r>
-              <a:rPr lang="he-IL" baseline="0" dirty="0" err="1" smtClean="0"/>
-              <a:t>פקסלים</a:t>
-            </a:r>
-            <a:r>
-              <a:rPr lang="he-IL" baseline="0" dirty="0" smtClean="0"/>
-              <a:t> מתמונת המקור.</a:t>
-            </a:r>
-          </a:p>
-          <a:p>
-            <a:r>
-              <a:rPr lang="he-IL" dirty="0" smtClean="0"/>
-              <a:t>כל פיקסל נקרא בנפרד – תחילה מחושבת הכתובת </a:t>
-            </a:r>
-            <a:r>
-              <a:rPr lang="he-IL" dirty="0" err="1" smtClean="0"/>
-              <a:t>המטריצית</a:t>
-            </a:r>
-            <a:r>
-              <a:rPr lang="he-IL" dirty="0" smtClean="0"/>
-              <a:t> של הפיקסל הדרוש (מתוך הארבעה)</a:t>
-            </a:r>
-          </a:p>
-          <a:p>
-            <a:r>
-              <a:rPr lang="he-IL" dirty="0" smtClean="0"/>
-              <a:t>לאחר מכן  הכתובת מומרת לכתובת </a:t>
-            </a:r>
-            <a:r>
-              <a:rPr lang="en-US" dirty="0" smtClean="0"/>
-              <a:t>SDRAM</a:t>
-            </a:r>
-            <a:r>
-              <a:rPr lang="he-IL" dirty="0" smtClean="0"/>
-              <a:t> (יכול להיות ששני הרכיבים יאוחדו לרכיב</a:t>
-            </a:r>
-            <a:r>
-              <a:rPr lang="he-IL" baseline="0" dirty="0" smtClean="0"/>
-              <a:t> אחד)</a:t>
-            </a:r>
-          </a:p>
-          <a:p>
-            <a:r>
-              <a:rPr lang="he-IL" baseline="0" dirty="0" smtClean="0"/>
-              <a:t>לאחר מכן מתבצעת קריאה </a:t>
-            </a:r>
-            <a:r>
-              <a:rPr lang="he-IL" baseline="0" dirty="0" err="1" smtClean="0"/>
-              <a:t>מהזכרון</a:t>
-            </a:r>
-            <a:r>
-              <a:rPr lang="he-IL" baseline="0" dirty="0" smtClean="0"/>
-              <a:t> של ערך </a:t>
-            </a:r>
-            <a:r>
-              <a:rPr lang="he-IL" baseline="0" dirty="0" err="1" smtClean="0"/>
-              <a:t>הפקסל</a:t>
-            </a:r>
-            <a:r>
-              <a:rPr lang="he-IL" baseline="0" dirty="0" smtClean="0"/>
-              <a:t>,</a:t>
-            </a:r>
-          </a:p>
-          <a:p>
-            <a:r>
-              <a:rPr lang="he-IL" baseline="0" dirty="0" smtClean="0"/>
-              <a:t>חוזר על עצמו 4 פעמים עד אשר יש לנו ארבעה </a:t>
-            </a:r>
-            <a:r>
-              <a:rPr lang="he-IL" baseline="0" dirty="0" err="1" smtClean="0"/>
-              <a:t>פקסלים</a:t>
-            </a:r>
-            <a:r>
-              <a:rPr lang="he-IL" baseline="0" dirty="0" smtClean="0"/>
-              <a:t> לביצוע אינטרפולציה בי-לינארית</a:t>
-            </a:r>
-          </a:p>
-          <a:p>
-            <a:r>
-              <a:rPr lang="he-IL" baseline="0" dirty="0" smtClean="0"/>
-              <a:t>מבוצעת אינטרפולציה וערך הפיקסל החדש נכתב לבנק חדש </a:t>
-            </a:r>
-            <a:r>
-              <a:rPr lang="he-IL" baseline="0" dirty="0" err="1" smtClean="0"/>
-              <a:t>בזכרון</a:t>
-            </a:r>
-            <a:r>
-              <a:rPr lang="he-IL" baseline="0" dirty="0" smtClean="0"/>
-              <a:t> שיכיל את התמונה המסובבת</a:t>
-            </a:r>
-            <a:endParaRPr lang="he-IL" dirty="0"/>
+            <a:endParaRPr lang="he-IL"/>
           </a:p>
         </p:txBody>
       </p:sp>
@@ -815,18 +779,13 @@
             <a:fld id="{2C03A9CB-966F-4A57-B2C3-5A442A549DBA}" type="slidenum">
               <a:rPr lang="he-IL" smtClean="0"/>
               <a:pPr/>
-              <a:t>12</a:t>
+              <a:t>11</a:t>
             </a:fld>
             <a:endParaRPr lang="he-IL"/>
           </a:p>
         </p:txBody>
       </p:sp>
     </p:spTree>
-    <p:extLst>
-      <p:ext uri="{BB962C8B-B14F-4D97-AF65-F5344CB8AC3E}">
-        <p14:creationId xmlns:p14="http://schemas.microsoft.com/office/powerpoint/2010/main" val="612870427"/>
-      </p:ext>
-    </p:extLst>
   </p:cSld>
   <p:clrMapOvr>
     <a:masterClrMapping/>
@@ -878,12 +837,6 @@
           <a:bodyPr/>
           <a:lstStyle/>
           <a:p>
-            <a:r>
-              <a:rPr lang="he-IL" dirty="0" smtClean="0"/>
-              <a:t>תרשים זרימת מידע</a:t>
-            </a:r>
-          </a:p>
-          <a:p>
             <a:endParaRPr lang="he-IL" dirty="0" smtClean="0"/>
           </a:p>
         </p:txBody>
@@ -906,7 +859,7 @@
             <a:fld id="{2C03A9CB-966F-4A57-B2C3-5A442A549DBA}" type="slidenum">
               <a:rPr lang="he-IL" smtClean="0"/>
               <a:pPr/>
-              <a:t>13</a:t>
+              <a:t>12</a:t>
             </a:fld>
             <a:endParaRPr lang="he-IL"/>
           </a:p>
@@ -969,6 +922,104 @@
           <a:bodyPr/>
           <a:lstStyle/>
           <a:p>
+            <a:r>
+              <a:rPr lang="he-IL" dirty="0" smtClean="0"/>
+              <a:t>על</a:t>
+            </a:r>
+            <a:r>
+              <a:rPr lang="he-IL" baseline="0" dirty="0" smtClean="0"/>
+              <a:t> מנת לסובב תמונה נדרשים 4 </a:t>
+            </a:r>
+            <a:r>
+              <a:rPr lang="he-IL" baseline="0" dirty="0" err="1" smtClean="0"/>
+              <a:t>פקסלים</a:t>
+            </a:r>
+            <a:r>
+              <a:rPr lang="he-IL" baseline="0" dirty="0" smtClean="0"/>
+              <a:t> מתמונת המקור.</a:t>
+            </a:r>
+          </a:p>
+          <a:p>
+            <a:r>
+              <a:rPr lang="he-IL" dirty="0" smtClean="0"/>
+              <a:t>כל פיקסל נקרא בנפרד – תחילה מחושבת הכתובת </a:t>
+            </a:r>
+            <a:r>
+              <a:rPr lang="he-IL" dirty="0" err="1" smtClean="0"/>
+              <a:t>המטריצית</a:t>
+            </a:r>
+            <a:r>
+              <a:rPr lang="he-IL" dirty="0" smtClean="0"/>
+              <a:t> של הפיקסל הדרוש (מתוך הארבעה)</a:t>
+            </a:r>
+          </a:p>
+          <a:p>
+            <a:r>
+              <a:rPr lang="he-IL" dirty="0" smtClean="0"/>
+              <a:t>לאחר מכן  הכתובת מומרת לכתובת </a:t>
+            </a:r>
+            <a:r>
+              <a:rPr lang="en-US" dirty="0" smtClean="0"/>
+              <a:t>SDRAM</a:t>
+            </a:r>
+            <a:r>
+              <a:rPr lang="he-IL" dirty="0" smtClean="0"/>
+              <a:t> (יכול להיות ששני הרכיבים יאוחדו לרכיב</a:t>
+            </a:r>
+            <a:r>
+              <a:rPr lang="he-IL" baseline="0" dirty="0" smtClean="0"/>
+              <a:t> אחד)</a:t>
+            </a:r>
+          </a:p>
+          <a:p>
+            <a:r>
+              <a:rPr lang="he-IL" baseline="0" dirty="0" smtClean="0"/>
+              <a:t>לאחר מכן מתבצעת קריאה </a:t>
+            </a:r>
+            <a:r>
+              <a:rPr lang="he-IL" baseline="0" dirty="0" err="1" smtClean="0"/>
+              <a:t>מהזכרון</a:t>
+            </a:r>
+            <a:r>
+              <a:rPr lang="he-IL" baseline="0" dirty="0" smtClean="0"/>
+              <a:t> של ערך </a:t>
+            </a:r>
+            <a:r>
+              <a:rPr lang="he-IL" baseline="0" dirty="0" err="1" smtClean="0"/>
+              <a:t>הפקסל</a:t>
+            </a:r>
+            <a:r>
+              <a:rPr lang="he-IL" baseline="0" dirty="0" smtClean="0"/>
+              <a:t>,</a:t>
+            </a:r>
+          </a:p>
+          <a:p>
+            <a:r>
+              <a:rPr lang="he-IL" baseline="0" dirty="0" smtClean="0"/>
+              <a:t>חוזר על עצמו 4 פעמים עד אשר יש לנו ארבעה </a:t>
+            </a:r>
+            <a:r>
+              <a:rPr lang="he-IL" baseline="0" dirty="0" err="1" smtClean="0"/>
+              <a:t>פקסלים</a:t>
+            </a:r>
+            <a:r>
+              <a:rPr lang="he-IL" baseline="0" dirty="0" smtClean="0"/>
+              <a:t> לביצוע אינטרפולציה בי-לינארית</a:t>
+            </a:r>
+          </a:p>
+          <a:p>
+            <a:r>
+              <a:rPr lang="he-IL" baseline="0" dirty="0" smtClean="0"/>
+              <a:t>מבוצעת אינטרפולציה וערך הפיקסל החדש נכתב לבנק חדש </a:t>
+            </a:r>
+            <a:r>
+              <a:rPr lang="he-IL" baseline="0" dirty="0" err="1" smtClean="0"/>
+              <a:t>בזכרון</a:t>
+            </a:r>
+            <a:r>
+              <a:rPr lang="he-IL" baseline="0" dirty="0" smtClean="0"/>
+              <a:t> שיכיל את התמונה המסובבת</a:t>
+            </a:r>
             <a:endParaRPr lang="he-IL" dirty="0"/>
           </a:p>
         </p:txBody>
@@ -991,7 +1042,7 @@
             <a:fld id="{2C03A9CB-966F-4A57-B2C3-5A442A549DBA}" type="slidenum">
               <a:rPr lang="he-IL" smtClean="0"/>
               <a:pPr/>
-              <a:t>14</a:t>
+              <a:t>13</a:t>
             </a:fld>
             <a:endParaRPr lang="he-IL"/>
           </a:p>
@@ -1000,7 +1051,7 @@
     </p:spTree>
     <p:extLst>
       <p:ext uri="{BB962C8B-B14F-4D97-AF65-F5344CB8AC3E}">
-        <p14:creationId xmlns:p14="http://schemas.microsoft.com/office/powerpoint/2010/main" val="2414631293"/>
+        <p14:creationId xmlns:p14="http://schemas.microsoft.com/office/powerpoint/2010/main" val="612870427"/>
       </p:ext>
     </p:extLst>
   </p:cSld>
@@ -1054,7 +1105,13 @@
           <a:bodyPr/>
           <a:lstStyle/>
           <a:p>
-            <a:endParaRPr lang="he-IL" dirty="0"/>
+            <a:r>
+              <a:rPr lang="he-IL" dirty="0" smtClean="0"/>
+              <a:t>תרשים זרימת מידע</a:t>
+            </a:r>
+          </a:p>
+          <a:p>
+            <a:endParaRPr lang="he-IL" dirty="0" smtClean="0"/>
           </a:p>
         </p:txBody>
       </p:sp>
@@ -1076,7 +1133,7 @@
             <a:fld id="{2C03A9CB-966F-4A57-B2C3-5A442A549DBA}" type="slidenum">
               <a:rPr lang="he-IL" smtClean="0"/>
               <a:pPr/>
-              <a:t>15</a:t>
+              <a:t>14</a:t>
             </a:fld>
             <a:endParaRPr lang="he-IL"/>
           </a:p>
@@ -1085,7 +1142,7 @@
     </p:spTree>
     <p:extLst>
       <p:ext uri="{BB962C8B-B14F-4D97-AF65-F5344CB8AC3E}">
-        <p14:creationId xmlns:p14="http://schemas.microsoft.com/office/powerpoint/2010/main" val="2347719014"/>
+        <p14:creationId xmlns:p14="http://schemas.microsoft.com/office/powerpoint/2010/main" val="3261242441"/>
       </p:ext>
     </p:extLst>
   </p:cSld>
@@ -1136,12 +1193,10 @@
         </p:nvSpPr>
         <p:spPr/>
         <p:txBody>
-          <a:bodyPr>
-            <a:normAutofit/>
-          </a:bodyPr>
+          <a:bodyPr/>
           <a:lstStyle/>
           <a:p>
-            <a:endParaRPr lang="he-IL"/>
+            <a:endParaRPr lang="he-IL" dirty="0"/>
           </a:p>
         </p:txBody>
       </p:sp>
@@ -1163,13 +1218,18 @@
             <a:fld id="{2C03A9CB-966F-4A57-B2C3-5A442A549DBA}" type="slidenum">
               <a:rPr lang="he-IL" smtClean="0"/>
               <a:pPr/>
-              <a:t>17</a:t>
+              <a:t>15</a:t>
             </a:fld>
             <a:endParaRPr lang="he-IL"/>
           </a:p>
         </p:txBody>
       </p:sp>
     </p:spTree>
+    <p:extLst>
+      <p:ext uri="{BB962C8B-B14F-4D97-AF65-F5344CB8AC3E}">
+        <p14:creationId xmlns:p14="http://schemas.microsoft.com/office/powerpoint/2010/main" val="2414631293"/>
+      </p:ext>
+    </p:extLst>
   </p:cSld>
   <p:clrMapOvr>
     <a:masterClrMapping/>
@@ -1218,12 +1278,10 @@
         </p:nvSpPr>
         <p:spPr/>
         <p:txBody>
-          <a:bodyPr>
-            <a:normAutofit/>
-          </a:bodyPr>
+          <a:bodyPr/>
           <a:lstStyle/>
           <a:p>
-            <a:endParaRPr lang="he-IL"/>
+            <a:endParaRPr lang="he-IL" dirty="0"/>
           </a:p>
         </p:txBody>
       </p:sp>
@@ -1245,6 +1303,93 @@
             <a:fld id="{2C03A9CB-966F-4A57-B2C3-5A442A549DBA}" type="slidenum">
               <a:rPr lang="he-IL" smtClean="0"/>
               <a:pPr/>
+              <a:t>16</a:t>
+            </a:fld>
+            <a:endParaRPr lang="he-IL"/>
+          </a:p>
+        </p:txBody>
+      </p:sp>
+    </p:spTree>
+    <p:extLst>
+      <p:ext uri="{BB962C8B-B14F-4D97-AF65-F5344CB8AC3E}">
+        <p14:creationId xmlns:p14="http://schemas.microsoft.com/office/powerpoint/2010/main" val="2347719014"/>
+      </p:ext>
+    </p:extLst>
+  </p:cSld>
+  <p:clrMapOvr>
+    <a:masterClrMapping/>
+  </p:clrMapOvr>
+</p:notes>
+</file>
+
+<file path=ppt/notesSlides/notesSlide17.xml><?xml version="1.0" encoding="utf-8"?>
+<p:notes xmlns:a="http://schemas.openxmlformats.org/drawingml/2006/main" xmlns:r="http://schemas.openxmlformats.org/officeDocument/2006/relationships" xmlns:p="http://schemas.openxmlformats.org/presentationml/2006/main">
+  <p:cSld>
+    <p:spTree>
+      <p:nvGrpSpPr>
+        <p:cNvPr id="1" name=""/>
+        <p:cNvGrpSpPr/>
+        <p:nvPr/>
+      </p:nvGrpSpPr>
+      <p:grpSpPr>
+        <a:xfrm>
+          <a:off x="0" y="0"/>
+          <a:ext cx="0" cy="0"/>
+          <a:chOff x="0" y="0"/>
+          <a:chExt cx="0" cy="0"/>
+        </a:xfrm>
+      </p:grpSpPr>
+      <p:sp>
+        <p:nvSpPr>
+          <p:cNvPr id="2" name="Slide Image Placeholder 1"/>
+          <p:cNvSpPr>
+            <a:spLocks noGrp="1" noRot="1" noChangeAspect="1"/>
+          </p:cNvSpPr>
+          <p:nvPr>
+            <p:ph type="sldImg"/>
+          </p:nvPr>
+        </p:nvSpPr>
+        <p:spPr/>
+      </p:sp>
+      <p:sp>
+        <p:nvSpPr>
+          <p:cNvPr id="3" name="Notes Placeholder 2"/>
+          <p:cNvSpPr>
+            <a:spLocks noGrp="1"/>
+          </p:cNvSpPr>
+          <p:nvPr>
+            <p:ph type="body" idx="1"/>
+          </p:nvPr>
+        </p:nvSpPr>
+        <p:spPr/>
+        <p:txBody>
+          <a:bodyPr>
+            <a:normAutofit/>
+          </a:bodyPr>
+          <a:lstStyle/>
+          <a:p>
+            <a:endParaRPr lang="he-IL"/>
+          </a:p>
+        </p:txBody>
+      </p:sp>
+      <p:sp>
+        <p:nvSpPr>
+          <p:cNvPr id="4" name="Slide Number Placeholder 3"/>
+          <p:cNvSpPr>
+            <a:spLocks noGrp="1"/>
+          </p:cNvSpPr>
+          <p:nvPr>
+            <p:ph type="sldNum" sz="quarter" idx="10"/>
+          </p:nvPr>
+        </p:nvSpPr>
+        <p:spPr/>
+        <p:txBody>
+          <a:bodyPr/>
+          <a:lstStyle/>
+          <a:p>
+            <a:fld id="{2C03A9CB-966F-4A57-B2C3-5A442A549DBA}" type="slidenum">
+              <a:rPr lang="he-IL" smtClean="0"/>
+              <a:pPr/>
               <a:t>18</a:t>
             </a:fld>
             <a:endParaRPr lang="he-IL"/>
@@ -1259,7 +1404,7 @@
 </p:notes>
 </file>
 
-<file path=ppt/notesSlides/notesSlide17.xml><?xml version="1.0" encoding="utf-8"?>
+<file path=ppt/notesSlides/notesSlide18.xml><?xml version="1.0" encoding="utf-8"?>
 <p:notes xmlns:a="http://schemas.openxmlformats.org/drawingml/2006/main" xmlns:r="http://schemas.openxmlformats.org/officeDocument/2006/relationships" xmlns:p="http://schemas.openxmlformats.org/presentationml/2006/main">
   <p:cSld>
     <p:spTree>
@@ -1714,44 +1859,36 @@
           <a:lstStyle/>
           <a:p>
             <a:r>
-              <a:rPr lang="he-IL" dirty="0" smtClean="0"/>
-              <a:t>ארכיטקטורה מפרויקט</a:t>
+              <a:rPr lang="en-US" dirty="0" smtClean="0"/>
+              <a:t>Zoom</a:t>
             </a:r>
             <a:r>
               <a:rPr lang="he-IL" baseline="0" dirty="0" smtClean="0"/>
-              <a:t> של סטודנטים מהפקולטה משנה שעברה.</a:t>
-            </a:r>
-          </a:p>
-          <a:p>
+              <a:t> – ככל הנראה ימומש עבור חזקות של 2 ז"א  2,4,8</a:t>
+            </a:r>
+          </a:p>
+          <a:p>
+            <a:r>
+              <a:rPr lang="en-US" dirty="0" smtClean="0"/>
+              <a:t>Crop</a:t>
+            </a:r>
             <a:r>
               <a:rPr lang="he-IL" baseline="0" dirty="0" smtClean="0"/>
-              <a:t>המערכת לוקחת תמונה דחוסה שמקודדת ב</a:t>
-            </a:r>
-            <a:r>
-              <a:rPr lang="en-US" baseline="0" dirty="0" smtClean="0"/>
-              <a:t>RUNLENGTH </a:t>
-            </a:r>
+              <a:t> – המשתמש יתן קורדיטת עניין שמתארת את הפינה העליונה של התחום עניין </a:t>
+            </a:r>
+          </a:p>
+          <a:p>
             <a:r>
               <a:rPr lang="he-IL" baseline="0" dirty="0" smtClean="0"/>
-              <a:t> (מה שלא ייקרה אצלנו)</a:t>
+              <a:t>כרגע כל האלגוריתמים ממומשים בתוך החישוב של הכתובת של פיקסל השערוך,</a:t>
             </a:r>
           </a:p>
           <a:p>
             <a:r>
               <a:rPr lang="he-IL" baseline="0" dirty="0" smtClean="0"/>
-              <a:t>כותבת אותה דחוסה לתוך הזכרון</a:t>
-            </a:r>
-          </a:p>
-          <a:p>
-            <a:r>
-              <a:rPr lang="he-IL" baseline="0" smtClean="0"/>
-              <a:t>קוראת </a:t>
-            </a:r>
-            <a:r>
-              <a:rPr lang="he-IL" baseline="0" dirty="0" smtClean="0"/>
-              <a:t>אותה מהזכרון , פורסת אותה ומציגה אותה למסך.</a:t>
-            </a:r>
-            <a:endParaRPr lang="he-IL" dirty="0" smtClean="0"/>
+              <a:t> אנחנו עדיין צריכים לבדוק אם המימוש החומרתי של הסיפור יבוצע בדיוק באותו האופן</a:t>
+            </a:r>
+            <a:endParaRPr lang="he-IL" dirty="0"/>
           </a:p>
         </p:txBody>
       </p:sp>
@@ -1773,7 +1910,7 @@
             <a:fld id="{2C03A9CB-966F-4A57-B2C3-5A442A549DBA}" type="slidenum">
               <a:rPr lang="he-IL" smtClean="0"/>
               <a:pPr/>
-              <a:t>7</a:t>
+              <a:t>6</a:t>
             </a:fld>
             <a:endParaRPr lang="he-IL"/>
           </a:p>
@@ -1782,7 +1919,7 @@
     </p:spTree>
     <p:extLst>
       <p:ext uri="{BB962C8B-B14F-4D97-AF65-F5344CB8AC3E}">
-        <p14:creationId xmlns:p14="http://schemas.microsoft.com/office/powerpoint/2010/main" val="3261242441"/>
+        <p14:creationId xmlns:p14="http://schemas.microsoft.com/office/powerpoint/2010/main" val="3195440982"/>
       </p:ext>
     </p:extLst>
   </p:cSld>
@@ -1838,57 +1975,43 @@
           <a:p>
             <a:r>
               <a:rPr lang="he-IL" dirty="0" smtClean="0"/>
-              <a:t>לפני השינוי מערכת </a:t>
-            </a:r>
-            <a:r>
-              <a:rPr lang="he-IL" dirty="0" err="1" smtClean="0"/>
-              <a:t>המטלב</a:t>
-            </a:r>
-            <a:r>
-              <a:rPr lang="he-IL" dirty="0" smtClean="0"/>
-              <a:t> דחסה תמונה בקידוד </a:t>
-            </a:r>
-            <a:r>
-              <a:rPr lang="en-US" dirty="0" err="1" smtClean="0"/>
-              <a:t>runlength</a:t>
-            </a:r>
-            <a:endParaRPr lang="en-US" dirty="0" smtClean="0"/>
-          </a:p>
-          <a:p>
-            <a:r>
-              <a:rPr lang="he-IL" dirty="0" smtClean="0"/>
-              <a:t>לאחר</a:t>
+              <a:t>ארכיטקטורה מפרויקט</a:t>
             </a:r>
             <a:r>
               <a:rPr lang="he-IL" baseline="0" dirty="0" smtClean="0"/>
-              <a:t> מכן חלקה את החבילה למנות על מנת לשלוח אותה ב</a:t>
+              <a:t> של סטודנטים מהפקולטה משנה שעברה.</a:t>
+            </a:r>
+          </a:p>
+          <a:p>
+            <a:r>
+              <a:rPr lang="he-IL" baseline="0" dirty="0" smtClean="0"/>
+              <a:t>המערכת לוקחת תמונה דחוסה שמקודדת ב</a:t>
             </a:r>
             <a:r>
               <a:rPr lang="en-US" baseline="0" dirty="0" smtClean="0"/>
-              <a:t>UART</a:t>
-            </a:r>
-            <a:endParaRPr lang="he-IL" baseline="0" dirty="0" smtClean="0"/>
-          </a:p>
-          <a:p>
+              <a:t>RUNLENGTH </a:t>
+            </a:r>
             <a:r>
               <a:rPr lang="he-IL" baseline="0" dirty="0" smtClean="0"/>
-              <a:t>אצלנו במערכת, התמונה אינה עוברת דחיסה, כמו כן נוספה תמיכה של כתיבה פרמטרי משתמש אל הרגיסטרים המתאימים.</a:t>
+              <a:t> (מה שלא ייקרה אצלנו)</a:t>
             </a:r>
           </a:p>
           <a:p>
             <a:r>
               <a:rPr lang="he-IL" baseline="0" dirty="0" smtClean="0"/>
-              <a:t>עדכון חישובי ה</a:t>
-            </a:r>
-            <a:r>
-              <a:rPr lang="en-US" baseline="0" dirty="0" smtClean="0"/>
-              <a:t>CRC</a:t>
+              <a:t>כותבת אותה דחוסה לתוך הזכרון</a:t>
+            </a:r>
+          </a:p>
+          <a:p>
+            <a:r>
+              <a:rPr lang="he-IL" baseline="0" smtClean="0"/>
+              <a:t>קוראת </a:t>
             </a:r>
             <a:r>
               <a:rPr lang="he-IL" baseline="0" dirty="0" smtClean="0"/>
-              <a:t>.</a:t>
-            </a:r>
-            <a:endParaRPr lang="he-IL" dirty="0"/>
+              <a:t>אותה מהזכרון , פורסת אותה ומציגה אותה למסך.</a:t>
+            </a:r>
+            <a:endParaRPr lang="he-IL" dirty="0" smtClean="0"/>
           </a:p>
         </p:txBody>
       </p:sp>
@@ -1910,7 +2033,7 @@
             <a:fld id="{2C03A9CB-966F-4A57-B2C3-5A442A549DBA}" type="slidenum">
               <a:rPr lang="he-IL" smtClean="0"/>
               <a:pPr/>
-              <a:t>8</a:t>
+              <a:t>7</a:t>
             </a:fld>
             <a:endParaRPr lang="he-IL"/>
           </a:p>
@@ -1919,7 +2042,7 @@
     </p:spTree>
     <p:extLst>
       <p:ext uri="{BB962C8B-B14F-4D97-AF65-F5344CB8AC3E}">
-        <p14:creationId xmlns:p14="http://schemas.microsoft.com/office/powerpoint/2010/main" val="2079223723"/>
+        <p14:creationId xmlns:p14="http://schemas.microsoft.com/office/powerpoint/2010/main" val="3261242441"/>
       </p:ext>
     </p:extLst>
   </p:cSld>
@@ -1974,58 +2097,58 @@
           <a:lstStyle/>
           <a:p>
             <a:r>
+              <a:rPr lang="he-IL" dirty="0" smtClean="0"/>
+              <a:t>לפני השינוי מערכת </a:t>
+            </a:r>
+            <a:r>
+              <a:rPr lang="he-IL" dirty="0" err="1" smtClean="0"/>
+              <a:t>המטלב</a:t>
+            </a:r>
+            <a:r>
+              <a:rPr lang="he-IL" dirty="0" smtClean="0"/>
+              <a:t> דחסה תמונה בקידוד </a:t>
+            </a:r>
+            <a:r>
+              <a:rPr lang="en-US" dirty="0" err="1" smtClean="0"/>
+              <a:t>runlength</a:t>
+            </a:r>
+            <a:endParaRPr lang="en-US" dirty="0" smtClean="0"/>
+          </a:p>
+          <a:p>
+            <a:r>
+              <a:rPr lang="he-IL" dirty="0" smtClean="0"/>
+              <a:t>לאחר</a:t>
+            </a:r>
+            <a:r>
               <a:rPr lang="he-IL" baseline="0" dirty="0" smtClean="0"/>
-              <a:t>פיקסל מנג'ר אחראי לקרוא למידע </a:t>
-            </a:r>
-            <a:r>
-              <a:rPr lang="he-IL" baseline="0" dirty="0" err="1" smtClean="0"/>
-              <a:t>מהזכרון</a:t>
-            </a:r>
+              <a:t> מכן חלקה את החבילה למנות על מנת לשלוח אותה ב</a:t>
+            </a:r>
+            <a:r>
+              <a:rPr lang="en-US" baseline="0" dirty="0" smtClean="0"/>
+              <a:t>UART</a:t>
+            </a:r>
+            <a:endParaRPr lang="he-IL" baseline="0" dirty="0" smtClean="0"/>
+          </a:p>
+          <a:p>
             <a:r>
               <a:rPr lang="he-IL" baseline="0" dirty="0" smtClean="0"/>
-              <a:t> החיצוני לטובת התצוגה</a:t>
+              <a:t>אצלנו במערכת, התמונה אינה עוברת דחיסה, כמו כן נוספה תמיכה של כתיבה פרמטרי משתמש אל הרגיסטרים המתאימים.</a:t>
             </a:r>
           </a:p>
           <a:p>
             <a:r>
               <a:rPr lang="he-IL" baseline="0" dirty="0" smtClean="0"/>
-              <a:t>עד עשתה הוא ביקש מידע שכלל גוון </a:t>
-            </a:r>
-            <a:r>
-              <a:rPr lang="he-IL" baseline="0" dirty="0" err="1" smtClean="0"/>
-              <a:t>אפור+מספר</a:t>
+              <a:t>עדכון חישובי ה</a:t>
+            </a:r>
+            <a:r>
+              <a:rPr lang="en-US" baseline="0" dirty="0" smtClean="0"/>
+              <a:t>CRC</a:t>
             </a:r>
             <a:r>
               <a:rPr lang="he-IL" baseline="0" dirty="0" smtClean="0"/>
-              <a:t> חזרות וכך ספר את מספר </a:t>
-            </a:r>
-            <a:r>
-              <a:rPr lang="he-IL" baseline="0" dirty="0" err="1" smtClean="0"/>
-              <a:t>הפיקבלים</a:t>
-            </a:r>
-            <a:r>
-              <a:rPr lang="he-IL" baseline="0" dirty="0" smtClean="0"/>
-              <a:t> הדרושים על מנת להרכיב תמונה בצג</a:t>
-            </a:r>
-          </a:p>
-          <a:p>
-            <a:r>
-              <a:rPr lang="he-IL" baseline="0" dirty="0" smtClean="0"/>
-              <a:t>אנחנו עדכנו אותו על מנת שיתמוך ב</a:t>
-            </a:r>
-            <a:r>
-              <a:rPr lang="en-US" baseline="0" dirty="0" smtClean="0"/>
-              <a:t>DATA</a:t>
-            </a:r>
-            <a:r>
-              <a:rPr lang="he-IL" baseline="0" dirty="0" smtClean="0"/>
-              <a:t> שאינו מכיל מספרי חזרות – עדכוני </a:t>
-            </a:r>
-            <a:r>
-              <a:rPr lang="he-IL" baseline="0" dirty="0" err="1" smtClean="0"/>
-              <a:t>קאונטרים</a:t>
-            </a:r>
-            <a:endParaRPr lang="he-IL" baseline="0" dirty="0" smtClean="0"/>
+              <a:t>.</a:t>
+            </a:r>
+            <a:endParaRPr lang="he-IL" dirty="0"/>
           </a:p>
         </p:txBody>
       </p:sp>
@@ -2047,7 +2170,7 @@
             <a:fld id="{2C03A9CB-966F-4A57-B2C3-5A442A549DBA}" type="slidenum">
               <a:rPr lang="he-IL" smtClean="0"/>
               <a:pPr/>
-              <a:t>9</a:t>
+              <a:t>8</a:t>
             </a:fld>
             <a:endParaRPr lang="he-IL"/>
           </a:p>
@@ -2111,46 +2234,58 @@
           <a:lstStyle/>
           <a:p>
             <a:r>
-              <a:rPr lang="he-IL" dirty="0" smtClean="0"/>
-              <a:t>לצורך סימולציה של תמונה לא דחוסה, נדרש הרבה זמן</a:t>
-            </a:r>
-          </a:p>
-          <a:p>
-            <a:r>
-              <a:rPr lang="he-IL" dirty="0" smtClean="0"/>
-              <a:t>לכן העדפנו</a:t>
-            </a:r>
-            <a:r>
               <a:rPr lang="he-IL" baseline="0" dirty="0" smtClean="0"/>
-              <a:t> לעבוד על רזולוציות נמוכות. לקח הרבה זמן כדי לגרום למערכת לתמוך ברזולוציות קטנות</a:t>
-            </a:r>
-          </a:p>
-          <a:p>
+              <a:t>פיקסל מנג'ר אחראי לקרוא למידע </a:t>
+            </a:r>
+            <a:r>
+              <a:rPr lang="he-IL" baseline="0" dirty="0" err="1" smtClean="0"/>
+              <a:t>מהזכרון</a:t>
+            </a:r>
             <a:r>
               <a:rPr lang="he-IL" baseline="0" dirty="0" smtClean="0"/>
-              <a:t>שינוי </a:t>
+              <a:t> החיצוני לטובת התצוגה</a:t>
+            </a:r>
+          </a:p>
+          <a:p>
+            <a:r>
+              <a:rPr lang="he-IL" baseline="0" dirty="0" smtClean="0"/>
+              <a:t>עד עשתה הוא ביקש מידע שכלל גוון </a:t>
             </a:r>
             <a:r>
               <a:rPr lang="he-IL" baseline="0" dirty="0" err="1" smtClean="0"/>
-              <a:t>ג'נריקים</a:t>
+              <a:t>אפור+מספר</a:t>
             </a:r>
             <a:r>
               <a:rPr lang="he-IL" baseline="0" dirty="0" smtClean="0"/>
-              <a:t>, </a:t>
+              <a:t> חזרות וכך ספר את מספר </a:t>
+            </a:r>
+            <a:r>
+              <a:rPr lang="he-IL" baseline="0" dirty="0" err="1" smtClean="0"/>
+              <a:t>הפיקבלים</a:t>
             </a:r>
             <a:r>
               <a:rPr lang="he-IL" baseline="0" dirty="0" smtClean="0"/>
-              <a:t>הרבה </a:t>
+              <a:t> הדרושים על מנת להרכיב תמונה בצג</a:t>
+            </a:r>
+          </a:p>
+          <a:p>
+            <a:r>
+              <a:rPr lang="he-IL" baseline="0" dirty="0" smtClean="0"/>
+              <a:t>אנחנו עדכנו אותו על מנת שיתמוך ב</a:t>
+            </a:r>
+            <a:r>
+              <a:rPr lang="en-US" baseline="0" dirty="0" smtClean="0"/>
+              <a:t>DATA</a:t>
+            </a:r>
+            <a:r>
+              <a:rPr lang="he-IL" baseline="0" dirty="0" smtClean="0"/>
+              <a:t> שאינו מכיל מספרי חזרות – עדכוני </a:t>
             </a:r>
             <a:r>
               <a:rPr lang="he-IL" baseline="0" dirty="0" err="1" smtClean="0"/>
-              <a:t>דיבאגים</a:t>
-            </a:r>
-            <a:r>
-              <a:rPr lang="he-IL" baseline="0" dirty="0" smtClean="0"/>
-              <a:t> ולמידה של המערכת</a:t>
-            </a:r>
-            <a:endParaRPr lang="he-IL" dirty="0"/>
+              <a:t>קאונטרים</a:t>
+            </a:r>
+            <a:endParaRPr lang="he-IL" baseline="0" dirty="0" smtClean="0"/>
           </a:p>
         </p:txBody>
       </p:sp>
@@ -2172,7 +2307,7 @@
             <a:fld id="{2C03A9CB-966F-4A57-B2C3-5A442A549DBA}" type="slidenum">
               <a:rPr lang="he-IL" smtClean="0"/>
               <a:pPr/>
-              <a:t>10</a:t>
+              <a:t>9</a:t>
             </a:fld>
             <a:endParaRPr lang="he-IL"/>
           </a:p>
@@ -7224,11 +7359,7 @@
             <a:pPr lvl="1" algn="l" rtl="0"/>
             <a:r>
               <a:rPr lang="en-US" dirty="0" smtClean="0"/>
-              <a:t>Changes </a:t>
-            </a:r>
-            <a:r>
-              <a:rPr lang="en-US" dirty="0" smtClean="0"/>
-              <a:t>to support different image resolutions</a:t>
+              <a:t>Changes to support different image resolutions</a:t>
             </a:r>
           </a:p>
           <a:p>
@@ -9104,6 +9235,163 @@
 </file>
 
 <file path=ppt/slides/slide11.xml><?xml version="1.0" encoding="utf-8"?>
+<p:sld xmlns:a="http://schemas.openxmlformats.org/drawingml/2006/main" xmlns:r="http://schemas.openxmlformats.org/officeDocument/2006/relationships" xmlns:p="http://schemas.openxmlformats.org/presentationml/2006/main">
+  <p:cSld>
+    <p:spTree>
+      <p:nvGrpSpPr>
+        <p:cNvPr id="1" name=""/>
+        <p:cNvGrpSpPr/>
+        <p:nvPr/>
+      </p:nvGrpSpPr>
+      <p:grpSpPr>
+        <a:xfrm>
+          <a:off x="0" y="0"/>
+          <a:ext cx="0" cy="0"/>
+          <a:chOff x="0" y="0"/>
+          <a:chExt cx="0" cy="0"/>
+        </a:xfrm>
+      </p:grpSpPr>
+      <p:sp>
+        <p:nvSpPr>
+          <p:cNvPr id="3" name="Title 2"/>
+          <p:cNvSpPr>
+            <a:spLocks noGrp="1"/>
+          </p:cNvSpPr>
+          <p:nvPr>
+            <p:ph type="title"/>
+          </p:nvPr>
+        </p:nvSpPr>
+        <p:spPr/>
+        <p:txBody>
+          <a:bodyPr>
+            <a:normAutofit/>
+          </a:bodyPr>
+          <a:lstStyle/>
+          <a:p>
+            <a:pPr rtl="0"/>
+            <a:r>
+              <a:rPr lang="en-US" dirty="0" smtClean="0"/>
+              <a:t>Problems during the process</a:t>
+            </a:r>
+            <a:endParaRPr lang="he-IL" dirty="0"/>
+          </a:p>
+        </p:txBody>
+      </p:sp>
+      <p:sp>
+        <p:nvSpPr>
+          <p:cNvPr id="5" name="Content Placeholder 1"/>
+          <p:cNvSpPr>
+            <a:spLocks noGrp="1"/>
+          </p:cNvSpPr>
+          <p:nvPr>
+            <p:ph idx="1"/>
+          </p:nvPr>
+        </p:nvSpPr>
+        <p:spPr>
+          <a:xfrm>
+            <a:off x="457200" y="1481328"/>
+            <a:ext cx="8229600" cy="4525963"/>
+          </a:xfrm>
+        </p:spPr>
+        <p:txBody>
+          <a:bodyPr/>
+          <a:lstStyle/>
+          <a:p>
+            <a:pPr marL="624078" indent="-514350" algn="l" rtl="0">
+              <a:buAutoNum type="arabicPeriod"/>
+            </a:pPr>
+            <a:r>
+              <a:rPr lang="en-US" dirty="0" smtClean="0"/>
+              <a:t>Making the system support low resolutions:</a:t>
+            </a:r>
+          </a:p>
+          <a:p>
+            <a:pPr marL="708660" lvl="1" indent="-342900" algn="l" rtl="0">
+              <a:buFont typeface="Arial" pitchFamily="34" charset="0"/>
+              <a:buChar char="•"/>
+            </a:pPr>
+            <a:r>
+              <a:rPr lang="en-US" dirty="0" smtClean="0"/>
+              <a:t>Debugging the current system in order to learn the data flow, components, processes.</a:t>
+            </a:r>
+          </a:p>
+          <a:p>
+            <a:pPr marL="708660" lvl="1" indent="-342900" algn="l" rtl="0">
+              <a:buFont typeface="Arial" pitchFamily="34" charset="0"/>
+              <a:buChar char="•"/>
+            </a:pPr>
+            <a:r>
+              <a:rPr lang="en-US" dirty="0" smtClean="0"/>
+              <a:t>Changing generics in code</a:t>
+            </a:r>
+          </a:p>
+          <a:p>
+            <a:pPr marL="624078" indent="-514350" algn="l" rtl="0">
+              <a:buAutoNum type="arabicPeriod"/>
+            </a:pPr>
+            <a:r>
+              <a:rPr lang="en-US" dirty="0" smtClean="0"/>
+              <a:t>Making the system support non compressed image</a:t>
+            </a:r>
+          </a:p>
+          <a:p>
+            <a:pPr lvl="1" algn="l" rtl="0">
+              <a:buFont typeface="Arial" pitchFamily="34" charset="0"/>
+              <a:buChar char="•"/>
+            </a:pPr>
+            <a:r>
+              <a:rPr lang="en-US" dirty="0" smtClean="0"/>
+              <a:t>Removal unnecessary components</a:t>
+            </a:r>
+          </a:p>
+          <a:p>
+            <a:pPr lvl="1" algn="l" rtl="0">
+              <a:buFont typeface="Arial" pitchFamily="34" charset="0"/>
+              <a:buChar char="•"/>
+            </a:pPr>
+            <a:r>
+              <a:rPr lang="en-US" dirty="0" smtClean="0"/>
+              <a:t>Change the </a:t>
+            </a:r>
+            <a:r>
+              <a:rPr lang="en-US" dirty="0" err="1" smtClean="0"/>
+              <a:t>matlab</a:t>
+            </a:r>
+            <a:r>
+              <a:rPr lang="en-US" dirty="0" smtClean="0"/>
+              <a:t> output. </a:t>
+            </a:r>
+            <a:endParaRPr lang="en-US" dirty="0"/>
+          </a:p>
+          <a:p>
+            <a:pPr marL="109728" indent="0" algn="l" rtl="0">
+              <a:buNone/>
+            </a:pPr>
+            <a:endParaRPr lang="en-US" dirty="0" smtClean="0"/>
+          </a:p>
+        </p:txBody>
+      </p:sp>
+    </p:spTree>
+    <p:extLst>
+      <p:ext uri="{BB962C8B-B14F-4D97-AF65-F5344CB8AC3E}">
+        <p14:creationId xmlns:p14="http://schemas.microsoft.com/office/powerpoint/2010/main" val="568031327"/>
+      </p:ext>
+    </p:extLst>
+  </p:cSld>
+  <p:clrMapOvr>
+    <a:masterClrMapping/>
+  </p:clrMapOvr>
+  <p:timing>
+    <p:tnLst>
+      <p:par>
+        <p:cTn id="1" dur="indefinite" restart="never" nodeType="tmRoot"/>
+      </p:par>
+    </p:tnLst>
+  </p:timing>
+</p:sld>
+</file>
+
+<file path=ppt/slides/slide12.xml><?xml version="1.0" encoding="utf-8"?>
 <p:sld xmlns:a="http://schemas.openxmlformats.org/drawingml/2006/main" xmlns:r="http://schemas.openxmlformats.org/officeDocument/2006/relationships" xmlns:p="http://schemas.openxmlformats.org/presentationml/2006/main">
   <p:cSld>
     <p:spTree>
@@ -11624,7 +11912,7 @@
 </p:sld>
 </file>
 
-<file path=ppt/slides/slide12.xml><?xml version="1.0" encoding="utf-8"?>
+<file path=ppt/slides/slide13.xml><?xml version="1.0" encoding="utf-8"?>
 <p:sld xmlns:a="http://schemas.openxmlformats.org/drawingml/2006/main" xmlns:r="http://schemas.openxmlformats.org/officeDocument/2006/relationships" xmlns:p="http://schemas.openxmlformats.org/presentationml/2006/main">
   <p:cSld>
     <p:spTree>
@@ -11660,11 +11948,7 @@
           <a:p>
             <a:r>
               <a:rPr lang="en-US" dirty="0" smtClean="0"/>
-              <a:t>Image Manipulation – New </a:t>
-            </a:r>
-            <a:r>
-              <a:rPr lang="en-US" dirty="0" smtClean="0"/>
-              <a:t>Block (Prototype)</a:t>
+              <a:t>Image Manipulation – New Block (Prototype)</a:t>
             </a:r>
             <a:endParaRPr lang="he-IL" dirty="0"/>
           </a:p>
@@ -13071,7 +13355,7 @@
 </p:sld>
 </file>
 
-<file path=ppt/slides/slide13.xml><?xml version="1.0" encoding="utf-8"?>
+<file path=ppt/slides/slide14.xml><?xml version="1.0" encoding="utf-8"?>
 <p:sld xmlns:a="http://schemas.openxmlformats.org/drawingml/2006/main" xmlns:r="http://schemas.openxmlformats.org/officeDocument/2006/relationships" xmlns:p="http://schemas.openxmlformats.org/presentationml/2006/main">
   <p:cSld>
     <p:spTree>
@@ -15300,15 +15584,7 @@
               <a:srgbClr val="FFFFFF"/>
             </a:contourClr>
           </a:sp3d>
-          <a:extLst>
-            <a:ext uri="{909E8E84-426E-40DD-AFC4-6F175D3DCCD1}">
-              <a14:hiddenFill xmlns:a14="http://schemas.microsoft.com/office/drawing/2010/main">
-                <a:solidFill>
-                  <a:srgbClr val="FFFFFF"/>
-                </a:solidFill>
-              </a14:hiddenFill>
-            </a:ext>
-          </a:extLst>
+          <a:extLst/>
         </p:spPr>
       </p:pic>
     </p:spTree>
@@ -16177,7 +16453,7 @@
 </p:sld>
 </file>
 
-<file path=ppt/slides/slide14.xml><?xml version="1.0" encoding="utf-8"?>
+<file path=ppt/slides/slide15.xml><?xml version="1.0" encoding="utf-8"?>
 <p:sld xmlns:a="http://schemas.openxmlformats.org/drawingml/2006/main" xmlns:r="http://schemas.openxmlformats.org/officeDocument/2006/relationships" xmlns:p="http://schemas.openxmlformats.org/presentationml/2006/main">
   <p:cSld>
     <p:spTree>
@@ -16212,15 +16488,7 @@
             <a:pPr algn="l" rtl="0"/>
             <a:r>
               <a:rPr lang="en-US" dirty="0" smtClean="0"/>
-              <a:t>New registers were added to the system in order to hold the user </a:t>
-            </a:r>
-            <a:r>
-              <a:rPr lang="en-US" dirty="0" smtClean="0"/>
-              <a:t>parameters, </a:t>
-            </a:r>
-            <a:r>
-              <a:rPr lang="en-US" dirty="0" smtClean="0"/>
-              <a:t>which are required for image manipulation.</a:t>
+              <a:t>New registers were added to the system in order to hold the user parameters, which are required for image manipulation.</a:t>
             </a:r>
           </a:p>
           <a:p>
@@ -16287,7 +16555,7 @@
         </p:nvGraphicFramePr>
         <p:xfrm>
           <a:off x="323528" y="3717032"/>
-          <a:ext cx="8568951" cy="1872207"/>
+          <a:ext cx="8568951" cy="1872778"/>
         </p:xfrm>
         <a:graphic>
           <a:graphicData uri="http://schemas.openxmlformats.org/drawingml/2006/table">
@@ -17085,7 +17353,7 @@
 </p:sld>
 </file>
 
-<file path=ppt/slides/slide15.xml><?xml version="1.0" encoding="utf-8"?>
+<file path=ppt/slides/slide16.xml><?xml version="1.0" encoding="utf-8"?>
 <p:sld xmlns:a="http://schemas.openxmlformats.org/drawingml/2006/main" xmlns:r="http://schemas.openxmlformats.org/officeDocument/2006/relationships" xmlns:p="http://schemas.openxmlformats.org/presentationml/2006/main">
   <p:cSld>
     <p:spTree>
@@ -17385,7 +17653,7 @@
 </p:sld>
 </file>
 
-<file path=ppt/slides/slide16.xml><?xml version="1.0" encoding="utf-8"?>
+<file path=ppt/slides/slide17.xml><?xml version="1.0" encoding="utf-8"?>
 <p:sld xmlns:a="http://schemas.openxmlformats.org/drawingml/2006/main" xmlns:r="http://schemas.openxmlformats.org/officeDocument/2006/relationships" xmlns:p="http://schemas.openxmlformats.org/presentationml/2006/main">
   <p:cSld>
     <p:spTree>
@@ -18062,7 +18330,7 @@
 </p:sld>
 </file>
 
-<file path=ppt/slides/slide17.xml><?xml version="1.0" encoding="utf-8"?>
+<file path=ppt/slides/slide18.xml><?xml version="1.0" encoding="utf-8"?>
 <p:sld xmlns:a="http://schemas.openxmlformats.org/drawingml/2006/main" xmlns:r="http://schemas.openxmlformats.org/officeDocument/2006/relationships" xmlns:p="http://schemas.openxmlformats.org/presentationml/2006/main">
   <p:cSld>
     <p:spTree>
@@ -18284,163 +18552,6 @@
 </p:sld>
 </file>
 
-<file path=ppt/slides/slide18.xml><?xml version="1.0" encoding="utf-8"?>
-<p:sld xmlns:a="http://schemas.openxmlformats.org/drawingml/2006/main" xmlns:r="http://schemas.openxmlformats.org/officeDocument/2006/relationships" xmlns:p="http://schemas.openxmlformats.org/presentationml/2006/main">
-  <p:cSld>
-    <p:spTree>
-      <p:nvGrpSpPr>
-        <p:cNvPr id="1" name=""/>
-        <p:cNvGrpSpPr/>
-        <p:nvPr/>
-      </p:nvGrpSpPr>
-      <p:grpSpPr>
-        <a:xfrm>
-          <a:off x="0" y="0"/>
-          <a:ext cx="0" cy="0"/>
-          <a:chOff x="0" y="0"/>
-          <a:chExt cx="0" cy="0"/>
-        </a:xfrm>
-      </p:grpSpPr>
-      <p:sp>
-        <p:nvSpPr>
-          <p:cNvPr id="3" name="Title 2"/>
-          <p:cNvSpPr>
-            <a:spLocks noGrp="1"/>
-          </p:cNvSpPr>
-          <p:nvPr>
-            <p:ph type="title"/>
-          </p:nvPr>
-        </p:nvSpPr>
-        <p:spPr/>
-        <p:txBody>
-          <a:bodyPr>
-            <a:normAutofit/>
-          </a:bodyPr>
-          <a:lstStyle/>
-          <a:p>
-            <a:pPr rtl="0"/>
-            <a:r>
-              <a:rPr lang="en-US" dirty="0" smtClean="0"/>
-              <a:t>Problems during the process</a:t>
-            </a:r>
-            <a:endParaRPr lang="he-IL" dirty="0"/>
-          </a:p>
-        </p:txBody>
-      </p:sp>
-      <p:sp>
-        <p:nvSpPr>
-          <p:cNvPr id="5" name="Content Placeholder 1"/>
-          <p:cNvSpPr>
-            <a:spLocks noGrp="1"/>
-          </p:cNvSpPr>
-          <p:nvPr>
-            <p:ph idx="1"/>
-          </p:nvPr>
-        </p:nvSpPr>
-        <p:spPr>
-          <a:xfrm>
-            <a:off x="457200" y="1481328"/>
-            <a:ext cx="8229600" cy="4525963"/>
-          </a:xfrm>
-        </p:spPr>
-        <p:txBody>
-          <a:bodyPr/>
-          <a:lstStyle/>
-          <a:p>
-            <a:pPr marL="624078" indent="-514350" algn="l" rtl="0">
-              <a:buAutoNum type="arabicPeriod"/>
-            </a:pPr>
-            <a:r>
-              <a:rPr lang="en-US" dirty="0" smtClean="0"/>
-              <a:t>Making the system support low resolutions:</a:t>
-            </a:r>
-          </a:p>
-          <a:p>
-            <a:pPr marL="708660" lvl="1" indent="-342900" algn="l" rtl="0">
-              <a:buFont typeface="Arial" pitchFamily="34" charset="0"/>
-              <a:buChar char="•"/>
-            </a:pPr>
-            <a:r>
-              <a:rPr lang="en-US" dirty="0" smtClean="0"/>
-              <a:t>Debugging the current system in order to learn the data flow, components, processes.</a:t>
-            </a:r>
-          </a:p>
-          <a:p>
-            <a:pPr marL="708660" lvl="1" indent="-342900" algn="l" rtl="0">
-              <a:buFont typeface="Arial" pitchFamily="34" charset="0"/>
-              <a:buChar char="•"/>
-            </a:pPr>
-            <a:r>
-              <a:rPr lang="en-US" dirty="0" smtClean="0"/>
-              <a:t>Changing generics in code</a:t>
-            </a:r>
-          </a:p>
-          <a:p>
-            <a:pPr marL="624078" indent="-514350" algn="l" rtl="0">
-              <a:buAutoNum type="arabicPeriod"/>
-            </a:pPr>
-            <a:r>
-              <a:rPr lang="en-US" dirty="0" smtClean="0"/>
-              <a:t>Making the system support non compressed image</a:t>
-            </a:r>
-          </a:p>
-          <a:p>
-            <a:pPr lvl="1" algn="l" rtl="0">
-              <a:buFont typeface="Arial" pitchFamily="34" charset="0"/>
-              <a:buChar char="•"/>
-            </a:pPr>
-            <a:r>
-              <a:rPr lang="en-US" dirty="0" smtClean="0"/>
-              <a:t>Removal unnecessary components</a:t>
-            </a:r>
-          </a:p>
-          <a:p>
-            <a:pPr lvl="1" algn="l" rtl="0">
-              <a:buFont typeface="Arial" pitchFamily="34" charset="0"/>
-              <a:buChar char="•"/>
-            </a:pPr>
-            <a:r>
-              <a:rPr lang="en-US" dirty="0" smtClean="0"/>
-              <a:t>Change the </a:t>
-            </a:r>
-            <a:r>
-              <a:rPr lang="en-US" dirty="0" err="1" smtClean="0"/>
-              <a:t>matlab</a:t>
-            </a:r>
-            <a:r>
-              <a:rPr lang="en-US" dirty="0" smtClean="0"/>
-              <a:t> output. </a:t>
-            </a:r>
-            <a:endParaRPr lang="en-US" dirty="0"/>
-          </a:p>
-          <a:p>
-            <a:pPr marL="109728" indent="0" algn="l" rtl="0">
-              <a:buNone/>
-            </a:pPr>
-            <a:endParaRPr lang="en-US" dirty="0" smtClean="0"/>
-          </a:p>
-        </p:txBody>
-      </p:sp>
-    </p:spTree>
-    <p:extLst>
-      <p:ext uri="{BB962C8B-B14F-4D97-AF65-F5344CB8AC3E}">
-        <p14:creationId xmlns:p14="http://schemas.microsoft.com/office/powerpoint/2010/main" val="3934488487"/>
-      </p:ext>
-    </p:extLst>
-  </p:cSld>
-  <p:clrMapOvr>
-    <a:masterClrMapping/>
-  </p:clrMapOvr>
-  <p:timing>
-    <p:tnLst>
-      <p:par>
-        <p:cTn id="1" dur="indefinite" restart="never" nodeType="tmRoot"/>
-      </p:par>
-    </p:tnLst>
-  </p:timing>
-</p:sld>
-</file>
-
 <file path=ppt/slides/slide19.xml><?xml version="1.0" encoding="utf-8"?>
 <p:sld xmlns:a="http://schemas.openxmlformats.org/drawingml/2006/main" xmlns:r="http://schemas.openxmlformats.org/officeDocument/2006/relationships" xmlns:p="http://schemas.openxmlformats.org/presentationml/2006/main">
   <p:cSld>
@@ -18483,11 +18594,7 @@
             <a:pPr algn="l" rtl="0"/>
             <a:r>
               <a:rPr lang="en-US" dirty="0" smtClean="0"/>
-              <a:t>Create image manipulation </a:t>
-            </a:r>
-            <a:r>
-              <a:rPr lang="en-US" dirty="0" smtClean="0"/>
-              <a:t>block</a:t>
+              <a:t>Create image manipulation block</a:t>
             </a:r>
           </a:p>
           <a:p>
@@ -18496,7 +18603,6 @@
               <a:rPr lang="en-US" dirty="0" smtClean="0"/>
               <a:t>Test and debugging</a:t>
             </a:r>
-            <a:endParaRPr lang="en-US" dirty="0" smtClean="0"/>
           </a:p>
           <a:p>
             <a:pPr algn="l" rtl="0"/>
@@ -18590,33 +18696,21 @@
             <a:pPr algn="l" rtl="0"/>
             <a:r>
               <a:rPr lang="en-US" dirty="0" smtClean="0"/>
-              <a:t>Previous </a:t>
-            </a:r>
+              <a:t>Previous System – Explained</a:t>
+            </a:r>
+          </a:p>
+          <a:p>
+            <a:pPr algn="l" rtl="0"/>
             <a:r>
               <a:rPr lang="en-US" dirty="0" smtClean="0"/>
-              <a:t>System – Explained</a:t>
+              <a:t>Degeneration of the system</a:t>
             </a:r>
           </a:p>
           <a:p>
             <a:pPr algn="l" rtl="0"/>
             <a:r>
               <a:rPr lang="en-US" dirty="0" smtClean="0"/>
-              <a:t>Degeneration </a:t>
-            </a:r>
-            <a:r>
-              <a:rPr lang="en-US" dirty="0" smtClean="0"/>
-              <a:t>of the system</a:t>
-            </a:r>
-          </a:p>
-          <a:p>
-            <a:pPr algn="l" rtl="0"/>
-            <a:r>
-              <a:rPr lang="en-US" dirty="0" smtClean="0"/>
-              <a:t>New Top Architecture – Additions and </a:t>
-            </a:r>
-            <a:r>
-              <a:rPr lang="en-US" dirty="0" smtClean="0"/>
-              <a:t>modifications</a:t>
+              <a:t>New Top Architecture – Additions and modifications</a:t>
             </a:r>
           </a:p>
           <a:p>
@@ -18625,7 +18719,6 @@
               <a:rPr lang="en-US" dirty="0" smtClean="0"/>
               <a:t>Data Flow</a:t>
             </a:r>
-            <a:endParaRPr lang="en-US" dirty="0" smtClean="0"/>
           </a:p>
           <a:p>
             <a:pPr algn="l" rtl="0"/>
@@ -18633,19 +18726,13 @@
               <a:rPr lang="en-US" dirty="0" smtClean="0"/>
               <a:t>Simulations</a:t>
             </a:r>
-            <a:endParaRPr lang="en-US" dirty="0" smtClean="0"/>
           </a:p>
           <a:p>
             <a:pPr algn="l" rtl="0"/>
             <a:r>
               <a:rPr lang="en-US" dirty="0" smtClean="0"/>
-              <a:t>Missions </a:t>
-            </a:r>
-            <a:r>
-              <a:rPr lang="en-US" dirty="0" smtClean="0"/>
-              <a:t>ahead + Time Table</a:t>
-            </a:r>
-            <a:endParaRPr lang="en-US" dirty="0" smtClean="0"/>
+              <a:t>Missions ahead + Time Table</a:t>
+            </a:r>
           </a:p>
           <a:p>
             <a:pPr algn="l" rtl="0"/>
@@ -19155,7 +19242,6 @@
                         <a:rPr lang="en-US" dirty="0" smtClean="0"/>
                         <a:t>Exams period</a:t>
                       </a:r>
-                      <a:endParaRPr lang="en-US" dirty="0" smtClean="0"/>
                     </a:p>
                   </a:txBody>
                   <a:tcPr/>
@@ -19189,11 +19275,7 @@
                       </a:r>
                       <a:r>
                         <a:rPr lang="en-US" baseline="0" dirty="0" smtClean="0"/>
-                        <a:t> </a:t>
-                      </a:r>
-                      <a:r>
-                        <a:rPr lang="en-US" baseline="0" dirty="0" smtClean="0"/>
-                        <a:t>Image manipulation block</a:t>
+                        <a:t> Image manipulation block</a:t>
                       </a:r>
                       <a:endParaRPr lang="en-US" dirty="0" smtClean="0"/>
                     </a:p>
@@ -19421,11 +19503,7 @@
           <a:p>
             <a:r>
               <a:rPr lang="en-US" dirty="0" smtClean="0"/>
-              <a:t>Time </a:t>
-            </a:r>
-            <a:r>
-              <a:rPr lang="en-US" dirty="0" smtClean="0"/>
-              <a:t>Table - 2012</a:t>
+              <a:t>Time Table - 2012</a:t>
             </a:r>
             <a:endParaRPr lang="he-IL" dirty="0"/>
           </a:p>
@@ -22501,7 +22579,7 @@
           <p:nvPr/>
         </p:nvPicPr>
         <p:blipFill>
-          <a:blip r:embed="rId2" cstate="print">
+          <a:blip r:embed="rId3" cstate="print">
             <a:extLst>
               <a:ext uri="{28A0092B-C50C-407E-A947-70E740481C1C}">
                 <a14:useLocalDpi xmlns:a14="http://schemas.microsoft.com/office/drawing/2010/main" val="0"/>
@@ -22565,7 +22643,7 @@
           <p:nvPr/>
         </p:nvPicPr>
         <p:blipFill>
-          <a:blip r:embed="rId3" cstate="print">
+          <a:blip r:embed="rId4" cstate="print">
             <a:extLst>
               <a:ext uri="{28A0092B-C50C-407E-A947-70E740481C1C}">
                 <a14:useLocalDpi xmlns:a14="http://schemas.microsoft.com/office/drawing/2010/main" val="0"/>
@@ -22629,7 +22707,7 @@
           <p:nvPr/>
         </p:nvPicPr>
         <p:blipFill>
-          <a:blip r:embed="rId4" cstate="print">
+          <a:blip r:embed="rId5" cstate="print">
             <a:extLst>
               <a:ext uri="{28A0092B-C50C-407E-A947-70E740481C1C}">
                 <a14:useLocalDpi xmlns:a14="http://schemas.microsoft.com/office/drawing/2010/main" val="0"/>
@@ -26563,15 +26641,7 @@
             <a:pPr lvl="1" algn="l" rtl="0"/>
             <a:r>
               <a:rPr lang="en-US" dirty="0" smtClean="0"/>
-              <a:t>Removal of Runlen </a:t>
-            </a:r>
-            <a:r>
-              <a:rPr lang="en-US" dirty="0" smtClean="0"/>
-              <a:t>Extractor (Decompressor</a:t>
-            </a:r>
-            <a:r>
-              <a:rPr lang="en-US" dirty="0" smtClean="0"/>
-              <a:t>)</a:t>
+              <a:t>Removal of Runlen Extractor (Decompressor)</a:t>
             </a:r>
           </a:p>
           <a:p>

--- a/Presentation/Mid_Presentation.pptx
+++ b/Presentation/Mid_Presentation.pptx
@@ -612,11 +612,7 @@
           <a:p>
             <a:r>
               <a:rPr lang="he-IL" dirty="0" smtClean="0"/>
-              <a:t>לצורך סימולציה של תמונה לא </a:t>
-            </a:r>
-            <a:r>
-              <a:rPr lang="he-IL" dirty="0" smtClean="0"/>
-              <a:t>דחוסה בגודל</a:t>
+              <a:t>לצורך סימולציה של תמונה לא דחוסה בגודל</a:t>
             </a:r>
             <a:r>
               <a:rPr lang="he-IL" baseline="0" dirty="0" smtClean="0"/>
@@ -19180,14 +19176,14 @@
             <p:ph idx="1"/>
             <p:extLst>
               <p:ext uri="{D42A27DB-BD31-4B8C-83A1-F6EECF244321}">
-                <p14:modId xmlns:p14="http://schemas.microsoft.com/office/powerpoint/2010/main" val="841581898"/>
+                <p14:modId xmlns:p14="http://schemas.microsoft.com/office/powerpoint/2010/main" val="3485026555"/>
               </p:ext>
             </p:extLst>
           </p:nvPr>
         </p:nvGraphicFramePr>
         <p:xfrm>
           <a:off x="457200" y="1481138"/>
-          <a:ext cx="8229600" cy="2595880"/>
+          <a:ext cx="8229600" cy="2865120"/>
         </p:xfrm>
         <a:graphic>
           <a:graphicData uri="http://schemas.openxmlformats.org/drawingml/2006/table">
@@ -19220,10 +19216,10 @@
                     <a:bodyPr/>
                     <a:lstStyle/>
                     <a:p>
-                      <a:pPr algn="l" rtl="0"/>
+                      <a:pPr algn="ctr" rtl="0"/>
                       <a:r>
                         <a:rPr lang="en-US" dirty="0" smtClean="0"/>
-                        <a:t>Week</a:t>
+                        <a:t>Month</a:t>
                       </a:r>
                       <a:endParaRPr lang="he-IL" dirty="0"/>
                     </a:p>
@@ -19240,8 +19236,13 @@
                       <a:pPr algn="l" rtl="0"/>
                       <a:r>
                         <a:rPr lang="en-US" dirty="0" smtClean="0"/>
-                        <a:t>Exams period</a:t>
+                        <a:t>Exams </a:t>
                       </a:r>
+                      <a:r>
+                        <a:rPr lang="en-US" dirty="0" smtClean="0"/>
+                        <a:t>Period</a:t>
+                      </a:r>
+                      <a:endParaRPr lang="en-US" dirty="0" smtClean="0"/>
                     </a:p>
                   </a:txBody>
                   <a:tcPr/>
@@ -19290,7 +19291,7 @@
                       <a:pPr algn="ctr" rtl="0"/>
                       <a:r>
                         <a:rPr lang="en-US" dirty="0" smtClean="0"/>
-                        <a:t>March</a:t>
+                        <a:t>March - April</a:t>
                       </a:r>
                       <a:endParaRPr lang="he-IL" dirty="0"/>
                     </a:p>
@@ -19307,7 +19308,11 @@
                       <a:pPr algn="l"/>
                       <a:r>
                         <a:rPr lang="en-US" dirty="0" smtClean="0"/>
-                        <a:t>Simulations and Debugging</a:t>
+                        <a:t>Final Presentation</a:t>
+                      </a:r>
+                      <a:r>
+                        <a:rPr lang="en-US" baseline="0" dirty="0" smtClean="0"/>
+                        <a:t> – Part A</a:t>
                       </a:r>
                       <a:endParaRPr lang="he-IL" dirty="0"/>
                     </a:p>
@@ -19338,7 +19343,7 @@
                       </a:pPr>
                       <a:r>
                         <a:rPr lang="en-US" dirty="0" smtClean="0"/>
-                        <a:t>April</a:t>
+                        <a:t>May</a:t>
                       </a:r>
                       <a:endParaRPr lang="he-IL" dirty="0" smtClean="0"/>
                     </a:p>
@@ -19355,15 +19360,7 @@
                       <a:pPr algn="l" rtl="0"/>
                       <a:r>
                         <a:rPr lang="en-US" dirty="0" smtClean="0"/>
-                        <a:t>Synthesis, 2</a:t>
-                      </a:r>
-                      <a:r>
-                        <a:rPr lang="en-US" baseline="30000" dirty="0" smtClean="0"/>
-                        <a:t>nd</a:t>
-                      </a:r>
-                      <a:r>
-                        <a:rPr lang="en-US" baseline="0" dirty="0" smtClean="0"/>
-                        <a:t> Presentation</a:t>
+                        <a:t>Synthesis</a:t>
                       </a:r>
                       <a:endParaRPr lang="he-IL" dirty="0"/>
                     </a:p>
@@ -19378,7 +19375,7 @@
                       <a:pPr algn="ctr" rtl="0"/>
                       <a:r>
                         <a:rPr lang="en-US" dirty="0" smtClean="0"/>
-                        <a:t>May</a:t>
+                        <a:t>May - June</a:t>
                       </a:r>
                       <a:endParaRPr lang="he-IL" dirty="0"/>
                     </a:p>
@@ -19411,7 +19408,7 @@
                       </a:pPr>
                       <a:r>
                         <a:rPr lang="en-US" dirty="0" smtClean="0"/>
-                        <a:t>Integration and Lab testing </a:t>
+                        <a:t>Exam Period</a:t>
                       </a:r>
                       <a:endParaRPr lang="he-IL" dirty="0" smtClean="0"/>
                     </a:p>
@@ -19426,7 +19423,7 @@
                       <a:pPr algn="ctr" rtl="0"/>
                       <a:r>
                         <a:rPr lang="en-US" dirty="0" smtClean="0"/>
-                        <a:t>June</a:t>
+                        <a:t>July</a:t>
                       </a:r>
                       <a:endParaRPr lang="he-IL" dirty="0"/>
                     </a:p>
@@ -19459,7 +19456,7 @@
                       </a:pPr>
                       <a:r>
                         <a:rPr lang="en-US" dirty="0" smtClean="0"/>
-                        <a:t>Final Presentation </a:t>
+                        <a:t>Integration and lab</a:t>
                       </a:r>
                       <a:endParaRPr lang="he-IL" dirty="0" smtClean="0"/>
                     </a:p>
@@ -19474,7 +19471,11 @@
                       <a:pPr algn="ctr" rtl="0"/>
                       <a:r>
                         <a:rPr lang="en-US" dirty="0" smtClean="0"/>
-                        <a:t>July</a:t>
+                        <a:t>August</a:t>
+                      </a:r>
+                      <a:r>
+                        <a:rPr lang="en-US" baseline="0" dirty="0" smtClean="0"/>
+                        <a:t> - September</a:t>
                       </a:r>
                       <a:endParaRPr lang="he-IL" dirty="0"/>
                     </a:p>

--- a/Presentation/Mid_Presentation.pptx
+++ b/Presentation/Mid_Presentation.pptx
@@ -19176,14 +19176,14 @@
             <p:ph idx="1"/>
             <p:extLst>
               <p:ext uri="{D42A27DB-BD31-4B8C-83A1-F6EECF244321}">
-                <p14:modId xmlns:p14="http://schemas.microsoft.com/office/powerpoint/2010/main" val="3485026555"/>
+                <p14:modId xmlns:p14="http://schemas.microsoft.com/office/powerpoint/2010/main" val="906518039"/>
               </p:ext>
             </p:extLst>
           </p:nvPr>
         </p:nvGraphicFramePr>
         <p:xfrm>
           <a:off x="457200" y="1481138"/>
-          <a:ext cx="8229600" cy="2865120"/>
+          <a:ext cx="8229600" cy="3235960"/>
         </p:xfrm>
         <a:graphic>
           <a:graphicData uri="http://schemas.openxmlformats.org/drawingml/2006/table">
@@ -19236,13 +19236,8 @@
                       <a:pPr algn="l" rtl="0"/>
                       <a:r>
                         <a:rPr lang="en-US" dirty="0" smtClean="0"/>
-                        <a:t>Exams </a:t>
+                        <a:t>Exams Period</a:t>
                       </a:r>
-                      <a:r>
-                        <a:rPr lang="en-US" dirty="0" smtClean="0"/>
-                        <a:t>Period</a:t>
-                      </a:r>
-                      <a:endParaRPr lang="en-US" dirty="0" smtClean="0"/>
                     </a:p>
                   </a:txBody>
                   <a:tcPr/>
@@ -19476,6 +19471,62 @@
                       <a:r>
                         <a:rPr lang="en-US" baseline="0" dirty="0" smtClean="0"/>
                         <a:t> - September</a:t>
+                      </a:r>
+                      <a:endParaRPr lang="he-IL" dirty="0"/>
+                    </a:p>
+                  </a:txBody>
+                  <a:tcPr anchor="ctr"/>
+                </a:tc>
+              </a:tr>
+              <a:tr h="370840">
+                <a:tc>
+                  <a:txBody>
+                    <a:bodyPr/>
+                    <a:lstStyle/>
+                    <a:p>
+                      <a:pPr marL="0" marR="0" indent="0" algn="l" defTabSz="914400" rtl="0" eaLnBrk="1" fontAlgn="auto" latinLnBrk="0" hangingPunct="1">
+                        <a:lnSpc>
+                          <a:spcPct val="100000"/>
+                        </a:lnSpc>
+                        <a:spcBef>
+                          <a:spcPts val="0"/>
+                        </a:spcBef>
+                        <a:spcAft>
+                          <a:spcPts val="0"/>
+                        </a:spcAft>
+                        <a:buClrTx/>
+                        <a:buSzTx/>
+                        <a:buFontTx/>
+                        <a:buNone/>
+                        <a:tabLst/>
+                        <a:defRPr/>
+                      </a:pPr>
+                      <a:r>
+                        <a:rPr lang="en-US" dirty="0" smtClean="0"/>
+                        <a:t>Final</a:t>
+                      </a:r>
+                      <a:r>
+                        <a:rPr lang="en-US" baseline="0" dirty="0" smtClean="0"/>
+                        <a:t> Presentation + </a:t>
+                      </a:r>
+                      <a:r>
+                        <a:rPr lang="en-US" baseline="0" dirty="0" err="1" smtClean="0"/>
+                        <a:t>Documantation</a:t>
+                      </a:r>
+                      <a:endParaRPr lang="he-IL" dirty="0" smtClean="0"/>
+                    </a:p>
+                  </a:txBody>
+                  <a:tcPr/>
+                </a:tc>
+                <a:tc>
+                  <a:txBody>
+                    <a:bodyPr/>
+                    <a:lstStyle/>
+                    <a:p>
+                      <a:pPr algn="ctr" rtl="0"/>
+                      <a:r>
+                        <a:rPr lang="en-US" dirty="0" smtClean="0"/>
+                        <a:t>October</a:t>
                       </a:r>
                       <a:endParaRPr lang="he-IL" dirty="0"/>
                     </a:p>

--- a/Presentation/Mid_Presentation.pptx
+++ b/Presentation/Mid_Presentation.pptx
@@ -19176,14 +19176,14 @@
             <p:ph idx="1"/>
             <p:extLst>
               <p:ext uri="{D42A27DB-BD31-4B8C-83A1-F6EECF244321}">
-                <p14:modId xmlns:p14="http://schemas.microsoft.com/office/powerpoint/2010/main" val="906518039"/>
+                <p14:modId xmlns:p14="http://schemas.microsoft.com/office/powerpoint/2010/main" val="2483192542"/>
               </p:ext>
             </p:extLst>
           </p:nvPr>
         </p:nvGraphicFramePr>
         <p:xfrm>
           <a:off x="457200" y="1481138"/>
-          <a:ext cx="8229600" cy="3235960"/>
+          <a:ext cx="8229600" cy="3606800"/>
         </p:xfrm>
         <a:graphic>
           <a:graphicData uri="http://schemas.openxmlformats.org/drawingml/2006/table">
@@ -19355,6 +19355,42 @@
                       <a:pPr algn="l" rtl="0"/>
                       <a:r>
                         <a:rPr lang="en-US" dirty="0" smtClean="0"/>
+                        <a:t>Simulation</a:t>
+                      </a:r>
+                      <a:endParaRPr lang="he-IL" dirty="0"/>
+                    </a:p>
+                  </a:txBody>
+                  <a:tcPr/>
+                </a:tc>
+                <a:tc>
+                  <a:txBody>
+                    <a:bodyPr/>
+                    <a:lstStyle/>
+                    <a:p>
+                      <a:pPr algn="ctr" rtl="0"/>
+                      <a:r>
+                        <a:rPr lang="en-US" dirty="0" smtClean="0"/>
+                        <a:t>May </a:t>
+                      </a:r>
+                      <a:r>
+                        <a:rPr lang="en-US" dirty="0" smtClean="0"/>
+                        <a:t>– June</a:t>
+                      </a:r>
+                      <a:endParaRPr lang="he-IL" dirty="0"/>
+                    </a:p>
+                  </a:txBody>
+                  <a:tcPr anchor="ctr"/>
+                </a:tc>
+              </a:tr>
+              <a:tr h="370840">
+                <a:tc>
+                  <a:txBody>
+                    <a:bodyPr/>
+                    <a:lstStyle/>
+                    <a:p>
+                      <a:pPr algn="l" rtl="0"/>
+                      <a:r>
+                        <a:rPr lang="en-US" dirty="0" smtClean="0"/>
                         <a:t>Synthesis</a:t>
                       </a:r>
                       <a:endParaRPr lang="he-IL" dirty="0"/>
@@ -19370,7 +19406,7 @@
                       <a:pPr algn="ctr" rtl="0"/>
                       <a:r>
                         <a:rPr lang="en-US" dirty="0" smtClean="0"/>
-                        <a:t>May - June</a:t>
+                        <a:t>June</a:t>
                       </a:r>
                       <a:endParaRPr lang="he-IL" dirty="0"/>
                     </a:p>
@@ -19510,8 +19546,8 @@
                         <a:t> Presentation + </a:t>
                       </a:r>
                       <a:r>
-                        <a:rPr lang="en-US" baseline="0" dirty="0" err="1" smtClean="0"/>
-                        <a:t>Documantation</a:t>
+                        <a:rPr lang="en-US" baseline="0" dirty="0" smtClean="0"/>
+                        <a:t>Documentation</a:t>
                       </a:r>
                       <a:endParaRPr lang="he-IL" dirty="0" smtClean="0"/>
                     </a:p>

--- a/Presentation/Mid_Presentation.pptx
+++ b/Presentation/Mid_Presentation.pptx
@@ -19176,7 +19176,7 @@
             <p:ph idx="1"/>
             <p:extLst>
               <p:ext uri="{D42A27DB-BD31-4B8C-83A1-F6EECF244321}">
-                <p14:modId xmlns:p14="http://schemas.microsoft.com/office/powerpoint/2010/main" val="2483192542"/>
+                <p14:modId xmlns:p14="http://schemas.microsoft.com/office/powerpoint/2010/main" val="1724531721"/>
               </p:ext>
             </p:extLst>
           </p:nvPr>
@@ -19487,7 +19487,11 @@
                       </a:pPr>
                       <a:r>
                         <a:rPr lang="en-US" dirty="0" smtClean="0"/>
-                        <a:t>Integration and lab</a:t>
+                        <a:t>Integration and </a:t>
+                      </a:r>
+                      <a:r>
+                        <a:rPr lang="en-US" smtClean="0"/>
+                        <a:t>lab testing</a:t>
                       </a:r>
                       <a:endParaRPr lang="he-IL" dirty="0" smtClean="0"/>
                     </a:p>
